--- a/End-To-End Rapid API Development With DotNet Core .pptx
+++ b/End-To-End Rapid API Development With DotNet Core .pptx
@@ -6,18 +6,22 @@
     <p:sldMasterId id="2147483677" r:id="rId5"/>
   </p:sldMasterIdLst>
   <p:notesMasterIdLst>
-    <p:notesMasterId r:id="rId15"/>
+    <p:notesMasterId r:id="rId19"/>
   </p:notesMasterIdLst>
   <p:sldIdLst>
-    <p:sldId id="269" r:id="rId6"/>
+    <p:sldId id="307" r:id="rId6"/>
     <p:sldId id="270" r:id="rId7"/>
     <p:sldId id="297" r:id="rId8"/>
     <p:sldId id="299" r:id="rId9"/>
     <p:sldId id="300" r:id="rId10"/>
     <p:sldId id="298" r:id="rId11"/>
-    <p:sldId id="301" r:id="rId12"/>
-    <p:sldId id="302" r:id="rId13"/>
-    <p:sldId id="296" r:id="rId14"/>
+    <p:sldId id="306" r:id="rId12"/>
+    <p:sldId id="301" r:id="rId13"/>
+    <p:sldId id="302" r:id="rId14"/>
+    <p:sldId id="303" r:id="rId15"/>
+    <p:sldId id="304" r:id="rId16"/>
+    <p:sldId id="305" r:id="rId17"/>
+    <p:sldId id="296" r:id="rId18"/>
   </p:sldIdLst>
   <p:sldSz cx="12192000" cy="6858000"/>
   <p:notesSz cx="6858000" cy="9144000"/>
@@ -217,7 +221,7 @@
           <a:p>
             <a:fld id="{4E5927ED-A7DE-49BD-9901-F872114C56A8}" type="datetimeFigureOut">
               <a:rPr lang="en-US" smtClean="0"/>
-              <a:t>10/26/2018</a:t>
+              <a:t>10/29/2018</a:t>
             </a:fld>
             <a:endParaRPr lang="en-US"/>
           </a:p>
@@ -551,7 +555,7 @@
             <a:fld id="{13F0F35F-DD44-4607-AEC1-49D7A4BC4066}" type="slidenum">
               <a:rPr lang="en-US" smtClean="0"/>
               <a:pPr/>
-              <a:t>1</a:t>
+              <a:t>2</a:t>
             </a:fld>
             <a:endParaRPr lang="en-US" dirty="0"/>
           </a:p>
@@ -560,7 +564,283 @@
     </p:spTree>
     <p:extLst>
       <p:ext uri="{BB962C8B-B14F-4D97-AF65-F5344CB8AC3E}">
-        <p14:creationId xmlns:p14="http://schemas.microsoft.com/office/powerpoint/2010/main" val="302708737"/>
+        <p14:creationId xmlns:p14="http://schemas.microsoft.com/office/powerpoint/2010/main" val="2276901357"/>
+      </p:ext>
+    </p:extLst>
+  </p:cSld>
+  <p:clrMapOvr>
+    <a:masterClrMapping/>
+  </p:clrMapOvr>
+</p:notes>
+</file>
+
+<file path=ppt/notesSlides/notesSlide10.xml><?xml version="1.0" encoding="utf-8"?>
+<p:notes xmlns:a="http://schemas.openxmlformats.org/drawingml/2006/main" xmlns:r="http://schemas.openxmlformats.org/officeDocument/2006/relationships" xmlns:p="http://schemas.openxmlformats.org/presentationml/2006/main">
+  <p:cSld>
+    <p:spTree>
+      <p:nvGrpSpPr>
+        <p:cNvPr id="1" name=""/>
+        <p:cNvGrpSpPr/>
+        <p:nvPr/>
+      </p:nvGrpSpPr>
+      <p:grpSpPr>
+        <a:xfrm>
+          <a:off x="0" y="0"/>
+          <a:ext cx="0" cy="0"/>
+          <a:chOff x="0" y="0"/>
+          <a:chExt cx="0" cy="0"/>
+        </a:xfrm>
+      </p:grpSpPr>
+      <p:sp>
+        <p:nvSpPr>
+          <p:cNvPr id="2" name="Slide Image Placeholder 1"/>
+          <p:cNvSpPr>
+            <a:spLocks noGrp="1" noRot="1" noChangeAspect="1"/>
+          </p:cNvSpPr>
+          <p:nvPr>
+            <p:ph type="sldImg"/>
+          </p:nvPr>
+        </p:nvSpPr>
+        <p:spPr>
+          <a:xfrm>
+            <a:off x="381000" y="685800"/>
+            <a:ext cx="6096000" cy="3429000"/>
+          </a:xfrm>
+        </p:spPr>
+      </p:sp>
+      <p:sp>
+        <p:nvSpPr>
+          <p:cNvPr id="3" name="Notes Placeholder 2"/>
+          <p:cNvSpPr>
+            <a:spLocks noGrp="1"/>
+          </p:cNvSpPr>
+          <p:nvPr>
+            <p:ph type="body" idx="1"/>
+          </p:nvPr>
+        </p:nvSpPr>
+        <p:spPr/>
+        <p:txBody>
+          <a:bodyPr>
+            <a:normAutofit/>
+          </a:bodyPr>
+          <a:lstStyle/>
+          <a:p>
+            <a:endParaRPr lang="en-CA" b="0" dirty="0" smtClean="0"/>
+          </a:p>
+        </p:txBody>
+      </p:sp>
+      <p:sp>
+        <p:nvSpPr>
+          <p:cNvPr id="4" name="Slide Number Placeholder 3"/>
+          <p:cNvSpPr>
+            <a:spLocks noGrp="1"/>
+          </p:cNvSpPr>
+          <p:nvPr>
+            <p:ph type="sldNum" sz="quarter" idx="10"/>
+          </p:nvPr>
+        </p:nvSpPr>
+        <p:spPr/>
+        <p:txBody>
+          <a:bodyPr/>
+          <a:lstStyle/>
+          <a:p>
+            <a:fld id="{13F0F35F-DD44-4607-AEC1-49D7A4BC4066}" type="slidenum">
+              <a:rPr lang="en-US" smtClean="0"/>
+              <a:pPr/>
+              <a:t>11</a:t>
+            </a:fld>
+            <a:endParaRPr lang="en-US" dirty="0"/>
+          </a:p>
+        </p:txBody>
+      </p:sp>
+    </p:spTree>
+    <p:extLst>
+      <p:ext uri="{BB962C8B-B14F-4D97-AF65-F5344CB8AC3E}">
+        <p14:creationId xmlns:p14="http://schemas.microsoft.com/office/powerpoint/2010/main" val="3707657129"/>
+      </p:ext>
+    </p:extLst>
+  </p:cSld>
+  <p:clrMapOvr>
+    <a:masterClrMapping/>
+  </p:clrMapOvr>
+</p:notes>
+</file>
+
+<file path=ppt/notesSlides/notesSlide11.xml><?xml version="1.0" encoding="utf-8"?>
+<p:notes xmlns:a="http://schemas.openxmlformats.org/drawingml/2006/main" xmlns:r="http://schemas.openxmlformats.org/officeDocument/2006/relationships" xmlns:p="http://schemas.openxmlformats.org/presentationml/2006/main">
+  <p:cSld>
+    <p:spTree>
+      <p:nvGrpSpPr>
+        <p:cNvPr id="1" name=""/>
+        <p:cNvGrpSpPr/>
+        <p:nvPr/>
+      </p:nvGrpSpPr>
+      <p:grpSpPr>
+        <a:xfrm>
+          <a:off x="0" y="0"/>
+          <a:ext cx="0" cy="0"/>
+          <a:chOff x="0" y="0"/>
+          <a:chExt cx="0" cy="0"/>
+        </a:xfrm>
+      </p:grpSpPr>
+      <p:sp>
+        <p:nvSpPr>
+          <p:cNvPr id="2" name="Slide Image Placeholder 1"/>
+          <p:cNvSpPr>
+            <a:spLocks noGrp="1" noRot="1" noChangeAspect="1"/>
+          </p:cNvSpPr>
+          <p:nvPr>
+            <p:ph type="sldImg"/>
+          </p:nvPr>
+        </p:nvSpPr>
+        <p:spPr>
+          <a:xfrm>
+            <a:off x="381000" y="685800"/>
+            <a:ext cx="6096000" cy="3429000"/>
+          </a:xfrm>
+        </p:spPr>
+      </p:sp>
+      <p:sp>
+        <p:nvSpPr>
+          <p:cNvPr id="3" name="Notes Placeholder 2"/>
+          <p:cNvSpPr>
+            <a:spLocks noGrp="1"/>
+          </p:cNvSpPr>
+          <p:nvPr>
+            <p:ph type="body" idx="1"/>
+          </p:nvPr>
+        </p:nvSpPr>
+        <p:spPr/>
+        <p:txBody>
+          <a:bodyPr>
+            <a:normAutofit/>
+          </a:bodyPr>
+          <a:lstStyle/>
+          <a:p>
+            <a:endParaRPr lang="en-CA" b="0" dirty="0" smtClean="0"/>
+          </a:p>
+        </p:txBody>
+      </p:sp>
+      <p:sp>
+        <p:nvSpPr>
+          <p:cNvPr id="4" name="Slide Number Placeholder 3"/>
+          <p:cNvSpPr>
+            <a:spLocks noGrp="1"/>
+          </p:cNvSpPr>
+          <p:nvPr>
+            <p:ph type="sldNum" sz="quarter" idx="10"/>
+          </p:nvPr>
+        </p:nvSpPr>
+        <p:spPr/>
+        <p:txBody>
+          <a:bodyPr/>
+          <a:lstStyle/>
+          <a:p>
+            <a:fld id="{13F0F35F-DD44-4607-AEC1-49D7A4BC4066}" type="slidenum">
+              <a:rPr lang="en-US" smtClean="0"/>
+              <a:pPr/>
+              <a:t>12</a:t>
+            </a:fld>
+            <a:endParaRPr lang="en-US" dirty="0"/>
+          </a:p>
+        </p:txBody>
+      </p:sp>
+    </p:spTree>
+    <p:extLst>
+      <p:ext uri="{BB962C8B-B14F-4D97-AF65-F5344CB8AC3E}">
+        <p14:creationId xmlns:p14="http://schemas.microsoft.com/office/powerpoint/2010/main" val="2307465240"/>
+      </p:ext>
+    </p:extLst>
+  </p:cSld>
+  <p:clrMapOvr>
+    <a:masterClrMapping/>
+  </p:clrMapOvr>
+</p:notes>
+</file>
+
+<file path=ppt/notesSlides/notesSlide12.xml><?xml version="1.0" encoding="utf-8"?>
+<p:notes xmlns:a="http://schemas.openxmlformats.org/drawingml/2006/main" xmlns:r="http://schemas.openxmlformats.org/officeDocument/2006/relationships" xmlns:p="http://schemas.openxmlformats.org/presentationml/2006/main">
+  <p:cSld>
+    <p:spTree>
+      <p:nvGrpSpPr>
+        <p:cNvPr id="1" name=""/>
+        <p:cNvGrpSpPr/>
+        <p:nvPr/>
+      </p:nvGrpSpPr>
+      <p:grpSpPr>
+        <a:xfrm>
+          <a:off x="0" y="0"/>
+          <a:ext cx="0" cy="0"/>
+          <a:chOff x="0" y="0"/>
+          <a:chExt cx="0" cy="0"/>
+        </a:xfrm>
+      </p:grpSpPr>
+      <p:sp>
+        <p:nvSpPr>
+          <p:cNvPr id="2" name="Slide Image Placeholder 1"/>
+          <p:cNvSpPr>
+            <a:spLocks noGrp="1" noRot="1" noChangeAspect="1"/>
+          </p:cNvSpPr>
+          <p:nvPr>
+            <p:ph type="sldImg"/>
+          </p:nvPr>
+        </p:nvSpPr>
+        <p:spPr>
+          <a:xfrm>
+            <a:off x="381000" y="685800"/>
+            <a:ext cx="6096000" cy="3429000"/>
+          </a:xfrm>
+        </p:spPr>
+      </p:sp>
+      <p:sp>
+        <p:nvSpPr>
+          <p:cNvPr id="3" name="Notes Placeholder 2"/>
+          <p:cNvSpPr>
+            <a:spLocks noGrp="1"/>
+          </p:cNvSpPr>
+          <p:nvPr>
+            <p:ph type="body" idx="1"/>
+          </p:nvPr>
+        </p:nvSpPr>
+        <p:spPr/>
+        <p:txBody>
+          <a:bodyPr>
+            <a:normAutofit/>
+          </a:bodyPr>
+          <a:lstStyle/>
+          <a:p>
+            <a:endParaRPr lang="en-CA" b="0" dirty="0" smtClean="0"/>
+          </a:p>
+        </p:txBody>
+      </p:sp>
+      <p:sp>
+        <p:nvSpPr>
+          <p:cNvPr id="4" name="Slide Number Placeholder 3"/>
+          <p:cNvSpPr>
+            <a:spLocks noGrp="1"/>
+          </p:cNvSpPr>
+          <p:nvPr>
+            <p:ph type="sldNum" sz="quarter" idx="10"/>
+          </p:nvPr>
+        </p:nvSpPr>
+        <p:spPr/>
+        <p:txBody>
+          <a:bodyPr/>
+          <a:lstStyle/>
+          <a:p>
+            <a:fld id="{13F0F35F-DD44-4607-AEC1-49D7A4BC4066}" type="slidenum">
+              <a:rPr lang="en-US" smtClean="0"/>
+              <a:pPr/>
+              <a:t>13</a:t>
+            </a:fld>
+            <a:endParaRPr lang="en-US" dirty="0"/>
+          </a:p>
+        </p:txBody>
+      </p:sp>
+    </p:spTree>
+    <p:extLst>
+      <p:ext uri="{BB962C8B-B14F-4D97-AF65-F5344CB8AC3E}">
+        <p14:creationId xmlns:p14="http://schemas.microsoft.com/office/powerpoint/2010/main" val="3216862341"/>
       </p:ext>
     </p:extLst>
   </p:cSld>
@@ -636,7 +916,7 @@
             <a:fld id="{13F0F35F-DD44-4607-AEC1-49D7A4BC4066}" type="slidenum">
               <a:rPr lang="en-US" smtClean="0"/>
               <a:pPr/>
-              <a:t>2</a:t>
+              <a:t>3</a:t>
             </a:fld>
             <a:endParaRPr lang="en-US" dirty="0"/>
           </a:p>
@@ -645,7 +925,7 @@
     </p:spTree>
     <p:extLst>
       <p:ext uri="{BB962C8B-B14F-4D97-AF65-F5344CB8AC3E}">
-        <p14:creationId xmlns:p14="http://schemas.microsoft.com/office/powerpoint/2010/main" val="2276901357"/>
+        <p14:creationId xmlns:p14="http://schemas.microsoft.com/office/powerpoint/2010/main" val="3534714713"/>
       </p:ext>
     </p:extLst>
   </p:cSld>
@@ -682,7 +962,12 @@
             <p:ph type="sldImg"/>
           </p:nvPr>
         </p:nvSpPr>
-        <p:spPr/>
+        <p:spPr>
+          <a:xfrm>
+            <a:off x="381000" y="685800"/>
+            <a:ext cx="6096000" cy="3429000"/>
+          </a:xfrm>
+        </p:spPr>
       </p:sp>
       <p:sp>
         <p:nvSpPr>
@@ -696,10 +981,12 @@
         </p:nvSpPr>
         <p:spPr/>
         <p:txBody>
-          <a:bodyPr/>
+          <a:bodyPr>
+            <a:normAutofit/>
+          </a:bodyPr>
           <a:lstStyle/>
           <a:p>
-            <a:endParaRPr lang="en-US" dirty="0"/>
+            <a:endParaRPr lang="en-CA" b="0" dirty="0" smtClean="0"/>
           </a:p>
         </p:txBody>
       </p:sp>
@@ -721,7 +1008,7 @@
             <a:fld id="{13F0F35F-DD44-4607-AEC1-49D7A4BC4066}" type="slidenum">
               <a:rPr lang="en-US" smtClean="0"/>
               <a:pPr/>
-              <a:t>3</a:t>
+              <a:t>4</a:t>
             </a:fld>
             <a:endParaRPr lang="en-US" dirty="0"/>
           </a:p>
@@ -730,7 +1017,7 @@
     </p:spTree>
     <p:extLst>
       <p:ext uri="{BB962C8B-B14F-4D97-AF65-F5344CB8AC3E}">
-        <p14:creationId xmlns:p14="http://schemas.microsoft.com/office/powerpoint/2010/main" val="3534714713"/>
+        <p14:creationId xmlns:p14="http://schemas.microsoft.com/office/powerpoint/2010/main" val="1069355132"/>
       </p:ext>
     </p:extLst>
   </p:cSld>
@@ -813,7 +1100,7 @@
             <a:fld id="{13F0F35F-DD44-4607-AEC1-49D7A4BC4066}" type="slidenum">
               <a:rPr lang="en-US" smtClean="0"/>
               <a:pPr/>
-              <a:t>4</a:t>
+              <a:t>5</a:t>
             </a:fld>
             <a:endParaRPr lang="en-US" dirty="0"/>
           </a:p>
@@ -822,7 +1109,7 @@
     </p:spTree>
     <p:extLst>
       <p:ext uri="{BB962C8B-B14F-4D97-AF65-F5344CB8AC3E}">
-        <p14:creationId xmlns:p14="http://schemas.microsoft.com/office/powerpoint/2010/main" val="1069355132"/>
+        <p14:creationId xmlns:p14="http://schemas.microsoft.com/office/powerpoint/2010/main" val="2375928335"/>
       </p:ext>
     </p:extLst>
   </p:cSld>
@@ -905,7 +1192,7 @@
             <a:fld id="{13F0F35F-DD44-4607-AEC1-49D7A4BC4066}" type="slidenum">
               <a:rPr lang="en-US" smtClean="0"/>
               <a:pPr/>
-              <a:t>5</a:t>
+              <a:t>6</a:t>
             </a:fld>
             <a:endParaRPr lang="en-US" dirty="0"/>
           </a:p>
@@ -914,7 +1201,7 @@
     </p:spTree>
     <p:extLst>
       <p:ext uri="{BB962C8B-B14F-4D97-AF65-F5344CB8AC3E}">
-        <p14:creationId xmlns:p14="http://schemas.microsoft.com/office/powerpoint/2010/main" val="2375928335"/>
+        <p14:creationId xmlns:p14="http://schemas.microsoft.com/office/powerpoint/2010/main" val="499876299"/>
       </p:ext>
     </p:extLst>
   </p:cSld>
@@ -997,7 +1284,7 @@
             <a:fld id="{13F0F35F-DD44-4607-AEC1-49D7A4BC4066}" type="slidenum">
               <a:rPr lang="en-US" smtClean="0"/>
               <a:pPr/>
-              <a:t>6</a:t>
+              <a:t>7</a:t>
             </a:fld>
             <a:endParaRPr lang="en-US" dirty="0"/>
           </a:p>
@@ -1006,7 +1293,7 @@
     </p:spTree>
     <p:extLst>
       <p:ext uri="{BB962C8B-B14F-4D97-AF65-F5344CB8AC3E}">
-        <p14:creationId xmlns:p14="http://schemas.microsoft.com/office/powerpoint/2010/main" val="499876299"/>
+        <p14:creationId xmlns:p14="http://schemas.microsoft.com/office/powerpoint/2010/main" val="4095514124"/>
       </p:ext>
     </p:extLst>
   </p:cSld>
@@ -1089,7 +1376,7 @@
             <a:fld id="{13F0F35F-DD44-4607-AEC1-49D7A4BC4066}" type="slidenum">
               <a:rPr lang="en-US" smtClean="0"/>
               <a:pPr/>
-              <a:t>7</a:t>
+              <a:t>8</a:t>
             </a:fld>
             <a:endParaRPr lang="en-US" dirty="0"/>
           </a:p>
@@ -1181,7 +1468,7 @@
             <a:fld id="{13F0F35F-DD44-4607-AEC1-49D7A4BC4066}" type="slidenum">
               <a:rPr lang="en-US" smtClean="0"/>
               <a:pPr/>
-              <a:t>8</a:t>
+              <a:t>9</a:t>
             </a:fld>
             <a:endParaRPr lang="en-US" dirty="0"/>
           </a:p>
@@ -1273,7 +1560,7 @@
             <a:fld id="{13F0F35F-DD44-4607-AEC1-49D7A4BC4066}" type="slidenum">
               <a:rPr lang="en-US" smtClean="0"/>
               <a:pPr/>
-              <a:t>9</a:t>
+              <a:t>10</a:t>
             </a:fld>
             <a:endParaRPr lang="en-US" dirty="0"/>
           </a:p>
@@ -1282,7 +1569,7 @@
     </p:spTree>
     <p:extLst>
       <p:ext uri="{BB962C8B-B14F-4D97-AF65-F5344CB8AC3E}">
-        <p14:creationId xmlns:p14="http://schemas.microsoft.com/office/powerpoint/2010/main" val="3216862341"/>
+        <p14:creationId xmlns:p14="http://schemas.microsoft.com/office/powerpoint/2010/main" val="1013198166"/>
       </p:ext>
     </p:extLst>
   </p:cSld>
@@ -7586,1731 +7873,322 @@
       </p:grpSpPr>
       <p:sp>
         <p:nvSpPr>
-          <p:cNvPr id="6" name="Rectangle 2"/>
-          <p:cNvSpPr txBox="1">
-            <a:spLocks noChangeArrowheads="1"/>
+          <p:cNvPr id="4" name="Content Placeholder 2"/>
+          <p:cNvSpPr>
+            <a:spLocks noGrp="1"/>
           </p:cNvSpPr>
-          <p:nvPr/>
+          <p:nvPr>
+            <p:ph sz="quarter" idx="10"/>
+          </p:nvPr>
         </p:nvSpPr>
         <p:spPr>
           <a:xfrm>
-            <a:off x="457200" y="375782"/>
-            <a:ext cx="11367370" cy="857628"/>
+            <a:off x="379413" y="205098"/>
+            <a:ext cx="11525250" cy="6473515"/>
           </a:xfrm>
-          <a:prstGeom prst="rect">
-            <a:avLst/>
-          </a:prstGeom>
-          <a:noFill/>
-          <a:ln w="25400">
-            <a:solidFill>
-              <a:schemeClr val="tx1"/>
-            </a:solidFill>
-            <a:miter lim="800000"/>
-            <a:headEnd/>
-            <a:tailEnd/>
-          </a:ln>
-        </p:spPr>
-        <p:txBody>
-          <a:bodyPr vert="horz" lIns="91409" tIns="45705" rIns="91409" bIns="45705" rtlCol="0" anchor="ctr" anchorCtr="0">
-            <a:normAutofit/>
-          </a:bodyPr>
-          <a:lstStyle>
-            <a:lvl1pPr algn="l" defTabSz="914088" rtl="0" eaLnBrk="1" latinLnBrk="0" hangingPunct="1">
-              <a:lnSpc>
-                <a:spcPct val="80000"/>
-              </a:lnSpc>
-              <a:spcBef>
-                <a:spcPct val="0"/>
-              </a:spcBef>
-              <a:buNone/>
-              <a:defRPr sz="4400" kern="1200">
-                <a:solidFill>
-                  <a:schemeClr val="tx1"/>
-                </a:solidFill>
-                <a:latin typeface="Segoe UI Light" panose="020B0502040204020203" pitchFamily="34" charset="0"/>
-                <a:ea typeface="Segoe UI Light" panose="020B0502040204020203" pitchFamily="34" charset="0"/>
-                <a:cs typeface="Segoe UI Light" panose="020B0502040204020203" pitchFamily="34" charset="0"/>
-              </a:defRPr>
-            </a:lvl1pPr>
-          </a:lstStyle>
-          <a:p>
-            <a:r>
-              <a:rPr lang="en-GB" altLang="en-US" b="1" dirty="0" smtClean="0"/>
-              <a:t>Vinod Kumar Gupta</a:t>
-            </a:r>
-            <a:endParaRPr lang="en-US" altLang="en-US" b="1" dirty="0" smtClean="0"/>
-          </a:p>
-        </p:txBody>
-      </p:sp>
-      <p:graphicFrame>
-        <p:nvGraphicFramePr>
-          <p:cNvPr id="7" name="Group 3"/>
-          <p:cNvGraphicFramePr>
-            <a:graphicFrameLocks/>
-          </p:cNvGraphicFramePr>
-          <p:nvPr>
-            <p:extLst>
-              <p:ext uri="{D42A27DB-BD31-4B8C-83A1-F6EECF244321}">
-                <p14:modId xmlns:p14="http://schemas.microsoft.com/office/powerpoint/2010/main" val="6474942"/>
-              </p:ext>
-            </p:extLst>
-          </p:nvPr>
-        </p:nvGraphicFramePr>
-        <p:xfrm>
-          <a:off x="3895595" y="1433078"/>
-          <a:ext cx="7928975" cy="4717201"/>
-        </p:xfrm>
-        <a:graphic>
-          <a:graphicData uri="http://schemas.openxmlformats.org/drawingml/2006/table">
-            <a:tbl>
-              <a:tblPr/>
-              <a:tblGrid>
-                <a:gridCol w="2575982"/>
-                <a:gridCol w="5352993"/>
-              </a:tblGrid>
-              <a:tr h="1372183">
-                <a:tc>
-                  <a:txBody>
-                    <a:bodyPr/>
-                    <a:lstStyle/>
-                    <a:p>
-                      <a:pPr marL="0" marR="0" lvl="0" indent="0" algn="l" defTabSz="914400" rtl="0" eaLnBrk="1" fontAlgn="base" latinLnBrk="0" hangingPunct="1">
-                        <a:lnSpc>
-                          <a:spcPct val="100000"/>
-                        </a:lnSpc>
-                        <a:spcBef>
-                          <a:spcPct val="20000"/>
-                        </a:spcBef>
-                        <a:spcAft>
-                          <a:spcPct val="0"/>
-                        </a:spcAft>
-                        <a:buClrTx/>
-                        <a:buSzTx/>
-                        <a:buFontTx/>
-                        <a:buNone/>
-                        <a:tabLst/>
-                      </a:pPr>
-                      <a:r>
-                        <a:rPr kumimoji="0" lang="en-GB" sz="1500" b="1" i="0" u="none" strike="noStrike" kern="1200" cap="none" normalizeH="0" baseline="0" dirty="0" smtClean="0">
-                          <a:ln>
-                            <a:noFill/>
-                          </a:ln>
-                          <a:solidFill>
-                            <a:schemeClr val="tx1"/>
-                          </a:solidFill>
-                          <a:effectLst/>
-                          <a:latin typeface="Arial" charset="0"/>
-                          <a:ea typeface="+mn-ea"/>
-                          <a:cs typeface="+mn-cs"/>
-                        </a:rPr>
-                        <a:t>Special Interests:</a:t>
-                      </a:r>
-                      <a:endParaRPr kumimoji="0" lang="en-US" sz="1500" b="1" i="0" u="none" strike="noStrike" kern="1200" cap="none" normalizeH="0" baseline="0" dirty="0" smtClean="0">
-                        <a:ln>
-                          <a:noFill/>
-                        </a:ln>
-                        <a:solidFill>
-                          <a:schemeClr val="tx1"/>
-                        </a:solidFill>
-                        <a:effectLst/>
-                        <a:latin typeface="Arial" charset="0"/>
-                        <a:ea typeface="+mn-ea"/>
-                        <a:cs typeface="+mn-cs"/>
-                      </a:endParaRPr>
-                    </a:p>
-                  </a:txBody>
-                  <a:tcPr marT="45716" marB="45716" horzOverflow="overflow">
-                    <a:lnL w="28575" cap="flat" cmpd="sng" algn="ctr">
-                      <a:solidFill>
-                        <a:schemeClr val="tx1"/>
-                      </a:solidFill>
-                      <a:prstDash val="solid"/>
-                      <a:round/>
-                      <a:headEnd type="none" w="med" len="med"/>
-                      <a:tailEnd type="none" w="med" len="med"/>
-                    </a:lnL>
-                    <a:lnR w="12700" cap="flat" cmpd="sng" algn="ctr">
-                      <a:solidFill>
-                        <a:schemeClr val="tx1"/>
-                      </a:solidFill>
-                      <a:prstDash val="solid"/>
-                      <a:round/>
-                      <a:headEnd type="none" w="med" len="med"/>
-                      <a:tailEnd type="none" w="med" len="med"/>
-                    </a:lnR>
-                    <a:lnT w="12700" cap="flat" cmpd="sng" algn="ctr">
-                      <a:solidFill>
-                        <a:schemeClr val="tx1"/>
-                      </a:solidFill>
-                      <a:prstDash val="solid"/>
-                      <a:round/>
-                      <a:headEnd type="none" w="med" len="med"/>
-                      <a:tailEnd type="none" w="med" len="med"/>
-                    </a:lnT>
-                    <a:lnB w="12700" cap="flat" cmpd="sng" algn="ctr">
-                      <a:solidFill>
-                        <a:schemeClr val="tx1"/>
-                      </a:solidFill>
-                      <a:prstDash val="solid"/>
-                      <a:round/>
-                      <a:headEnd type="none" w="med" len="med"/>
-                      <a:tailEnd type="none" w="med" len="med"/>
-                    </a:lnB>
-                    <a:lnTlToBr>
-                      <a:noFill/>
-                    </a:lnTlToBr>
-                    <a:lnBlToTr>
-                      <a:noFill/>
-                    </a:lnBlToTr>
-                    <a:noFill/>
-                  </a:tcPr>
-                </a:tc>
-                <a:tc>
-                  <a:txBody>
-                    <a:bodyPr/>
-                    <a:lstStyle/>
-                    <a:p>
-                      <a:pPr marL="0" marR="0" lvl="0" indent="0" algn="l" defTabSz="914400" rtl="0" eaLnBrk="1" fontAlgn="base" latinLnBrk="0" hangingPunct="1">
-                        <a:lnSpc>
-                          <a:spcPct val="100000"/>
-                        </a:lnSpc>
-                        <a:spcBef>
-                          <a:spcPct val="20000"/>
-                        </a:spcBef>
-                        <a:spcAft>
-                          <a:spcPct val="0"/>
-                        </a:spcAft>
-                        <a:buClrTx/>
-                        <a:buSzTx/>
-                        <a:buFontTx/>
-                        <a:buNone/>
-                        <a:tabLst/>
-                      </a:pPr>
-                      <a:r>
-                        <a:rPr kumimoji="0" lang="en-GB" sz="1500" b="0" i="0" u="none" strike="noStrike" kern="1200" cap="none" normalizeH="0" baseline="0" dirty="0" smtClean="0">
-                          <a:ln>
-                            <a:noFill/>
-                          </a:ln>
-                          <a:solidFill>
-                            <a:schemeClr val="tx1"/>
-                          </a:solidFill>
-                          <a:effectLst/>
-                          <a:latin typeface="Arial" charset="0"/>
-                          <a:ea typeface="+mn-ea"/>
-                          <a:cs typeface="+mn-cs"/>
-                        </a:rPr>
-                        <a:t>Architecture, Design, Coding, Design Principles, Design Patterns, SDLC, OOPS,.NET Core, C#, ASP.NET Core, MVC, </a:t>
-                      </a:r>
-                      <a:r>
-                        <a:rPr kumimoji="0" lang="en-GB" sz="1500" b="0" i="0" u="none" strike="noStrike" kern="1200" cap="none" normalizeH="0" baseline="0" dirty="0" err="1" smtClean="0">
-                          <a:ln>
-                            <a:noFill/>
-                          </a:ln>
-                          <a:solidFill>
-                            <a:schemeClr val="tx1"/>
-                          </a:solidFill>
-                          <a:effectLst/>
-                          <a:latin typeface="Arial" charset="0"/>
-                          <a:ea typeface="+mn-ea"/>
-                          <a:cs typeface="+mn-cs"/>
-                        </a:rPr>
-                        <a:t>WebAPI</a:t>
-                      </a:r>
-                      <a:r>
-                        <a:rPr kumimoji="0" lang="en-GB" sz="1500" b="0" i="0" u="none" strike="noStrike" kern="1200" cap="none" normalizeH="0" baseline="0" dirty="0" smtClean="0">
-                          <a:ln>
-                            <a:noFill/>
-                          </a:ln>
-                          <a:solidFill>
-                            <a:schemeClr val="tx1"/>
-                          </a:solidFill>
-                          <a:effectLst/>
-                          <a:latin typeface="Arial" charset="0"/>
-                          <a:ea typeface="+mn-ea"/>
-                          <a:cs typeface="+mn-cs"/>
-                        </a:rPr>
-                        <a:t>, </a:t>
-                      </a:r>
-                      <a:r>
-                        <a:rPr kumimoji="0" lang="en-GB" sz="1500" b="0" i="0" u="none" strike="noStrike" kern="1200" cap="none" normalizeH="0" baseline="0" dirty="0" err="1" smtClean="0">
-                          <a:ln>
-                            <a:noFill/>
-                          </a:ln>
-                          <a:solidFill>
-                            <a:schemeClr val="tx1"/>
-                          </a:solidFill>
-                          <a:effectLst/>
-                          <a:latin typeface="Arial" charset="0"/>
-                          <a:ea typeface="+mn-ea"/>
-                          <a:cs typeface="+mn-cs"/>
-                        </a:rPr>
-                        <a:t>SignalR</a:t>
-                      </a:r>
-                      <a:r>
-                        <a:rPr kumimoji="0" lang="en-GB" sz="1500" b="0" i="0" u="none" strike="noStrike" kern="1200" cap="none" normalizeH="0" baseline="0" dirty="0" smtClean="0">
-                          <a:ln>
-                            <a:noFill/>
-                          </a:ln>
-                          <a:solidFill>
-                            <a:schemeClr val="tx1"/>
-                          </a:solidFill>
-                          <a:effectLst/>
-                          <a:latin typeface="Arial" charset="0"/>
-                          <a:ea typeface="+mn-ea"/>
-                          <a:cs typeface="+mn-cs"/>
-                        </a:rPr>
-                        <a:t>, Entity Framework Core, REST, SOA, SAAS, TPL, GIT, TFS, XML, JSON, Kestrel, </a:t>
-                      </a:r>
-                      <a:r>
-                        <a:rPr kumimoji="0" lang="en-US" sz="1500" b="0" i="0" u="none" strike="noStrike" kern="1200" cap="none" normalizeH="0" baseline="0" dirty="0" smtClean="0">
-                          <a:ln>
-                            <a:noFill/>
-                          </a:ln>
-                          <a:solidFill>
-                            <a:schemeClr val="tx1"/>
-                          </a:solidFill>
-                          <a:effectLst/>
-                          <a:latin typeface="Arial" charset="0"/>
-                          <a:ea typeface="+mn-ea"/>
-                          <a:cs typeface="+mn-cs"/>
-                        </a:rPr>
-                        <a:t>IIS, WAS</a:t>
-                      </a:r>
-                    </a:p>
-                  </a:txBody>
-                  <a:tcPr marT="45716" marB="45716" horzOverflow="overflow">
-                    <a:lnL w="12700" cap="flat" cmpd="sng" algn="ctr">
-                      <a:solidFill>
-                        <a:schemeClr val="tx1"/>
-                      </a:solidFill>
-                      <a:prstDash val="solid"/>
-                      <a:round/>
-                      <a:headEnd type="none" w="med" len="med"/>
-                      <a:tailEnd type="none" w="med" len="med"/>
-                    </a:lnL>
-                    <a:lnR w="28575" cap="flat" cmpd="sng" algn="ctr">
-                      <a:solidFill>
-                        <a:schemeClr val="tx1"/>
-                      </a:solidFill>
-                      <a:prstDash val="solid"/>
-                      <a:round/>
-                      <a:headEnd type="none" w="med" len="med"/>
-                      <a:tailEnd type="none" w="med" len="med"/>
-                    </a:lnR>
-                    <a:lnT w="12700" cap="flat" cmpd="sng" algn="ctr">
-                      <a:solidFill>
-                        <a:schemeClr val="tx1"/>
-                      </a:solidFill>
-                      <a:prstDash val="solid"/>
-                      <a:round/>
-                      <a:headEnd type="none" w="med" len="med"/>
-                      <a:tailEnd type="none" w="med" len="med"/>
-                    </a:lnT>
-                    <a:lnB w="12700" cap="flat" cmpd="sng" algn="ctr">
-                      <a:solidFill>
-                        <a:schemeClr val="tx1"/>
-                      </a:solidFill>
-                      <a:prstDash val="solid"/>
-                      <a:round/>
-                      <a:headEnd type="none" w="med" len="med"/>
-                      <a:tailEnd type="none" w="med" len="med"/>
-                    </a:lnB>
-                    <a:lnTlToBr>
-                      <a:noFill/>
-                    </a:lnTlToBr>
-                    <a:lnBlToTr>
-                      <a:noFill/>
-                    </a:lnBlToTr>
-                    <a:noFill/>
-                  </a:tcPr>
-                </a:tc>
-              </a:tr>
-              <a:tr h="335192">
-                <a:tc>
-                  <a:txBody>
-                    <a:bodyPr/>
-                    <a:lstStyle/>
-                    <a:p>
-                      <a:pPr marL="0" marR="0" lvl="0" indent="0" algn="l" defTabSz="914400" rtl="0" eaLnBrk="1" fontAlgn="base" latinLnBrk="0" hangingPunct="1">
-                        <a:lnSpc>
-                          <a:spcPct val="100000"/>
-                        </a:lnSpc>
-                        <a:spcBef>
-                          <a:spcPct val="20000"/>
-                        </a:spcBef>
-                        <a:spcAft>
-                          <a:spcPct val="0"/>
-                        </a:spcAft>
-                        <a:buClrTx/>
-                        <a:buSzTx/>
-                        <a:buFontTx/>
-                        <a:buNone/>
-                        <a:tabLst/>
-                      </a:pPr>
-                      <a:r>
-                        <a:rPr kumimoji="0" lang="en-GB" sz="1500" b="1" i="0" u="none" strike="noStrike" kern="1200" cap="none" normalizeH="0" baseline="0" dirty="0" smtClean="0">
-                          <a:ln>
-                            <a:noFill/>
-                          </a:ln>
-                          <a:solidFill>
-                            <a:schemeClr val="tx1"/>
-                          </a:solidFill>
-                          <a:effectLst/>
-                          <a:latin typeface="Arial" charset="0"/>
-                          <a:ea typeface="+mn-ea"/>
-                          <a:cs typeface="+mn-cs"/>
-                        </a:rPr>
-                        <a:t>Associations</a:t>
-                      </a:r>
-                      <a:endParaRPr kumimoji="0" lang="en-US" sz="1500" b="1" i="0" u="none" strike="noStrike" kern="1200" cap="none" normalizeH="0" baseline="0" dirty="0" smtClean="0">
-                        <a:ln>
-                          <a:noFill/>
-                        </a:ln>
-                        <a:solidFill>
-                          <a:schemeClr val="tx1"/>
-                        </a:solidFill>
-                        <a:effectLst/>
-                        <a:latin typeface="Arial" charset="0"/>
-                        <a:ea typeface="+mn-ea"/>
-                        <a:cs typeface="+mn-cs"/>
-                      </a:endParaRPr>
-                    </a:p>
-                  </a:txBody>
-                  <a:tcPr marT="45716" marB="45716" horzOverflow="overflow">
-                    <a:lnL w="28575" cap="flat" cmpd="sng" algn="ctr">
-                      <a:solidFill>
-                        <a:schemeClr val="tx1"/>
-                      </a:solidFill>
-                      <a:prstDash val="solid"/>
-                      <a:round/>
-                      <a:headEnd type="none" w="med" len="med"/>
-                      <a:tailEnd type="none" w="med" len="med"/>
-                    </a:lnL>
-                    <a:lnR w="12700" cap="flat" cmpd="sng" algn="ctr">
-                      <a:solidFill>
-                        <a:schemeClr val="tx1"/>
-                      </a:solidFill>
-                      <a:prstDash val="solid"/>
-                      <a:round/>
-                      <a:headEnd type="none" w="med" len="med"/>
-                      <a:tailEnd type="none" w="med" len="med"/>
-                    </a:lnR>
-                    <a:lnT w="12700" cap="flat" cmpd="sng" algn="ctr">
-                      <a:solidFill>
-                        <a:schemeClr val="tx1"/>
-                      </a:solidFill>
-                      <a:prstDash val="solid"/>
-                      <a:round/>
-                      <a:headEnd type="none" w="med" len="med"/>
-                      <a:tailEnd type="none" w="med" len="med"/>
-                    </a:lnT>
-                    <a:lnB w="12700" cap="flat" cmpd="sng" algn="ctr">
-                      <a:solidFill>
-                        <a:schemeClr val="tx1"/>
-                      </a:solidFill>
-                      <a:prstDash val="solid"/>
-                      <a:round/>
-                      <a:headEnd type="none" w="med" len="med"/>
-                      <a:tailEnd type="none" w="med" len="med"/>
-                    </a:lnB>
-                    <a:lnTlToBr>
-                      <a:noFill/>
-                    </a:lnTlToBr>
-                    <a:lnBlToTr>
-                      <a:noFill/>
-                    </a:lnBlToTr>
-                    <a:noFill/>
-                  </a:tcPr>
-                </a:tc>
-                <a:tc>
-                  <a:txBody>
-                    <a:bodyPr/>
-                    <a:lstStyle/>
-                    <a:p>
-                      <a:pPr marL="0" marR="0" lvl="0" indent="0" algn="l" defTabSz="914400" rtl="0" eaLnBrk="1" fontAlgn="base" latinLnBrk="0" hangingPunct="1">
-                        <a:lnSpc>
-                          <a:spcPct val="100000"/>
-                        </a:lnSpc>
-                        <a:spcBef>
-                          <a:spcPct val="20000"/>
-                        </a:spcBef>
-                        <a:spcAft>
-                          <a:spcPct val="0"/>
-                        </a:spcAft>
-                        <a:buClrTx/>
-                        <a:buSzTx/>
-                        <a:buFontTx/>
-                        <a:buNone/>
-                        <a:tabLst/>
-                      </a:pPr>
-                      <a:r>
-                        <a:rPr kumimoji="0" lang="en-GB" sz="1500" b="0" i="0" u="none" strike="noStrike" kern="1200" cap="none" normalizeH="0" baseline="0" dirty="0" smtClean="0">
-                          <a:ln>
-                            <a:noFill/>
-                          </a:ln>
-                          <a:solidFill>
-                            <a:schemeClr val="tx1"/>
-                          </a:solidFill>
-                          <a:effectLst/>
-                          <a:latin typeface="Arial" charset="0"/>
-                          <a:ea typeface="+mn-ea"/>
-                          <a:cs typeface="+mn-cs"/>
-                        </a:rPr>
-                        <a:t>Microsoft, Amazon, Hong Kong Jockey Club</a:t>
-                      </a:r>
-                      <a:endParaRPr kumimoji="0" lang="en-US" sz="1500" b="0" i="0" u="none" strike="noStrike" kern="1200" cap="none" normalizeH="0" baseline="0" dirty="0" smtClean="0">
-                        <a:ln>
-                          <a:noFill/>
-                        </a:ln>
-                        <a:solidFill>
-                          <a:schemeClr val="tx1"/>
-                        </a:solidFill>
-                        <a:effectLst/>
-                        <a:latin typeface="Arial" charset="0"/>
-                        <a:ea typeface="+mn-ea"/>
-                        <a:cs typeface="+mn-cs"/>
-                      </a:endParaRPr>
-                    </a:p>
-                  </a:txBody>
-                  <a:tcPr marT="45716" marB="45716" horzOverflow="overflow">
-                    <a:lnL w="12700" cap="flat" cmpd="sng" algn="ctr">
-                      <a:solidFill>
-                        <a:schemeClr val="tx1"/>
-                      </a:solidFill>
-                      <a:prstDash val="solid"/>
-                      <a:round/>
-                      <a:headEnd type="none" w="med" len="med"/>
-                      <a:tailEnd type="none" w="med" len="med"/>
-                    </a:lnL>
-                    <a:lnR w="28575" cap="flat" cmpd="sng" algn="ctr">
-                      <a:solidFill>
-                        <a:schemeClr val="tx1"/>
-                      </a:solidFill>
-                      <a:prstDash val="solid"/>
-                      <a:round/>
-                      <a:headEnd type="none" w="med" len="med"/>
-                      <a:tailEnd type="none" w="med" len="med"/>
-                    </a:lnR>
-                    <a:lnT w="12700" cap="flat" cmpd="sng" algn="ctr">
-                      <a:solidFill>
-                        <a:schemeClr val="tx1"/>
-                      </a:solidFill>
-                      <a:prstDash val="solid"/>
-                      <a:round/>
-                      <a:headEnd type="none" w="med" len="med"/>
-                      <a:tailEnd type="none" w="med" len="med"/>
-                    </a:lnT>
-                    <a:lnB w="12700" cap="flat" cmpd="sng" algn="ctr">
-                      <a:solidFill>
-                        <a:schemeClr val="tx1"/>
-                      </a:solidFill>
-                      <a:prstDash val="solid"/>
-                      <a:round/>
-                      <a:headEnd type="none" w="med" len="med"/>
-                      <a:tailEnd type="none" w="med" len="med"/>
-                    </a:lnB>
-                    <a:lnTlToBr>
-                      <a:noFill/>
-                    </a:lnTlToBr>
-                    <a:lnBlToTr>
-                      <a:noFill/>
-                    </a:lnBlToTr>
-                    <a:noFill/>
-                  </a:tcPr>
-                </a:tc>
-              </a:tr>
-              <a:tr h="705037">
-                <a:tc>
-                  <a:txBody>
-                    <a:bodyPr/>
-                    <a:lstStyle/>
-                    <a:p>
-                      <a:pPr marL="0" marR="0" lvl="0" indent="0" algn="l" defTabSz="914400" rtl="0" eaLnBrk="1" fontAlgn="base" latinLnBrk="0" hangingPunct="1">
-                        <a:lnSpc>
-                          <a:spcPct val="100000"/>
-                        </a:lnSpc>
-                        <a:spcBef>
-                          <a:spcPct val="20000"/>
-                        </a:spcBef>
-                        <a:spcAft>
-                          <a:spcPct val="0"/>
-                        </a:spcAft>
-                        <a:buClrTx/>
-                        <a:buSzTx/>
-                        <a:buFontTx/>
-                        <a:buNone/>
-                        <a:tabLst/>
-                      </a:pPr>
-                      <a:endParaRPr kumimoji="0" lang="en-US" sz="1500" b="1" i="0" u="none" strike="noStrike" cap="none" normalizeH="0" baseline="0" dirty="0" smtClean="0">
-                        <a:ln>
-                          <a:noFill/>
-                        </a:ln>
-                        <a:solidFill>
-                          <a:schemeClr val="tx1"/>
-                        </a:solidFill>
-                        <a:effectLst/>
-                        <a:latin typeface="Arial" charset="0"/>
-                      </a:endParaRPr>
-                    </a:p>
-                  </a:txBody>
-                  <a:tcPr marT="45716" marB="45716" horzOverflow="overflow">
-                    <a:lnL w="28575" cap="flat" cmpd="sng" algn="ctr">
-                      <a:solidFill>
-                        <a:schemeClr val="tx1"/>
-                      </a:solidFill>
-                      <a:prstDash val="solid"/>
-                      <a:round/>
-                      <a:headEnd type="none" w="med" len="med"/>
-                      <a:tailEnd type="none" w="med" len="med"/>
-                    </a:lnL>
-                    <a:lnR w="12700" cap="flat" cmpd="sng" algn="ctr">
-                      <a:solidFill>
-                        <a:schemeClr val="tx1"/>
-                      </a:solidFill>
-                      <a:prstDash val="solid"/>
-                      <a:round/>
-                      <a:headEnd type="none" w="med" len="med"/>
-                      <a:tailEnd type="none" w="med" len="med"/>
-                    </a:lnR>
-                    <a:lnT w="12700" cap="flat" cmpd="sng" algn="ctr">
-                      <a:solidFill>
-                        <a:schemeClr val="tx1"/>
-                      </a:solidFill>
-                      <a:prstDash val="solid"/>
-                      <a:round/>
-                      <a:headEnd type="none" w="med" len="med"/>
-                      <a:tailEnd type="none" w="med" len="med"/>
-                    </a:lnT>
-                    <a:lnB w="12700" cap="flat" cmpd="sng" algn="ctr">
-                      <a:solidFill>
-                        <a:schemeClr val="tx1"/>
-                      </a:solidFill>
-                      <a:prstDash val="solid"/>
-                      <a:round/>
-                      <a:headEnd type="none" w="med" len="med"/>
-                      <a:tailEnd type="none" w="med" len="med"/>
-                    </a:lnB>
-                    <a:lnTlToBr>
-                      <a:noFill/>
-                    </a:lnTlToBr>
-                    <a:lnBlToTr>
-                      <a:noFill/>
-                    </a:lnBlToTr>
-                    <a:noFill/>
-                  </a:tcPr>
-                </a:tc>
-                <a:tc>
-                  <a:txBody>
-                    <a:bodyPr/>
-                    <a:lstStyle/>
-                    <a:p>
-                      <a:pPr marL="0" marR="0" lvl="0" indent="0" algn="l" defTabSz="914400" rtl="0" eaLnBrk="1" fontAlgn="base" latinLnBrk="0" hangingPunct="1">
-                        <a:lnSpc>
-                          <a:spcPct val="100000"/>
-                        </a:lnSpc>
-                        <a:spcBef>
-                          <a:spcPct val="20000"/>
-                        </a:spcBef>
-                        <a:spcAft>
-                          <a:spcPct val="0"/>
-                        </a:spcAft>
-                        <a:buClrTx/>
-                        <a:buSzTx/>
-                        <a:buFontTx/>
-                        <a:buNone/>
-                        <a:tabLst/>
-                      </a:pPr>
-                      <a:endParaRPr kumimoji="0" lang="en-IN" sz="1500" b="0" i="0" u="none" strike="noStrike" kern="1200" cap="none" normalizeH="0" baseline="0" dirty="0">
-                        <a:ln>
-                          <a:noFill/>
-                        </a:ln>
-                        <a:solidFill>
-                          <a:schemeClr val="tx1"/>
-                        </a:solidFill>
-                        <a:effectLst/>
-                        <a:latin typeface="Arial" charset="0"/>
-                        <a:ea typeface="+mn-ea"/>
-                        <a:cs typeface="+mn-cs"/>
-                      </a:endParaRPr>
-                    </a:p>
-                  </a:txBody>
-                  <a:tcPr marT="45716" marB="45716" horzOverflow="overflow">
-                    <a:lnL w="12700" cap="flat" cmpd="sng" algn="ctr">
-                      <a:solidFill>
-                        <a:schemeClr val="tx1"/>
-                      </a:solidFill>
-                      <a:prstDash val="solid"/>
-                      <a:round/>
-                      <a:headEnd type="none" w="med" len="med"/>
-                      <a:tailEnd type="none" w="med" len="med"/>
-                    </a:lnL>
-                    <a:lnR w="28575" cap="flat" cmpd="sng" algn="ctr">
-                      <a:solidFill>
-                        <a:schemeClr val="tx1"/>
-                      </a:solidFill>
-                      <a:prstDash val="solid"/>
-                      <a:round/>
-                      <a:headEnd type="none" w="med" len="med"/>
-                      <a:tailEnd type="none" w="med" len="med"/>
-                    </a:lnR>
-                    <a:lnT w="12700" cap="flat" cmpd="sng" algn="ctr">
-                      <a:solidFill>
-                        <a:schemeClr val="tx1"/>
-                      </a:solidFill>
-                      <a:prstDash val="solid"/>
-                      <a:round/>
-                      <a:headEnd type="none" w="med" len="med"/>
-                      <a:tailEnd type="none" w="med" len="med"/>
-                    </a:lnT>
-                    <a:lnB w="12700" cap="flat" cmpd="sng" algn="ctr">
-                      <a:solidFill>
-                        <a:schemeClr val="tx1"/>
-                      </a:solidFill>
-                      <a:prstDash val="solid"/>
-                      <a:round/>
-                      <a:headEnd type="none" w="med" len="med"/>
-                      <a:tailEnd type="none" w="med" len="med"/>
-                    </a:lnB>
-                    <a:lnTlToBr>
-                      <a:noFill/>
-                    </a:lnTlToBr>
-                    <a:lnBlToTr>
-                      <a:noFill/>
-                    </a:lnBlToTr>
-                    <a:noFill/>
-                  </a:tcPr>
-                </a:tc>
-              </a:tr>
-              <a:tr h="809530">
-                <a:tc>
-                  <a:txBody>
-                    <a:bodyPr/>
-                    <a:lstStyle/>
-                    <a:p>
-                      <a:pPr marL="0" marR="0" lvl="0" indent="0" algn="l" defTabSz="914400" rtl="0" eaLnBrk="1" fontAlgn="base" latinLnBrk="0" hangingPunct="1">
-                        <a:lnSpc>
-                          <a:spcPct val="100000"/>
-                        </a:lnSpc>
-                        <a:spcBef>
-                          <a:spcPct val="20000"/>
-                        </a:spcBef>
-                        <a:spcAft>
-                          <a:spcPct val="0"/>
-                        </a:spcAft>
-                        <a:buClrTx/>
-                        <a:buSzTx/>
-                        <a:buFontTx/>
-                        <a:buNone/>
-                        <a:tabLst/>
-                        <a:defRPr/>
-                      </a:pPr>
-                      <a:endParaRPr kumimoji="0" lang="en-US" sz="1500" b="1" i="0" u="none" strike="noStrike" cap="none" normalizeH="0" baseline="0" dirty="0" smtClean="0">
-                        <a:ln>
-                          <a:noFill/>
-                        </a:ln>
-                        <a:solidFill>
-                          <a:schemeClr val="tx1"/>
-                        </a:solidFill>
-                        <a:effectLst/>
-                        <a:latin typeface="Arial" charset="0"/>
-                      </a:endParaRPr>
-                    </a:p>
-                  </a:txBody>
-                  <a:tcPr marT="45716" marB="45716" horzOverflow="overflow">
-                    <a:lnL w="28575" cap="flat" cmpd="sng" algn="ctr">
-                      <a:solidFill>
-                        <a:schemeClr val="tx1"/>
-                      </a:solidFill>
-                      <a:prstDash val="solid"/>
-                      <a:round/>
-                      <a:headEnd type="none" w="med" len="med"/>
-                      <a:tailEnd type="none" w="med" len="med"/>
-                    </a:lnL>
-                    <a:lnR w="12700" cap="flat" cmpd="sng" algn="ctr">
-                      <a:solidFill>
-                        <a:schemeClr val="tx1"/>
-                      </a:solidFill>
-                      <a:prstDash val="solid"/>
-                      <a:round/>
-                      <a:headEnd type="none" w="med" len="med"/>
-                      <a:tailEnd type="none" w="med" len="med"/>
-                    </a:lnR>
-                    <a:lnT w="12700" cap="flat" cmpd="sng" algn="ctr">
-                      <a:solidFill>
-                        <a:schemeClr val="tx1"/>
-                      </a:solidFill>
-                      <a:prstDash val="solid"/>
-                      <a:round/>
-                      <a:headEnd type="none" w="med" len="med"/>
-                      <a:tailEnd type="none" w="med" len="med"/>
-                    </a:lnT>
-                    <a:lnB w="12700" cap="flat" cmpd="sng" algn="ctr">
-                      <a:solidFill>
-                        <a:schemeClr val="tx1"/>
-                      </a:solidFill>
-                      <a:prstDash val="solid"/>
-                      <a:round/>
-                      <a:headEnd type="none" w="med" len="med"/>
-                      <a:tailEnd type="none" w="med" len="med"/>
-                    </a:lnB>
-                    <a:lnTlToBr>
-                      <a:noFill/>
-                    </a:lnTlToBr>
-                    <a:lnBlToTr>
-                      <a:noFill/>
-                    </a:lnBlToTr>
-                    <a:noFill/>
-                  </a:tcPr>
-                </a:tc>
-                <a:tc>
-                  <a:txBody>
-                    <a:bodyPr/>
-                    <a:lstStyle/>
-                    <a:p>
-                      <a:pPr marL="0" marR="0" lvl="0" indent="0" algn="l" defTabSz="914400" rtl="0" eaLnBrk="1" fontAlgn="base" latinLnBrk="0" hangingPunct="1">
-                        <a:lnSpc>
-                          <a:spcPct val="100000"/>
-                        </a:lnSpc>
-                        <a:spcBef>
-                          <a:spcPct val="20000"/>
-                        </a:spcBef>
-                        <a:spcAft>
-                          <a:spcPct val="0"/>
-                        </a:spcAft>
-                        <a:buClrTx/>
-                        <a:buSzTx/>
-                        <a:buFontTx/>
-                        <a:buNone/>
-                        <a:tabLst/>
-                      </a:pPr>
-                      <a:endParaRPr kumimoji="0" lang="en-IN" sz="1500" b="0" i="0" u="none" strike="noStrike" kern="1200" cap="none" normalizeH="0" baseline="0" dirty="0">
-                        <a:ln>
-                          <a:noFill/>
-                        </a:ln>
-                        <a:solidFill>
-                          <a:schemeClr val="tx1"/>
-                        </a:solidFill>
-                        <a:effectLst/>
-                        <a:latin typeface="Arial" charset="0"/>
-                        <a:ea typeface="+mn-ea"/>
-                        <a:cs typeface="+mn-cs"/>
-                      </a:endParaRPr>
-                    </a:p>
-                  </a:txBody>
-                  <a:tcPr marT="45716" marB="45716" horzOverflow="overflow">
-                    <a:lnL w="12700" cap="flat" cmpd="sng" algn="ctr">
-                      <a:solidFill>
-                        <a:schemeClr val="tx1"/>
-                      </a:solidFill>
-                      <a:prstDash val="solid"/>
-                      <a:round/>
-                      <a:headEnd type="none" w="med" len="med"/>
-                      <a:tailEnd type="none" w="med" len="med"/>
-                    </a:lnL>
-                    <a:lnR w="28575" cap="flat" cmpd="sng" algn="ctr">
-                      <a:solidFill>
-                        <a:schemeClr val="tx1"/>
-                      </a:solidFill>
-                      <a:prstDash val="solid"/>
-                      <a:round/>
-                      <a:headEnd type="none" w="med" len="med"/>
-                      <a:tailEnd type="none" w="med" len="med"/>
-                    </a:lnR>
-                    <a:lnT w="12700" cap="flat" cmpd="sng" algn="ctr">
-                      <a:solidFill>
-                        <a:schemeClr val="tx1"/>
-                      </a:solidFill>
-                      <a:prstDash val="solid"/>
-                      <a:round/>
-                      <a:headEnd type="none" w="med" len="med"/>
-                      <a:tailEnd type="none" w="med" len="med"/>
-                    </a:lnT>
-                    <a:lnB w="12700" cap="flat" cmpd="sng" algn="ctr">
-                      <a:solidFill>
-                        <a:schemeClr val="tx1"/>
-                      </a:solidFill>
-                      <a:prstDash val="solid"/>
-                      <a:round/>
-                      <a:headEnd type="none" w="med" len="med"/>
-                      <a:tailEnd type="none" w="med" len="med"/>
-                    </a:lnB>
-                    <a:lnTlToBr>
-                      <a:noFill/>
-                    </a:lnTlToBr>
-                    <a:lnBlToTr>
-                      <a:noFill/>
-                    </a:lnBlToTr>
-                    <a:noFill/>
-                  </a:tcPr>
-                </a:tc>
-              </a:tr>
-              <a:tr h="606545">
-                <a:tc>
-                  <a:txBody>
-                    <a:bodyPr/>
-                    <a:lstStyle/>
-                    <a:p>
-                      <a:pPr marL="0" marR="0" lvl="0" indent="0" algn="l" defTabSz="914400" rtl="0" eaLnBrk="1" fontAlgn="base" latinLnBrk="0" hangingPunct="1">
-                        <a:lnSpc>
-                          <a:spcPct val="100000"/>
-                        </a:lnSpc>
-                        <a:spcBef>
-                          <a:spcPct val="20000"/>
-                        </a:spcBef>
-                        <a:spcAft>
-                          <a:spcPct val="0"/>
-                        </a:spcAft>
-                        <a:buClrTx/>
-                        <a:buSzTx/>
-                        <a:buFontTx/>
-                        <a:buNone/>
-                        <a:tabLst/>
-                        <a:defRPr/>
-                      </a:pPr>
-                      <a:endParaRPr kumimoji="0" lang="en-US" sz="1500" b="1" i="0" u="none" strike="noStrike" cap="none" normalizeH="0" baseline="0" dirty="0" smtClean="0">
-                        <a:ln>
-                          <a:noFill/>
-                        </a:ln>
-                        <a:solidFill>
-                          <a:schemeClr val="tx1"/>
-                        </a:solidFill>
-                        <a:effectLst/>
-                        <a:latin typeface="Arial" charset="0"/>
-                      </a:endParaRPr>
-                    </a:p>
-                  </a:txBody>
-                  <a:tcPr marT="45716" marB="45716" horzOverflow="overflow">
-                    <a:lnL w="28575" cap="flat" cmpd="sng" algn="ctr">
-                      <a:solidFill>
-                        <a:schemeClr val="tx1"/>
-                      </a:solidFill>
-                      <a:prstDash val="solid"/>
-                      <a:round/>
-                      <a:headEnd type="none" w="med" len="med"/>
-                      <a:tailEnd type="none" w="med" len="med"/>
-                    </a:lnL>
-                    <a:lnR w="12700" cap="flat" cmpd="sng" algn="ctr">
-                      <a:solidFill>
-                        <a:schemeClr val="tx1"/>
-                      </a:solidFill>
-                      <a:prstDash val="solid"/>
-                      <a:round/>
-                      <a:headEnd type="none" w="med" len="med"/>
-                      <a:tailEnd type="none" w="med" len="med"/>
-                    </a:lnR>
-                    <a:lnT w="12700" cap="flat" cmpd="sng" algn="ctr">
-                      <a:solidFill>
-                        <a:schemeClr val="tx1"/>
-                      </a:solidFill>
-                      <a:prstDash val="solid"/>
-                      <a:round/>
-                      <a:headEnd type="none" w="med" len="med"/>
-                      <a:tailEnd type="none" w="med" len="med"/>
-                    </a:lnT>
-                    <a:lnB w="12700" cap="flat" cmpd="sng" algn="ctr">
-                      <a:solidFill>
-                        <a:schemeClr val="tx1"/>
-                      </a:solidFill>
-                      <a:prstDash val="solid"/>
-                      <a:round/>
-                      <a:headEnd type="none" w="med" len="med"/>
-                      <a:tailEnd type="none" w="med" len="med"/>
-                    </a:lnB>
-                    <a:lnTlToBr>
-                      <a:noFill/>
-                    </a:lnTlToBr>
-                    <a:lnBlToTr>
-                      <a:noFill/>
-                    </a:lnBlToTr>
-                    <a:noFill/>
-                  </a:tcPr>
-                </a:tc>
-                <a:tc>
-                  <a:txBody>
-                    <a:bodyPr/>
-                    <a:lstStyle/>
-                    <a:p>
-                      <a:pPr marL="0" marR="0" lvl="0" indent="0" algn="l" defTabSz="914400" rtl="0" eaLnBrk="1" fontAlgn="base" latinLnBrk="0" hangingPunct="1">
-                        <a:lnSpc>
-                          <a:spcPct val="100000"/>
-                        </a:lnSpc>
-                        <a:spcBef>
-                          <a:spcPct val="20000"/>
-                        </a:spcBef>
-                        <a:spcAft>
-                          <a:spcPct val="0"/>
-                        </a:spcAft>
-                        <a:buClrTx/>
-                        <a:buSzTx/>
-                        <a:buFontTx/>
-                        <a:buNone/>
-                        <a:tabLst/>
-                      </a:pPr>
-                      <a:endParaRPr kumimoji="0" lang="en-IN" sz="1500" b="0" i="0" u="none" strike="noStrike" kern="1200" cap="none" normalizeH="0" baseline="0" dirty="0">
-                        <a:ln>
-                          <a:noFill/>
-                        </a:ln>
-                        <a:solidFill>
-                          <a:schemeClr val="tx1"/>
-                        </a:solidFill>
-                        <a:effectLst/>
-                        <a:latin typeface="Arial" charset="0"/>
-                        <a:ea typeface="+mn-ea"/>
-                        <a:cs typeface="+mn-cs"/>
-                      </a:endParaRPr>
-                    </a:p>
-                  </a:txBody>
-                  <a:tcPr marT="45716" marB="45716" horzOverflow="overflow">
-                    <a:lnL w="12700" cap="flat" cmpd="sng" algn="ctr">
-                      <a:solidFill>
-                        <a:schemeClr val="tx1"/>
-                      </a:solidFill>
-                      <a:prstDash val="solid"/>
-                      <a:round/>
-                      <a:headEnd type="none" w="med" len="med"/>
-                      <a:tailEnd type="none" w="med" len="med"/>
-                    </a:lnL>
-                    <a:lnR w="28575" cap="flat" cmpd="sng" algn="ctr">
-                      <a:solidFill>
-                        <a:schemeClr val="tx1"/>
-                      </a:solidFill>
-                      <a:prstDash val="solid"/>
-                      <a:round/>
-                      <a:headEnd type="none" w="med" len="med"/>
-                      <a:tailEnd type="none" w="med" len="med"/>
-                    </a:lnR>
-                    <a:lnT w="12700" cap="flat" cmpd="sng" algn="ctr">
-                      <a:solidFill>
-                        <a:schemeClr val="tx1"/>
-                      </a:solidFill>
-                      <a:prstDash val="solid"/>
-                      <a:round/>
-                      <a:headEnd type="none" w="med" len="med"/>
-                      <a:tailEnd type="none" w="med" len="med"/>
-                    </a:lnT>
-                    <a:lnB w="12700" cap="flat" cmpd="sng" algn="ctr">
-                      <a:solidFill>
-                        <a:schemeClr val="tx1"/>
-                      </a:solidFill>
-                      <a:prstDash val="solid"/>
-                      <a:round/>
-                      <a:headEnd type="none" w="med" len="med"/>
-                      <a:tailEnd type="none" w="med" len="med"/>
-                    </a:lnB>
-                    <a:lnTlToBr>
-                      <a:noFill/>
-                    </a:lnTlToBr>
-                    <a:lnBlToTr>
-                      <a:noFill/>
-                    </a:lnBlToTr>
-                    <a:noFill/>
-                  </a:tcPr>
-                </a:tc>
-              </a:tr>
-              <a:tr h="888714">
-                <a:tc>
-                  <a:txBody>
-                    <a:bodyPr/>
-                    <a:lstStyle/>
-                    <a:p>
-                      <a:pPr marL="0" marR="0" lvl="0" indent="0" algn="l" defTabSz="914400" rtl="0" eaLnBrk="1" fontAlgn="base" latinLnBrk="0" hangingPunct="1">
-                        <a:lnSpc>
-                          <a:spcPct val="100000"/>
-                        </a:lnSpc>
-                        <a:spcBef>
-                          <a:spcPct val="20000"/>
-                        </a:spcBef>
-                        <a:spcAft>
-                          <a:spcPct val="0"/>
-                        </a:spcAft>
-                        <a:buClrTx/>
-                        <a:buSzTx/>
-                        <a:buFontTx/>
-                        <a:buNone/>
-                        <a:tabLst/>
-                      </a:pPr>
-                      <a:endParaRPr kumimoji="0" lang="en-US" sz="1500" b="1" i="0" u="none" strike="noStrike" cap="none" normalizeH="0" baseline="0" dirty="0" smtClean="0">
-                        <a:ln>
-                          <a:noFill/>
-                        </a:ln>
-                        <a:solidFill>
-                          <a:schemeClr val="tx1"/>
-                        </a:solidFill>
-                        <a:effectLst/>
-                        <a:latin typeface="Arial" charset="0"/>
-                      </a:endParaRPr>
-                    </a:p>
-                  </a:txBody>
-                  <a:tcPr marT="45716" marB="45716" horzOverflow="overflow">
-                    <a:lnL w="28575" cap="flat" cmpd="sng" algn="ctr">
-                      <a:solidFill>
-                        <a:schemeClr val="tx1"/>
-                      </a:solidFill>
-                      <a:prstDash val="solid"/>
-                      <a:round/>
-                      <a:headEnd type="none" w="med" len="med"/>
-                      <a:tailEnd type="none" w="med" len="med"/>
-                    </a:lnL>
-                    <a:lnR w="12700" cap="flat" cmpd="sng" algn="ctr">
-                      <a:solidFill>
-                        <a:schemeClr val="tx1"/>
-                      </a:solidFill>
-                      <a:prstDash val="solid"/>
-                      <a:round/>
-                      <a:headEnd type="none" w="med" len="med"/>
-                      <a:tailEnd type="none" w="med" len="med"/>
-                    </a:lnR>
-                    <a:lnT w="12700" cap="flat" cmpd="sng" algn="ctr">
-                      <a:solidFill>
-                        <a:schemeClr val="tx1"/>
-                      </a:solidFill>
-                      <a:prstDash val="solid"/>
-                      <a:round/>
-                      <a:headEnd type="none" w="med" len="med"/>
-                      <a:tailEnd type="none" w="med" len="med"/>
-                    </a:lnT>
-                    <a:lnB w="28575" cap="flat" cmpd="sng" algn="ctr">
-                      <a:solidFill>
-                        <a:schemeClr val="tx1"/>
-                      </a:solidFill>
-                      <a:prstDash val="solid"/>
-                      <a:round/>
-                      <a:headEnd type="none" w="med" len="med"/>
-                      <a:tailEnd type="none" w="med" len="med"/>
-                    </a:lnB>
-                    <a:lnTlToBr>
-                      <a:noFill/>
-                    </a:lnTlToBr>
-                    <a:lnBlToTr>
-                      <a:noFill/>
-                    </a:lnBlToTr>
-                    <a:noFill/>
-                  </a:tcPr>
-                </a:tc>
-                <a:tc>
-                  <a:txBody>
-                    <a:bodyPr/>
-                    <a:lstStyle/>
-                    <a:p>
-                      <a:pPr marL="0" marR="0" lvl="0" indent="0" algn="l" defTabSz="914400" rtl="0" eaLnBrk="1" fontAlgn="base" latinLnBrk="0" hangingPunct="1">
-                        <a:lnSpc>
-                          <a:spcPct val="100000"/>
-                        </a:lnSpc>
-                        <a:spcBef>
-                          <a:spcPct val="20000"/>
-                        </a:spcBef>
-                        <a:spcAft>
-                          <a:spcPct val="0"/>
-                        </a:spcAft>
-                        <a:buClrTx/>
-                        <a:buSzTx/>
-                        <a:buFontTx/>
-                        <a:buNone/>
-                        <a:tabLst/>
-                      </a:pPr>
-                      <a:endParaRPr kumimoji="0" lang="en-US" sz="1500" b="0" i="0" u="none" strike="noStrike" kern="1200" cap="none" normalizeH="0" baseline="0" dirty="0" smtClean="0">
-                        <a:ln>
-                          <a:noFill/>
-                        </a:ln>
-                        <a:solidFill>
-                          <a:schemeClr val="tx1"/>
-                        </a:solidFill>
-                        <a:effectLst/>
-                        <a:latin typeface="Arial" charset="0"/>
-                        <a:ea typeface="+mn-ea"/>
-                        <a:cs typeface="+mn-cs"/>
-                      </a:endParaRPr>
-                    </a:p>
-                  </a:txBody>
-                  <a:tcPr marT="45716" marB="45716" horzOverflow="overflow">
-                    <a:lnL w="12700" cap="flat" cmpd="sng" algn="ctr">
-                      <a:solidFill>
-                        <a:schemeClr val="tx1"/>
-                      </a:solidFill>
-                      <a:prstDash val="solid"/>
-                      <a:round/>
-                      <a:headEnd type="none" w="med" len="med"/>
-                      <a:tailEnd type="none" w="med" len="med"/>
-                    </a:lnL>
-                    <a:lnR w="28575" cap="flat" cmpd="sng" algn="ctr">
-                      <a:solidFill>
-                        <a:schemeClr val="tx1"/>
-                      </a:solidFill>
-                      <a:prstDash val="solid"/>
-                      <a:round/>
-                      <a:headEnd type="none" w="med" len="med"/>
-                      <a:tailEnd type="none" w="med" len="med"/>
-                    </a:lnR>
-                    <a:lnT w="12700" cap="flat" cmpd="sng" algn="ctr">
-                      <a:solidFill>
-                        <a:schemeClr val="tx1"/>
-                      </a:solidFill>
-                      <a:prstDash val="solid"/>
-                      <a:round/>
-                      <a:headEnd type="none" w="med" len="med"/>
-                      <a:tailEnd type="none" w="med" len="med"/>
-                    </a:lnT>
-                    <a:lnB w="28575" cap="flat" cmpd="sng" algn="ctr">
-                      <a:solidFill>
-                        <a:schemeClr val="tx1"/>
-                      </a:solidFill>
-                      <a:prstDash val="solid"/>
-                      <a:round/>
-                      <a:headEnd type="none" w="med" len="med"/>
-                      <a:tailEnd type="none" w="med" len="med"/>
-                    </a:lnB>
-                    <a:lnTlToBr>
-                      <a:noFill/>
-                    </a:lnTlToBr>
-                    <a:lnBlToTr>
-                      <a:noFill/>
-                    </a:lnBlToTr>
-                    <a:noFill/>
-                  </a:tcPr>
-                </a:tc>
-              </a:tr>
-            </a:tbl>
-          </a:graphicData>
-        </a:graphic>
-      </p:graphicFrame>
-      <p:sp>
-        <p:nvSpPr>
-          <p:cNvPr id="11" name="Line 27"/>
-          <p:cNvSpPr>
-            <a:spLocks noChangeShapeType="1"/>
-          </p:cNvSpPr>
-          <p:nvPr/>
-        </p:nvSpPr>
-        <p:spPr bwMode="auto">
-          <a:xfrm>
-            <a:off x="444674" y="6388072"/>
-            <a:ext cx="11367370" cy="0"/>
-          </a:xfrm>
-          <a:prstGeom prst="line">
-            <a:avLst/>
-          </a:prstGeom>
-          <a:noFill/>
-          <a:ln w="9525">
-            <a:solidFill>
-              <a:schemeClr val="tx1"/>
-            </a:solidFill>
-            <a:round/>
-            <a:headEnd/>
-            <a:tailEnd/>
-          </a:ln>
-          <a:extLst>
-            <a:ext uri="{909E8E84-426E-40DD-AFC4-6F175D3DCCD1}">
-              <a14:hiddenFill xmlns:a14="http://schemas.microsoft.com/office/drawing/2010/main">
-                <a:noFill/>
-              </a14:hiddenFill>
-            </a:ext>
-          </a:extLst>
         </p:spPr>
         <p:txBody>
           <a:bodyPr/>
           <a:lstStyle/>
           <a:p>
-            <a:endParaRPr lang="en-IN"/>
+            <a:endParaRPr lang="en-US" dirty="0" smtClean="0"/>
+          </a:p>
+          <a:p>
+            <a:endParaRPr lang="en-US" dirty="0"/>
+          </a:p>
+          <a:p>
+            <a:endParaRPr lang="en-US" dirty="0" smtClean="0"/>
+          </a:p>
+          <a:p>
+            <a:pPr marL="0" indent="0" algn="ctr">
+              <a:buNone/>
+            </a:pPr>
+            <a:r>
+              <a:rPr lang="en-US" sz="3600" b="1" dirty="0" smtClean="0"/>
+              <a:t>End-To-End Rapid API Development Using </a:t>
+            </a:r>
+            <a:r>
+              <a:rPr lang="en-US" sz="3600" b="1" dirty="0" err="1" smtClean="0"/>
+              <a:t>.Net</a:t>
+            </a:r>
+            <a:r>
+              <a:rPr lang="en-US" sz="3600" b="1" dirty="0" smtClean="0"/>
+              <a:t> Core</a:t>
+            </a:r>
+          </a:p>
+          <a:p>
+            <a:pPr marL="0" indent="0">
+              <a:buNone/>
+            </a:pPr>
+            <a:r>
+              <a:rPr lang="en-US" sz="2000" dirty="0" smtClean="0"/>
+              <a:t>							</a:t>
+            </a:r>
+          </a:p>
+          <a:p>
+            <a:pPr marL="0" indent="0">
+              <a:buNone/>
+            </a:pPr>
+            <a:r>
+              <a:rPr lang="en-US" sz="2000" dirty="0"/>
+              <a:t>	</a:t>
+            </a:r>
+            <a:r>
+              <a:rPr lang="en-US" sz="2000" dirty="0" smtClean="0"/>
+              <a:t>						Vinod Gupta</a:t>
+            </a:r>
+          </a:p>
+          <a:p>
+            <a:pPr marL="0" indent="0">
+              <a:buNone/>
+            </a:pPr>
+            <a:r>
+              <a:rPr lang="en-US" sz="2000" dirty="0"/>
+              <a:t>	</a:t>
+            </a:r>
+            <a:r>
+              <a:rPr lang="en-US" sz="2000" dirty="0" smtClean="0"/>
+              <a:t>						Email: </a:t>
+            </a:r>
+            <a:r>
+              <a:rPr lang="en-US" sz="2000" dirty="0" smtClean="0">
+                <a:hlinkClick r:id="rId2"/>
+              </a:rPr>
+              <a:t>vkg.mca@gmail.com</a:t>
+            </a:r>
+            <a:endParaRPr lang="en-US" sz="2000" dirty="0" smtClean="0"/>
+          </a:p>
+          <a:p>
+            <a:pPr marL="0" indent="0">
+              <a:buNone/>
+            </a:pPr>
+            <a:r>
+              <a:rPr lang="en-US" sz="2000" dirty="0"/>
+              <a:t>	</a:t>
+            </a:r>
+            <a:r>
+              <a:rPr lang="en-US" sz="2000" dirty="0" smtClean="0"/>
+              <a:t>					</a:t>
+            </a:r>
+            <a:r>
+              <a:rPr lang="en-US" sz="2000" dirty="0"/>
+              <a:t>	LinkedIn: </a:t>
+            </a:r>
+            <a:r>
+              <a:rPr lang="en-US" sz="2000" dirty="0">
+                <a:hlinkClick r:id="rId3"/>
+              </a:rPr>
+              <a:t>https://</a:t>
+            </a:r>
+            <a:r>
+              <a:rPr lang="en-US" sz="2000" dirty="0" smtClean="0">
+                <a:hlinkClick r:id="rId3"/>
+              </a:rPr>
+              <a:t>www.linkedin.com/in/vkgmca</a:t>
+            </a:r>
+            <a:endParaRPr lang="en-US" sz="2000" dirty="0" smtClean="0"/>
+          </a:p>
+          <a:p>
+            <a:pPr marL="0" indent="0">
+              <a:buNone/>
+            </a:pPr>
+            <a:endParaRPr lang="en-US" sz="2000" dirty="0" smtClean="0"/>
+          </a:p>
+          <a:p>
+            <a:pPr marL="0" indent="0">
+              <a:buNone/>
+            </a:pPr>
+            <a:endParaRPr lang="en-US" sz="2000" dirty="0" smtClean="0"/>
+          </a:p>
+          <a:p>
+            <a:pPr marL="0" indent="0" algn="ctr">
+              <a:buNone/>
+            </a:pPr>
+            <a:endParaRPr lang="en-US" sz="2000" dirty="0"/>
           </a:p>
         </p:txBody>
       </p:sp>
-      <p:graphicFrame>
-        <p:nvGraphicFramePr>
-          <p:cNvPr id="12" name="Group 20"/>
-          <p:cNvGraphicFramePr>
-            <a:graphicFrameLocks noGrp="1"/>
-          </p:cNvGraphicFramePr>
+    </p:spTree>
+    <p:extLst>
+      <p:ext uri="{BB962C8B-B14F-4D97-AF65-F5344CB8AC3E}">
+        <p14:creationId xmlns:p14="http://schemas.microsoft.com/office/powerpoint/2010/main" val="445421938"/>
+      </p:ext>
+    </p:extLst>
+  </p:cSld>
+  <p:clrMapOvr>
+    <a:masterClrMapping/>
+  </p:clrMapOvr>
+  <p:timing>
+    <p:tnLst>
+      <p:par>
+        <p:cTn id="1" dur="indefinite" restart="never" nodeType="tmRoot"/>
+      </p:par>
+    </p:tnLst>
+  </p:timing>
+</p:sld>
+</file>
+
+<file path=ppt/slides/slide10.xml><?xml version="1.0" encoding="utf-8"?>
+<p:sld xmlns:a="http://schemas.openxmlformats.org/drawingml/2006/main" xmlns:r="http://schemas.openxmlformats.org/officeDocument/2006/relationships" xmlns:p="http://schemas.openxmlformats.org/presentationml/2006/main">
+  <p:cSld>
+    <p:spTree>
+      <p:nvGrpSpPr>
+        <p:cNvPr id="1" name=""/>
+        <p:cNvGrpSpPr/>
+        <p:nvPr/>
+      </p:nvGrpSpPr>
+      <p:grpSpPr>
+        <a:xfrm>
+          <a:off x="0" y="0"/>
+          <a:ext cx="0" cy="0"/>
+          <a:chOff x="0" y="0"/>
+          <a:chExt cx="0" cy="0"/>
+        </a:xfrm>
+      </p:grpSpPr>
+      <p:sp>
+        <p:nvSpPr>
+          <p:cNvPr id="2" name="Title 1"/>
+          <p:cNvSpPr>
+            <a:spLocks noGrp="1"/>
+          </p:cNvSpPr>
           <p:nvPr>
-            <p:extLst>
-              <p:ext uri="{D42A27DB-BD31-4B8C-83A1-F6EECF244321}">
-                <p14:modId xmlns:p14="http://schemas.microsoft.com/office/powerpoint/2010/main" val="1575033893"/>
-              </p:ext>
-            </p:extLst>
+            <p:ph type="title"/>
           </p:nvPr>
-        </p:nvGraphicFramePr>
-        <p:xfrm>
-          <a:off x="488515" y="4603347"/>
-          <a:ext cx="3319397" cy="1672194"/>
-        </p:xfrm>
-        <a:graphic>
-          <a:graphicData uri="http://schemas.openxmlformats.org/drawingml/2006/table">
-            <a:tbl>
-              <a:tblPr/>
-              <a:tblGrid>
-                <a:gridCol w="3319397"/>
-              </a:tblGrid>
-              <a:tr h="1672194">
-                <a:tc>
-                  <a:txBody>
-                    <a:bodyPr/>
-                    <a:lstStyle/>
-                    <a:p>
-                      <a:pPr marL="0" marR="0" lvl="0" indent="0" algn="l" defTabSz="914400" rtl="0" eaLnBrk="1" fontAlgn="base" latinLnBrk="0" hangingPunct="1">
-                        <a:lnSpc>
-                          <a:spcPct val="100000"/>
-                        </a:lnSpc>
-                        <a:spcBef>
-                          <a:spcPct val="20000"/>
-                        </a:spcBef>
-                        <a:spcAft>
-                          <a:spcPct val="0"/>
-                        </a:spcAft>
-                        <a:buClrTx/>
-                        <a:buSzTx/>
-                        <a:buFontTx/>
-                        <a:buNone/>
-                        <a:tabLst/>
-                      </a:pPr>
-                      <a:r>
-                        <a:rPr kumimoji="0" lang="en-GB" sz="1200" b="0" i="0" u="none" strike="noStrike" cap="none" normalizeH="0" baseline="0" dirty="0" smtClean="0">
-                          <a:ln>
-                            <a:noFill/>
-                          </a:ln>
-                          <a:solidFill>
-                            <a:schemeClr val="tx1"/>
-                          </a:solidFill>
-                          <a:effectLst/>
-                          <a:latin typeface="Arial" charset="0"/>
-                        </a:rPr>
-                        <a:t>        </a:t>
-                      </a:r>
-                      <a:r>
-                        <a:rPr kumimoji="0" lang="en-GB" sz="1400" b="0" i="0" u="none" strike="noStrike" cap="none" normalizeH="0" baseline="0" dirty="0" smtClean="0">
-                          <a:ln>
-                            <a:noFill/>
-                          </a:ln>
-                          <a:solidFill>
-                            <a:schemeClr val="tx1"/>
-                          </a:solidFill>
-                          <a:effectLst/>
-                          <a:latin typeface="Arial" charset="0"/>
-                        </a:rPr>
-                        <a:t>: </a:t>
-                      </a:r>
-                      <a:r>
-                        <a:rPr kumimoji="0" lang="en-GB" sz="1400" b="0" i="0" u="none" strike="noStrike" cap="none" normalizeH="0" baseline="0" dirty="0" smtClean="0">
-                          <a:ln>
-                            <a:noFill/>
-                          </a:ln>
-                          <a:solidFill>
-                            <a:schemeClr val="tx1"/>
-                          </a:solidFill>
-                          <a:effectLst/>
-                          <a:latin typeface="Arial" charset="0"/>
-                          <a:hlinkClick r:id="rId3"/>
-                        </a:rPr>
-                        <a:t>vkg.mca@gmail.com</a:t>
-                      </a:r>
-                      <a:endParaRPr kumimoji="0" lang="en-GB" sz="1400" b="0" i="0" u="none" strike="noStrike" cap="none" normalizeH="0" baseline="0" dirty="0" smtClean="0">
-                        <a:ln>
-                          <a:noFill/>
-                        </a:ln>
-                        <a:solidFill>
-                          <a:schemeClr val="tx1"/>
-                        </a:solidFill>
-                        <a:effectLst/>
-                        <a:latin typeface="Arial" charset="0"/>
-                      </a:endParaRPr>
-                    </a:p>
-                    <a:p>
-                      <a:pPr marL="0" marR="0" lvl="0" indent="0" algn="l" defTabSz="914400" rtl="0" eaLnBrk="1" fontAlgn="base" latinLnBrk="0" hangingPunct="1">
-                        <a:lnSpc>
-                          <a:spcPct val="100000"/>
-                        </a:lnSpc>
-                        <a:spcBef>
-                          <a:spcPct val="20000"/>
-                        </a:spcBef>
-                        <a:spcAft>
-                          <a:spcPct val="0"/>
-                        </a:spcAft>
-                        <a:buClrTx/>
-                        <a:buSzTx/>
-                        <a:buFontTx/>
-                        <a:buNone/>
-                        <a:tabLst/>
-                      </a:pPr>
-                      <a:r>
-                        <a:rPr kumimoji="0" lang="en-GB" sz="1400" b="0" i="0" u="none" strike="noStrike" cap="none" normalizeH="0" baseline="0" dirty="0" smtClean="0">
-                          <a:ln>
-                            <a:noFill/>
-                          </a:ln>
-                          <a:solidFill>
-                            <a:schemeClr val="tx1"/>
-                          </a:solidFill>
-                          <a:effectLst/>
-                          <a:latin typeface="Arial" charset="0"/>
-                        </a:rPr>
-                        <a:t>       : </a:t>
-                      </a:r>
-                      <a:r>
-                        <a:rPr kumimoji="0" lang="en-GB" sz="1400" b="0" i="0" u="none" strike="noStrike" cap="none" normalizeH="0" baseline="0" dirty="0" smtClean="0">
-                          <a:ln>
-                            <a:noFill/>
-                          </a:ln>
-                          <a:solidFill>
-                            <a:schemeClr val="tx1"/>
-                          </a:solidFill>
-                          <a:effectLst/>
-                          <a:latin typeface="Arial" charset="0"/>
-                          <a:hlinkClick r:id="rId4"/>
-                        </a:rPr>
-                        <a:t>https://hk.linkedin.com/in/vkgmca</a:t>
-                      </a:r>
-                      <a:endParaRPr kumimoji="0" lang="en-GB" sz="1400" b="0" i="0" u="none" strike="noStrike" cap="none" normalizeH="0" baseline="0" dirty="0" smtClean="0">
-                        <a:ln>
-                          <a:noFill/>
-                        </a:ln>
-                        <a:solidFill>
-                          <a:schemeClr val="tx1"/>
-                        </a:solidFill>
-                        <a:effectLst/>
-                        <a:latin typeface="Arial" charset="0"/>
-                      </a:endParaRPr>
-                    </a:p>
-                    <a:p>
-                      <a:pPr marL="0" marR="0" lvl="0" indent="0" algn="l" defTabSz="914400" rtl="0" eaLnBrk="1" fontAlgn="base" latinLnBrk="0" hangingPunct="1">
-                        <a:lnSpc>
-                          <a:spcPct val="100000"/>
-                        </a:lnSpc>
-                        <a:spcBef>
-                          <a:spcPct val="20000"/>
-                        </a:spcBef>
-                        <a:spcAft>
-                          <a:spcPct val="0"/>
-                        </a:spcAft>
-                        <a:buClrTx/>
-                        <a:buSzTx/>
-                        <a:buFontTx/>
-                        <a:buNone/>
-                        <a:tabLst/>
-                      </a:pPr>
-                      <a:r>
-                        <a:rPr kumimoji="0" lang="en-GB" sz="1400" b="0" i="0" u="none" strike="noStrike" cap="none" normalizeH="0" baseline="0" dirty="0" smtClean="0">
-                          <a:ln>
-                            <a:noFill/>
-                          </a:ln>
-                          <a:solidFill>
-                            <a:schemeClr val="tx1"/>
-                          </a:solidFill>
-                          <a:effectLst/>
-                          <a:latin typeface="Arial" charset="0"/>
-                        </a:rPr>
-                        <a:t>       : </a:t>
-                      </a:r>
-                      <a:r>
-                        <a:rPr kumimoji="0" lang="en-GB" sz="1400" b="0" i="0" u="none" strike="noStrike" kern="1200" cap="none" normalizeH="0" baseline="0" dirty="0" smtClean="0">
-                          <a:ln>
-                            <a:noFill/>
-                          </a:ln>
-                          <a:solidFill>
-                            <a:schemeClr val="hlink"/>
-                          </a:solidFill>
-                          <a:effectLst/>
-                          <a:latin typeface="Arial" charset="0"/>
-                          <a:ea typeface="+mn-ea"/>
-                          <a:cs typeface="+mn-cs"/>
-                        </a:rPr>
-                        <a:t>@</a:t>
-                      </a:r>
-                      <a:r>
-                        <a:rPr kumimoji="0" lang="en-GB" sz="1400" b="0" i="0" u="none" strike="noStrike" kern="1200" cap="none" normalizeH="0" baseline="0" dirty="0" err="1" smtClean="0">
-                          <a:ln>
-                            <a:noFill/>
-                          </a:ln>
-                          <a:solidFill>
-                            <a:schemeClr val="hlink"/>
-                          </a:solidFill>
-                          <a:effectLst/>
-                          <a:latin typeface="Arial" charset="0"/>
-                          <a:ea typeface="+mn-ea"/>
-                          <a:cs typeface="+mn-cs"/>
-                        </a:rPr>
-                        <a:t>vkgmca</a:t>
-                      </a:r>
-                      <a:endParaRPr kumimoji="0" lang="en-GB" sz="1400" b="0" i="0" u="none" strike="noStrike" kern="1200" cap="none" normalizeH="0" baseline="0" dirty="0" smtClean="0">
-                        <a:ln>
-                          <a:noFill/>
-                        </a:ln>
-                        <a:solidFill>
-                          <a:schemeClr val="hlink"/>
-                        </a:solidFill>
-                        <a:effectLst/>
-                        <a:latin typeface="Arial" charset="0"/>
-                        <a:ea typeface="+mn-ea"/>
-                        <a:cs typeface="+mn-cs"/>
-                      </a:endParaRPr>
-                    </a:p>
-                    <a:p>
-                      <a:pPr marL="0" marR="0" lvl="0" indent="0" algn="l" defTabSz="914400" rtl="0" eaLnBrk="1" fontAlgn="base" latinLnBrk="0" hangingPunct="1">
-                        <a:lnSpc>
-                          <a:spcPct val="100000"/>
-                        </a:lnSpc>
-                        <a:spcBef>
-                          <a:spcPct val="20000"/>
-                        </a:spcBef>
-                        <a:spcAft>
-                          <a:spcPct val="0"/>
-                        </a:spcAft>
-                        <a:buClrTx/>
-                        <a:buSzTx/>
-                        <a:buFontTx/>
-                        <a:buNone/>
-                        <a:tabLst/>
-                      </a:pPr>
-                      <a:r>
-                        <a:rPr kumimoji="0" lang="en-GB" sz="1400" b="0" i="0" u="none" strike="noStrike" cap="none" normalizeH="0" baseline="0" dirty="0" smtClean="0">
-                          <a:ln>
-                            <a:noFill/>
-                          </a:ln>
-                          <a:solidFill>
-                            <a:schemeClr val="tx1"/>
-                          </a:solidFill>
-                          <a:effectLst/>
-                          <a:latin typeface="Arial" charset="0"/>
-                        </a:rPr>
-                        <a:t>       : </a:t>
-                      </a:r>
-                      <a:r>
-                        <a:rPr kumimoji="0" lang="en-GB" sz="1400" b="0" i="0" u="none" strike="noStrike" cap="none" normalizeH="0" baseline="0" dirty="0" smtClean="0">
-                          <a:ln>
-                            <a:noFill/>
-                          </a:ln>
-                          <a:solidFill>
-                            <a:schemeClr val="tx1"/>
-                          </a:solidFill>
-                          <a:effectLst/>
-                          <a:latin typeface="Arial" charset="0"/>
-                          <a:hlinkClick r:id="rId5"/>
-                        </a:rPr>
-                        <a:t>www.facebook.com/vkg.mca</a:t>
-                      </a:r>
-                      <a:endParaRPr kumimoji="0" lang="en-GB" sz="1400" b="0" i="0" u="none" strike="noStrike" cap="none" normalizeH="0" baseline="0" dirty="0" smtClean="0">
-                        <a:ln>
-                          <a:noFill/>
-                        </a:ln>
-                        <a:solidFill>
-                          <a:schemeClr val="tx1"/>
-                        </a:solidFill>
-                        <a:effectLst/>
-                        <a:latin typeface="Arial" charset="0"/>
-                      </a:endParaRPr>
-                    </a:p>
-                    <a:p>
-                      <a:pPr marL="0" marR="0" lvl="0" indent="0" algn="l" defTabSz="914400" rtl="0" eaLnBrk="1" fontAlgn="base" latinLnBrk="0" hangingPunct="1">
-                        <a:lnSpc>
-                          <a:spcPct val="100000"/>
-                        </a:lnSpc>
-                        <a:spcBef>
-                          <a:spcPct val="20000"/>
-                        </a:spcBef>
-                        <a:spcAft>
-                          <a:spcPct val="0"/>
-                        </a:spcAft>
-                        <a:buClrTx/>
-                        <a:buSzTx/>
-                        <a:buFontTx/>
-                        <a:buNone/>
-                        <a:tabLst/>
-                      </a:pPr>
-                      <a:r>
-                        <a:rPr kumimoji="0" lang="en-GB" sz="1400" b="0" i="0" u="none" strike="noStrike" cap="none" normalizeH="0" baseline="0" dirty="0" smtClean="0">
-                          <a:ln>
-                            <a:noFill/>
-                          </a:ln>
-                          <a:solidFill>
-                            <a:schemeClr val="tx1"/>
-                          </a:solidFill>
-                          <a:effectLst/>
-                          <a:latin typeface="Arial" charset="0"/>
-                        </a:rPr>
-                        <a:t>       : </a:t>
-                      </a:r>
-                      <a:r>
-                        <a:rPr kumimoji="0" lang="en-GB" sz="1400" b="0" i="0" u="none" strike="noStrike" cap="none" normalizeH="0" baseline="0" dirty="0" smtClean="0">
-                          <a:ln>
-                            <a:noFill/>
-                          </a:ln>
-                          <a:solidFill>
-                            <a:schemeClr val="hlink"/>
-                          </a:solidFill>
-                          <a:effectLst/>
-                          <a:latin typeface="Arial" charset="0"/>
-                        </a:rPr>
-                        <a:t>(</a:t>
-                      </a:r>
-                      <a:r>
-                        <a:rPr kumimoji="0" lang="en-GB" sz="1400" b="0" i="0" u="none" strike="noStrike" kern="1200" cap="none" normalizeH="0" baseline="0" dirty="0" smtClean="0">
-                          <a:ln>
-                            <a:noFill/>
-                          </a:ln>
-                          <a:solidFill>
-                            <a:schemeClr val="hlink"/>
-                          </a:solidFill>
-                          <a:effectLst/>
-                          <a:latin typeface="Arial" charset="0"/>
-                          <a:ea typeface="+mn-ea"/>
-                          <a:cs typeface="+mn-cs"/>
-                        </a:rPr>
-                        <a:t>M</a:t>
-                      </a:r>
-                      <a:r>
-                        <a:rPr kumimoji="0" lang="en-GB" sz="1400" b="0" i="0" u="none" strike="noStrike" cap="none" normalizeH="0" baseline="0" dirty="0" smtClean="0">
-                          <a:ln>
-                            <a:noFill/>
-                          </a:ln>
-                          <a:solidFill>
-                            <a:schemeClr val="hlink"/>
-                          </a:solidFill>
-                          <a:effectLst/>
-                          <a:latin typeface="Arial" charset="0"/>
-                        </a:rPr>
-                        <a:t>): +852-51615958</a:t>
-                      </a:r>
-                    </a:p>
-                    <a:p>
-                      <a:pPr marL="0" marR="0" lvl="0" indent="0" algn="l" defTabSz="914400" rtl="0" eaLnBrk="1" fontAlgn="base" latinLnBrk="0" hangingPunct="1">
-                        <a:lnSpc>
-                          <a:spcPct val="100000"/>
-                        </a:lnSpc>
-                        <a:spcBef>
-                          <a:spcPct val="20000"/>
-                        </a:spcBef>
-                        <a:spcAft>
-                          <a:spcPct val="0"/>
-                        </a:spcAft>
-                        <a:buClrTx/>
-                        <a:buSzTx/>
-                        <a:buFontTx/>
-                        <a:buNone/>
-                        <a:tabLst/>
-                      </a:pPr>
-                      <a:endParaRPr kumimoji="0" lang="en-GB" sz="1200" b="0" i="0" u="none" strike="noStrike" cap="none" normalizeH="0" baseline="0" dirty="0" smtClean="0">
-                        <a:ln>
-                          <a:noFill/>
-                        </a:ln>
-                        <a:solidFill>
-                          <a:schemeClr val="hlink"/>
-                        </a:solidFill>
-                        <a:effectLst/>
-                        <a:latin typeface="Arial" charset="0"/>
-                      </a:endParaRPr>
-                    </a:p>
-                  </a:txBody>
-                  <a:tcPr marT="45704" marB="45704" horzOverflow="overflow">
-                    <a:lnL w="28575" cap="flat" cmpd="sng" algn="ctr">
-                      <a:solidFill>
-                        <a:schemeClr val="tx1"/>
-                      </a:solidFill>
-                      <a:prstDash val="solid"/>
-                      <a:round/>
-                      <a:headEnd type="none" w="med" len="med"/>
-                      <a:tailEnd type="none" w="med" len="med"/>
-                    </a:lnL>
-                    <a:lnR w="28575" cap="flat" cmpd="sng" algn="ctr">
-                      <a:solidFill>
-                        <a:schemeClr val="tx1"/>
-                      </a:solidFill>
-                      <a:prstDash val="solid"/>
-                      <a:round/>
-                      <a:headEnd type="none" w="med" len="med"/>
-                      <a:tailEnd type="none" w="med" len="med"/>
-                    </a:lnR>
-                    <a:lnT w="28575" cap="flat" cmpd="sng" algn="ctr">
-                      <a:solidFill>
-                        <a:schemeClr val="tx1"/>
-                      </a:solidFill>
-                      <a:prstDash val="solid"/>
-                      <a:round/>
-                      <a:headEnd type="none" w="med" len="med"/>
-                      <a:tailEnd type="none" w="med" len="med"/>
-                    </a:lnT>
-                    <a:lnB w="28575" cap="flat" cmpd="sng" algn="ctr">
-                      <a:solidFill>
-                        <a:schemeClr val="tx1"/>
-                      </a:solidFill>
-                      <a:prstDash val="solid"/>
-                      <a:round/>
-                      <a:headEnd type="none" w="med" len="med"/>
-                      <a:tailEnd type="none" w="med" len="med"/>
-                    </a:lnB>
-                    <a:lnTlToBr>
-                      <a:noFill/>
-                    </a:lnTlToBr>
-                    <a:lnBlToTr>
-                      <a:noFill/>
-                    </a:lnBlToTr>
-                    <a:noFill/>
-                  </a:tcPr>
-                </a:tc>
-              </a:tr>
-            </a:tbl>
-          </a:graphicData>
-        </a:graphic>
-      </p:graphicFrame>
-      <p:pic>
-        <p:nvPicPr>
-          <p:cNvPr id="1026" name="Picture 2"/>
-          <p:cNvPicPr>
-            <a:picLocks noChangeAspect="1" noChangeArrowheads="1"/>
-          </p:cNvPicPr>
-          <p:nvPr/>
-        </p:nvPicPr>
-        <p:blipFill>
-          <a:blip r:embed="rId6">
-            <a:extLst>
-              <a:ext uri="{28A0092B-C50C-407E-A947-70E740481C1C}">
-                <a14:useLocalDpi xmlns:a14="http://schemas.microsoft.com/office/drawing/2010/main" val="0"/>
-              </a:ext>
-            </a:extLst>
-          </a:blip>
-          <a:srcRect/>
-          <a:stretch>
-            <a:fillRect/>
-          </a:stretch>
-        </p:blipFill>
-        <p:spPr bwMode="auto">
+        </p:nvSpPr>
+        <p:spPr/>
+        <p:txBody>
+          <a:bodyPr>
+            <a:normAutofit/>
+          </a:bodyPr>
+          <a:lstStyle/>
+          <a:p>
+            <a:pPr lvl="0"/>
+            <a:r>
+              <a:rPr lang="en-US" sz="3200" b="1" dirty="0" smtClean="0"/>
+              <a:t>02</a:t>
+            </a:r>
+            <a:r>
+              <a:rPr lang="en-US" sz="3200" b="1" dirty="0" smtClean="0">
+                <a:solidFill>
+                  <a:srgbClr val="00B0F0"/>
+                </a:solidFill>
+              </a:rPr>
+              <a:t>|</a:t>
+            </a:r>
+            <a:r>
+              <a:rPr lang="en-US" sz="3200" b="1" dirty="0" smtClean="0"/>
+              <a:t> </a:t>
+            </a:r>
+            <a:r>
+              <a:rPr lang="en-US" sz="3200" b="1" dirty="0"/>
+              <a:t>API Client Creation</a:t>
+            </a:r>
+            <a:endParaRPr lang="en-US" sz="3200" b="1" dirty="0"/>
+          </a:p>
+        </p:txBody>
+      </p:sp>
+      <p:sp>
+        <p:nvSpPr>
+          <p:cNvPr id="3" name="Content Placeholder 2"/>
+          <p:cNvSpPr>
+            <a:spLocks noGrp="1"/>
+          </p:cNvSpPr>
+          <p:nvPr>
+            <p:ph sz="quarter" idx="10"/>
+          </p:nvPr>
+        </p:nvSpPr>
+        <p:spPr>
           <a:xfrm>
-            <a:off x="656898" y="1442776"/>
-            <a:ext cx="3076575" cy="3095625"/>
+            <a:off x="379413" y="820396"/>
+            <a:ext cx="11525250" cy="5858218"/>
           </a:xfrm>
-          <a:prstGeom prst="rect">
-            <a:avLst/>
-          </a:prstGeom>
-          <a:noFill/>
-          <a:ln>
-            <a:noFill/>
-          </a:ln>
-          <a:extLst>
-            <a:ext uri="{909E8E84-426E-40DD-AFC4-6F175D3DCCD1}">
-              <a14:hiddenFill xmlns:a14="http://schemas.microsoft.com/office/drawing/2010/main">
-                <a:solidFill>
-                  <a:schemeClr val="accent1"/>
-                </a:solidFill>
-              </a14:hiddenFill>
-            </a:ext>
-            <a:ext uri="{91240B29-F687-4F45-9708-019B960494DF}">
-              <a14:hiddenLine xmlns:a14="http://schemas.microsoft.com/office/drawing/2010/main" w="9525">
-                <a:solidFill>
-                  <a:schemeClr val="tx1"/>
-                </a:solidFill>
-                <a:miter lim="800000"/>
-                <a:headEnd/>
-                <a:tailEnd/>
-              </a14:hiddenLine>
-            </a:ext>
-          </a:extLst>
         </p:spPr>
-      </p:pic>
+        <p:txBody>
+          <a:bodyPr/>
+          <a:lstStyle/>
+          <a:p>
+            <a:r>
+              <a:rPr lang="en-US" sz="2400" b="1" dirty="0" err="1" smtClean="0"/>
+              <a:t>Meetup.Client</a:t>
+            </a:r>
+            <a:endParaRPr lang="en-US" sz="2400" b="1" dirty="0"/>
+          </a:p>
+          <a:p>
+            <a:pPr lvl="1"/>
+            <a:endParaRPr lang="en-US" sz="1600" b="1" dirty="0" smtClean="0"/>
+          </a:p>
+          <a:p>
+            <a:pPr lvl="1"/>
+            <a:r>
+              <a:rPr lang="en-US" sz="1800" b="1" dirty="0" smtClean="0"/>
+              <a:t>Create </a:t>
+            </a:r>
+            <a:r>
+              <a:rPr lang="en-US" sz="1800" b="1" dirty="0" err="1"/>
+              <a:t>.Net</a:t>
+            </a:r>
+            <a:r>
+              <a:rPr lang="en-US" sz="1800" b="1" dirty="0"/>
+              <a:t> Standard library project</a:t>
+            </a:r>
+          </a:p>
+          <a:p>
+            <a:pPr lvl="1"/>
+            <a:endParaRPr lang="en-US" sz="1800" b="1" dirty="0"/>
+          </a:p>
+          <a:p>
+            <a:pPr lvl="1"/>
+            <a:r>
+              <a:rPr lang="en-US" sz="1800" b="1" dirty="0" smtClean="0"/>
+              <a:t>Open </a:t>
+            </a:r>
+            <a:r>
+              <a:rPr lang="en-US" sz="1800" b="1" dirty="0" err="1"/>
+              <a:t>Nswag</a:t>
+            </a:r>
+            <a:r>
+              <a:rPr lang="en-US" sz="1800" b="1" dirty="0"/>
+              <a:t> Studio: </a:t>
+            </a:r>
+            <a:r>
+              <a:rPr lang="en-US" sz="1800" b="1" dirty="0">
+                <a:hlinkClick r:id="rId3"/>
+              </a:rPr>
+              <a:t>https://github.com/RSuter/NSwag/wiki/NSwagStudio</a:t>
+            </a:r>
+            <a:endParaRPr lang="en-US" sz="1800" b="1" dirty="0"/>
+          </a:p>
+          <a:p>
+            <a:pPr lvl="1"/>
+            <a:endParaRPr lang="en-US" sz="1800" b="1" dirty="0" smtClean="0"/>
+          </a:p>
+          <a:p>
+            <a:pPr lvl="1"/>
+            <a:r>
+              <a:rPr lang="en-US" sz="1800" b="1" dirty="0" smtClean="0"/>
+              <a:t>Generate </a:t>
+            </a:r>
+            <a:r>
+              <a:rPr lang="en-US" sz="1800" b="1" dirty="0"/>
+              <a:t>client code</a:t>
+            </a:r>
+          </a:p>
+          <a:p>
+            <a:pPr lvl="2"/>
+            <a:endParaRPr lang="en-US" sz="1050" b="1" dirty="0"/>
+          </a:p>
+        </p:txBody>
+      </p:sp>
       <p:cxnSp>
         <p:nvCxnSpPr>
-          <p:cNvPr id="8" name="Straight Connector 7"/>
+          <p:cNvPr id="4" name="Straight Connector 3"/>
           <p:cNvCxnSpPr/>
           <p:nvPr/>
         </p:nvCxnSpPr>
         <p:spPr>
           <a:xfrm>
-            <a:off x="507304" y="1330042"/>
-            <a:ext cx="11317266" cy="0"/>
+            <a:off x="379413" y="717261"/>
+            <a:ext cx="11235847" cy="0"/>
           </a:xfrm>
           <a:prstGeom prst="line">
             <a:avLst/>
@@ -9338,366 +8216,733 @@
           </a:fontRef>
         </p:style>
       </p:cxnSp>
-      <p:pic>
-        <p:nvPicPr>
-          <p:cNvPr id="2" name="Picture 2"/>
-          <p:cNvPicPr>
-            <a:picLocks noChangeAspect="1" noChangeArrowheads="1"/>
-          </p:cNvPicPr>
-          <p:nvPr/>
-        </p:nvPicPr>
-        <p:blipFill>
-          <a:blip r:embed="rId7" cstate="print">
-            <a:extLst>
-              <a:ext uri="{28A0092B-C50C-407E-A947-70E740481C1C}">
-                <a14:useLocalDpi xmlns:a14="http://schemas.microsoft.com/office/drawing/2010/main" val="0"/>
-              </a:ext>
-            </a:extLst>
-          </a:blip>
-          <a:srcRect/>
-          <a:stretch>
-            <a:fillRect/>
-          </a:stretch>
-        </p:blipFill>
-        <p:spPr bwMode="auto">
-          <a:xfrm>
-            <a:off x="533149" y="5236964"/>
-            <a:ext cx="310667" cy="242334"/>
-          </a:xfrm>
-          <a:prstGeom prst="rect">
-            <a:avLst/>
-          </a:prstGeom>
-          <a:noFill/>
-          <a:ln>
-            <a:noFill/>
-          </a:ln>
-          <a:extLst>
-            <a:ext uri="{909E8E84-426E-40DD-AFC4-6F175D3DCCD1}">
-              <a14:hiddenFill xmlns:a14="http://schemas.microsoft.com/office/drawing/2010/main">
-                <a:solidFill>
-                  <a:schemeClr val="accent1"/>
-                </a:solidFill>
-              </a14:hiddenFill>
-            </a:ext>
-            <a:ext uri="{91240B29-F687-4F45-9708-019B960494DF}">
-              <a14:hiddenLine xmlns:a14="http://schemas.microsoft.com/office/drawing/2010/main" w="9525">
-                <a:solidFill>
-                  <a:schemeClr val="tx1"/>
-                </a:solidFill>
-                <a:miter lim="800000"/>
-                <a:headEnd/>
-                <a:tailEnd/>
-              </a14:hiddenLine>
-            </a:ext>
-          </a:extLst>
-        </p:spPr>
-      </p:pic>
-      <p:pic>
-        <p:nvPicPr>
-          <p:cNvPr id="1027" name="Picture 3"/>
-          <p:cNvPicPr>
-            <a:picLocks noChangeAspect="1" noChangeArrowheads="1"/>
-          </p:cNvPicPr>
-          <p:nvPr/>
-        </p:nvPicPr>
-        <p:blipFill>
-          <a:blip r:embed="rId8" cstate="print">
-            <a:extLst>
-              <a:ext uri="{28A0092B-C50C-407E-A947-70E740481C1C}">
-                <a14:useLocalDpi xmlns:a14="http://schemas.microsoft.com/office/drawing/2010/main" val="0"/>
-              </a:ext>
-            </a:extLst>
-          </a:blip>
-          <a:srcRect/>
-          <a:stretch>
-            <a:fillRect/>
-          </a:stretch>
-        </p:blipFill>
-        <p:spPr bwMode="auto">
-          <a:xfrm>
-            <a:off x="541250" y="5481899"/>
-            <a:ext cx="282292" cy="299505"/>
-          </a:xfrm>
-          <a:prstGeom prst="rect">
-            <a:avLst/>
-          </a:prstGeom>
-          <a:noFill/>
-          <a:ln>
-            <a:noFill/>
-          </a:ln>
-          <a:extLst>
-            <a:ext uri="{909E8E84-426E-40DD-AFC4-6F175D3DCCD1}">
-              <a14:hiddenFill xmlns:a14="http://schemas.microsoft.com/office/drawing/2010/main">
-                <a:solidFill>
-                  <a:schemeClr val="accent1"/>
-                </a:solidFill>
-              </a14:hiddenFill>
-            </a:ext>
-            <a:ext uri="{91240B29-F687-4F45-9708-019B960494DF}">
-              <a14:hiddenLine xmlns:a14="http://schemas.microsoft.com/office/drawing/2010/main" w="9525">
-                <a:solidFill>
-                  <a:schemeClr val="tx1"/>
-                </a:solidFill>
-                <a:miter lim="800000"/>
-                <a:headEnd/>
-                <a:tailEnd/>
-              </a14:hiddenLine>
-            </a:ext>
-          </a:extLst>
-        </p:spPr>
-      </p:pic>
-      <p:pic>
-        <p:nvPicPr>
-          <p:cNvPr id="1028" name="Picture 4"/>
-          <p:cNvPicPr>
-            <a:picLocks noChangeAspect="1" noChangeArrowheads="1"/>
-          </p:cNvPicPr>
-          <p:nvPr/>
-        </p:nvPicPr>
-        <p:blipFill>
-          <a:blip r:embed="rId9">
-            <a:extLst>
-              <a:ext uri="{28A0092B-C50C-407E-A947-70E740481C1C}">
-                <a14:useLocalDpi xmlns:a14="http://schemas.microsoft.com/office/drawing/2010/main" val="0"/>
-              </a:ext>
-            </a:extLst>
-          </a:blip>
-          <a:srcRect/>
-          <a:stretch>
-            <a:fillRect/>
-          </a:stretch>
-        </p:blipFill>
-        <p:spPr bwMode="auto">
-          <a:xfrm>
-            <a:off x="519830" y="4616929"/>
-            <a:ext cx="315293" cy="308127"/>
-          </a:xfrm>
-          <a:prstGeom prst="rect">
-            <a:avLst/>
-          </a:prstGeom>
-          <a:noFill/>
-          <a:ln>
-            <a:noFill/>
-          </a:ln>
-          <a:extLst>
-            <a:ext uri="{909E8E84-426E-40DD-AFC4-6F175D3DCCD1}">
-              <a14:hiddenFill xmlns:a14="http://schemas.microsoft.com/office/drawing/2010/main">
-                <a:solidFill>
-                  <a:schemeClr val="accent1"/>
-                </a:solidFill>
-              </a14:hiddenFill>
-            </a:ext>
-            <a:ext uri="{91240B29-F687-4F45-9708-019B960494DF}">
-              <a14:hiddenLine xmlns:a14="http://schemas.microsoft.com/office/drawing/2010/main" w="9525">
-                <a:solidFill>
-                  <a:schemeClr val="tx1"/>
-                </a:solidFill>
-                <a:miter lim="800000"/>
-                <a:headEnd/>
-                <a:tailEnd/>
-              </a14:hiddenLine>
-            </a:ext>
-          </a:extLst>
-        </p:spPr>
-      </p:pic>
-      <p:pic>
-        <p:nvPicPr>
-          <p:cNvPr id="1029" name="Picture 5"/>
-          <p:cNvPicPr>
-            <a:picLocks noChangeAspect="1" noChangeArrowheads="1"/>
-          </p:cNvPicPr>
-          <p:nvPr/>
-        </p:nvPicPr>
-        <p:blipFill>
-          <a:blip r:embed="rId10">
-            <a:extLst>
-              <a:ext uri="{28A0092B-C50C-407E-A947-70E740481C1C}">
-                <a14:useLocalDpi xmlns:a14="http://schemas.microsoft.com/office/drawing/2010/main" val="0"/>
-              </a:ext>
-            </a:extLst>
-          </a:blip>
-          <a:srcRect/>
-          <a:stretch>
-            <a:fillRect/>
-          </a:stretch>
-        </p:blipFill>
-        <p:spPr bwMode="auto">
-          <a:xfrm>
-            <a:off x="520975" y="5711870"/>
-            <a:ext cx="322841" cy="330178"/>
-          </a:xfrm>
-          <a:prstGeom prst="rect">
-            <a:avLst/>
-          </a:prstGeom>
-          <a:noFill/>
-          <a:ln>
-            <a:noFill/>
-          </a:ln>
-          <a:extLst>
-            <a:ext uri="{909E8E84-426E-40DD-AFC4-6F175D3DCCD1}">
-              <a14:hiddenFill xmlns:a14="http://schemas.microsoft.com/office/drawing/2010/main">
-                <a:solidFill>
-                  <a:schemeClr val="accent1"/>
-                </a:solidFill>
-              </a14:hiddenFill>
-            </a:ext>
-            <a:ext uri="{91240B29-F687-4F45-9708-019B960494DF}">
-              <a14:hiddenLine xmlns:a14="http://schemas.microsoft.com/office/drawing/2010/main" w="9525">
-                <a:solidFill>
-                  <a:schemeClr val="tx1"/>
-                </a:solidFill>
-                <a:miter lim="800000"/>
-                <a:headEnd/>
-                <a:tailEnd/>
-              </a14:hiddenLine>
-            </a:ext>
-          </a:extLst>
-        </p:spPr>
-      </p:pic>
-      <p:pic>
-        <p:nvPicPr>
-          <p:cNvPr id="1030" name="Picture 6"/>
-          <p:cNvPicPr>
-            <a:picLocks noChangeAspect="1" noChangeArrowheads="1"/>
-          </p:cNvPicPr>
-          <p:nvPr/>
-        </p:nvPicPr>
-        <p:blipFill>
-          <a:blip r:embed="rId11" cstate="print">
-            <a:extLst>
-              <a:ext uri="{28A0092B-C50C-407E-A947-70E740481C1C}">
-                <a14:useLocalDpi xmlns:a14="http://schemas.microsoft.com/office/drawing/2010/main" val="0"/>
-              </a:ext>
-            </a:extLst>
-          </a:blip>
-          <a:srcRect/>
-          <a:stretch>
-            <a:fillRect/>
-          </a:stretch>
-        </p:blipFill>
-        <p:spPr bwMode="auto">
-          <a:xfrm>
-            <a:off x="541250" y="4925056"/>
-            <a:ext cx="282292" cy="292465"/>
-          </a:xfrm>
-          <a:prstGeom prst="rect">
-            <a:avLst/>
-          </a:prstGeom>
-          <a:noFill/>
-          <a:ln>
-            <a:noFill/>
-          </a:ln>
-          <a:extLst>
-            <a:ext uri="{909E8E84-426E-40DD-AFC4-6F175D3DCCD1}">
-              <a14:hiddenFill xmlns:a14="http://schemas.microsoft.com/office/drawing/2010/main">
-                <a:solidFill>
-                  <a:schemeClr val="accent1"/>
-                </a:solidFill>
-              </a14:hiddenFill>
-            </a:ext>
-            <a:ext uri="{91240B29-F687-4F45-9708-019B960494DF}">
-              <a14:hiddenLine xmlns:a14="http://schemas.microsoft.com/office/drawing/2010/main" w="9525">
-                <a:solidFill>
-                  <a:schemeClr val="tx1"/>
-                </a:solidFill>
-                <a:miter lim="800000"/>
-                <a:headEnd/>
-                <a:tailEnd/>
-              </a14:hiddenLine>
-            </a:ext>
-          </a:extLst>
-        </p:spPr>
-      </p:pic>
-      <p:pic>
-        <p:nvPicPr>
-          <p:cNvPr id="13" name="Picture 12"/>
-          <p:cNvPicPr>
-            <a:picLocks noChangeAspect="1"/>
-          </p:cNvPicPr>
-          <p:nvPr/>
-        </p:nvPicPr>
-        <p:blipFill>
-          <a:blip r:embed="rId12"/>
-          <a:stretch>
-            <a:fillRect/>
-          </a:stretch>
-        </p:blipFill>
-        <p:spPr>
-          <a:xfrm>
-            <a:off x="8775054" y="3223668"/>
-            <a:ext cx="1386832" cy="423593"/>
-          </a:xfrm>
-          <a:prstGeom prst="rect">
-            <a:avLst/>
-          </a:prstGeom>
-        </p:spPr>
-      </p:pic>
-      <p:pic>
-        <p:nvPicPr>
-          <p:cNvPr id="14" name="Picture 13"/>
-          <p:cNvPicPr>
-            <a:picLocks noChangeAspect="1"/>
-          </p:cNvPicPr>
-          <p:nvPr/>
-        </p:nvPicPr>
-        <p:blipFill>
-          <a:blip r:embed="rId13"/>
-          <a:stretch>
-            <a:fillRect/>
-          </a:stretch>
-        </p:blipFill>
-        <p:spPr>
-          <a:xfrm>
-            <a:off x="6485553" y="3159241"/>
-            <a:ext cx="2141588" cy="530165"/>
-          </a:xfrm>
-          <a:prstGeom prst="rect">
-            <a:avLst/>
-          </a:prstGeom>
-        </p:spPr>
-      </p:pic>
-      <p:pic>
-        <p:nvPicPr>
-          <p:cNvPr id="3" name="Picture 2"/>
-          <p:cNvPicPr>
-            <a:picLocks noChangeAspect="1"/>
-          </p:cNvPicPr>
-          <p:nvPr/>
-        </p:nvPicPr>
-        <p:blipFill>
-          <a:blip r:embed="rId14"/>
-          <a:stretch>
-            <a:fillRect/>
-          </a:stretch>
-        </p:blipFill>
-        <p:spPr>
-          <a:xfrm>
-            <a:off x="10230252" y="3212526"/>
-            <a:ext cx="585342" cy="423593"/>
-          </a:xfrm>
-          <a:prstGeom prst="rect">
-            <a:avLst/>
-          </a:prstGeom>
-        </p:spPr>
-      </p:pic>
     </p:spTree>
     <p:extLst>
       <p:ext uri="{BB962C8B-B14F-4D97-AF65-F5344CB8AC3E}">
-        <p14:creationId xmlns:p14="http://schemas.microsoft.com/office/powerpoint/2010/main" val="2892982743"/>
+        <p14:creationId xmlns:p14="http://schemas.microsoft.com/office/powerpoint/2010/main" val="739738593"/>
       </p:ext>
     </p:extLst>
   </p:cSld>
   <p:clrMapOvr>
     <a:masterClrMapping/>
   </p:clrMapOvr>
-  <mc:AlternateContent xmlns:mc="http://schemas.openxmlformats.org/markup-compatibility/2006" xmlns:p14="http://schemas.microsoft.com/office/powerpoint/2010/main">
-    <mc:Choice Requires="p14">
-      <p:transition spd="slow" p14:dur="2000"/>
-    </mc:Choice>
-    <mc:Fallback xmlns="">
-      <p:transition spd="slow"/>
-    </mc:Fallback>
-  </mc:AlternateContent>
+  <p:timing>
+    <p:tnLst>
+      <p:par>
+        <p:cTn id="1" dur="indefinite" restart="never" nodeType="tmRoot"/>
+      </p:par>
+    </p:tnLst>
+  </p:timing>
+</p:sld>
+</file>
+
+<file path=ppt/slides/slide11.xml><?xml version="1.0" encoding="utf-8"?>
+<p:sld xmlns:a="http://schemas.openxmlformats.org/drawingml/2006/main" xmlns:r="http://schemas.openxmlformats.org/officeDocument/2006/relationships" xmlns:p="http://schemas.openxmlformats.org/presentationml/2006/main">
+  <p:cSld>
+    <p:spTree>
+      <p:nvGrpSpPr>
+        <p:cNvPr id="1" name=""/>
+        <p:cNvGrpSpPr/>
+        <p:nvPr/>
+      </p:nvGrpSpPr>
+      <p:grpSpPr>
+        <a:xfrm>
+          <a:off x="0" y="0"/>
+          <a:ext cx="0" cy="0"/>
+          <a:chOff x="0" y="0"/>
+          <a:chExt cx="0" cy="0"/>
+        </a:xfrm>
+      </p:grpSpPr>
+      <p:sp>
+        <p:nvSpPr>
+          <p:cNvPr id="2" name="Title 1"/>
+          <p:cNvSpPr>
+            <a:spLocks noGrp="1"/>
+          </p:cNvSpPr>
+          <p:nvPr>
+            <p:ph type="title"/>
+          </p:nvPr>
+        </p:nvSpPr>
+        <p:spPr/>
+        <p:txBody>
+          <a:bodyPr>
+            <a:normAutofit/>
+          </a:bodyPr>
+          <a:lstStyle/>
+          <a:p>
+            <a:pPr lvl="0"/>
+            <a:r>
+              <a:rPr lang="en-US" sz="3200" b="1" dirty="0" smtClean="0"/>
+              <a:t>02</a:t>
+            </a:r>
+            <a:r>
+              <a:rPr lang="en-US" sz="3200" b="1" dirty="0" smtClean="0">
+                <a:solidFill>
+                  <a:srgbClr val="00B0F0"/>
+                </a:solidFill>
+              </a:rPr>
+              <a:t>|</a:t>
+            </a:r>
+            <a:r>
+              <a:rPr lang="en-US" sz="3200" b="1" dirty="0"/>
+              <a:t> Test Cases Creation</a:t>
+            </a:r>
+            <a:endParaRPr lang="en-US" sz="3200" b="1" dirty="0"/>
+          </a:p>
+        </p:txBody>
+      </p:sp>
+      <p:sp>
+        <p:nvSpPr>
+          <p:cNvPr id="3" name="Content Placeholder 2"/>
+          <p:cNvSpPr>
+            <a:spLocks noGrp="1"/>
+          </p:cNvSpPr>
+          <p:nvPr>
+            <p:ph sz="quarter" idx="10"/>
+          </p:nvPr>
+        </p:nvSpPr>
+        <p:spPr>
+          <a:xfrm>
+            <a:off x="379413" y="820396"/>
+            <a:ext cx="11525250" cy="5858218"/>
+          </a:xfrm>
+        </p:spPr>
+        <p:txBody>
+          <a:bodyPr/>
+          <a:lstStyle/>
+          <a:p>
+            <a:r>
+              <a:rPr lang="en-US" sz="2400" b="1" dirty="0" err="1" smtClean="0"/>
+              <a:t>Meetup.Test</a:t>
+            </a:r>
+            <a:endParaRPr lang="en-US" sz="2400" b="1" dirty="0"/>
+          </a:p>
+          <a:p>
+            <a:pPr lvl="1"/>
+            <a:endParaRPr lang="en-US" sz="1800" b="1" dirty="0" smtClean="0"/>
+          </a:p>
+          <a:p>
+            <a:pPr lvl="1"/>
+            <a:r>
+              <a:rPr lang="en-US" sz="1800" b="1" dirty="0" smtClean="0"/>
+              <a:t>Create </a:t>
+            </a:r>
+            <a:r>
+              <a:rPr lang="en-US" sz="1800" b="1" dirty="0" err="1"/>
+              <a:t>Xunit</a:t>
+            </a:r>
+            <a:r>
+              <a:rPr lang="en-US" sz="1800" b="1" dirty="0"/>
+              <a:t> test project</a:t>
+            </a:r>
+          </a:p>
+          <a:p>
+            <a:pPr lvl="1"/>
+            <a:endParaRPr lang="en-US" sz="1800" b="1" dirty="0" smtClean="0"/>
+          </a:p>
+          <a:p>
+            <a:pPr lvl="1"/>
+            <a:r>
+              <a:rPr lang="en-US" sz="1800" b="1" dirty="0" smtClean="0"/>
+              <a:t>Add </a:t>
+            </a:r>
+            <a:r>
+              <a:rPr lang="en-US" sz="1800" b="1" dirty="0"/>
+              <a:t>nugget packages</a:t>
+            </a:r>
+          </a:p>
+          <a:p>
+            <a:pPr lvl="2"/>
+            <a:endParaRPr lang="en-US" sz="1050" b="1" dirty="0" smtClean="0"/>
+          </a:p>
+          <a:p>
+            <a:pPr lvl="2"/>
+            <a:r>
+              <a:rPr lang="en-US" sz="1600" b="1" dirty="0" err="1" smtClean="0"/>
+              <a:t>Xunit</a:t>
+            </a:r>
+            <a:endParaRPr lang="en-US" sz="1600" b="1" dirty="0"/>
+          </a:p>
+          <a:p>
+            <a:pPr lvl="2"/>
+            <a:r>
+              <a:rPr lang="en-US" sz="1600" b="1" dirty="0" err="1"/>
+              <a:t>xunit.runner.visualstudio</a:t>
+            </a:r>
+            <a:endParaRPr lang="en-US" sz="1600" b="1" dirty="0"/>
+          </a:p>
+          <a:p>
+            <a:pPr lvl="1"/>
+            <a:endParaRPr lang="en-US" sz="1800" b="1" dirty="0" smtClean="0"/>
+          </a:p>
+          <a:p>
+            <a:pPr lvl="1"/>
+            <a:r>
+              <a:rPr lang="en-US" sz="1800" b="1" dirty="0" smtClean="0"/>
+              <a:t>Basic/Advance </a:t>
+            </a:r>
+            <a:r>
+              <a:rPr lang="en-US" sz="1800" b="1" dirty="0"/>
+              <a:t>test </a:t>
+            </a:r>
+            <a:r>
+              <a:rPr lang="en-US" sz="1800" b="1" dirty="0" smtClean="0"/>
+              <a:t>cases</a:t>
+            </a:r>
+            <a:endParaRPr lang="en-US" sz="1050" b="1" dirty="0"/>
+          </a:p>
+        </p:txBody>
+      </p:sp>
+      <p:cxnSp>
+        <p:nvCxnSpPr>
+          <p:cNvPr id="4" name="Straight Connector 3"/>
+          <p:cNvCxnSpPr/>
+          <p:nvPr/>
+        </p:nvCxnSpPr>
+        <p:spPr>
+          <a:xfrm>
+            <a:off x="379413" y="717261"/>
+            <a:ext cx="11235847" cy="0"/>
+          </a:xfrm>
+          <a:prstGeom prst="line">
+            <a:avLst/>
+          </a:prstGeom>
+          <a:ln w="82550" cmpd="sng">
+            <a:solidFill>
+              <a:schemeClr val="accent5">
+                <a:lumMod val="75000"/>
+              </a:schemeClr>
+            </a:solidFill>
+          </a:ln>
+        </p:spPr>
+        <p:style>
+          <a:lnRef idx="1">
+            <a:schemeClr val="accent1"/>
+          </a:lnRef>
+          <a:fillRef idx="0">
+            <a:schemeClr val="accent1"/>
+          </a:fillRef>
+          <a:effectRef idx="0">
+            <a:schemeClr val="accent1"/>
+          </a:effectRef>
+          <a:fontRef idx="minor">
+            <a:schemeClr val="tx1"/>
+          </a:fontRef>
+        </p:style>
+      </p:cxnSp>
+    </p:spTree>
+    <p:extLst>
+      <p:ext uri="{BB962C8B-B14F-4D97-AF65-F5344CB8AC3E}">
+        <p14:creationId xmlns:p14="http://schemas.microsoft.com/office/powerpoint/2010/main" val="4089812396"/>
+      </p:ext>
+    </p:extLst>
+  </p:cSld>
+  <p:clrMapOvr>
+    <a:masterClrMapping/>
+  </p:clrMapOvr>
+  <p:timing>
+    <p:tnLst>
+      <p:par>
+        <p:cTn id="1" dur="indefinite" restart="never" nodeType="tmRoot"/>
+      </p:par>
+    </p:tnLst>
+  </p:timing>
+</p:sld>
+</file>
+
+<file path=ppt/slides/slide12.xml><?xml version="1.0" encoding="utf-8"?>
+<p:sld xmlns:a="http://schemas.openxmlformats.org/drawingml/2006/main" xmlns:r="http://schemas.openxmlformats.org/officeDocument/2006/relationships" xmlns:p="http://schemas.openxmlformats.org/presentationml/2006/main">
+  <p:cSld>
+    <p:spTree>
+      <p:nvGrpSpPr>
+        <p:cNvPr id="1" name=""/>
+        <p:cNvGrpSpPr/>
+        <p:nvPr/>
+      </p:nvGrpSpPr>
+      <p:grpSpPr>
+        <a:xfrm>
+          <a:off x="0" y="0"/>
+          <a:ext cx="0" cy="0"/>
+          <a:chOff x="0" y="0"/>
+          <a:chExt cx="0" cy="0"/>
+        </a:xfrm>
+      </p:grpSpPr>
+      <p:sp>
+        <p:nvSpPr>
+          <p:cNvPr id="2" name="Title 1"/>
+          <p:cNvSpPr>
+            <a:spLocks noGrp="1"/>
+          </p:cNvSpPr>
+          <p:nvPr>
+            <p:ph type="title"/>
+          </p:nvPr>
+        </p:nvSpPr>
+        <p:spPr/>
+        <p:txBody>
+          <a:bodyPr>
+            <a:normAutofit/>
+          </a:bodyPr>
+          <a:lstStyle/>
+          <a:p>
+            <a:r>
+              <a:rPr lang="en-US" sz="3200" b="1" dirty="0" smtClean="0"/>
+              <a:t>02</a:t>
+            </a:r>
+            <a:r>
+              <a:rPr lang="en-US" sz="3200" b="1" dirty="0" smtClean="0">
+                <a:solidFill>
+                  <a:srgbClr val="00B0F0"/>
+                </a:solidFill>
+              </a:rPr>
+              <a:t>|</a:t>
+            </a:r>
+            <a:r>
+              <a:rPr lang="en-US" sz="3200" b="1" dirty="0" smtClean="0"/>
+              <a:t> </a:t>
+            </a:r>
+            <a:r>
+              <a:rPr lang="en-US" sz="3200" b="1" dirty="0"/>
+              <a:t>HTTP REPL</a:t>
+            </a:r>
+            <a:br>
+              <a:rPr lang="en-US" sz="3200" b="1" dirty="0"/>
+            </a:br>
+            <a:endParaRPr lang="en-US" sz="3200" b="1" dirty="0"/>
+          </a:p>
+        </p:txBody>
+      </p:sp>
+      <p:sp>
+        <p:nvSpPr>
+          <p:cNvPr id="3" name="Content Placeholder 2"/>
+          <p:cNvSpPr>
+            <a:spLocks noGrp="1"/>
+          </p:cNvSpPr>
+          <p:nvPr>
+            <p:ph sz="quarter" idx="10"/>
+          </p:nvPr>
+        </p:nvSpPr>
+        <p:spPr>
+          <a:xfrm>
+            <a:off x="379413" y="820396"/>
+            <a:ext cx="11525250" cy="5858218"/>
+          </a:xfrm>
+        </p:spPr>
+        <p:txBody>
+          <a:bodyPr/>
+          <a:lstStyle/>
+          <a:p>
+            <a:pPr lvl="1"/>
+            <a:r>
+              <a:rPr lang="en-US" sz="1600" b="1" dirty="0" smtClean="0"/>
+              <a:t>Download</a:t>
+            </a:r>
+            <a:r>
+              <a:rPr lang="en-US" sz="1600" b="1" dirty="0"/>
+              <a:t>: </a:t>
+            </a:r>
+            <a:r>
+              <a:rPr lang="en-US" sz="1600" b="1" dirty="0">
+                <a:hlinkClick r:id="rId3"/>
+              </a:rPr>
+              <a:t>https://dotnet.myget.org/feed/dotnet-core/package/nuget/dotnet-httprepl</a:t>
+            </a:r>
+            <a:endParaRPr lang="en-US" sz="1600" b="1" dirty="0"/>
+          </a:p>
+          <a:p>
+            <a:pPr lvl="1"/>
+            <a:r>
+              <a:rPr lang="en-US" sz="1600" b="1" dirty="0"/>
+              <a:t>Install: </a:t>
+            </a:r>
+            <a:r>
+              <a:rPr lang="en-US" sz="1600" b="1" dirty="0" err="1"/>
+              <a:t>dotnet</a:t>
+            </a:r>
+            <a:r>
+              <a:rPr lang="en-US" sz="1600" b="1" dirty="0"/>
+              <a:t> tool install -g --version 2.2.0-* --add-source https://dotnet.myget.org/F/dotnet-core/api/v3/index.json </a:t>
+            </a:r>
+            <a:r>
+              <a:rPr lang="en-US" sz="1600" b="1" dirty="0" err="1"/>
+              <a:t>dotnet-httprepl</a:t>
+            </a:r>
+            <a:endParaRPr lang="en-US" sz="1600" b="1" dirty="0"/>
+          </a:p>
+          <a:p>
+            <a:pPr lvl="1"/>
+            <a:r>
+              <a:rPr lang="en-US" sz="1600" b="1" dirty="0"/>
+              <a:t>Verify: </a:t>
+            </a:r>
+            <a:r>
+              <a:rPr lang="en-US" sz="1600" b="1" dirty="0" err="1"/>
+              <a:t>dotnet</a:t>
+            </a:r>
+            <a:r>
+              <a:rPr lang="en-US" sz="1600" b="1" dirty="0"/>
+              <a:t> tool list -g</a:t>
+            </a:r>
+          </a:p>
+          <a:p>
+            <a:pPr lvl="1"/>
+            <a:r>
+              <a:rPr lang="en-US" sz="1600" b="1" dirty="0"/>
+              <a:t>Example:</a:t>
+            </a:r>
+          </a:p>
+          <a:p>
+            <a:pPr lvl="2"/>
+            <a:r>
+              <a:rPr lang="en-US" sz="1400" b="1" dirty="0"/>
+              <a:t>set base </a:t>
+            </a:r>
+            <a:r>
+              <a:rPr lang="en-US" sz="1400" b="1" dirty="0">
+                <a:hlinkClick r:id="rId4"/>
+              </a:rPr>
+              <a:t>https://api.github.com</a:t>
+            </a:r>
+            <a:endParaRPr lang="en-US" sz="1400" b="1" dirty="0"/>
+          </a:p>
+          <a:p>
+            <a:pPr lvl="2"/>
+            <a:r>
+              <a:rPr lang="en-US" sz="1400" b="1" dirty="0"/>
+              <a:t>Get</a:t>
+            </a:r>
+          </a:p>
+          <a:p>
+            <a:pPr lvl="2"/>
+            <a:r>
+              <a:rPr lang="en-US" sz="1400" b="1" dirty="0"/>
+              <a:t>get </a:t>
+            </a:r>
+            <a:r>
+              <a:rPr lang="en-US" sz="1400" b="1" dirty="0" err="1"/>
+              <a:t>emojis</a:t>
+            </a:r>
+            <a:endParaRPr lang="en-US" sz="1400" b="1" dirty="0"/>
+          </a:p>
+          <a:p>
+            <a:pPr lvl="2"/>
+            <a:r>
+              <a:rPr lang="en-US" sz="1400" b="1" dirty="0"/>
+              <a:t>type in browser </a:t>
+            </a:r>
+            <a:r>
+              <a:rPr lang="en-US" sz="1400" b="1" dirty="0">
+                <a:hlinkClick r:id="rId5"/>
+              </a:rPr>
+              <a:t>https://assets-cdn.github.com/images/icons/emoji/unicode/1f4a4.png?v8</a:t>
+            </a:r>
+            <a:endParaRPr lang="en-US" sz="1100" b="1" dirty="0"/>
+          </a:p>
+          <a:p>
+            <a:pPr lvl="1"/>
+            <a:r>
+              <a:rPr lang="en-US" sz="1600" b="1" dirty="0"/>
+              <a:t>Add to VS:</a:t>
+            </a:r>
+          </a:p>
+          <a:p>
+            <a:pPr lvl="2"/>
+            <a:r>
+              <a:rPr lang="en-US" sz="1400" b="1" dirty="0"/>
+              <a:t>Add </a:t>
+            </a:r>
+            <a:r>
+              <a:rPr lang="en-US" sz="1400" b="1" dirty="0" err="1"/>
+              <a:t>httprepl</a:t>
+            </a:r>
+            <a:r>
+              <a:rPr lang="en-US" sz="1400" b="1" dirty="0"/>
+              <a:t> from C:\Users\user\.dotnet\tools\dotnet-httprepl.exe</a:t>
+            </a:r>
+          </a:p>
+          <a:p>
+            <a:pPr lvl="2"/>
+            <a:r>
+              <a:rPr lang="en-US" sz="1400" b="1" dirty="0"/>
+              <a:t>Choose browse with HTTP REPL</a:t>
+            </a:r>
+          </a:p>
+          <a:p>
+            <a:pPr lvl="2"/>
+            <a:r>
+              <a:rPr lang="en-US" sz="1400" b="1" dirty="0"/>
+              <a:t>get </a:t>
+            </a:r>
+            <a:r>
+              <a:rPr lang="en-US" sz="1400" b="1" dirty="0" err="1"/>
+              <a:t>api</a:t>
+            </a:r>
+            <a:r>
+              <a:rPr lang="en-US" sz="1400" b="1" dirty="0"/>
+              <a:t>/values</a:t>
+            </a:r>
+          </a:p>
+          <a:p>
+            <a:pPr lvl="2"/>
+            <a:r>
+              <a:rPr lang="en-US" sz="1400" b="1" dirty="0" err="1"/>
+              <a:t>ui</a:t>
+            </a:r>
+            <a:endParaRPr lang="en-US" sz="1400" b="1" dirty="0"/>
+          </a:p>
+          <a:p>
+            <a:pPr marL="514176" lvl="1" indent="0">
+              <a:buNone/>
+            </a:pPr>
+            <a:endParaRPr lang="en-US" sz="1600" b="1" dirty="0"/>
+          </a:p>
+          <a:p>
+            <a:pPr marL="514176" lvl="1" indent="0">
+              <a:buNone/>
+            </a:pPr>
+            <a:r>
+              <a:rPr lang="en-US" sz="1600" b="1" dirty="0"/>
+              <a:t>Set Default Editor</a:t>
+            </a:r>
+          </a:p>
+          <a:p>
+            <a:pPr marL="914090" lvl="2" indent="0">
+              <a:buNone/>
+            </a:pPr>
+            <a:r>
+              <a:rPr lang="en-US" sz="1400" b="1" dirty="0" err="1"/>
+              <a:t>pref</a:t>
+            </a:r>
+            <a:r>
+              <a:rPr lang="en-US" sz="1400" b="1" dirty="0"/>
+              <a:t> set </a:t>
+            </a:r>
+            <a:r>
+              <a:rPr lang="en-US" sz="1400" b="1" dirty="0" err="1"/>
+              <a:t>editor.command.default</a:t>
+            </a:r>
+            <a:r>
+              <a:rPr lang="en-US" sz="1400" b="1" dirty="0"/>
+              <a:t> "C:\Users\user\AppData\Local\Programs\Microsoft VS Code\code.exe"</a:t>
+            </a:r>
+          </a:p>
+          <a:p>
+            <a:pPr lvl="1"/>
+            <a:endParaRPr lang="en-US" sz="1600" b="1" dirty="0"/>
+          </a:p>
+          <a:p>
+            <a:pPr lvl="1"/>
+            <a:r>
+              <a:rPr lang="en-US" sz="1600" b="1" dirty="0"/>
+              <a:t>Construct the request</a:t>
+            </a:r>
+          </a:p>
+          <a:p>
+            <a:pPr lvl="2"/>
+            <a:r>
+              <a:rPr lang="en-US" sz="1400" b="1" dirty="0"/>
+              <a:t>post -h </a:t>
+            </a:r>
+            <a:r>
+              <a:rPr lang="en-US" sz="1400" b="1" dirty="0" err="1"/>
+              <a:t>Content-Type:application</a:t>
+            </a:r>
+            <a:r>
+              <a:rPr lang="en-US" sz="1400" b="1" dirty="0"/>
+              <a:t>/</a:t>
+            </a:r>
+            <a:r>
+              <a:rPr lang="en-US" sz="1400" b="1" dirty="0" err="1"/>
+              <a:t>json</a:t>
+            </a:r>
+            <a:endParaRPr lang="en-US" sz="1400" b="1" dirty="0"/>
+          </a:p>
+        </p:txBody>
+      </p:sp>
+      <p:cxnSp>
+        <p:nvCxnSpPr>
+          <p:cNvPr id="4" name="Straight Connector 3"/>
+          <p:cNvCxnSpPr/>
+          <p:nvPr/>
+        </p:nvCxnSpPr>
+        <p:spPr>
+          <a:xfrm>
+            <a:off x="379413" y="717261"/>
+            <a:ext cx="11235847" cy="0"/>
+          </a:xfrm>
+          <a:prstGeom prst="line">
+            <a:avLst/>
+          </a:prstGeom>
+          <a:ln w="82550" cmpd="sng">
+            <a:solidFill>
+              <a:schemeClr val="accent5">
+                <a:lumMod val="75000"/>
+              </a:schemeClr>
+            </a:solidFill>
+          </a:ln>
+        </p:spPr>
+        <p:style>
+          <a:lnRef idx="1">
+            <a:schemeClr val="accent1"/>
+          </a:lnRef>
+          <a:fillRef idx="0">
+            <a:schemeClr val="accent1"/>
+          </a:fillRef>
+          <a:effectRef idx="0">
+            <a:schemeClr val="accent1"/>
+          </a:effectRef>
+          <a:fontRef idx="minor">
+            <a:schemeClr val="tx1"/>
+          </a:fontRef>
+        </p:style>
+      </p:cxnSp>
+    </p:spTree>
+    <p:extLst>
+      <p:ext uri="{BB962C8B-B14F-4D97-AF65-F5344CB8AC3E}">
+        <p14:creationId xmlns:p14="http://schemas.microsoft.com/office/powerpoint/2010/main" val="1294074476"/>
+      </p:ext>
+    </p:extLst>
+  </p:cSld>
+  <p:clrMapOvr>
+    <a:masterClrMapping/>
+  </p:clrMapOvr>
+  <p:timing>
+    <p:tnLst>
+      <p:par>
+        <p:cTn id="1" dur="indefinite" restart="never" nodeType="tmRoot"/>
+      </p:par>
+    </p:tnLst>
+  </p:timing>
+</p:sld>
+</file>
+
+<file path=ppt/slides/slide13.xml><?xml version="1.0" encoding="utf-8"?>
+<p:sld xmlns:a="http://schemas.openxmlformats.org/drawingml/2006/main" xmlns:r="http://schemas.openxmlformats.org/officeDocument/2006/relationships" xmlns:p="http://schemas.openxmlformats.org/presentationml/2006/main">
+  <p:cSld>
+    <p:spTree>
+      <p:nvGrpSpPr>
+        <p:cNvPr id="1" name=""/>
+        <p:cNvGrpSpPr/>
+        <p:nvPr/>
+      </p:nvGrpSpPr>
+      <p:grpSpPr>
+        <a:xfrm>
+          <a:off x="0" y="0"/>
+          <a:ext cx="0" cy="0"/>
+          <a:chOff x="0" y="0"/>
+          <a:chExt cx="0" cy="0"/>
+        </a:xfrm>
+      </p:grpSpPr>
+      <p:sp>
+        <p:nvSpPr>
+          <p:cNvPr id="3" name="Content Placeholder 2"/>
+          <p:cNvSpPr>
+            <a:spLocks noGrp="1"/>
+          </p:cNvSpPr>
+          <p:nvPr>
+            <p:ph sz="quarter" idx="10"/>
+          </p:nvPr>
+        </p:nvSpPr>
+        <p:spPr>
+          <a:xfrm>
+            <a:off x="379413" y="1189972"/>
+            <a:ext cx="11525250" cy="5488641"/>
+          </a:xfrm>
+        </p:spPr>
+        <p:txBody>
+          <a:bodyPr/>
+          <a:lstStyle/>
+          <a:p>
+            <a:pPr marL="457046" lvl="1" indent="0" algn="ctr">
+              <a:buNone/>
+            </a:pPr>
+            <a:endParaRPr lang="en-US" dirty="0" smtClean="0"/>
+          </a:p>
+          <a:p>
+            <a:pPr marL="457046" lvl="1" indent="0" algn="ctr">
+              <a:buNone/>
+            </a:pPr>
+            <a:endParaRPr lang="en-US" dirty="0"/>
+          </a:p>
+          <a:p>
+            <a:pPr marL="457046" lvl="1" indent="0" algn="ctr">
+              <a:buNone/>
+            </a:pPr>
+            <a:endParaRPr lang="en-US" dirty="0" smtClean="0"/>
+          </a:p>
+          <a:p>
+            <a:pPr marL="457046" lvl="1" indent="0" algn="ctr">
+              <a:buNone/>
+            </a:pPr>
+            <a:endParaRPr lang="en-US" dirty="0"/>
+          </a:p>
+          <a:p>
+            <a:pPr marL="457046" lvl="1" indent="0" algn="ctr">
+              <a:buNone/>
+            </a:pPr>
+            <a:r>
+              <a:rPr lang="en-US" dirty="0" smtClean="0"/>
+              <a:t>Thank </a:t>
+            </a:r>
+            <a:r>
+              <a:rPr lang="en-US" dirty="0" smtClean="0"/>
+              <a:t>You !!!</a:t>
+            </a:r>
+          </a:p>
+          <a:p>
+            <a:pPr marL="457046" lvl="1" indent="0" algn="ctr">
+              <a:buNone/>
+            </a:pPr>
+            <a:endParaRPr lang="en-US" dirty="0" smtClean="0"/>
+          </a:p>
+        </p:txBody>
+      </p:sp>
+      <p:cxnSp>
+        <p:nvCxnSpPr>
+          <p:cNvPr id="4" name="Straight Connector 3"/>
+          <p:cNvCxnSpPr/>
+          <p:nvPr/>
+        </p:nvCxnSpPr>
+        <p:spPr>
+          <a:xfrm>
+            <a:off x="488515" y="939452"/>
+            <a:ext cx="11235847" cy="0"/>
+          </a:xfrm>
+          <a:prstGeom prst="line">
+            <a:avLst/>
+          </a:prstGeom>
+          <a:ln w="82550" cmpd="sng">
+            <a:solidFill>
+              <a:schemeClr val="accent5">
+                <a:lumMod val="75000"/>
+              </a:schemeClr>
+            </a:solidFill>
+          </a:ln>
+        </p:spPr>
+        <p:style>
+          <a:lnRef idx="1">
+            <a:schemeClr val="accent1"/>
+          </a:lnRef>
+          <a:fillRef idx="0">
+            <a:schemeClr val="accent1"/>
+          </a:fillRef>
+          <a:effectRef idx="0">
+            <a:schemeClr val="accent1"/>
+          </a:effectRef>
+          <a:fontRef idx="minor">
+            <a:schemeClr val="tx1"/>
+          </a:fontRef>
+        </p:style>
+      </p:cxnSp>
+    </p:spTree>
+    <p:extLst>
+      <p:ext uri="{BB962C8B-B14F-4D97-AF65-F5344CB8AC3E}">
+        <p14:creationId xmlns:p14="http://schemas.microsoft.com/office/powerpoint/2010/main" val="3881359816"/>
+      </p:ext>
+    </p:extLst>
+  </p:cSld>
+  <p:clrMapOvr>
+    <a:masterClrMapping/>
+  </p:clrMapOvr>
   <p:timing>
     <p:tnLst>
       <p:par>
@@ -9761,7 +9006,7 @@
             <p:ph sz="quarter" idx="10"/>
             <p:extLst>
               <p:ext uri="{D42A27DB-BD31-4B8C-83A1-F6EECF244321}">
-                <p14:modId xmlns:p14="http://schemas.microsoft.com/office/powerpoint/2010/main" val="245746385"/>
+                <p14:modId xmlns:p14="http://schemas.microsoft.com/office/powerpoint/2010/main" val="380301967"/>
               </p:ext>
             </p:extLst>
           </p:nvPr>
@@ -9787,8 +9032,18 @@
                     <a:lstStyle/>
                     <a:p>
                       <a:r>
-                        <a:rPr lang="en-US" sz="3600" dirty="0" smtClean="0"/>
-                        <a:t>Talk Topics</a:t>
+                        <a:rPr lang="en-US" sz="3600" dirty="0" smtClean="0">
+                          <a:latin typeface="+mn-lt"/>
+                          <a:cs typeface="+mn-cs"/>
+                        </a:rPr>
+                        <a:t>At</a:t>
+                      </a:r>
+                      <a:r>
+                        <a:rPr lang="en-US" sz="3600" baseline="0" dirty="0" smtClean="0">
+                          <a:latin typeface="+mn-lt"/>
+                          <a:cs typeface="+mn-cs"/>
+                        </a:rPr>
+                        <a:t> a glance…</a:t>
                       </a:r>
                       <a:endParaRPr lang="en-US" sz="3600" dirty="0">
                         <a:latin typeface="Segoe UI Light" panose="020B0502040204020203" pitchFamily="34" charset="0"/>
@@ -9864,8 +9119,27 @@
                           <a:ea typeface="+mn-ea"/>
                           <a:cs typeface="+mn-cs"/>
                         </a:rPr>
-                        <a:t> Core 2.2 Intro</a:t>
+                        <a:t> Core </a:t>
                       </a:r>
+                      <a:r>
+                        <a:rPr lang="en-US" sz="2400" kern="1200" baseline="0" dirty="0" smtClean="0">
+                          <a:solidFill>
+                            <a:schemeClr val="dk1"/>
+                          </a:solidFill>
+                          <a:latin typeface="+mn-lt"/>
+                          <a:ea typeface="+mn-ea"/>
+                          <a:cs typeface="+mn-cs"/>
+                        </a:rPr>
+                        <a:t>2.2</a:t>
+                      </a:r>
+                      <a:endParaRPr lang="en-US" sz="2400" kern="1200" baseline="0" dirty="0" smtClean="0">
+                        <a:solidFill>
+                          <a:schemeClr val="dk1"/>
+                        </a:solidFill>
+                        <a:latin typeface="+mn-lt"/>
+                        <a:ea typeface="+mn-ea"/>
+                        <a:cs typeface="+mn-cs"/>
+                      </a:endParaRPr>
                     </a:p>
                   </a:txBody>
                   <a:tcPr anchor="ctr"/>
@@ -9888,7 +9162,18 @@
                           <a:ea typeface="+mn-ea"/>
                           <a:cs typeface="+mn-cs"/>
                         </a:rPr>
-                        <a:t>Entity Core Version 2.2 Intro</a:t>
+                        <a:t>Entity Core Version </a:t>
+                      </a:r>
+                      <a:r>
+                        <a:rPr lang="en-US" sz="2400" kern="1200" baseline="0" dirty="0" smtClean="0">
+                          <a:solidFill>
+                            <a:schemeClr val="dk1"/>
+                          </a:solidFill>
+                          <a:latin typeface="+mn-lt"/>
+                          <a:ea typeface="+mn-ea"/>
+                          <a:cs typeface="+mn-cs"/>
+                        </a:rPr>
+                        <a:t>2.2</a:t>
                       </a:r>
                       <a:endParaRPr lang="en-US" sz="2400" kern="1200" baseline="0" dirty="0">
                         <a:solidFill>
@@ -9922,7 +9207,18 @@
                           <a:ea typeface="+mn-ea"/>
                           <a:cs typeface="+mn-cs"/>
                         </a:rPr>
-                        <a:t>VS 2107, Version 15.9 Preview 3 Intro</a:t>
+                        <a:t>VS 2107, Version 15.9 Preview </a:t>
+                      </a:r>
+                      <a:r>
+                        <a:rPr lang="en-US" sz="2400" kern="1200" baseline="0" dirty="0" smtClean="0">
+                          <a:solidFill>
+                            <a:schemeClr val="dk1"/>
+                          </a:solidFill>
+                          <a:latin typeface="+mn-lt"/>
+                          <a:ea typeface="+mn-ea"/>
+                          <a:cs typeface="+mn-cs"/>
+                        </a:rPr>
+                        <a:t>4</a:t>
                       </a:r>
                       <a:endParaRPr lang="en-US" sz="2400" kern="1200" baseline="0" dirty="0">
                         <a:solidFill>
@@ -9965,7 +9261,18 @@
                           <a:ea typeface="+mn-ea"/>
                           <a:cs typeface="+mn-cs"/>
                         </a:rPr>
-                        <a:t> 2.4 Intro</a:t>
+                        <a:t> </a:t>
+                      </a:r>
+                      <a:r>
+                        <a:rPr lang="en-US" sz="2400" kern="1200" dirty="0" smtClean="0">
+                          <a:solidFill>
+                            <a:schemeClr val="dk1"/>
+                          </a:solidFill>
+                          <a:latin typeface="+mn-lt"/>
+                          <a:ea typeface="+mn-ea"/>
+                          <a:cs typeface="+mn-cs"/>
+                        </a:rPr>
+                        <a:t>2.4</a:t>
                       </a:r>
                       <a:endParaRPr lang="en-US" sz="2400" kern="1200" dirty="0">
                         <a:solidFill>
@@ -10020,8 +9327,27 @@
                           <a:ea typeface="+mn-ea"/>
                           <a:cs typeface="+mn-cs"/>
                         </a:rPr>
-                        <a:t>Swagger API Documentation Intro</a:t>
+                        <a:t>Swagger API </a:t>
                       </a:r>
+                      <a:r>
+                        <a:rPr lang="en-US" sz="2400" kern="1200" baseline="0" dirty="0" smtClean="0">
+                          <a:solidFill>
+                            <a:schemeClr val="dk1"/>
+                          </a:solidFill>
+                          <a:latin typeface="+mn-lt"/>
+                          <a:ea typeface="+mn-ea"/>
+                          <a:cs typeface="+mn-cs"/>
+                        </a:rPr>
+                        <a:t>Documentation</a:t>
+                      </a:r>
+                      <a:endParaRPr lang="en-US" sz="2400" kern="1200" baseline="0" dirty="0" smtClean="0">
+                        <a:solidFill>
+                          <a:schemeClr val="dk1"/>
+                        </a:solidFill>
+                        <a:latin typeface="+mn-lt"/>
+                        <a:ea typeface="+mn-ea"/>
+                        <a:cs typeface="+mn-cs"/>
+                      </a:endParaRPr>
                     </a:p>
                   </a:txBody>
                   <a:tcPr anchor="ctr"/>
@@ -10057,17 +9383,6 @@
                         </a:rPr>
                         <a:t>CodeGen</a:t>
                       </a:r>
-                      <a:r>
-                        <a:rPr lang="en-US" sz="2400" kern="1200" baseline="0" dirty="0" smtClean="0">
-                          <a:solidFill>
-                            <a:schemeClr val="dk1"/>
-                          </a:solidFill>
-                          <a:latin typeface="+mn-lt"/>
-                          <a:ea typeface="+mn-ea"/>
-                          <a:cs typeface="+mn-cs"/>
-                        </a:rPr>
-                        <a:t> Intro</a:t>
-                      </a:r>
                       <a:endParaRPr lang="en-US" sz="2400" kern="1200" baseline="0" dirty="0">
                         <a:solidFill>
                           <a:schemeClr val="dk1"/>
@@ -10100,7 +9415,18 @@
                           <a:ea typeface="+mn-ea"/>
                           <a:cs typeface="+mn-cs"/>
                         </a:rPr>
-                        <a:t>Microsoft API Analyzer Intro</a:t>
+                        <a:t>Microsoft API </a:t>
+                      </a:r>
+                      <a:r>
+                        <a:rPr lang="en-US" sz="2400" kern="1200" baseline="0" dirty="0" smtClean="0">
+                          <a:solidFill>
+                            <a:schemeClr val="dk1"/>
+                          </a:solidFill>
+                          <a:latin typeface="+mn-lt"/>
+                          <a:ea typeface="+mn-ea"/>
+                          <a:cs typeface="+mn-cs"/>
+                        </a:rPr>
+                        <a:t>Analyzer</a:t>
                       </a:r>
                       <a:endParaRPr lang="en-US" sz="2400" kern="1200" baseline="0" dirty="0">
                         <a:solidFill>
@@ -10254,7 +9580,7 @@
             <p:ph sz="quarter" idx="10"/>
             <p:extLst>
               <p:ext uri="{D42A27DB-BD31-4B8C-83A1-F6EECF244321}">
-                <p14:modId xmlns:p14="http://schemas.microsoft.com/office/powerpoint/2010/main" val="1034923811"/>
+                <p14:modId xmlns:p14="http://schemas.microsoft.com/office/powerpoint/2010/main" val="332145893"/>
               </p:ext>
             </p:extLst>
           </p:nvPr>
@@ -10540,7 +9866,15 @@
                     <a:p>
                       <a:r>
                         <a:rPr lang="en-US" sz="2400" dirty="0" smtClean="0"/>
-                        <a:t>08 | References</a:t>
+                        <a:t>08 | </a:t>
+                      </a:r>
+                      <a:r>
+                        <a:rPr lang="en-US" sz="2400" dirty="0" smtClean="0"/>
+                        <a:t>HTTP</a:t>
+                      </a:r>
+                      <a:r>
+                        <a:rPr lang="en-US" sz="2400" baseline="0" dirty="0" smtClean="0"/>
+                        <a:t> REPL</a:t>
                       </a:r>
                       <a:endParaRPr lang="en-US" sz="2400" dirty="0">
                         <a:latin typeface="Segoe UI Light" panose="020B0502040204020203" pitchFamily="34" charset="0"/>
@@ -10669,7 +10003,11 @@
             </a:r>
             <a:r>
               <a:rPr lang="en-US" sz="3200" b="1" dirty="0" smtClean="0"/>
-              <a:t> Talk Topics</a:t>
+              <a:t> </a:t>
+            </a:r>
+            <a:r>
+              <a:rPr lang="en-US" sz="3200" b="1" dirty="0" smtClean="0"/>
+              <a:t>At a glance…</a:t>
             </a:r>
             <a:endParaRPr lang="en-US" sz="3200" b="1" dirty="0"/>
           </a:p>
@@ -10697,13 +10035,8 @@
           <a:p>
             <a:r>
               <a:rPr lang="en-US" sz="1600" b="1" dirty="0" smtClean="0"/>
-              <a:t>Visual Studio 2107 Version 15.9 </a:t>
-            </a:r>
-            <a:r>
-              <a:rPr lang="en-US" sz="1600" b="1" dirty="0" smtClean="0"/>
-              <a:t>Preview-4</a:t>
-            </a:r>
-            <a:endParaRPr lang="en-US" sz="1600" b="1" dirty="0" smtClean="0"/>
+              <a:t>Visual Studio 2107 Version 15.9 Preview-4</a:t>
+            </a:r>
           </a:p>
           <a:p>
             <a:pPr lvl="1"/>
@@ -10748,11 +10081,7 @@
             </a:r>
             <a:r>
               <a:rPr lang="en-US" sz="1400" b="1" dirty="0" smtClean="0"/>
-              <a:t>VS 2017, Version </a:t>
-            </a:r>
-            <a:r>
-              <a:rPr lang="en-US" sz="1400" b="1" dirty="0" smtClean="0"/>
-              <a:t>15.9</a:t>
+              <a:t>VS 2017, Version 15.9</a:t>
             </a:r>
           </a:p>
           <a:p>
@@ -10812,17 +10141,12 @@
               <a:rPr lang="en-US" sz="1600" b="1" dirty="0" smtClean="0"/>
               <a:t>Swagger</a:t>
             </a:r>
-            <a:endParaRPr lang="en-US" sz="1600" b="1" dirty="0" smtClean="0"/>
           </a:p>
           <a:p>
             <a:pPr lvl="1"/>
             <a:r>
               <a:rPr lang="en-US" sz="1400" b="1" dirty="0" smtClean="0"/>
-              <a:t>An Open Source for API Documentation and </a:t>
-            </a:r>
-            <a:r>
-              <a:rPr lang="en-US" sz="1400" b="1" dirty="0" smtClean="0"/>
-              <a:t>Testing</a:t>
+              <a:t>An Open Source for API Documentation and Testing</a:t>
             </a:r>
           </a:p>
           <a:p>
@@ -11321,7 +10645,11 @@
             </a:r>
             <a:r>
               <a:rPr lang="en-US" sz="3200" b="1" dirty="0" smtClean="0"/>
-              <a:t> Demo – Show me the code</a:t>
+              <a:t> Demo – Show me the </a:t>
+            </a:r>
+            <a:r>
+              <a:rPr lang="en-US" sz="3200" b="1" dirty="0" smtClean="0"/>
+              <a:t>code !!!</a:t>
             </a:r>
             <a:endParaRPr lang="en-US" sz="3200" b="1" dirty="0"/>
           </a:p>
@@ -11348,329 +10676,78 @@
           <a:lstStyle/>
           <a:p>
             <a:r>
+              <a:rPr lang="en-US" sz="2000" b="1" dirty="0" smtClean="0"/>
+              <a:t>Database Creation: </a:t>
+            </a:r>
+            <a:r>
+              <a:rPr lang="en-US" sz="2000" b="1" dirty="0" err="1" smtClean="0"/>
+              <a:t>Meetup.Db</a:t>
+            </a:r>
+            <a:endParaRPr lang="en-US" sz="2000" b="1" dirty="0" smtClean="0"/>
+          </a:p>
+          <a:p>
+            <a:pPr lvl="1"/>
+            <a:r>
               <a:rPr lang="en-US" sz="1600" b="1" dirty="0" smtClean="0"/>
-              <a:t>Database </a:t>
-            </a:r>
+              <a:t>Create Database project</a:t>
+            </a:r>
+          </a:p>
+          <a:p>
+            <a:pPr lvl="1"/>
+            <a:endParaRPr lang="en-US" sz="1600" b="1" dirty="0" smtClean="0"/>
+          </a:p>
+          <a:p>
+            <a:pPr lvl="1"/>
             <a:r>
               <a:rPr lang="en-US" sz="1600" b="1" dirty="0" smtClean="0"/>
-              <a:t>Creation: </a:t>
+              <a:t>Create </a:t>
             </a:r>
             <a:r>
               <a:rPr lang="en-US" sz="1600" b="1" dirty="0" err="1" smtClean="0"/>
-              <a:t>Meetup.Db</a:t>
-            </a:r>
+              <a:t>MeetupDetail</a:t>
+            </a:r>
+            <a:r>
+              <a:rPr lang="en-US" sz="1600" b="1" dirty="0" smtClean="0"/>
+              <a:t> </a:t>
+            </a:r>
+            <a:r>
+              <a:rPr lang="en-US" sz="1600" b="1" dirty="0" smtClean="0"/>
+              <a:t>table</a:t>
+            </a:r>
+          </a:p>
+          <a:p>
+            <a:pPr lvl="1"/>
             <a:endParaRPr lang="en-US" sz="1600" b="1" dirty="0" smtClean="0"/>
           </a:p>
           <a:p>
             <a:pPr lvl="1"/>
             <a:r>
-              <a:rPr lang="en-US" sz="1200" b="1" dirty="0" smtClean="0"/>
-              <a:t>Create Database project</a:t>
+              <a:rPr lang="en-US" sz="1600" b="1" dirty="0" smtClean="0"/>
+              <a:t>Create Publish configuration</a:t>
             </a:r>
           </a:p>
           <a:p>
             <a:pPr lvl="1"/>
-            <a:r>
-              <a:rPr lang="en-US" sz="1200" b="1" dirty="0" smtClean="0"/>
-              <a:t>Create </a:t>
-            </a:r>
-            <a:r>
-              <a:rPr lang="en-US" sz="1200" b="1" dirty="0" err="1" smtClean="0"/>
-              <a:t>Meetup</a:t>
-            </a:r>
-            <a:r>
-              <a:rPr lang="en-US" sz="1200" b="1" dirty="0" smtClean="0"/>
-              <a:t> table</a:t>
-            </a:r>
+            <a:endParaRPr lang="en-US" sz="1600" b="1" dirty="0" smtClean="0"/>
           </a:p>
           <a:p>
             <a:pPr lvl="1"/>
             <a:r>
-              <a:rPr lang="en-US" sz="1200" b="1" dirty="0" smtClean="0"/>
-              <a:t>Publish to create database</a:t>
-            </a:r>
-          </a:p>
-          <a:p>
-            <a:r>
               <a:rPr lang="en-US" sz="1600" b="1" dirty="0" smtClean="0"/>
-              <a:t>Model Creation: </a:t>
-            </a:r>
-            <a:r>
-              <a:rPr lang="en-US" sz="1600" b="1" dirty="0" err="1" smtClean="0"/>
-              <a:t>Meetup.Entities</a:t>
-            </a:r>
-            <a:endParaRPr lang="en-US" sz="1600" b="1" dirty="0" smtClean="0"/>
+              <a:t>Publish </a:t>
+            </a:r>
+            <a:r>
+              <a:rPr lang="en-US" sz="1600" b="1" dirty="0" smtClean="0"/>
+              <a:t>to create </a:t>
+            </a:r>
+            <a:r>
+              <a:rPr lang="en-US" sz="1600" b="1" dirty="0" smtClean="0"/>
+              <a:t>database</a:t>
+            </a:r>
           </a:p>
           <a:p>
             <a:pPr lvl="1"/>
-            <a:r>
-              <a:rPr lang="en-US" sz="1200" b="1" dirty="0" smtClean="0"/>
-              <a:t>Create </a:t>
-            </a:r>
-            <a:r>
-              <a:rPr lang="en-US" sz="1200" b="1" dirty="0" err="1" smtClean="0"/>
-              <a:t>.Net</a:t>
-            </a:r>
-            <a:r>
-              <a:rPr lang="en-US" sz="1200" b="1" dirty="0" smtClean="0"/>
-              <a:t> Standard Library project</a:t>
-            </a:r>
-          </a:p>
-          <a:p>
-            <a:pPr lvl="1"/>
-            <a:r>
-              <a:rPr lang="en-US" sz="1200" b="1" dirty="0" smtClean="0"/>
-              <a:t>Add nugget packages</a:t>
-            </a:r>
-          </a:p>
-          <a:p>
-            <a:pPr lvl="2"/>
-            <a:r>
-              <a:rPr lang="en-US" sz="800" b="1" dirty="0" err="1" smtClean="0"/>
-              <a:t>Microsoft.EntityFrameworkCore</a:t>
-            </a:r>
-            <a:endParaRPr lang="en-US" sz="800" b="1" dirty="0" smtClean="0"/>
-          </a:p>
-          <a:p>
-            <a:pPr lvl="2"/>
-            <a:r>
-              <a:rPr lang="en-US" sz="800" b="1" dirty="0" err="1"/>
-              <a:t>Microsoft.EntityFrameworkCore.SqlServer</a:t>
-            </a:r>
-            <a:endParaRPr lang="en-US" sz="800" b="1" dirty="0" smtClean="0"/>
-          </a:p>
-          <a:p>
-            <a:pPr lvl="1"/>
-            <a:r>
-              <a:rPr lang="en-US" sz="1200" b="1" dirty="0" smtClean="0"/>
-              <a:t>Generate model using scaffolding service</a:t>
-            </a:r>
-          </a:p>
-          <a:p>
-            <a:pPr lvl="2"/>
-            <a:r>
-              <a:rPr lang="en-US" sz="800" b="1" dirty="0"/>
-              <a:t>Scaffold-</a:t>
-            </a:r>
-            <a:r>
-              <a:rPr lang="en-US" sz="800" b="1" dirty="0" err="1"/>
-              <a:t>DbContext</a:t>
-            </a:r>
-            <a:r>
-              <a:rPr lang="en-US" sz="800" b="1" dirty="0"/>
-              <a:t> "Data Source=.\</a:t>
-            </a:r>
-            <a:r>
-              <a:rPr lang="en-US" sz="800" b="1" dirty="0" err="1"/>
-              <a:t>SQLEXPRESS;Initial</a:t>
-            </a:r>
-            <a:r>
-              <a:rPr lang="en-US" sz="800" b="1" dirty="0"/>
-              <a:t> Catalog=</a:t>
-            </a:r>
-            <a:r>
-              <a:rPr lang="en-US" sz="800" b="1" dirty="0" err="1"/>
-              <a:t>MeetupDb;Integrated</a:t>
-            </a:r>
-            <a:r>
-              <a:rPr lang="en-US" sz="800" b="1" dirty="0"/>
-              <a:t> Security=SSPI;" </a:t>
-            </a:r>
-            <a:r>
-              <a:rPr lang="en-US" sz="800" b="1" dirty="0" err="1"/>
-              <a:t>Microsoft.EntityFrameworkCore.SqlServer</a:t>
-            </a:r>
-            <a:r>
-              <a:rPr lang="en-US" sz="800" b="1" dirty="0"/>
-              <a:t> -</a:t>
-            </a:r>
-            <a:r>
-              <a:rPr lang="en-US" sz="800" b="1" dirty="0" err="1"/>
-              <a:t>OutputDir</a:t>
-            </a:r>
-            <a:r>
-              <a:rPr lang="en-US" sz="800" b="1" dirty="0"/>
-              <a:t> Models </a:t>
-            </a:r>
-            <a:r>
-              <a:rPr lang="en-US" sz="800" b="1" dirty="0" smtClean="0"/>
-              <a:t>–f</a:t>
-            </a:r>
-          </a:p>
-          <a:p>
-            <a:r>
-              <a:rPr lang="en-US" sz="1600" b="1" dirty="0" smtClean="0"/>
-              <a:t>API Creation</a:t>
-            </a:r>
-            <a:r>
-              <a:rPr lang="en-US" sz="1600" b="1" dirty="0"/>
-              <a:t>: </a:t>
-            </a:r>
-            <a:r>
-              <a:rPr lang="en-US" sz="1600" b="1" dirty="0" err="1" smtClean="0"/>
-              <a:t>Meetup.Api</a:t>
-            </a:r>
-            <a:endParaRPr lang="en-US" sz="1600" b="1" dirty="0" smtClean="0"/>
-          </a:p>
-          <a:p>
-            <a:pPr lvl="1"/>
-            <a:r>
-              <a:rPr lang="en-US" sz="1200" b="1" dirty="0" smtClean="0"/>
-              <a:t>Create </a:t>
-            </a:r>
-            <a:r>
-              <a:rPr lang="en-US" sz="1200" b="1" dirty="0" err="1" smtClean="0"/>
-              <a:t>.Net</a:t>
-            </a:r>
-            <a:r>
-              <a:rPr lang="en-US" sz="1200" b="1" dirty="0" smtClean="0"/>
-              <a:t> Core Web API project</a:t>
-            </a:r>
-          </a:p>
-          <a:p>
-            <a:pPr lvl="1"/>
-            <a:r>
-              <a:rPr lang="en-US" sz="1200" b="1" dirty="0" smtClean="0"/>
-              <a:t>Add </a:t>
-            </a:r>
-            <a:r>
-              <a:rPr lang="en-US" sz="1200" b="1" dirty="0" err="1" smtClean="0"/>
-              <a:t>meetup</a:t>
-            </a:r>
-            <a:r>
-              <a:rPr lang="en-US" sz="1200" b="1" dirty="0" smtClean="0"/>
-              <a:t> controller using Entity Framework</a:t>
-            </a:r>
-          </a:p>
-          <a:p>
-            <a:pPr lvl="1"/>
-            <a:r>
-              <a:rPr lang="en-US" sz="1200" b="1" dirty="0" smtClean="0"/>
-              <a:t>Run and invoke value controller to verify the initial structure</a:t>
-            </a:r>
-          </a:p>
-          <a:p>
-            <a:pPr lvl="1"/>
-            <a:r>
-              <a:rPr lang="en-US" sz="1200" b="1" dirty="0" smtClean="0"/>
-              <a:t>Add Swagger</a:t>
-            </a:r>
-          </a:p>
-          <a:p>
-            <a:pPr lvl="2"/>
-            <a:r>
-              <a:rPr lang="en-US" sz="800" b="1" dirty="0" err="1" smtClean="0"/>
-              <a:t>NugEt</a:t>
-            </a:r>
-            <a:r>
-              <a:rPr lang="en-US" sz="800" b="1" dirty="0" smtClean="0"/>
-              <a:t> package: </a:t>
-            </a:r>
-            <a:r>
-              <a:rPr lang="en-US" sz="800" b="1" dirty="0" err="1" smtClean="0"/>
-              <a:t>Swashbuckle.AspNetCore</a:t>
-            </a:r>
-            <a:endParaRPr lang="en-US" sz="800" b="1" dirty="0" smtClean="0"/>
-          </a:p>
-          <a:p>
-            <a:pPr lvl="2"/>
-            <a:r>
-              <a:rPr lang="en-US" sz="800" b="1" dirty="0"/>
-              <a:t>Usage: </a:t>
-            </a:r>
-            <a:r>
-              <a:rPr lang="en-US" sz="800" b="1" dirty="0">
-                <a:hlinkClick r:id="rId3"/>
-              </a:rPr>
-              <a:t>https://</a:t>
-            </a:r>
-            <a:r>
-              <a:rPr lang="en-US" sz="800" b="1" dirty="0" smtClean="0">
-                <a:hlinkClick r:id="rId3"/>
-              </a:rPr>
-              <a:t>github.com/domaindrivendev/Swashbuckle.AspNetCore</a:t>
-            </a:r>
-            <a:endParaRPr lang="en-US" sz="800" b="1" dirty="0" smtClean="0"/>
-          </a:p>
-          <a:p>
-            <a:pPr lvl="1"/>
-            <a:r>
-              <a:rPr lang="en-US" sz="1200" b="1" dirty="0" smtClean="0"/>
-              <a:t>Test Get/Post with Swagger</a:t>
-            </a:r>
-          </a:p>
-          <a:p>
-            <a:pPr lvl="1"/>
-            <a:r>
-              <a:rPr lang="en-US" sz="1200" b="1" dirty="0" smtClean="0"/>
-              <a:t>Add Analyzer</a:t>
-            </a:r>
-          </a:p>
-          <a:p>
-            <a:pPr lvl="2"/>
-            <a:r>
-              <a:rPr lang="en-US" sz="800" b="1" dirty="0" err="1" smtClean="0"/>
-              <a:t>Nuget</a:t>
-            </a:r>
-            <a:r>
-              <a:rPr lang="en-US" sz="800" b="1" dirty="0"/>
-              <a:t> Package: </a:t>
-            </a:r>
-            <a:r>
-              <a:rPr lang="en-US" sz="800" b="1" dirty="0" err="1"/>
-              <a:t>Microsoft.AspNetCore.Mvc.Api.Analyzers</a:t>
-            </a:r>
-            <a:endParaRPr lang="en-US" sz="800" b="1" dirty="0" smtClean="0"/>
-          </a:p>
-          <a:p>
-            <a:pPr lvl="1"/>
-            <a:r>
-              <a:rPr lang="en-US" sz="1200" b="1" dirty="0" smtClean="0"/>
-              <a:t>Verify </a:t>
-            </a:r>
-            <a:r>
-              <a:rPr lang="en-US" sz="1200" b="1" dirty="0" err="1" smtClean="0"/>
-              <a:t>Anlyzer</a:t>
-            </a:r>
-            <a:r>
-              <a:rPr lang="en-US" sz="1200" b="1" dirty="0" smtClean="0"/>
-              <a:t> </a:t>
-            </a:r>
-            <a:r>
-              <a:rPr lang="en-US" sz="1200" b="1" dirty="0" err="1" smtClean="0"/>
-              <a:t>effcts</a:t>
-            </a:r>
-            <a:endParaRPr lang="en-US" sz="1200" b="1" dirty="0"/>
-          </a:p>
-          <a:p>
-            <a:pPr lvl="1"/>
-            <a:endParaRPr lang="en-US" sz="1200" b="1" dirty="0" smtClean="0"/>
-          </a:p>
-          <a:p>
-            <a:pPr lvl="1"/>
-            <a:endParaRPr lang="en-US" sz="1200" b="1" dirty="0"/>
-          </a:p>
-          <a:p>
-            <a:pPr lvl="1"/>
-            <a:endParaRPr lang="en-US" sz="1200" b="1" dirty="0" smtClean="0"/>
-          </a:p>
-          <a:p>
-            <a:pPr lvl="1"/>
-            <a:endParaRPr lang="en-US" sz="1200" b="1" dirty="0" smtClean="0"/>
-          </a:p>
-          <a:p>
             <a:endParaRPr lang="en-US" sz="1600" b="1" dirty="0"/>
-          </a:p>
-          <a:p>
-            <a:pPr lvl="1"/>
-            <a:endParaRPr lang="en-US" sz="1200" b="1" dirty="0" smtClean="0"/>
-          </a:p>
-          <a:p>
-            <a:endParaRPr lang="en-US" sz="2000" b="1" dirty="0" smtClean="0"/>
-          </a:p>
-          <a:p>
-            <a:pPr lvl="1"/>
-            <a:endParaRPr lang="en-US" sz="2000" b="1" dirty="0"/>
           </a:p>
         </p:txBody>
       </p:sp>
@@ -11750,6 +10827,167 @@
       </p:grpSpPr>
       <p:sp>
         <p:nvSpPr>
+          <p:cNvPr id="3" name="Content Placeholder 2"/>
+          <p:cNvSpPr>
+            <a:spLocks noGrp="1"/>
+          </p:cNvSpPr>
+          <p:nvPr>
+            <p:ph sz="quarter" idx="10"/>
+          </p:nvPr>
+        </p:nvSpPr>
+        <p:spPr>
+          <a:xfrm>
+            <a:off x="379413" y="820396"/>
+            <a:ext cx="11525250" cy="5858218"/>
+          </a:xfrm>
+        </p:spPr>
+        <p:txBody>
+          <a:bodyPr/>
+          <a:lstStyle/>
+          <a:p>
+            <a:endParaRPr lang="en-US" sz="1600" b="1" dirty="0" smtClean="0"/>
+          </a:p>
+          <a:p>
+            <a:endParaRPr lang="en-US" sz="1600" b="1" dirty="0"/>
+          </a:p>
+          <a:p>
+            <a:endParaRPr lang="en-US" sz="1600" b="1" dirty="0" smtClean="0"/>
+          </a:p>
+          <a:p>
+            <a:endParaRPr lang="en-US" sz="1600" b="1" dirty="0"/>
+          </a:p>
+          <a:p>
+            <a:endParaRPr lang="en-US" sz="1600" b="1" dirty="0" smtClean="0"/>
+          </a:p>
+          <a:p>
+            <a:endParaRPr lang="en-US" sz="1600" b="1" dirty="0"/>
+          </a:p>
+          <a:p>
+            <a:pPr marL="0" indent="0" algn="ctr">
+              <a:buNone/>
+            </a:pPr>
+            <a:r>
+              <a:rPr lang="en-US" sz="4000" b="1" dirty="0"/>
+              <a:t>02</a:t>
+            </a:r>
+            <a:r>
+              <a:rPr lang="en-US" sz="4000" b="1" dirty="0">
+                <a:solidFill>
+                  <a:srgbClr val="00B0F0"/>
+                </a:solidFill>
+              </a:rPr>
+              <a:t>|</a:t>
+            </a:r>
+            <a:r>
+              <a:rPr lang="en-US" sz="4000" b="1" dirty="0"/>
+              <a:t> </a:t>
+            </a:r>
+            <a:r>
+              <a:rPr lang="en-US" sz="4000" b="1" dirty="0" smtClean="0"/>
+              <a:t>Demo</a:t>
+            </a:r>
+          </a:p>
+          <a:p>
+            <a:pPr marL="0" indent="0" algn="ctr">
+              <a:buNone/>
+            </a:pPr>
+            <a:endParaRPr lang="en-US" sz="4000" b="1" dirty="0"/>
+          </a:p>
+          <a:p>
+            <a:pPr marL="0" indent="0" algn="ctr">
+              <a:buNone/>
+            </a:pPr>
+            <a:r>
+              <a:rPr lang="en-US" sz="4000" b="1" dirty="0" smtClean="0"/>
+              <a:t>Show </a:t>
+            </a:r>
+            <a:r>
+              <a:rPr lang="en-US" sz="4000" b="1" dirty="0"/>
+              <a:t>me the code !!!</a:t>
+            </a:r>
+            <a:endParaRPr lang="en-US" b="1" dirty="0"/>
+          </a:p>
+          <a:p>
+            <a:endParaRPr lang="en-US" sz="1600" b="1" dirty="0"/>
+          </a:p>
+        </p:txBody>
+      </p:sp>
+      <p:cxnSp>
+        <p:nvCxnSpPr>
+          <p:cNvPr id="4" name="Straight Connector 3"/>
+          <p:cNvCxnSpPr/>
+          <p:nvPr/>
+        </p:nvCxnSpPr>
+        <p:spPr>
+          <a:xfrm>
+            <a:off x="379413" y="717261"/>
+            <a:ext cx="11235847" cy="0"/>
+          </a:xfrm>
+          <a:prstGeom prst="line">
+            <a:avLst/>
+          </a:prstGeom>
+          <a:ln w="82550" cmpd="sng">
+            <a:solidFill>
+              <a:schemeClr val="accent5">
+                <a:lumMod val="75000"/>
+              </a:schemeClr>
+            </a:solidFill>
+          </a:ln>
+        </p:spPr>
+        <p:style>
+          <a:lnRef idx="1">
+            <a:schemeClr val="accent1"/>
+          </a:lnRef>
+          <a:fillRef idx="0">
+            <a:schemeClr val="accent1"/>
+          </a:fillRef>
+          <a:effectRef idx="0">
+            <a:schemeClr val="accent1"/>
+          </a:effectRef>
+          <a:fontRef idx="minor">
+            <a:schemeClr val="tx1"/>
+          </a:fontRef>
+        </p:style>
+      </p:cxnSp>
+    </p:spTree>
+    <p:extLst>
+      <p:ext uri="{BB962C8B-B14F-4D97-AF65-F5344CB8AC3E}">
+        <p14:creationId xmlns:p14="http://schemas.microsoft.com/office/powerpoint/2010/main" val="3172187251"/>
+      </p:ext>
+    </p:extLst>
+  </p:cSld>
+  <p:clrMapOvr>
+    <a:masterClrMapping/>
+  </p:clrMapOvr>
+  <p:timing>
+    <p:tnLst>
+      <p:par>
+        <p:cTn id="1" dur="indefinite" restart="never" nodeType="tmRoot"/>
+      </p:par>
+    </p:tnLst>
+  </p:timing>
+</p:sld>
+</file>
+
+<file path=ppt/slides/slide8.xml><?xml version="1.0" encoding="utf-8"?>
+<p:sld xmlns:a="http://schemas.openxmlformats.org/drawingml/2006/main" xmlns:r="http://schemas.openxmlformats.org/officeDocument/2006/relationships" xmlns:p="http://schemas.openxmlformats.org/presentationml/2006/main">
+  <p:cSld>
+    <p:spTree>
+      <p:nvGrpSpPr>
+        <p:cNvPr id="1" name=""/>
+        <p:cNvGrpSpPr/>
+        <p:nvPr/>
+      </p:nvGrpSpPr>
+      <p:grpSpPr>
+        <a:xfrm>
+          <a:off x="0" y="0"/>
+          <a:ext cx="0" cy="0"/>
+          <a:chOff x="0" y="0"/>
+          <a:chExt cx="0" cy="0"/>
+        </a:xfrm>
+      </p:grpSpPr>
+      <p:sp>
+        <p:nvSpPr>
           <p:cNvPr id="2" name="Title 1"/>
           <p:cNvSpPr>
             <a:spLocks noGrp="1"/>
@@ -11765,10 +11003,9 @@
           </a:bodyPr>
           <a:lstStyle/>
           <a:p>
-            <a:pPr lvl="0"/>
             <a:r>
               <a:rPr lang="en-US" sz="3200" b="1" dirty="0" smtClean="0"/>
-              <a:t>02</a:t>
+              <a:t>01</a:t>
             </a:r>
             <a:r>
               <a:rPr lang="en-US" sz="3200" b="1" dirty="0" smtClean="0">
@@ -11780,7 +11017,11 @@
             </a:r>
             <a:r>
               <a:rPr lang="en-US" sz="3200" b="1" dirty="0" smtClean="0"/>
-              <a:t> Demo – Show me the code</a:t>
+              <a:t> </a:t>
+            </a:r>
+            <a:r>
+              <a:rPr lang="en-US" sz="3200" b="1" dirty="0" smtClean="0"/>
+              <a:t>Model Creation</a:t>
             </a:r>
             <a:endParaRPr lang="en-US" sz="3200" b="1" dirty="0"/>
           </a:p>
@@ -11806,339 +11047,153 @@
           <a:bodyPr/>
           <a:lstStyle/>
           <a:p>
+            <a:pPr marL="400031" indent="-342900"/>
+            <a:r>
+              <a:rPr lang="en-US" sz="2400" b="1" dirty="0" err="1"/>
+              <a:t>Meetup.Entities</a:t>
+            </a:r>
+            <a:r>
+              <a:rPr lang="en-US" sz="2000" b="1" dirty="0"/>
+              <a:t/>
+            </a:r>
+            <a:br>
+              <a:rPr lang="en-US" sz="2000" b="1" dirty="0"/>
+            </a:br>
+            <a:endParaRPr lang="en-US" sz="2000" b="1" dirty="0" smtClean="0"/>
+          </a:p>
+          <a:p>
+            <a:pPr lvl="1"/>
+            <a:endParaRPr lang="en-US" sz="1600" b="1" dirty="0"/>
+          </a:p>
+          <a:p>
+            <a:pPr lvl="1"/>
             <a:r>
               <a:rPr lang="en-US" sz="1600" b="1" dirty="0" smtClean="0"/>
-              <a:t>API Client Creation: </a:t>
-            </a:r>
-            <a:r>
-              <a:rPr lang="en-US" sz="1600" b="1" dirty="0" err="1" smtClean="0"/>
-              <a:t>Meetup.Client</a:t>
-            </a:r>
+              <a:t>Create </a:t>
+            </a:r>
+            <a:r>
+              <a:rPr lang="en-US" sz="1600" b="1" dirty="0" err="1"/>
+              <a:t>.Net</a:t>
+            </a:r>
+            <a:r>
+              <a:rPr lang="en-US" sz="1600" b="1" dirty="0"/>
+              <a:t> Standard Library project</a:t>
+            </a:r>
+          </a:p>
+          <a:p>
+            <a:pPr lvl="1"/>
             <a:endParaRPr lang="en-US" sz="1600" b="1" dirty="0" smtClean="0"/>
           </a:p>
           <a:p>
             <a:pPr lvl="1"/>
             <a:r>
-              <a:rPr lang="en-US" sz="1200" b="1" dirty="0" smtClean="0"/>
-              <a:t>Create </a:t>
-            </a:r>
-            <a:r>
-              <a:rPr lang="en-US" sz="1200" b="1" dirty="0" err="1" smtClean="0"/>
-              <a:t>.Net</a:t>
-            </a:r>
-            <a:r>
-              <a:rPr lang="en-US" sz="1200" b="1" dirty="0" smtClean="0"/>
-              <a:t> Standard library project</a:t>
-            </a:r>
+              <a:rPr lang="en-US" sz="1600" b="1" dirty="0" smtClean="0"/>
+              <a:t>Add </a:t>
+            </a:r>
+            <a:r>
+              <a:rPr lang="en-US" sz="1600" b="1" dirty="0"/>
+              <a:t>nugget packages</a:t>
+            </a:r>
+          </a:p>
+          <a:p>
+            <a:pPr lvl="2"/>
+            <a:endParaRPr lang="en-US" sz="1000" b="1" dirty="0" smtClean="0"/>
+          </a:p>
+          <a:p>
+            <a:pPr lvl="2"/>
+            <a:r>
+              <a:rPr lang="en-US" sz="1400" b="1" dirty="0" err="1" smtClean="0"/>
+              <a:t>Microsoft.EntityFrameworkCore</a:t>
+            </a:r>
+            <a:endParaRPr lang="en-US" sz="1400" b="1" dirty="0"/>
+          </a:p>
+          <a:p>
+            <a:pPr lvl="2"/>
+            <a:r>
+              <a:rPr lang="en-US" sz="1400" b="1" dirty="0" err="1"/>
+              <a:t>Microsoft.EntityFrameworkCore.SqlServer</a:t>
+            </a:r>
+            <a:endParaRPr lang="en-US" sz="1400" b="1" dirty="0"/>
           </a:p>
           <a:p>
             <a:pPr lvl="1"/>
-            <a:r>
-              <a:rPr lang="en-US" sz="1200" b="1" dirty="0" smtClean="0"/>
-              <a:t>Open </a:t>
-            </a:r>
-            <a:r>
-              <a:rPr lang="en-US" sz="1200" b="1" dirty="0" err="1" smtClean="0"/>
-              <a:t>Nswag</a:t>
-            </a:r>
-            <a:r>
-              <a:rPr lang="en-US" sz="1200" b="1" dirty="0"/>
-              <a:t> Studio: </a:t>
-            </a:r>
-            <a:r>
-              <a:rPr lang="en-US" sz="1200" b="1" dirty="0">
-                <a:hlinkClick r:id="rId3"/>
-              </a:rPr>
-              <a:t>https://</a:t>
-            </a:r>
-            <a:r>
-              <a:rPr lang="en-US" sz="1200" b="1" dirty="0" smtClean="0">
-                <a:hlinkClick r:id="rId3"/>
-              </a:rPr>
-              <a:t>github.com/RSuter/NSwag/wiki/NSwagStudio</a:t>
-            </a:r>
-            <a:endParaRPr lang="en-US" sz="1200" b="1" dirty="0" smtClean="0"/>
+            <a:endParaRPr lang="en-US" sz="1600" b="1" dirty="0" smtClean="0"/>
           </a:p>
           <a:p>
             <a:pPr lvl="1"/>
-            <a:r>
-              <a:rPr lang="en-US" sz="1200" b="1" dirty="0" smtClean="0"/>
-              <a:t>Generate client code</a:t>
-            </a:r>
-          </a:p>
-          <a:p>
+            <a:endParaRPr lang="en-US" sz="1600" b="1" dirty="0"/>
+          </a:p>
+          <a:p>
+            <a:pPr lvl="1"/>
             <a:r>
               <a:rPr lang="en-US" sz="1600" b="1" dirty="0" smtClean="0"/>
-              <a:t>Test Cases Creation: </a:t>
-            </a:r>
-            <a:r>
-              <a:rPr lang="en-US" sz="1600" b="1" dirty="0" err="1" smtClean="0"/>
-              <a:t>Meetup.Test</a:t>
-            </a:r>
-            <a:endParaRPr lang="en-US" sz="1600" b="1" dirty="0" smtClean="0"/>
+              <a:t>Generate </a:t>
+            </a:r>
+            <a:r>
+              <a:rPr lang="en-US" sz="1600" b="1" dirty="0"/>
+              <a:t>model using scaffolding </a:t>
+            </a:r>
+            <a:r>
+              <a:rPr lang="en-US" sz="1600" b="1" dirty="0" smtClean="0"/>
+              <a:t>service</a:t>
+            </a:r>
           </a:p>
           <a:p>
             <a:pPr lvl="1"/>
-            <a:r>
-              <a:rPr lang="en-US" sz="1200" b="1" dirty="0" smtClean="0"/>
-              <a:t>Create </a:t>
-            </a:r>
-            <a:r>
-              <a:rPr lang="en-US" sz="1200" b="1" dirty="0" err="1" smtClean="0"/>
-              <a:t>Xunit</a:t>
-            </a:r>
-            <a:r>
-              <a:rPr lang="en-US" sz="1200" b="1" dirty="0" smtClean="0"/>
-              <a:t> test project</a:t>
-            </a:r>
-          </a:p>
-          <a:p>
-            <a:pPr lvl="1"/>
-            <a:r>
-              <a:rPr lang="en-US" sz="1200" b="1" dirty="0" smtClean="0"/>
-              <a:t>Add nugget packages</a:t>
-            </a:r>
+            <a:endParaRPr lang="en-US" sz="1600" b="1" dirty="0"/>
           </a:p>
           <a:p>
             <a:pPr lvl="2"/>
             <a:r>
-              <a:rPr lang="en-US" sz="800" b="1" dirty="0" err="1" smtClean="0"/>
-              <a:t>Xunit</a:t>
-            </a:r>
-            <a:endParaRPr lang="en-US" sz="800" b="1" dirty="0" smtClean="0"/>
-          </a:p>
-          <a:p>
-            <a:pPr lvl="2"/>
-            <a:r>
-              <a:rPr lang="en-US" sz="800" b="1" dirty="0" err="1"/>
-              <a:t>xunit.runner.visualstudio</a:t>
-            </a:r>
-            <a:endParaRPr lang="en-US" sz="800" b="1" dirty="0" smtClean="0"/>
-          </a:p>
-          <a:p>
-            <a:pPr lvl="1"/>
-            <a:r>
-              <a:rPr lang="en-US" sz="1200" b="1" dirty="0" smtClean="0"/>
-              <a:t>Basic/Advance test cases</a:t>
-            </a:r>
-            <a:endParaRPr lang="en-US" sz="800" b="1" dirty="0" smtClean="0"/>
-          </a:p>
-          <a:p>
-            <a:r>
-              <a:rPr lang="en-US" sz="1600" b="1" dirty="0" smtClean="0"/>
-              <a:t>HTTP REPL</a:t>
-            </a:r>
-          </a:p>
-          <a:p>
-            <a:pPr lvl="1"/>
-            <a:r>
-              <a:rPr lang="en-US" sz="1200" b="1" dirty="0" smtClean="0"/>
-              <a:t>Download: </a:t>
-            </a:r>
-            <a:r>
-              <a:rPr lang="en-US" sz="1200" b="1" dirty="0" smtClean="0">
-                <a:hlinkClick r:id="rId4"/>
-              </a:rPr>
-              <a:t>https</a:t>
-            </a:r>
-            <a:r>
-              <a:rPr lang="en-US" sz="1200" b="1" dirty="0">
-                <a:hlinkClick r:id="rId4"/>
-              </a:rPr>
-              <a:t>://</a:t>
-            </a:r>
-            <a:r>
-              <a:rPr lang="en-US" sz="1200" b="1" dirty="0" smtClean="0">
-                <a:hlinkClick r:id="rId4"/>
-              </a:rPr>
-              <a:t>dotnet.myget.org/feed/dotnet-core/package/nuget/dotnet-httprepl</a:t>
-            </a:r>
-            <a:endParaRPr lang="en-US" sz="1200" b="1" dirty="0" smtClean="0"/>
-          </a:p>
-          <a:p>
-            <a:pPr lvl="1"/>
-            <a:r>
-              <a:rPr lang="en-US" sz="1200" b="1" dirty="0" smtClean="0"/>
-              <a:t>Install</a:t>
-            </a:r>
-            <a:r>
-              <a:rPr lang="en-US" sz="1200" b="1" dirty="0"/>
-              <a:t>: </a:t>
-            </a:r>
-            <a:r>
-              <a:rPr lang="en-US" sz="1200" b="1" dirty="0" err="1"/>
-              <a:t>dotnet</a:t>
-            </a:r>
-            <a:r>
-              <a:rPr lang="en-US" sz="1200" b="1" dirty="0"/>
-              <a:t> tool install -g --version 2.2.0-* --add-source https://dotnet.myget.org/F/dotnet-core/api/v3/index.json </a:t>
-            </a:r>
-            <a:r>
-              <a:rPr lang="en-US" sz="1200" b="1" dirty="0" err="1" smtClean="0"/>
-              <a:t>dotnet-httprepl</a:t>
-            </a:r>
-            <a:endParaRPr lang="en-US" sz="1200" b="1" dirty="0" smtClean="0"/>
-          </a:p>
-          <a:p>
-            <a:pPr lvl="1"/>
-            <a:r>
-              <a:rPr lang="en-US" sz="1200" b="1" dirty="0"/>
-              <a:t>Verify: </a:t>
-            </a:r>
-            <a:r>
-              <a:rPr lang="en-US" sz="1200" b="1" dirty="0" err="1"/>
-              <a:t>dotnet</a:t>
-            </a:r>
-            <a:r>
-              <a:rPr lang="en-US" sz="1200" b="1" dirty="0"/>
-              <a:t> tool list -g</a:t>
-            </a:r>
-          </a:p>
-          <a:p>
-            <a:pPr lvl="1"/>
-            <a:r>
-              <a:rPr lang="en-US" sz="1200" b="1" dirty="0"/>
-              <a:t>Example</a:t>
-            </a:r>
-            <a:r>
-              <a:rPr lang="en-US" sz="1200" b="1" dirty="0" smtClean="0"/>
-              <a:t>:</a:t>
-            </a:r>
-          </a:p>
-          <a:p>
-            <a:pPr lvl="2"/>
-            <a:r>
-              <a:rPr lang="en-US" sz="800" b="1" dirty="0" smtClean="0"/>
-              <a:t>set </a:t>
-            </a:r>
-            <a:r>
-              <a:rPr lang="en-US" sz="800" b="1" dirty="0"/>
-              <a:t>base </a:t>
-            </a:r>
-            <a:r>
-              <a:rPr lang="en-US" sz="800" b="1" dirty="0">
-                <a:hlinkClick r:id="rId5"/>
-              </a:rPr>
-              <a:t>https://</a:t>
-            </a:r>
-            <a:r>
-              <a:rPr lang="en-US" sz="800" b="1" dirty="0" smtClean="0">
-                <a:hlinkClick r:id="rId5"/>
-              </a:rPr>
-              <a:t>api.github.com</a:t>
-            </a:r>
-            <a:endParaRPr lang="en-US" sz="800" b="1" dirty="0" smtClean="0"/>
-          </a:p>
-          <a:p>
-            <a:pPr lvl="2"/>
-            <a:r>
-              <a:rPr lang="en-US" sz="800" b="1" dirty="0" smtClean="0"/>
-              <a:t>Get</a:t>
-            </a:r>
-          </a:p>
-          <a:p>
-            <a:pPr lvl="2"/>
-            <a:r>
-              <a:rPr lang="en-US" sz="800" b="1" dirty="0"/>
-              <a:t>get </a:t>
-            </a:r>
-            <a:r>
-              <a:rPr lang="en-US" sz="800" b="1" dirty="0" err="1" smtClean="0"/>
-              <a:t>emojis</a:t>
-            </a:r>
-            <a:endParaRPr lang="en-US" sz="800" b="1" dirty="0" smtClean="0"/>
-          </a:p>
-          <a:p>
-            <a:pPr lvl="2"/>
-            <a:r>
-              <a:rPr lang="en-US" sz="800" b="1" dirty="0"/>
-              <a:t>type in browser </a:t>
-            </a:r>
-            <a:r>
-              <a:rPr lang="en-US" sz="800" b="1" dirty="0">
-                <a:hlinkClick r:id="rId6"/>
-              </a:rPr>
-              <a:t>https://</a:t>
-            </a:r>
-            <a:r>
-              <a:rPr lang="en-US" sz="800" b="1" dirty="0" smtClean="0">
-                <a:hlinkClick r:id="rId6"/>
-              </a:rPr>
-              <a:t>assets-cdn.github.com/images/icons/emoji/unicode/1f4a4.png?v8</a:t>
-            </a:r>
-            <a:endParaRPr lang="en-US" sz="800" b="1" dirty="0" smtClean="0"/>
-          </a:p>
-          <a:p>
-            <a:pPr lvl="1"/>
-            <a:r>
-              <a:rPr lang="en-US" sz="1200" b="1" dirty="0" smtClean="0"/>
-              <a:t>Add to VS:</a:t>
-            </a:r>
-          </a:p>
-          <a:p>
-            <a:pPr lvl="2"/>
-            <a:r>
-              <a:rPr lang="en-US" sz="800" b="1" dirty="0"/>
-              <a:t>Add </a:t>
-            </a:r>
-            <a:r>
-              <a:rPr lang="en-US" sz="800" b="1" dirty="0" err="1"/>
-              <a:t>httprepl</a:t>
-            </a:r>
-            <a:r>
-              <a:rPr lang="en-US" sz="800" b="1" dirty="0"/>
-              <a:t> from C:\Users\user\.</a:t>
-            </a:r>
-            <a:r>
-              <a:rPr lang="en-US" sz="800" b="1" dirty="0" smtClean="0"/>
-              <a:t>dotnet\tools\dotnet-httprepl.exe</a:t>
-            </a:r>
-          </a:p>
-          <a:p>
-            <a:pPr lvl="2"/>
-            <a:r>
-              <a:rPr lang="en-US" sz="800" b="1" dirty="0"/>
-              <a:t>Choose browse with HTTP </a:t>
-            </a:r>
-            <a:r>
-              <a:rPr lang="en-US" sz="800" b="1" dirty="0" smtClean="0"/>
-              <a:t>REPL</a:t>
-            </a:r>
-          </a:p>
-          <a:p>
-            <a:pPr lvl="2"/>
-            <a:r>
-              <a:rPr lang="en-US" sz="800" b="1" dirty="0"/>
-              <a:t>get </a:t>
-            </a:r>
-            <a:r>
-              <a:rPr lang="en-US" sz="800" b="1" dirty="0" err="1" smtClean="0"/>
-              <a:t>api</a:t>
-            </a:r>
-            <a:r>
-              <a:rPr lang="en-US" sz="800" b="1" dirty="0" smtClean="0"/>
-              <a:t>/values</a:t>
-            </a:r>
-          </a:p>
-          <a:p>
-            <a:pPr lvl="2"/>
-            <a:r>
-              <a:rPr lang="en-US" sz="800" b="1" dirty="0" err="1"/>
-              <a:t>ui</a:t>
-            </a:r>
-            <a:endParaRPr lang="en-US" sz="800" b="1" dirty="0"/>
-          </a:p>
-          <a:p>
-            <a:pPr lvl="2"/>
-            <a:endParaRPr lang="en-US" sz="800" b="1" dirty="0"/>
-          </a:p>
-          <a:p>
-            <a:pPr lvl="1"/>
-            <a:endParaRPr lang="en-US" sz="1200" b="1" dirty="0" smtClean="0"/>
-          </a:p>
-          <a:p>
-            <a:pPr lvl="1"/>
-            <a:endParaRPr lang="en-US" sz="1200" b="1" dirty="0" smtClean="0"/>
+              <a:rPr lang="en-US" sz="1100" b="1" dirty="0"/>
+              <a:t>Scaffold-</a:t>
+            </a:r>
+            <a:r>
+              <a:rPr lang="en-US" sz="1100" b="1" dirty="0" err="1"/>
+              <a:t>DbContext</a:t>
+            </a:r>
+            <a:r>
+              <a:rPr lang="en-US" sz="1100" b="1" dirty="0"/>
+              <a:t> "Data Source=.\</a:t>
+            </a:r>
+            <a:r>
+              <a:rPr lang="en-US" sz="1100" b="1" dirty="0" err="1"/>
+              <a:t>SQLEXPRESS;Initial</a:t>
+            </a:r>
+            <a:r>
+              <a:rPr lang="en-US" sz="1100" b="1" dirty="0"/>
+              <a:t> Catalog=</a:t>
+            </a:r>
+            <a:r>
+              <a:rPr lang="en-US" sz="1100" b="1" dirty="0" err="1"/>
+              <a:t>MeetupDb;Integrated</a:t>
+            </a:r>
+            <a:r>
+              <a:rPr lang="en-US" sz="1100" b="1" dirty="0"/>
+              <a:t> Security=SSPI;" </a:t>
+            </a:r>
+            <a:r>
+              <a:rPr lang="en-US" sz="1100" b="1" dirty="0" err="1"/>
+              <a:t>Microsoft.EntityFrameworkCore.SqlServer</a:t>
+            </a:r>
+            <a:r>
+              <a:rPr lang="en-US" sz="1100" b="1" dirty="0"/>
+              <a:t> -</a:t>
+            </a:r>
+            <a:r>
+              <a:rPr lang="en-US" sz="1100" b="1" dirty="0" err="1"/>
+              <a:t>OutputDir</a:t>
+            </a:r>
+            <a:r>
+              <a:rPr lang="en-US" sz="1100" b="1" dirty="0"/>
+              <a:t> Models –f</a:t>
+            </a:r>
+          </a:p>
+          <a:p>
+            <a:pPr marL="457046" lvl="1" indent="0">
+              <a:buNone/>
+            </a:pPr>
+            <a:endParaRPr lang="en-US" sz="1600" b="1" dirty="0"/>
           </a:p>
         </p:txBody>
       </p:sp>
@@ -12199,7 +11254,7 @@
 </p:sld>
 </file>
 
-<file path=ppt/slides/slide8.xml><?xml version="1.0" encoding="utf-8"?>
+<file path=ppt/slides/slide9.xml><?xml version="1.0" encoding="utf-8"?>
 <p:sld xmlns:a="http://schemas.openxmlformats.org/drawingml/2006/main" xmlns:r="http://schemas.openxmlformats.org/officeDocument/2006/relationships" xmlns:p="http://schemas.openxmlformats.org/presentationml/2006/main">
   <p:cSld>
     <p:spTree>
@@ -12233,7 +11288,6 @@
           </a:bodyPr>
           <a:lstStyle/>
           <a:p>
-            <a:pPr lvl="0"/>
             <a:r>
               <a:rPr lang="en-US" sz="3200" b="1" dirty="0" smtClean="0"/>
               <a:t>02</a:t>
@@ -12248,8 +11302,23 @@
             </a:r>
             <a:r>
               <a:rPr lang="en-US" sz="3200" b="1" dirty="0" smtClean="0"/>
-              <a:t> Demo – Show me the code</a:t>
-            </a:r>
+              <a:t> </a:t>
+            </a:r>
+            <a:r>
+              <a:rPr lang="en-US" sz="3200" b="1" dirty="0"/>
+              <a:t>API </a:t>
+            </a:r>
+            <a:r>
+              <a:rPr lang="en-US" sz="3200" b="1" dirty="0" smtClean="0"/>
+              <a:t>Creation</a:t>
+            </a:r>
+            <a:r>
+              <a:rPr lang="en-US" sz="3200" b="1" dirty="0"/>
+              <a:t/>
+            </a:r>
+            <a:br>
+              <a:rPr lang="en-US" sz="3200" b="1" dirty="0"/>
+            </a:br>
             <a:endParaRPr lang="en-US" sz="3200" b="1" dirty="0"/>
           </a:p>
         </p:txBody>
@@ -12274,65 +11343,186 @@
           <a:bodyPr/>
           <a:lstStyle/>
           <a:p>
-            <a:pPr marL="514176" lvl="1" indent="0">
-              <a:buNone/>
+            <a:pPr marL="342783" lvl="1" indent="-342783">
+              <a:spcBef>
+                <a:spcPts val="1400"/>
+              </a:spcBef>
+              <a:buFont typeface="Arial" pitchFamily="34" charset="0"/>
+              <a:buChar char="•"/>
             </a:pPr>
             <a:r>
-              <a:rPr lang="en-US" sz="1200" b="1" dirty="0" smtClean="0"/>
-              <a:t>Set Default Editor</a:t>
-            </a:r>
-          </a:p>
-          <a:p>
-            <a:pPr marL="914090" lvl="2" indent="0">
-              <a:buNone/>
-            </a:pPr>
-            <a:r>
-              <a:rPr lang="en-US" sz="800" b="1" dirty="0" err="1"/>
-              <a:t>pref</a:t>
-            </a:r>
-            <a:r>
-              <a:rPr lang="en-US" sz="800" b="1" dirty="0"/>
-              <a:t> set </a:t>
-            </a:r>
-            <a:r>
-              <a:rPr lang="en-US" sz="800" b="1" dirty="0" err="1"/>
-              <a:t>editor.command.default</a:t>
-            </a:r>
-            <a:r>
-              <a:rPr lang="en-US" sz="800" b="1" dirty="0"/>
-              <a:t> "C:\Users\user\AppData\Local\Programs\Microsoft VS Code\code.exe"</a:t>
-            </a:r>
+              <a:rPr lang="en-US" sz="2400" b="1" dirty="0" err="1"/>
+              <a:t>Meetup.Api</a:t>
+            </a:r>
+            <a:endParaRPr lang="en-US" sz="1800" b="1" dirty="0">
+              <a:solidFill>
+                <a:schemeClr val="tx1"/>
+              </a:solidFill>
+            </a:endParaRPr>
           </a:p>
           <a:p>
             <a:pPr lvl="1"/>
-            <a:endParaRPr lang="en-US" sz="1200" b="1" dirty="0" smtClean="0"/>
+            <a:endParaRPr lang="en-US" sz="1800" b="1" dirty="0"/>
           </a:p>
           <a:p>
             <a:pPr lvl="1"/>
             <a:r>
-              <a:rPr lang="en-US" sz="1200" b="1" dirty="0" smtClean="0"/>
-              <a:t>Construct the request</a:t>
+              <a:rPr lang="en-US" sz="1800" b="1" dirty="0" smtClean="0"/>
+              <a:t>Create </a:t>
+            </a:r>
+            <a:r>
+              <a:rPr lang="en-US" sz="1800" b="1" dirty="0" err="1"/>
+              <a:t>.Net</a:t>
+            </a:r>
+            <a:r>
+              <a:rPr lang="en-US" sz="1800" b="1" dirty="0"/>
+              <a:t> Core Web API project</a:t>
+            </a:r>
+          </a:p>
+          <a:p>
+            <a:pPr lvl="1"/>
+            <a:r>
+              <a:rPr lang="en-US" sz="1800" b="1" dirty="0" smtClean="0"/>
+              <a:t>Add </a:t>
+            </a:r>
+            <a:r>
+              <a:rPr lang="en-US" sz="1800" b="1" dirty="0" err="1"/>
+              <a:t>meetup</a:t>
+            </a:r>
+            <a:r>
+              <a:rPr lang="en-US" sz="1800" b="1" dirty="0"/>
+              <a:t> controller using Entity Framework</a:t>
+            </a:r>
+          </a:p>
+          <a:p>
+            <a:pPr lvl="1"/>
+            <a:r>
+              <a:rPr lang="en-US" sz="1800" b="1" dirty="0" smtClean="0"/>
+              <a:t>Run </a:t>
+            </a:r>
+            <a:r>
+              <a:rPr lang="en-US" sz="1800" b="1" dirty="0"/>
+              <a:t>and invoke value controller to verify the initial structure</a:t>
+            </a:r>
+          </a:p>
+          <a:p>
+            <a:pPr lvl="1"/>
+            <a:r>
+              <a:rPr lang="en-US" sz="1800" b="1" dirty="0" smtClean="0"/>
+              <a:t>Add </a:t>
+            </a:r>
+            <a:r>
+              <a:rPr lang="en-US" sz="1800" b="1" dirty="0"/>
+              <a:t>Swagger</a:t>
             </a:r>
           </a:p>
           <a:p>
             <a:pPr lvl="2"/>
-            <a:r>
-              <a:rPr lang="en-US" sz="800" b="1" dirty="0"/>
-              <a:t>post -h </a:t>
-            </a:r>
-            <a:r>
-              <a:rPr lang="en-US" sz="800" b="1" dirty="0" err="1"/>
-              <a:t>Content-Type:application</a:t>
-            </a:r>
-            <a:r>
-              <a:rPr lang="en-US" sz="800" b="1" dirty="0"/>
-              <a:t>/</a:t>
-            </a:r>
-            <a:r>
-              <a:rPr lang="en-US" sz="800" b="1" dirty="0" err="1"/>
-              <a:t>json</a:t>
-            </a:r>
-            <a:endParaRPr lang="en-US" sz="800" b="1" dirty="0" smtClean="0"/>
+            <a:endParaRPr lang="en-US" sz="1050" b="1" dirty="0" smtClean="0"/>
+          </a:p>
+          <a:p>
+            <a:pPr lvl="2"/>
+            <a:r>
+              <a:rPr lang="en-US" sz="1600" b="1" dirty="0" err="1" smtClean="0"/>
+              <a:t>NugEt</a:t>
+            </a:r>
+            <a:r>
+              <a:rPr lang="en-US" sz="1600" b="1" dirty="0" smtClean="0"/>
+              <a:t> </a:t>
+            </a:r>
+            <a:r>
+              <a:rPr lang="en-US" sz="1600" b="1" dirty="0"/>
+              <a:t>package: </a:t>
+            </a:r>
+            <a:r>
+              <a:rPr lang="en-US" sz="1600" b="1" dirty="0" err="1"/>
+              <a:t>Swashbuckle.AspNetCore</a:t>
+            </a:r>
+            <a:endParaRPr lang="en-US" sz="1600" b="1" dirty="0"/>
+          </a:p>
+          <a:p>
+            <a:pPr lvl="2"/>
+            <a:r>
+              <a:rPr lang="en-US" sz="1600" b="1" dirty="0"/>
+              <a:t>Usage: </a:t>
+            </a:r>
+            <a:r>
+              <a:rPr lang="en-US" sz="1600" b="1" dirty="0">
+                <a:hlinkClick r:id="rId3"/>
+              </a:rPr>
+              <a:t>https://github.com/domaindrivendev/Swashbuckle.AspNetCore</a:t>
+            </a:r>
+            <a:endParaRPr lang="en-US" sz="1600" b="1" dirty="0"/>
+          </a:p>
+          <a:p>
+            <a:pPr lvl="1"/>
+            <a:endParaRPr lang="en-US" sz="1800" b="1" dirty="0" smtClean="0"/>
+          </a:p>
+          <a:p>
+            <a:pPr lvl="1"/>
+            <a:r>
+              <a:rPr lang="en-US" sz="1800" b="1" dirty="0" smtClean="0"/>
+              <a:t>Test </a:t>
+            </a:r>
+            <a:r>
+              <a:rPr lang="en-US" sz="1800" b="1" dirty="0"/>
+              <a:t>Get/Post with Swagger</a:t>
+            </a:r>
+          </a:p>
+          <a:p>
+            <a:pPr lvl="1"/>
+            <a:endParaRPr lang="en-US" sz="1800" b="1" dirty="0" smtClean="0"/>
+          </a:p>
+          <a:p>
+            <a:pPr lvl="1"/>
+            <a:r>
+              <a:rPr lang="en-US" sz="1800" b="1" dirty="0" smtClean="0"/>
+              <a:t>Add </a:t>
+            </a:r>
+            <a:r>
+              <a:rPr lang="en-US" sz="1800" b="1" dirty="0"/>
+              <a:t>Analyzer</a:t>
+            </a:r>
+          </a:p>
+          <a:p>
+            <a:pPr lvl="2"/>
+            <a:r>
+              <a:rPr lang="en-US" sz="1400" b="1" dirty="0" err="1"/>
+              <a:t>Nuget</a:t>
+            </a:r>
+            <a:r>
+              <a:rPr lang="en-US" sz="1400" b="1" dirty="0"/>
+              <a:t> Package: </a:t>
+            </a:r>
+            <a:r>
+              <a:rPr lang="en-US" sz="1400" b="1" dirty="0" err="1"/>
+              <a:t>Microsoft.AspNetCore.Mvc.Api.Analyzers</a:t>
+            </a:r>
+            <a:endParaRPr lang="en-US" sz="1400" b="1" dirty="0"/>
+          </a:p>
+          <a:p>
+            <a:pPr lvl="1"/>
+            <a:endParaRPr lang="en-US" sz="1800" b="1" dirty="0" smtClean="0"/>
+          </a:p>
+          <a:p>
+            <a:pPr lvl="1"/>
+            <a:r>
+              <a:rPr lang="en-US" sz="1800" b="1" dirty="0" smtClean="0"/>
+              <a:t>Verify </a:t>
+            </a:r>
+            <a:r>
+              <a:rPr lang="en-US" sz="1800" b="1" dirty="0" err="1"/>
+              <a:t>Anlyzer</a:t>
+            </a:r>
+            <a:r>
+              <a:rPr lang="en-US" sz="1800" b="1" dirty="0"/>
+              <a:t> </a:t>
+            </a:r>
+            <a:r>
+              <a:rPr lang="en-US" sz="1800" b="1" dirty="0" err="1" smtClean="0"/>
+              <a:t>effcts</a:t>
+            </a:r>
+            <a:endParaRPr lang="en-US" sz="1800" b="1" dirty="0"/>
           </a:p>
         </p:txBody>
       </p:sp>
@@ -12377,187 +11567,6 @@
     <p:extLst>
       <p:ext uri="{BB962C8B-B14F-4D97-AF65-F5344CB8AC3E}">
         <p14:creationId xmlns:p14="http://schemas.microsoft.com/office/powerpoint/2010/main" val="3890724848"/>
-      </p:ext>
-    </p:extLst>
-  </p:cSld>
-  <p:clrMapOvr>
-    <a:masterClrMapping/>
-  </p:clrMapOvr>
-  <p:timing>
-    <p:tnLst>
-      <p:par>
-        <p:cTn id="1" dur="indefinite" restart="never" nodeType="tmRoot"/>
-      </p:par>
-    </p:tnLst>
-  </p:timing>
-</p:sld>
-</file>
-
-<file path=ppt/slides/slide9.xml><?xml version="1.0" encoding="utf-8"?>
-<p:sld xmlns:a="http://schemas.openxmlformats.org/drawingml/2006/main" xmlns:r="http://schemas.openxmlformats.org/officeDocument/2006/relationships" xmlns:p="http://schemas.openxmlformats.org/presentationml/2006/main">
-  <p:cSld>
-    <p:spTree>
-      <p:nvGrpSpPr>
-        <p:cNvPr id="1" name=""/>
-        <p:cNvGrpSpPr/>
-        <p:nvPr/>
-      </p:nvGrpSpPr>
-      <p:grpSpPr>
-        <a:xfrm>
-          <a:off x="0" y="0"/>
-          <a:ext cx="0" cy="0"/>
-          <a:chOff x="0" y="0"/>
-          <a:chExt cx="0" cy="0"/>
-        </a:xfrm>
-      </p:grpSpPr>
-      <p:sp>
-        <p:nvSpPr>
-          <p:cNvPr id="2" name="Title 1"/>
-          <p:cNvSpPr>
-            <a:spLocks noGrp="1"/>
-          </p:cNvSpPr>
-          <p:nvPr>
-            <p:ph type="title"/>
-          </p:nvPr>
-        </p:nvSpPr>
-        <p:spPr>
-          <a:xfrm>
-            <a:off x="379514" y="182215"/>
-            <a:ext cx="11524432" cy="594399"/>
-          </a:xfrm>
-        </p:spPr>
-        <p:txBody>
-          <a:bodyPr>
-            <a:noAutofit/>
-          </a:bodyPr>
-          <a:lstStyle/>
-          <a:p>
-            <a:pPr lvl="0"/>
-            <a:r>
-              <a:rPr lang="en-US" b="1" dirty="0" smtClean="0"/>
-              <a:t>08</a:t>
-            </a:r>
-            <a:r>
-              <a:rPr lang="en-US" b="1" dirty="0" smtClean="0">
-                <a:solidFill>
-                  <a:srgbClr val="00B0F0"/>
-                </a:solidFill>
-              </a:rPr>
-              <a:t>|</a:t>
-            </a:r>
-            <a:r>
-              <a:rPr lang="en-US" b="1" dirty="0" smtClean="0"/>
-              <a:t> Q&amp;A</a:t>
-            </a:r>
-            <a:endParaRPr lang="en-US" b="1" dirty="0"/>
-          </a:p>
-        </p:txBody>
-      </p:sp>
-      <p:sp>
-        <p:nvSpPr>
-          <p:cNvPr id="3" name="Content Placeholder 2"/>
-          <p:cNvSpPr>
-            <a:spLocks noGrp="1"/>
-          </p:cNvSpPr>
-          <p:nvPr>
-            <p:ph sz="quarter" idx="10"/>
-          </p:nvPr>
-        </p:nvSpPr>
-        <p:spPr>
-          <a:xfrm>
-            <a:off x="379413" y="1189972"/>
-            <a:ext cx="11525250" cy="5488641"/>
-          </a:xfrm>
-        </p:spPr>
-        <p:txBody>
-          <a:bodyPr/>
-          <a:lstStyle/>
-          <a:p>
-            <a:pPr marL="457046" lvl="1" indent="0" algn="ctr">
-              <a:buNone/>
-            </a:pPr>
-            <a:endParaRPr lang="en-US" dirty="0" smtClean="0"/>
-          </a:p>
-          <a:p>
-            <a:pPr marL="457046" lvl="1" indent="0" algn="ctr">
-              <a:buNone/>
-            </a:pPr>
-            <a:endParaRPr lang="en-US" dirty="0"/>
-          </a:p>
-          <a:p>
-            <a:pPr marL="457046" lvl="1" indent="0" algn="ctr">
-              <a:buNone/>
-            </a:pPr>
-            <a:r>
-              <a:rPr lang="en-US" dirty="0" smtClean="0"/>
-              <a:t>Thank You !!!</a:t>
-            </a:r>
-          </a:p>
-          <a:p>
-            <a:pPr marL="457046" lvl="1" indent="0" algn="ctr">
-              <a:buNone/>
-            </a:pPr>
-            <a:endParaRPr lang="en-US" dirty="0" smtClean="0"/>
-          </a:p>
-          <a:p>
-            <a:pPr marL="457046" lvl="1" indent="0" algn="ctr">
-              <a:buNone/>
-            </a:pPr>
-            <a:endParaRPr lang="en-US" dirty="0"/>
-          </a:p>
-          <a:p>
-            <a:pPr marL="457046" lvl="1" indent="0" algn="ctr">
-              <a:buNone/>
-            </a:pPr>
-            <a:r>
-              <a:rPr lang="en-US" sz="4800" b="1" dirty="0" smtClean="0"/>
-              <a:t>Q&amp;A</a:t>
-            </a:r>
-            <a:endParaRPr lang="en-US" sz="4800" b="1" dirty="0"/>
-          </a:p>
-        </p:txBody>
-      </p:sp>
-      <p:cxnSp>
-        <p:nvCxnSpPr>
-          <p:cNvPr id="4" name="Straight Connector 3"/>
-          <p:cNvCxnSpPr/>
-          <p:nvPr/>
-        </p:nvCxnSpPr>
-        <p:spPr>
-          <a:xfrm>
-            <a:off x="488515" y="939452"/>
-            <a:ext cx="11235847" cy="0"/>
-          </a:xfrm>
-          <a:prstGeom prst="line">
-            <a:avLst/>
-          </a:prstGeom>
-          <a:ln w="82550" cmpd="sng">
-            <a:solidFill>
-              <a:schemeClr val="accent5">
-                <a:lumMod val="75000"/>
-              </a:schemeClr>
-            </a:solidFill>
-          </a:ln>
-        </p:spPr>
-        <p:style>
-          <a:lnRef idx="1">
-            <a:schemeClr val="accent1"/>
-          </a:lnRef>
-          <a:fillRef idx="0">
-            <a:schemeClr val="accent1"/>
-          </a:fillRef>
-          <a:effectRef idx="0">
-            <a:schemeClr val="accent1"/>
-          </a:effectRef>
-          <a:fontRef idx="minor">
-            <a:schemeClr val="tx1"/>
-          </a:fontRef>
-        </p:style>
-      </p:cxnSp>
-    </p:spTree>
-    <p:extLst>
-      <p:ext uri="{BB962C8B-B14F-4D97-AF65-F5344CB8AC3E}">
-        <p14:creationId xmlns:p14="http://schemas.microsoft.com/office/powerpoint/2010/main" val="3881359816"/>
       </p:ext>
     </p:extLst>
   </p:cSld>
@@ -13426,6 +12435,15 @@
 </file>
 
 <file path=customXml/item2.xml><?xml version="1.0" encoding="utf-8"?>
+<?mso-contentType ?>
+<FormTemplates xmlns="http://schemas.microsoft.com/sharepoint/v3/contenttype/forms">
+  <Display>DocumentLibraryForm</Display>
+  <Edit>DocumentLibraryForm</Edit>
+  <New>DocumentLibraryForm</New>
+</FormTemplates>
+</file>
+
+<file path=customXml/item3.xml><?xml version="1.0" encoding="utf-8"?>
 <ct:contentTypeSchema xmlns:ct="http://schemas.microsoft.com/office/2006/metadata/contentType" xmlns:ma="http://schemas.microsoft.com/office/2006/metadata/properties/metaAttributes" ct:_="" ma:_="" ma:contentTypeName="Document" ma:contentTypeID="0x0101007946DDFB0B36E2409D611D00FC3D4DB4" ma:contentTypeVersion="" ma:contentTypeDescription="Create a new document." ma:contentTypeScope="" ma:versionID="9168b737cc82d0d0c917f967c1a24543">
   <xsd:schema xmlns:xsd="http://www.w3.org/2001/XMLSchema" xmlns:xs="http://www.w3.org/2001/XMLSchema" xmlns:p="http://schemas.microsoft.com/office/2006/metadata/properties" xmlns:ns2="74AB046D-40EB-488B-ABA9-937A83031C9B" targetNamespace="http://schemas.microsoft.com/office/2006/metadata/properties" ma:root="true" ma:fieldsID="2fd630261e4128d77de5ca0610f944b8" ns2:_="">
     <xsd:import namespace="74AB046D-40EB-488B-ABA9-937A83031C9B"/>
@@ -13579,15 +12597,6 @@
 </ct:contentTypeSchema>
 </file>
 
-<file path=customXml/item3.xml><?xml version="1.0" encoding="utf-8"?>
-<?mso-contentType ?>
-<FormTemplates xmlns="http://schemas.microsoft.com/sharepoint/v3/contenttype/forms">
-  <Display>DocumentLibraryForm</Display>
-  <Edit>DocumentLibraryForm</Edit>
-  <New>DocumentLibraryForm</New>
-</FormTemplates>
-</file>
-
 <file path=customXml/itemProps1.xml><?xml version="1.0" encoding="utf-8"?>
 <ds:datastoreItem xmlns:ds="http://schemas.openxmlformats.org/officeDocument/2006/customXml" ds:itemID="{4D01FA1F-EB5F-45CF-9276-A2E0FC34F5A3}">
   <ds:schemaRefs>
@@ -13599,6 +12608,14 @@
 </file>
 
 <file path=customXml/itemProps2.xml><?xml version="1.0" encoding="utf-8"?>
+<ds:datastoreItem xmlns:ds="http://schemas.openxmlformats.org/officeDocument/2006/customXml" ds:itemID="{683A9330-F5A2-4815-B76B-50CD0A9C21FE}">
+  <ds:schemaRefs>
+    <ds:schemaRef ds:uri="http://schemas.microsoft.com/sharepoint/v3/contenttype/forms"/>
+  </ds:schemaRefs>
+</ds:datastoreItem>
+</file>
+
+<file path=customXml/itemProps3.xml><?xml version="1.0" encoding="utf-8"?>
 <ds:datastoreItem xmlns:ds="http://schemas.openxmlformats.org/officeDocument/2006/customXml" ds:itemID="{F6A58999-A8DA-42EB-B319-FAECE6F9EF8C}">
   <ds:schemaRefs>
     <ds:schemaRef ds:uri="http://schemas.microsoft.com/office/2006/metadata/contentType"/>
@@ -13614,12 +12631,4 @@
     <ds:schemaRef ds:uri="http://schemas.microsoft.com/internal/obd"/>
   </ds:schemaRefs>
 </ds:datastoreItem>
-</file>
-
-<file path=customXml/itemProps3.xml><?xml version="1.0" encoding="utf-8"?>
-<ds:datastoreItem xmlns:ds="http://schemas.openxmlformats.org/officeDocument/2006/customXml" ds:itemID="{683A9330-F5A2-4815-B76B-50CD0A9C21FE}">
-  <ds:schemaRefs>
-    <ds:schemaRef ds:uri="http://schemas.microsoft.com/sharepoint/v3/contenttype/forms"/>
-  </ds:schemaRefs>
-</ds:datastoreItem>
 </file>
--- a/End-To-End Rapid API Development With DotNet Core .pptx
+++ b/End-To-End Rapid API Development With DotNet Core .pptx
@@ -221,7 +221,7 @@
           <a:p>
             <a:fld id="{4E5927ED-A7DE-49BD-9901-F872114C56A8}" type="datetimeFigureOut">
               <a:rPr lang="en-US" smtClean="0"/>
-              <a:t>10/29/2018</a:t>
+              <a:t>10/31/2018</a:t>
             </a:fld>
             <a:endParaRPr lang="en-US"/>
           </a:p>
@@ -285,38 +285,37 @@
           <a:p>
             <a:pPr lvl="0"/>
             <a:r>
-              <a:rPr lang="en-US" smtClean="0"/>
+              <a:rPr lang="en-US"/>
               <a:t>Click to edit Master text styles</a:t>
             </a:r>
           </a:p>
           <a:p>
             <a:pPr lvl="1"/>
             <a:r>
-              <a:rPr lang="en-US" smtClean="0"/>
+              <a:rPr lang="en-US"/>
               <a:t>Second level</a:t>
             </a:r>
           </a:p>
           <a:p>
             <a:pPr lvl="2"/>
             <a:r>
-              <a:rPr lang="en-US" smtClean="0"/>
+              <a:rPr lang="en-US"/>
               <a:t>Third level</a:t>
             </a:r>
           </a:p>
           <a:p>
             <a:pPr lvl="3"/>
             <a:r>
-              <a:rPr lang="en-US" smtClean="0"/>
+              <a:rPr lang="en-US"/>
               <a:t>Fourth level</a:t>
             </a:r>
           </a:p>
           <a:p>
             <a:pPr lvl="4"/>
             <a:r>
-              <a:rPr lang="en-US" smtClean="0"/>
+              <a:rPr lang="en-US"/>
               <a:t>Fifth level</a:t>
             </a:r>
-            <a:endParaRPr lang="en-US"/>
           </a:p>
         </p:txBody>
       </p:sp>
@@ -625,7 +624,7 @@
           </a:bodyPr>
           <a:lstStyle/>
           <a:p>
-            <a:endParaRPr lang="en-CA" b="0" dirty="0" smtClean="0"/>
+            <a:endParaRPr lang="en-CA" b="0" dirty="0"/>
           </a:p>
         </p:txBody>
       </p:sp>
@@ -717,7 +716,7 @@
           </a:bodyPr>
           <a:lstStyle/>
           <a:p>
-            <a:endParaRPr lang="en-CA" b="0" dirty="0" smtClean="0"/>
+            <a:endParaRPr lang="en-CA" b="0" dirty="0"/>
           </a:p>
         </p:txBody>
       </p:sp>
@@ -809,7 +808,7 @@
           </a:bodyPr>
           <a:lstStyle/>
           <a:p>
-            <a:endParaRPr lang="en-CA" b="0" dirty="0" smtClean="0"/>
+            <a:endParaRPr lang="en-CA" b="0" dirty="0"/>
           </a:p>
         </p:txBody>
       </p:sp>
@@ -986,7 +985,7 @@
           </a:bodyPr>
           <a:lstStyle/>
           <a:p>
-            <a:endParaRPr lang="en-CA" b="0" dirty="0" smtClean="0"/>
+            <a:endParaRPr lang="en-CA" b="0" dirty="0"/>
           </a:p>
         </p:txBody>
       </p:sp>
@@ -1078,7 +1077,7 @@
           </a:bodyPr>
           <a:lstStyle/>
           <a:p>
-            <a:endParaRPr lang="en-CA" b="0" dirty="0" smtClean="0"/>
+            <a:endParaRPr lang="en-CA" b="0" dirty="0"/>
           </a:p>
         </p:txBody>
       </p:sp>
@@ -1170,7 +1169,7 @@
           </a:bodyPr>
           <a:lstStyle/>
           <a:p>
-            <a:endParaRPr lang="en-CA" b="0" dirty="0" smtClean="0"/>
+            <a:endParaRPr lang="en-CA" b="0" dirty="0"/>
           </a:p>
         </p:txBody>
       </p:sp>
@@ -1262,7 +1261,7 @@
           </a:bodyPr>
           <a:lstStyle/>
           <a:p>
-            <a:endParaRPr lang="en-CA" b="0" dirty="0" smtClean="0"/>
+            <a:endParaRPr lang="en-CA" b="0" dirty="0"/>
           </a:p>
         </p:txBody>
       </p:sp>
@@ -1354,7 +1353,7 @@
           </a:bodyPr>
           <a:lstStyle/>
           <a:p>
-            <a:endParaRPr lang="en-CA" b="0" dirty="0" smtClean="0"/>
+            <a:endParaRPr lang="en-CA" b="0" dirty="0"/>
           </a:p>
         </p:txBody>
       </p:sp>
@@ -1446,7 +1445,7 @@
           </a:bodyPr>
           <a:lstStyle/>
           <a:p>
-            <a:endParaRPr lang="en-CA" b="0" dirty="0" smtClean="0"/>
+            <a:endParaRPr lang="en-CA" b="0" dirty="0"/>
           </a:p>
         </p:txBody>
       </p:sp>
@@ -1538,7 +1537,7 @@
           </a:bodyPr>
           <a:lstStyle/>
           <a:p>
-            <a:endParaRPr lang="en-CA" b="0" dirty="0" smtClean="0"/>
+            <a:endParaRPr lang="en-CA" b="0" dirty="0"/>
           </a:p>
         </p:txBody>
       </p:sp>
@@ -1722,7 +1721,7 @@
           </a:lstStyle>
           <a:p>
             <a:r>
-              <a:rPr lang="en-US" smtClean="0"/>
+              <a:rPr lang="en-US"/>
               <a:t>Click to edit Master subtitle style</a:t>
             </a:r>
             <a:endParaRPr lang="en-US" dirty="0"/>
@@ -1780,10 +1779,9 @@
           <a:p>
             <a:pPr lvl="0"/>
             <a:r>
-              <a:rPr lang="en-US" dirty="0" smtClean="0"/>
+              <a:rPr lang="en-US" dirty="0"/>
               <a:t>Course title style</a:t>
             </a:r>
-            <a:endParaRPr lang="en-US" dirty="0"/>
           </a:p>
         </p:txBody>
       </p:sp>
@@ -1929,13 +1927,6 @@
   <p:clrMapOvr>
     <a:masterClrMapping/>
   </p:clrMapOvr>
-  <p:timing>
-    <p:tnLst>
-      <p:par>
-        <p:cTn id="1" dur="indefinite" restart="never" nodeType="tmRoot"/>
-      </p:par>
-    </p:tnLst>
-  </p:timing>
   <p:extLst mod="1">
     <p:ext uri="{DCECCB84-F9BA-43D5-87BE-67443E8EF086}">
       <p15:sldGuideLst xmlns:p15="http://schemas.microsoft.com/office/powerpoint/2012/main">
@@ -1998,10 +1989,9 @@
           <a:lstStyle/>
           <a:p>
             <a:r>
-              <a:rPr lang="en-US" smtClean="0"/>
+              <a:rPr lang="en-US"/>
               <a:t>Click to edit Master title style</a:t>
             </a:r>
-            <a:endParaRPr lang="en-US"/>
           </a:p>
         </p:txBody>
       </p:sp>
@@ -2030,35 +2020,35 @@
           <a:p>
             <a:pPr lvl="0"/>
             <a:r>
-              <a:rPr lang="en-US" smtClean="0"/>
+              <a:rPr lang="en-US"/>
               <a:t>Click to edit Master text styles</a:t>
             </a:r>
           </a:p>
           <a:p>
             <a:pPr lvl="1"/>
             <a:r>
-              <a:rPr lang="en-US" smtClean="0"/>
+              <a:rPr lang="en-US"/>
               <a:t>Second level</a:t>
             </a:r>
           </a:p>
           <a:p>
             <a:pPr lvl="2"/>
             <a:r>
-              <a:rPr lang="en-US" smtClean="0"/>
+              <a:rPr lang="en-US"/>
               <a:t>Third level</a:t>
             </a:r>
           </a:p>
           <a:p>
             <a:pPr lvl="3"/>
             <a:r>
-              <a:rPr lang="en-US" smtClean="0"/>
+              <a:rPr lang="en-US"/>
               <a:t>Fourth level</a:t>
             </a:r>
           </a:p>
           <a:p>
             <a:pPr lvl="4"/>
             <a:r>
-              <a:rPr lang="en-US" smtClean="0"/>
+              <a:rPr lang="en-US"/>
               <a:t>Fifth level</a:t>
             </a:r>
             <a:endParaRPr lang="en-US" dirty="0"/>
@@ -2090,35 +2080,35 @@
           <a:p>
             <a:pPr lvl="0"/>
             <a:r>
-              <a:rPr lang="en-US" smtClean="0"/>
+              <a:rPr lang="en-US"/>
               <a:t>Click to edit Master text styles</a:t>
             </a:r>
           </a:p>
           <a:p>
             <a:pPr lvl="1"/>
             <a:r>
-              <a:rPr lang="en-US" smtClean="0"/>
+              <a:rPr lang="en-US"/>
               <a:t>Second level</a:t>
             </a:r>
           </a:p>
           <a:p>
             <a:pPr lvl="2"/>
             <a:r>
-              <a:rPr lang="en-US" smtClean="0"/>
+              <a:rPr lang="en-US"/>
               <a:t>Third level</a:t>
             </a:r>
           </a:p>
           <a:p>
             <a:pPr lvl="3"/>
             <a:r>
-              <a:rPr lang="en-US" smtClean="0"/>
+              <a:rPr lang="en-US"/>
               <a:t>Fourth level</a:t>
             </a:r>
           </a:p>
           <a:p>
             <a:pPr lvl="4"/>
             <a:r>
-              <a:rPr lang="en-US" smtClean="0"/>
+              <a:rPr lang="en-US"/>
               <a:t>Fifth level</a:t>
             </a:r>
             <a:endParaRPr lang="en-US" dirty="0"/>
@@ -2135,13 +2125,6 @@
   <p:clrMapOvr>
     <a:masterClrMapping/>
   </p:clrMapOvr>
-  <p:timing>
-    <p:tnLst>
-      <p:par>
-        <p:cTn id="1" dur="indefinite" restart="never" nodeType="tmRoot"/>
-      </p:par>
-    </p:tnLst>
-  </p:timing>
   <p:extLst mod="1">
     <p:ext uri="{DCECCB84-F9BA-43D5-87BE-67443E8EF086}">
       <p15:sldGuideLst xmlns:p15="http://schemas.microsoft.com/office/powerpoint/2012/main">
@@ -2204,7 +2187,7 @@
           </a:lstStyle>
           <a:p>
             <a:r>
-              <a:rPr lang="en-US" smtClean="0"/>
+              <a:rPr lang="en-US"/>
               <a:t>Click to edit Master title style</a:t>
             </a:r>
             <a:endParaRPr lang="en-US" dirty="0"/>
@@ -2262,35 +2245,35 @@
           <a:p>
             <a:pPr lvl="0"/>
             <a:r>
-              <a:rPr lang="en-US" smtClean="0"/>
+              <a:rPr lang="en-US"/>
               <a:t>Click to edit Master text styles</a:t>
             </a:r>
           </a:p>
           <a:p>
             <a:pPr lvl="1"/>
             <a:r>
-              <a:rPr lang="en-US" smtClean="0"/>
+              <a:rPr lang="en-US"/>
               <a:t>Second level</a:t>
             </a:r>
           </a:p>
           <a:p>
             <a:pPr lvl="2"/>
             <a:r>
-              <a:rPr lang="en-US" smtClean="0"/>
+              <a:rPr lang="en-US"/>
               <a:t>Third level</a:t>
             </a:r>
           </a:p>
           <a:p>
             <a:pPr lvl="3"/>
             <a:r>
-              <a:rPr lang="en-US" smtClean="0"/>
+              <a:rPr lang="en-US"/>
               <a:t>Fourth level</a:t>
             </a:r>
           </a:p>
           <a:p>
             <a:pPr lvl="4"/>
             <a:r>
-              <a:rPr lang="en-US" smtClean="0"/>
+              <a:rPr lang="en-US"/>
               <a:t>Fifth level</a:t>
             </a:r>
             <a:endParaRPr lang="en-US" dirty="0"/>
@@ -2307,13 +2290,6 @@
   <p:clrMapOvr>
     <a:masterClrMapping/>
   </p:clrMapOvr>
-  <p:timing>
-    <p:tnLst>
-      <p:par>
-        <p:cTn id="1" dur="indefinite" restart="never" nodeType="tmRoot"/>
-      </p:par>
-    </p:tnLst>
-  </p:timing>
 </p:sldLayout>
 </file>
 
@@ -2350,7 +2326,7 @@
           <a:lstStyle/>
           <a:p>
             <a:r>
-              <a:rPr lang="en-US" smtClean="0"/>
+              <a:rPr lang="en-US"/>
               <a:t>Click to edit Master title style</a:t>
             </a:r>
             <a:endParaRPr lang="en-US" dirty="0"/>
@@ -2408,35 +2384,35 @@
           <a:p>
             <a:pPr lvl="0"/>
             <a:r>
-              <a:rPr lang="en-US" smtClean="0"/>
+              <a:rPr lang="en-US"/>
               <a:t>Click to edit Master text styles</a:t>
             </a:r>
           </a:p>
           <a:p>
             <a:pPr lvl="1"/>
             <a:r>
-              <a:rPr lang="en-US" smtClean="0"/>
+              <a:rPr lang="en-US"/>
               <a:t>Second level</a:t>
             </a:r>
           </a:p>
           <a:p>
             <a:pPr lvl="2"/>
             <a:r>
-              <a:rPr lang="en-US" smtClean="0"/>
+              <a:rPr lang="en-US"/>
               <a:t>Third level</a:t>
             </a:r>
           </a:p>
           <a:p>
             <a:pPr lvl="3"/>
             <a:r>
-              <a:rPr lang="en-US" smtClean="0"/>
+              <a:rPr lang="en-US"/>
               <a:t>Fourth level</a:t>
             </a:r>
           </a:p>
           <a:p>
             <a:pPr lvl="4"/>
             <a:r>
-              <a:rPr lang="en-US" smtClean="0"/>
+              <a:rPr lang="en-US"/>
               <a:t>Fifth level</a:t>
             </a:r>
             <a:endParaRPr lang="en-US" dirty="0"/>
@@ -2456,13 +2432,6 @@
   <p:transition>
     <p:fade/>
   </p:transition>
-  <p:timing>
-    <p:tnLst>
-      <p:par>
-        <p:cTn id="1" dur="indefinite" restart="never" nodeType="tmRoot"/>
-      </p:par>
-    </p:tnLst>
-  </p:timing>
 </p:sldLayout>
 </file>
 
@@ -2561,10 +2530,9 @@
           </a:lstStyle>
           <a:p>
             <a:r>
-              <a:rPr lang="en-US" dirty="0" smtClean="0"/>
+              <a:rPr lang="en-US" dirty="0"/>
               <a:t>Demo</a:t>
             </a:r>
-            <a:endParaRPr lang="en-US" dirty="0"/>
           </a:p>
         </p:txBody>
       </p:sp>
@@ -2684,10 +2652,9 @@
           </a:lstStyle>
           <a:p>
             <a:r>
-              <a:rPr lang="en-US" dirty="0" smtClean="0"/>
+              <a:rPr lang="en-US" dirty="0"/>
               <a:t>Type / Sub Heading</a:t>
             </a:r>
-            <a:endParaRPr lang="en-US" dirty="0"/>
           </a:p>
         </p:txBody>
       </p:sp>
@@ -2701,13 +2668,6 @@
   <p:clrMapOvr>
     <a:masterClrMapping/>
   </p:clrMapOvr>
-  <p:timing>
-    <p:tnLst>
-      <p:par>
-        <p:cTn id="1" dur="indefinite" restart="never" nodeType="tmRoot"/>
-      </p:par>
-    </p:tnLst>
-  </p:timing>
 </p:sldLayout>
 </file>
 
@@ -2744,10 +2704,9 @@
           <a:lstStyle/>
           <a:p>
             <a:r>
-              <a:rPr lang="en-US" smtClean="0"/>
+              <a:rPr lang="en-US"/>
               <a:t>Click to edit Master title style</a:t>
             </a:r>
-            <a:endParaRPr lang="en-US"/>
           </a:p>
         </p:txBody>
       </p:sp>
@@ -2776,35 +2735,35 @@
           <a:p>
             <a:pPr lvl="0"/>
             <a:r>
-              <a:rPr lang="en-US" smtClean="0"/>
+              <a:rPr lang="en-US"/>
               <a:t>Click to edit Master text styles</a:t>
             </a:r>
           </a:p>
           <a:p>
             <a:pPr lvl="1"/>
             <a:r>
-              <a:rPr lang="en-US" smtClean="0"/>
+              <a:rPr lang="en-US"/>
               <a:t>Second level</a:t>
             </a:r>
           </a:p>
           <a:p>
             <a:pPr lvl="2"/>
             <a:r>
-              <a:rPr lang="en-US" smtClean="0"/>
+              <a:rPr lang="en-US"/>
               <a:t>Third level</a:t>
             </a:r>
           </a:p>
           <a:p>
             <a:pPr lvl="3"/>
             <a:r>
-              <a:rPr lang="en-US" smtClean="0"/>
+              <a:rPr lang="en-US"/>
               <a:t>Fourth level</a:t>
             </a:r>
           </a:p>
           <a:p>
             <a:pPr lvl="4"/>
             <a:r>
-              <a:rPr lang="en-US" smtClean="0"/>
+              <a:rPr lang="en-US"/>
               <a:t>Fifth level</a:t>
             </a:r>
             <a:endParaRPr lang="en-US" dirty="0"/>
@@ -2836,35 +2795,35 @@
           <a:p>
             <a:pPr lvl="0"/>
             <a:r>
-              <a:rPr lang="en-US" smtClean="0"/>
+              <a:rPr lang="en-US"/>
               <a:t>Click to edit Master text styles</a:t>
             </a:r>
           </a:p>
           <a:p>
             <a:pPr lvl="1"/>
             <a:r>
-              <a:rPr lang="en-US" smtClean="0"/>
+              <a:rPr lang="en-US"/>
               <a:t>Second level</a:t>
             </a:r>
           </a:p>
           <a:p>
             <a:pPr lvl="2"/>
             <a:r>
-              <a:rPr lang="en-US" smtClean="0"/>
+              <a:rPr lang="en-US"/>
               <a:t>Third level</a:t>
             </a:r>
           </a:p>
           <a:p>
             <a:pPr lvl="3"/>
             <a:r>
-              <a:rPr lang="en-US" smtClean="0"/>
+              <a:rPr lang="en-US"/>
               <a:t>Fourth level</a:t>
             </a:r>
           </a:p>
           <a:p>
             <a:pPr lvl="4"/>
             <a:r>
-              <a:rPr lang="en-US" smtClean="0"/>
+              <a:rPr lang="en-US"/>
               <a:t>Fifth level</a:t>
             </a:r>
             <a:endParaRPr lang="en-US" dirty="0"/>
@@ -2881,13 +2840,6 @@
   <p:clrMapOvr>
     <a:masterClrMapping/>
   </p:clrMapOvr>
-  <p:timing>
-    <p:tnLst>
-      <p:par>
-        <p:cTn id="1" dur="indefinite" restart="never" nodeType="tmRoot"/>
-      </p:par>
-    </p:tnLst>
-  </p:timing>
   <p:extLst mod="1">
     <p:ext uri="{DCECCB84-F9BA-43D5-87BE-67443E8EF086}">
       <p15:sldGuideLst xmlns:p15="http://schemas.microsoft.com/office/powerpoint/2012/main">
@@ -3050,7 +3002,7 @@
           </a:lstStyle>
           <a:p>
             <a:r>
-              <a:rPr lang="en-US" smtClean="0"/>
+              <a:rPr lang="en-US"/>
               <a:t>Click to edit Master subtitle style</a:t>
             </a:r>
             <a:endParaRPr lang="en-US" dirty="0"/>
@@ -3108,10 +3060,9 @@
           <a:p>
             <a:pPr lvl="0"/>
             <a:r>
-              <a:rPr lang="en-US" dirty="0" smtClean="0"/>
+              <a:rPr lang="en-US" dirty="0"/>
               <a:t>Course title style</a:t>
             </a:r>
-            <a:endParaRPr lang="en-US" dirty="0"/>
           </a:p>
         </p:txBody>
       </p:sp>
@@ -3257,13 +3208,6 @@
   <p:clrMapOvr>
     <a:masterClrMapping/>
   </p:clrMapOvr>
-  <p:timing>
-    <p:tnLst>
-      <p:par>
-        <p:cTn id="1" dur="indefinite" restart="never" nodeType="tmRoot"/>
-      </p:par>
-    </p:tnLst>
-  </p:timing>
   <p:extLst mod="1">
     <p:ext uri="{DCECCB84-F9BA-43D5-87BE-67443E8EF086}">
       <p15:sldGuideLst xmlns:p15="http://schemas.microsoft.com/office/powerpoint/2012/main">
@@ -3335,7 +3279,7 @@
           </a:lstStyle>
           <a:p>
             <a:r>
-              <a:rPr lang="en-US" smtClean="0"/>
+              <a:rPr lang="en-US"/>
               <a:t>Click to edit Master title style</a:t>
             </a:r>
             <a:endParaRPr lang="en-US" dirty="0"/>
@@ -3461,13 +3405,6 @@
   <p:clrMapOvr>
     <a:masterClrMapping/>
   </p:clrMapOvr>
-  <p:timing>
-    <p:tnLst>
-      <p:par>
-        <p:cTn id="1" dur="indefinite" restart="never" nodeType="tmRoot"/>
-      </p:par>
-    </p:tnLst>
-  </p:timing>
 </p:sldLayout>
 </file>
 
@@ -3504,7 +3441,7 @@
           <a:lstStyle/>
           <a:p>
             <a:r>
-              <a:rPr lang="en-US" smtClean="0"/>
+              <a:rPr lang="en-US"/>
               <a:t>Click to edit Master title style</a:t>
             </a:r>
             <a:endParaRPr lang="en-US" dirty="0"/>
@@ -3553,35 +3490,35 @@
           <a:p>
             <a:pPr lvl="0"/>
             <a:r>
-              <a:rPr lang="en-US" smtClean="0"/>
+              <a:rPr lang="en-US"/>
               <a:t>Click to edit Master text styles</a:t>
             </a:r>
           </a:p>
           <a:p>
             <a:pPr lvl="1"/>
             <a:r>
-              <a:rPr lang="en-US" smtClean="0"/>
+              <a:rPr lang="en-US"/>
               <a:t>Second level</a:t>
             </a:r>
           </a:p>
           <a:p>
             <a:pPr lvl="2"/>
             <a:r>
-              <a:rPr lang="en-US" smtClean="0"/>
+              <a:rPr lang="en-US"/>
               <a:t>Third level</a:t>
             </a:r>
           </a:p>
           <a:p>
             <a:pPr lvl="3"/>
             <a:r>
-              <a:rPr lang="en-US" smtClean="0"/>
+              <a:rPr lang="en-US"/>
               <a:t>Fourth level</a:t>
             </a:r>
           </a:p>
           <a:p>
             <a:pPr lvl="4"/>
             <a:r>
-              <a:rPr lang="en-US" smtClean="0"/>
+              <a:rPr lang="en-US"/>
               <a:t>Fifth level</a:t>
             </a:r>
             <a:endParaRPr lang="en-US" dirty="0"/>
@@ -3598,13 +3535,6 @@
   <p:clrMapOvr>
     <a:masterClrMapping/>
   </p:clrMapOvr>
-  <p:timing>
-    <p:tnLst>
-      <p:par>
-        <p:cTn id="1" dur="indefinite" restart="never" nodeType="tmRoot"/>
-      </p:par>
-    </p:tnLst>
-  </p:timing>
 </p:sldLayout>
 </file>
 
@@ -3680,35 +3610,35 @@
           <a:p>
             <a:pPr lvl="0"/>
             <a:r>
-              <a:rPr lang="en-US" smtClean="0"/>
+              <a:rPr lang="en-US"/>
               <a:t>Click to edit Master text styles</a:t>
             </a:r>
           </a:p>
           <a:p>
             <a:pPr lvl="1"/>
             <a:r>
-              <a:rPr lang="en-US" smtClean="0"/>
+              <a:rPr lang="en-US"/>
               <a:t>Second level</a:t>
             </a:r>
           </a:p>
           <a:p>
             <a:pPr lvl="2"/>
             <a:r>
-              <a:rPr lang="en-US" smtClean="0"/>
+              <a:rPr lang="en-US"/>
               <a:t>Third level</a:t>
             </a:r>
           </a:p>
           <a:p>
             <a:pPr lvl="3"/>
             <a:r>
-              <a:rPr lang="en-US" smtClean="0"/>
+              <a:rPr lang="en-US"/>
               <a:t>Fourth level</a:t>
             </a:r>
           </a:p>
           <a:p>
             <a:pPr lvl="4"/>
             <a:r>
-              <a:rPr lang="en-US" smtClean="0"/>
+              <a:rPr lang="en-US"/>
               <a:t>Fifth level</a:t>
             </a:r>
             <a:endParaRPr lang="en-US" dirty="0"/>
@@ -3770,35 +3700,35 @@
           <a:p>
             <a:pPr lvl="0"/>
             <a:r>
-              <a:rPr lang="en-US" smtClean="0"/>
+              <a:rPr lang="en-US"/>
               <a:t>Click to edit Master text styles</a:t>
             </a:r>
           </a:p>
           <a:p>
             <a:pPr lvl="1"/>
             <a:r>
-              <a:rPr lang="en-US" smtClean="0"/>
+              <a:rPr lang="en-US"/>
               <a:t>Second level</a:t>
             </a:r>
           </a:p>
           <a:p>
             <a:pPr lvl="2"/>
             <a:r>
-              <a:rPr lang="en-US" smtClean="0"/>
+              <a:rPr lang="en-US"/>
               <a:t>Third level</a:t>
             </a:r>
           </a:p>
           <a:p>
             <a:pPr lvl="3"/>
             <a:r>
-              <a:rPr lang="en-US" smtClean="0"/>
+              <a:rPr lang="en-US"/>
               <a:t>Fourth level</a:t>
             </a:r>
           </a:p>
           <a:p>
             <a:pPr lvl="4"/>
             <a:r>
-              <a:rPr lang="en-US" smtClean="0"/>
+              <a:rPr lang="en-US"/>
               <a:t>Fifth level</a:t>
             </a:r>
             <a:endParaRPr lang="en-US" dirty="0"/>
@@ -3821,10 +3751,9 @@
           <a:lstStyle/>
           <a:p>
             <a:r>
-              <a:rPr lang="en-US" smtClean="0"/>
+              <a:rPr lang="en-US"/>
               <a:t>Click to edit Master title style</a:t>
             </a:r>
-            <a:endParaRPr lang="en-US"/>
           </a:p>
         </p:txBody>
       </p:sp>
@@ -3838,13 +3767,6 @@
   <p:clrMapOvr>
     <a:masterClrMapping/>
   </p:clrMapOvr>
-  <p:timing>
-    <p:tnLst>
-      <p:par>
-        <p:cTn id="1" dur="indefinite" restart="never" nodeType="tmRoot"/>
-      </p:par>
-    </p:tnLst>
-  </p:timing>
 </p:sldLayout>
 </file>
 
@@ -3937,7 +3859,7 @@
           <a:p>
             <a:pPr lvl="0"/>
             <a:r>
-              <a:rPr lang="en-US" smtClean="0"/>
+              <a:rPr lang="en-US"/>
               <a:t>Click to edit Master text styles</a:t>
             </a:r>
           </a:p>
@@ -3996,35 +3918,35 @@
           <a:p>
             <a:pPr lvl="0"/>
             <a:r>
-              <a:rPr lang="en-US" smtClean="0"/>
+              <a:rPr lang="en-US"/>
               <a:t>Click to edit Master text styles</a:t>
             </a:r>
           </a:p>
           <a:p>
             <a:pPr lvl="1"/>
             <a:r>
-              <a:rPr lang="en-US" smtClean="0"/>
+              <a:rPr lang="en-US"/>
               <a:t>Second level</a:t>
             </a:r>
           </a:p>
           <a:p>
             <a:pPr lvl="2"/>
             <a:r>
-              <a:rPr lang="en-US" smtClean="0"/>
+              <a:rPr lang="en-US"/>
               <a:t>Third level</a:t>
             </a:r>
           </a:p>
           <a:p>
             <a:pPr lvl="3"/>
             <a:r>
-              <a:rPr lang="en-US" smtClean="0"/>
+              <a:rPr lang="en-US"/>
               <a:t>Fourth level</a:t>
             </a:r>
           </a:p>
           <a:p>
             <a:pPr lvl="4"/>
             <a:r>
-              <a:rPr lang="en-US" smtClean="0"/>
+              <a:rPr lang="en-US"/>
               <a:t>Fifth level</a:t>
             </a:r>
             <a:endParaRPr lang="en-US" dirty="0"/>
@@ -4103,7 +4025,7 @@
           <a:p>
             <a:pPr lvl="0"/>
             <a:r>
-              <a:rPr lang="en-US" smtClean="0"/>
+              <a:rPr lang="en-US"/>
               <a:t>Click to edit Master text styles</a:t>
             </a:r>
           </a:p>
@@ -4162,35 +4084,35 @@
           <a:p>
             <a:pPr lvl="0"/>
             <a:r>
-              <a:rPr lang="en-US" smtClean="0"/>
+              <a:rPr lang="en-US"/>
               <a:t>Click to edit Master text styles</a:t>
             </a:r>
           </a:p>
           <a:p>
             <a:pPr lvl="1"/>
             <a:r>
-              <a:rPr lang="en-US" smtClean="0"/>
+              <a:rPr lang="en-US"/>
               <a:t>Second level</a:t>
             </a:r>
           </a:p>
           <a:p>
             <a:pPr lvl="2"/>
             <a:r>
-              <a:rPr lang="en-US" smtClean="0"/>
+              <a:rPr lang="en-US"/>
               <a:t>Third level</a:t>
             </a:r>
           </a:p>
           <a:p>
             <a:pPr lvl="3"/>
             <a:r>
-              <a:rPr lang="en-US" smtClean="0"/>
+              <a:rPr lang="en-US"/>
               <a:t>Fourth level</a:t>
             </a:r>
           </a:p>
           <a:p>
             <a:pPr lvl="4"/>
             <a:r>
-              <a:rPr lang="en-US" smtClean="0"/>
+              <a:rPr lang="en-US"/>
               <a:t>Fifth level</a:t>
             </a:r>
             <a:endParaRPr lang="en-US" dirty="0"/>
@@ -4213,10 +4135,9 @@
           <a:lstStyle/>
           <a:p>
             <a:r>
-              <a:rPr lang="en-US" smtClean="0"/>
+              <a:rPr lang="en-US"/>
               <a:t>Click to edit Master title style</a:t>
             </a:r>
-            <a:endParaRPr lang="en-US"/>
           </a:p>
         </p:txBody>
       </p:sp>
@@ -4230,13 +4151,6 @@
   <p:clrMapOvr>
     <a:masterClrMapping/>
   </p:clrMapOvr>
-  <p:timing>
-    <p:tnLst>
-      <p:par>
-        <p:cTn id="1" dur="indefinite" restart="never" nodeType="tmRoot"/>
-      </p:par>
-    </p:tnLst>
-  </p:timing>
 </p:sldLayout>
 </file>
 
@@ -4451,10 +4365,9 @@
           </a:lstStyle>
           <a:p>
             <a:r>
-              <a:rPr lang="en-US" smtClean="0"/>
+              <a:rPr lang="en-US"/>
               <a:t>Click to edit Master subtitle style</a:t>
             </a:r>
-            <a:endParaRPr lang="en-US"/>
           </a:p>
         </p:txBody>
       </p:sp>
@@ -4654,7 +4567,7 @@
           <a:p>
             <a:pPr lvl="0"/>
             <a:r>
-              <a:rPr lang="en-US" dirty="0" smtClean="0"/>
+              <a:rPr lang="en-US" dirty="0"/>
               <a:t>Module or Section transition style</a:t>
             </a:r>
           </a:p>
@@ -4786,7 +4699,7 @@
           </a:lstStyle>
           <a:p>
             <a:r>
-              <a:rPr lang="en-US" smtClean="0"/>
+              <a:rPr lang="en-US"/>
               <a:t>Click to edit Master subtitle style</a:t>
             </a:r>
             <a:endParaRPr lang="en-US" dirty="0"/>
@@ -4833,13 +4746,6 @@
   <p:clrMapOvr>
     <a:masterClrMapping/>
   </p:clrMapOvr>
-  <p:timing>
-    <p:tnLst>
-      <p:par>
-        <p:cTn id="1" dur="indefinite" restart="never" nodeType="tmRoot"/>
-      </p:par>
-    </p:tnLst>
-  </p:timing>
   <p:extLst mod="1">
     <p:ext uri="{DCECCB84-F9BA-43D5-87BE-67443E8EF086}">
       <p15:sldGuideLst xmlns:p15="http://schemas.microsoft.com/office/powerpoint/2012/main">
@@ -4892,10 +4798,9 @@
           <a:lstStyle/>
           <a:p>
             <a:r>
-              <a:rPr lang="en-US" smtClean="0"/>
+              <a:rPr lang="en-US"/>
               <a:t>Click to edit Master title style</a:t>
             </a:r>
-            <a:endParaRPr lang="en-US"/>
           </a:p>
         </p:txBody>
       </p:sp>
@@ -4909,13 +4814,6 @@
   <p:clrMapOvr>
     <a:masterClrMapping/>
   </p:clrMapOvr>
-  <p:timing>
-    <p:tnLst>
-      <p:par>
-        <p:cTn id="1" dur="indefinite" restart="never" nodeType="tmRoot"/>
-      </p:par>
-    </p:tnLst>
-  </p:timing>
 </p:sldLayout>
 </file>
 
@@ -4946,13 +4844,6 @@
   <p:clrMapOvr>
     <a:masterClrMapping/>
   </p:clrMapOvr>
-  <p:timing>
-    <p:tnLst>
-      <p:par>
-        <p:cTn id="1" dur="indefinite" restart="never" nodeType="tmRoot"/>
-      </p:par>
-    </p:tnLst>
-  </p:timing>
 </p:sldLayout>
 </file>
 
@@ -5129,21 +5020,6 @@
   <p:clrMapOvr>
     <a:masterClrMapping/>
   </p:clrMapOvr>
-  <mc:AlternateContent xmlns:mc="http://schemas.openxmlformats.org/markup-compatibility/2006" xmlns:p14="http://schemas.microsoft.com/office/powerpoint/2010/main">
-    <mc:Choice Requires="p14">
-      <p:transition spd="slow" p14:dur="2000"/>
-    </mc:Choice>
-    <mc:Fallback xmlns="">
-      <p:transition spd="slow"/>
-    </mc:Fallback>
-  </mc:AlternateContent>
-  <p:timing>
-    <p:tnLst>
-      <p:par>
-        <p:cTn id="1" dur="indefinite" restart="never" nodeType="tmRoot"/>
-      </p:par>
-    </p:tnLst>
-  </p:timing>
 </p:sldLayout>
 </file>
 
@@ -5190,7 +5066,7 @@
           </a:lstStyle>
           <a:p>
             <a:r>
-              <a:rPr lang="en-US" smtClean="0"/>
+              <a:rPr lang="en-US"/>
               <a:t>Click to edit Master title style</a:t>
             </a:r>
             <a:endParaRPr lang="en-US" dirty="0"/>
@@ -5248,35 +5124,35 @@
           <a:p>
             <a:pPr lvl="0"/>
             <a:r>
-              <a:rPr lang="en-US" smtClean="0"/>
+              <a:rPr lang="en-US"/>
               <a:t>Click to edit Master text styles</a:t>
             </a:r>
           </a:p>
           <a:p>
             <a:pPr lvl="1"/>
             <a:r>
-              <a:rPr lang="en-US" smtClean="0"/>
+              <a:rPr lang="en-US"/>
               <a:t>Second level</a:t>
             </a:r>
           </a:p>
           <a:p>
             <a:pPr lvl="2"/>
             <a:r>
-              <a:rPr lang="en-US" smtClean="0"/>
+              <a:rPr lang="en-US"/>
               <a:t>Third level</a:t>
             </a:r>
           </a:p>
           <a:p>
             <a:pPr lvl="3"/>
             <a:r>
-              <a:rPr lang="en-US" smtClean="0"/>
+              <a:rPr lang="en-US"/>
               <a:t>Fourth level</a:t>
             </a:r>
           </a:p>
           <a:p>
             <a:pPr lvl="4"/>
             <a:r>
-              <a:rPr lang="en-US" smtClean="0"/>
+              <a:rPr lang="en-US"/>
               <a:t>Fifth level</a:t>
             </a:r>
             <a:endParaRPr lang="en-US" dirty="0"/>
@@ -5293,13 +5169,6 @@
   <p:clrMapOvr>
     <a:masterClrMapping/>
   </p:clrMapOvr>
-  <p:timing>
-    <p:tnLst>
-      <p:par>
-        <p:cTn id="1" dur="indefinite" restart="never" nodeType="tmRoot"/>
-      </p:par>
-    </p:tnLst>
-  </p:timing>
 </p:sldLayout>
 </file>
 
@@ -5514,10 +5383,9 @@
           </a:lstStyle>
           <a:p>
             <a:r>
-              <a:rPr lang="en-US" smtClean="0"/>
+              <a:rPr lang="en-US"/>
               <a:t>Click to edit Master subtitle style</a:t>
             </a:r>
-            <a:endParaRPr lang="en-US"/>
           </a:p>
         </p:txBody>
       </p:sp>
@@ -5717,7 +5585,7 @@
           <a:p>
             <a:pPr lvl="0"/>
             <a:r>
-              <a:rPr lang="en-US" dirty="0" smtClean="0"/>
+              <a:rPr lang="en-US" dirty="0"/>
               <a:t>Module or Section transition style</a:t>
             </a:r>
           </a:p>
@@ -5849,7 +5717,7 @@
           </a:lstStyle>
           <a:p>
             <a:r>
-              <a:rPr lang="en-US" smtClean="0"/>
+              <a:rPr lang="en-US"/>
               <a:t>Click to edit Master subtitle style</a:t>
             </a:r>
             <a:endParaRPr lang="en-US" dirty="0"/>
@@ -5896,13 +5764,6 @@
   <p:clrMapOvr>
     <a:masterClrMapping/>
   </p:clrMapOvr>
-  <p:timing>
-    <p:tnLst>
-      <p:par>
-        <p:cTn id="1" dur="indefinite" restart="never" nodeType="tmRoot"/>
-      </p:par>
-    </p:tnLst>
-  </p:timing>
   <p:extLst mod="1">
     <p:ext uri="{DCECCB84-F9BA-43D5-87BE-67443E8EF086}">
       <p15:sldGuideLst xmlns:p15="http://schemas.microsoft.com/office/powerpoint/2012/main">
@@ -5969,7 +5830,7 @@
           </a:lstStyle>
           <a:p>
             <a:r>
-              <a:rPr lang="en-US" smtClean="0"/>
+              <a:rPr lang="en-US"/>
               <a:t>Click to edit Master title style</a:t>
             </a:r>
             <a:endParaRPr lang="en-US" dirty="0"/>
@@ -6095,13 +5956,6 @@
   <p:clrMapOvr>
     <a:masterClrMapping/>
   </p:clrMapOvr>
-  <p:timing>
-    <p:tnLst>
-      <p:par>
-        <p:cTn id="1" dur="indefinite" restart="never" nodeType="tmRoot"/>
-      </p:par>
-    </p:tnLst>
-  </p:timing>
 </p:sldLayout>
 </file>
 
@@ -6138,7 +5992,7 @@
           <a:lstStyle/>
           <a:p>
             <a:r>
-              <a:rPr lang="en-US" smtClean="0"/>
+              <a:rPr lang="en-US"/>
               <a:t>Click to edit Master title style</a:t>
             </a:r>
             <a:endParaRPr lang="en-US" dirty="0"/>
@@ -6187,35 +6041,35 @@
           <a:p>
             <a:pPr lvl="0"/>
             <a:r>
-              <a:rPr lang="en-US" smtClean="0"/>
+              <a:rPr lang="en-US"/>
               <a:t>Click to edit Master text styles</a:t>
             </a:r>
           </a:p>
           <a:p>
             <a:pPr lvl="1"/>
             <a:r>
-              <a:rPr lang="en-US" smtClean="0"/>
+              <a:rPr lang="en-US"/>
               <a:t>Second level</a:t>
             </a:r>
           </a:p>
           <a:p>
             <a:pPr lvl="2"/>
             <a:r>
-              <a:rPr lang="en-US" smtClean="0"/>
+              <a:rPr lang="en-US"/>
               <a:t>Third level</a:t>
             </a:r>
           </a:p>
           <a:p>
             <a:pPr lvl="3"/>
             <a:r>
-              <a:rPr lang="en-US" smtClean="0"/>
+              <a:rPr lang="en-US"/>
               <a:t>Fourth level</a:t>
             </a:r>
           </a:p>
           <a:p>
             <a:pPr lvl="4"/>
             <a:r>
-              <a:rPr lang="en-US" smtClean="0"/>
+              <a:rPr lang="en-US"/>
               <a:t>Fifth level</a:t>
             </a:r>
             <a:endParaRPr lang="en-US" dirty="0"/>
@@ -6232,13 +6086,6 @@
   <p:clrMapOvr>
     <a:masterClrMapping/>
   </p:clrMapOvr>
-  <p:timing>
-    <p:tnLst>
-      <p:par>
-        <p:cTn id="1" dur="indefinite" restart="never" nodeType="tmRoot"/>
-      </p:par>
-    </p:tnLst>
-  </p:timing>
 </p:sldLayout>
 </file>
 
@@ -6314,35 +6161,35 @@
           <a:p>
             <a:pPr lvl="0"/>
             <a:r>
-              <a:rPr lang="en-US" smtClean="0"/>
+              <a:rPr lang="en-US"/>
               <a:t>Click to edit Master text styles</a:t>
             </a:r>
           </a:p>
           <a:p>
             <a:pPr lvl="1"/>
             <a:r>
-              <a:rPr lang="en-US" smtClean="0"/>
+              <a:rPr lang="en-US"/>
               <a:t>Second level</a:t>
             </a:r>
           </a:p>
           <a:p>
             <a:pPr lvl="2"/>
             <a:r>
-              <a:rPr lang="en-US" smtClean="0"/>
+              <a:rPr lang="en-US"/>
               <a:t>Third level</a:t>
             </a:r>
           </a:p>
           <a:p>
             <a:pPr lvl="3"/>
             <a:r>
-              <a:rPr lang="en-US" smtClean="0"/>
+              <a:rPr lang="en-US"/>
               <a:t>Fourth level</a:t>
             </a:r>
           </a:p>
           <a:p>
             <a:pPr lvl="4"/>
             <a:r>
-              <a:rPr lang="en-US" smtClean="0"/>
+              <a:rPr lang="en-US"/>
               <a:t>Fifth level</a:t>
             </a:r>
             <a:endParaRPr lang="en-US" dirty="0"/>
@@ -6404,35 +6251,35 @@
           <a:p>
             <a:pPr lvl="0"/>
             <a:r>
-              <a:rPr lang="en-US" smtClean="0"/>
+              <a:rPr lang="en-US"/>
               <a:t>Click to edit Master text styles</a:t>
             </a:r>
           </a:p>
           <a:p>
             <a:pPr lvl="1"/>
             <a:r>
-              <a:rPr lang="en-US" smtClean="0"/>
+              <a:rPr lang="en-US"/>
               <a:t>Second level</a:t>
             </a:r>
           </a:p>
           <a:p>
             <a:pPr lvl="2"/>
             <a:r>
-              <a:rPr lang="en-US" smtClean="0"/>
+              <a:rPr lang="en-US"/>
               <a:t>Third level</a:t>
             </a:r>
           </a:p>
           <a:p>
             <a:pPr lvl="3"/>
             <a:r>
-              <a:rPr lang="en-US" smtClean="0"/>
+              <a:rPr lang="en-US"/>
               <a:t>Fourth level</a:t>
             </a:r>
           </a:p>
           <a:p>
             <a:pPr lvl="4"/>
             <a:r>
-              <a:rPr lang="en-US" smtClean="0"/>
+              <a:rPr lang="en-US"/>
               <a:t>Fifth level</a:t>
             </a:r>
             <a:endParaRPr lang="en-US" dirty="0"/>
@@ -6455,10 +6302,9 @@
           <a:lstStyle/>
           <a:p>
             <a:r>
-              <a:rPr lang="en-US" smtClean="0"/>
+              <a:rPr lang="en-US"/>
               <a:t>Click to edit Master title style</a:t>
             </a:r>
-            <a:endParaRPr lang="en-US"/>
           </a:p>
         </p:txBody>
       </p:sp>
@@ -6472,13 +6318,6 @@
   <p:clrMapOvr>
     <a:masterClrMapping/>
   </p:clrMapOvr>
-  <p:timing>
-    <p:tnLst>
-      <p:par>
-        <p:cTn id="1" dur="indefinite" restart="never" nodeType="tmRoot"/>
-      </p:par>
-    </p:tnLst>
-  </p:timing>
 </p:sldLayout>
 </file>
 
@@ -6571,7 +6410,7 @@
           <a:p>
             <a:pPr lvl="0"/>
             <a:r>
-              <a:rPr lang="en-US" smtClean="0"/>
+              <a:rPr lang="en-US"/>
               <a:t>Click to edit Master text styles</a:t>
             </a:r>
           </a:p>
@@ -6630,35 +6469,35 @@
           <a:p>
             <a:pPr lvl="0"/>
             <a:r>
-              <a:rPr lang="en-US" smtClean="0"/>
+              <a:rPr lang="en-US"/>
               <a:t>Click to edit Master text styles</a:t>
             </a:r>
           </a:p>
           <a:p>
             <a:pPr lvl="1"/>
             <a:r>
-              <a:rPr lang="en-US" smtClean="0"/>
+              <a:rPr lang="en-US"/>
               <a:t>Second level</a:t>
             </a:r>
           </a:p>
           <a:p>
             <a:pPr lvl="2"/>
             <a:r>
-              <a:rPr lang="en-US" smtClean="0"/>
+              <a:rPr lang="en-US"/>
               <a:t>Third level</a:t>
             </a:r>
           </a:p>
           <a:p>
             <a:pPr lvl="3"/>
             <a:r>
-              <a:rPr lang="en-US" smtClean="0"/>
+              <a:rPr lang="en-US"/>
               <a:t>Fourth level</a:t>
             </a:r>
           </a:p>
           <a:p>
             <a:pPr lvl="4"/>
             <a:r>
-              <a:rPr lang="en-US" smtClean="0"/>
+              <a:rPr lang="en-US"/>
               <a:t>Fifth level</a:t>
             </a:r>
             <a:endParaRPr lang="en-US" dirty="0"/>
@@ -6737,7 +6576,7 @@
           <a:p>
             <a:pPr lvl="0"/>
             <a:r>
-              <a:rPr lang="en-US" smtClean="0"/>
+              <a:rPr lang="en-US"/>
               <a:t>Click to edit Master text styles</a:t>
             </a:r>
           </a:p>
@@ -6796,35 +6635,35 @@
           <a:p>
             <a:pPr lvl="0"/>
             <a:r>
-              <a:rPr lang="en-US" smtClean="0"/>
+              <a:rPr lang="en-US"/>
               <a:t>Click to edit Master text styles</a:t>
             </a:r>
           </a:p>
           <a:p>
             <a:pPr lvl="1"/>
             <a:r>
-              <a:rPr lang="en-US" smtClean="0"/>
+              <a:rPr lang="en-US"/>
               <a:t>Second level</a:t>
             </a:r>
           </a:p>
           <a:p>
             <a:pPr lvl="2"/>
             <a:r>
-              <a:rPr lang="en-US" smtClean="0"/>
+              <a:rPr lang="en-US"/>
               <a:t>Third level</a:t>
             </a:r>
           </a:p>
           <a:p>
             <a:pPr lvl="3"/>
             <a:r>
-              <a:rPr lang="en-US" smtClean="0"/>
+              <a:rPr lang="en-US"/>
               <a:t>Fourth level</a:t>
             </a:r>
           </a:p>
           <a:p>
             <a:pPr lvl="4"/>
             <a:r>
-              <a:rPr lang="en-US" smtClean="0"/>
+              <a:rPr lang="en-US"/>
               <a:t>Fifth level</a:t>
             </a:r>
             <a:endParaRPr lang="en-US" dirty="0"/>
@@ -6847,10 +6686,9 @@
           <a:lstStyle/>
           <a:p>
             <a:r>
-              <a:rPr lang="en-US" smtClean="0"/>
+              <a:rPr lang="en-US"/>
               <a:t>Click to edit Master title style</a:t>
             </a:r>
-            <a:endParaRPr lang="en-US"/>
           </a:p>
         </p:txBody>
       </p:sp>
@@ -6864,13 +6702,6 @@
   <p:clrMapOvr>
     <a:masterClrMapping/>
   </p:clrMapOvr>
-  <p:timing>
-    <p:tnLst>
-      <p:par>
-        <p:cTn id="1" dur="indefinite" restart="never" nodeType="tmRoot"/>
-      </p:par>
-    </p:tnLst>
-  </p:timing>
 </p:sldLayout>
 </file>
 
@@ -6907,10 +6738,9 @@
           <a:lstStyle/>
           <a:p>
             <a:r>
-              <a:rPr lang="en-US" smtClean="0"/>
+              <a:rPr lang="en-US"/>
               <a:t>Click to edit Master title style</a:t>
             </a:r>
-            <a:endParaRPr lang="en-US"/>
           </a:p>
         </p:txBody>
       </p:sp>
@@ -6924,13 +6754,6 @@
   <p:clrMapOvr>
     <a:masterClrMapping/>
   </p:clrMapOvr>
-  <p:timing>
-    <p:tnLst>
-      <p:par>
-        <p:cTn id="1" dur="indefinite" restart="never" nodeType="tmRoot"/>
-      </p:par>
-    </p:tnLst>
-  </p:timing>
 </p:sldLayout>
 </file>
 
@@ -6961,13 +6784,6 @@
   <p:clrMapOvr>
     <a:masterClrMapping/>
   </p:clrMapOvr>
-  <p:timing>
-    <p:tnLst>
-      <p:par>
-        <p:cTn id="1" dur="indefinite" restart="never" nodeType="tmRoot"/>
-      </p:par>
-    </p:tnLst>
-  </p:timing>
 </p:sldLayout>
 </file>
 
@@ -7144,21 +6960,6 @@
   <p:clrMapOvr>
     <a:masterClrMapping/>
   </p:clrMapOvr>
-  <mc:AlternateContent xmlns:mc="http://schemas.openxmlformats.org/markup-compatibility/2006" xmlns:p14="http://schemas.microsoft.com/office/powerpoint/2010/main">
-    <mc:Choice Requires="p14">
-      <p:transition spd="slow" p14:dur="2000"/>
-    </mc:Choice>
-    <mc:Fallback xmlns="">
-      <p:transition spd="slow"/>
-    </mc:Fallback>
-  </mc:AlternateContent>
-  <p:timing>
-    <p:tnLst>
-      <p:par>
-        <p:cTn id="1" dur="indefinite" restart="never" nodeType="tmRoot"/>
-      </p:par>
-    </p:tnLst>
-  </p:timing>
 </p:sldLayout>
 </file>
 
@@ -7210,7 +7011,7 @@
           <a:lstStyle/>
           <a:p>
             <a:r>
-              <a:rPr lang="en-US" smtClean="0"/>
+              <a:rPr lang="en-US"/>
               <a:t>Click to edit Master title style</a:t>
             </a:r>
             <a:endParaRPr lang="en-US" dirty="0"/>
@@ -7241,13 +7042,6 @@
     <p:sldLayoutId id="2147483676" r:id="rId13"/>
     <p:sldLayoutId id="2147483661" r:id="rId14"/>
   </p:sldLayoutIdLst>
-  <p:timing>
-    <p:tnLst>
-      <p:par>
-        <p:cTn id="1" dur="indefinite" restart="never" nodeType="tmRoot"/>
-      </p:par>
-    </p:tnLst>
-  </p:timing>
   <p:txStyles>
     <p:titleStyle>
       <a:lvl1pPr algn="l" defTabSz="914088" rtl="0" eaLnBrk="1" latinLnBrk="0" hangingPunct="1">
@@ -7558,7 +7352,7 @@
           <a:lstStyle/>
           <a:p>
             <a:r>
-              <a:rPr lang="en-US" smtClean="0"/>
+              <a:rPr lang="en-US"/>
               <a:t>Click to edit Master title style</a:t>
             </a:r>
             <a:endParaRPr lang="en-US" dirty="0"/>
@@ -7585,13 +7379,6 @@
     <p:sldLayoutId id="2147483687" r:id="rId9"/>
     <p:sldLayoutId id="2147483688" r:id="rId10"/>
   </p:sldLayoutIdLst>
-  <p:timing>
-    <p:tnLst>
-      <p:par>
-        <p:cTn id="1" dur="indefinite" restart="never" nodeType="tmRoot"/>
-      </p:par>
-    </p:tnLst>
-  </p:timing>
   <p:txStyles>
     <p:titleStyle>
       <a:lvl1pPr algn="l" defTabSz="914088" rtl="0" eaLnBrk="1" latinLnBrk="0" hangingPunct="1">
@@ -7891,28 +7678,28 @@
           <a:bodyPr/>
           <a:lstStyle/>
           <a:p>
-            <a:endParaRPr lang="en-US" dirty="0" smtClean="0"/>
-          </a:p>
-          <a:p>
             <a:endParaRPr lang="en-US" dirty="0"/>
           </a:p>
           <a:p>
-            <a:endParaRPr lang="en-US" dirty="0" smtClean="0"/>
+            <a:endParaRPr lang="en-US" dirty="0"/>
+          </a:p>
+          <a:p>
+            <a:endParaRPr lang="en-US" dirty="0"/>
           </a:p>
           <a:p>
             <a:pPr marL="0" indent="0" algn="ctr">
               <a:buNone/>
             </a:pPr>
             <a:r>
-              <a:rPr lang="en-US" sz="3600" b="1" dirty="0" smtClean="0"/>
+              <a:rPr lang="en-US" sz="3600" b="1" dirty="0"/>
               <a:t>End-To-End Rapid API Development Using </a:t>
             </a:r>
             <a:r>
-              <a:rPr lang="en-US" sz="3600" b="1" dirty="0" err="1" smtClean="0"/>
+              <a:rPr lang="en-US" sz="3600" b="1" dirty="0" err="1"/>
               <a:t>.Net</a:t>
             </a:r>
             <a:r>
-              <a:rPr lang="en-US" sz="3600" b="1" dirty="0" smtClean="0"/>
+              <a:rPr lang="en-US" sz="3600" b="1" dirty="0"/>
               <a:t> Core</a:t>
             </a:r>
           </a:p>
@@ -7921,7 +7708,7 @@
               <a:buNone/>
             </a:pPr>
             <a:r>
-              <a:rPr lang="en-US" sz="2000" dirty="0" smtClean="0"/>
+              <a:rPr lang="en-US" sz="2000" dirty="0"/>
               <a:t>							</a:t>
             </a:r>
           </a:p>
@@ -7931,11 +7718,7 @@
             </a:pPr>
             <a:r>
               <a:rPr lang="en-US" sz="2000" dirty="0"/>
-              <a:t>	</a:t>
-            </a:r>
-            <a:r>
-              <a:rPr lang="en-US" sz="2000" dirty="0" smtClean="0"/>
-              <a:t>						Vinod Gupta</a:t>
+              <a:t>							Vinod Gupta</a:t>
             </a:r>
           </a:p>
           <a:p>
@@ -7944,19 +7727,15 @@
             </a:pPr>
             <a:r>
               <a:rPr lang="en-US" sz="2000" dirty="0"/>
-              <a:t>	</a:t>
-            </a:r>
-            <a:r>
-              <a:rPr lang="en-US" sz="2000" dirty="0" smtClean="0"/>
-              <a:t>						Email: </a:t>
-            </a:r>
-            <a:r>
-              <a:rPr lang="en-US" sz="2000" dirty="0" smtClean="0">
+              <a:t>							Email: </a:t>
+            </a:r>
+            <a:r>
+              <a:rPr lang="en-US" sz="2000" dirty="0">
                 <a:hlinkClick r:id="rId2"/>
               </a:rPr>
               <a:t>vkg.mca@gmail.com</a:t>
             </a:r>
-            <a:endParaRPr lang="en-US" sz="2000" dirty="0" smtClean="0"/>
+            <a:endParaRPr lang="en-US" sz="2000" dirty="0"/>
           </a:p>
           <a:p>
             <a:pPr marL="0" indent="0">
@@ -7964,41 +7743,27 @@
             </a:pPr>
             <a:r>
               <a:rPr lang="en-US" sz="2000" dirty="0"/>
-              <a:t>	</a:t>
-            </a:r>
-            <a:r>
-              <a:rPr lang="en-US" sz="2000" dirty="0" smtClean="0"/>
-              <a:t>					</a:t>
-            </a:r>
-            <a:r>
-              <a:rPr lang="en-US" sz="2000" dirty="0"/>
-              <a:t>	LinkedIn: </a:t>
+              <a:t>							LinkedIn: </a:t>
             </a:r>
             <a:r>
               <a:rPr lang="en-US" sz="2000" dirty="0">
                 <a:hlinkClick r:id="rId3"/>
               </a:rPr>
-              <a:t>https://</a:t>
-            </a:r>
-            <a:r>
-              <a:rPr lang="en-US" sz="2000" dirty="0" smtClean="0">
-                <a:hlinkClick r:id="rId3"/>
-              </a:rPr>
-              <a:t>www.linkedin.com/in/vkgmca</a:t>
-            </a:r>
-            <a:endParaRPr lang="en-US" sz="2000" dirty="0" smtClean="0"/>
+              <a:t>https://www.linkedin.com/in/vkgmca</a:t>
+            </a:r>
+            <a:endParaRPr lang="en-US" sz="2000" dirty="0"/>
           </a:p>
           <a:p>
             <a:pPr marL="0" indent="0">
               <a:buNone/>
             </a:pPr>
-            <a:endParaRPr lang="en-US" sz="2000" dirty="0" smtClean="0"/>
+            <a:endParaRPr lang="en-US" sz="2000" dirty="0"/>
           </a:p>
           <a:p>
             <a:pPr marL="0" indent="0">
               <a:buNone/>
             </a:pPr>
-            <a:endParaRPr lang="en-US" sz="2000" dirty="0" smtClean="0"/>
+            <a:endParaRPr lang="en-US" sz="2000" dirty="0"/>
           </a:p>
           <a:p>
             <a:pPr marL="0" indent="0" algn="ctr">
@@ -8018,13 +7783,6 @@
   <p:clrMapOvr>
     <a:masterClrMapping/>
   </p:clrMapOvr>
-  <p:timing>
-    <p:tnLst>
-      <p:par>
-        <p:cTn id="1" dur="indefinite" restart="never" nodeType="tmRoot"/>
-      </p:par>
-    </p:tnLst>
-  </p:timing>
 </p:sld>
 </file>
 
@@ -8064,11 +7822,11 @@
           <a:p>
             <a:pPr lvl="0"/>
             <a:r>
-              <a:rPr lang="en-US" sz="3200" b="1" dirty="0" smtClean="0"/>
-              <a:t>02</a:t>
-            </a:r>
-            <a:r>
-              <a:rPr lang="en-US" sz="3200" b="1" dirty="0" smtClean="0">
+              <a:rPr lang="en-US" sz="3200" b="1" dirty="0"/>
+              <a:t>03</a:t>
+            </a:r>
+            <a:r>
+              <a:rPr lang="en-US" sz="3200" b="1" dirty="0">
                 <a:solidFill>
                   <a:srgbClr val="00B0F0"/>
                 </a:solidFill>
@@ -8076,14 +7834,9 @@
               <a:t>|</a:t>
             </a:r>
             <a:r>
-              <a:rPr lang="en-US" sz="3200" b="1" dirty="0" smtClean="0"/>
-              <a:t> </a:t>
-            </a:r>
-            <a:r>
               <a:rPr lang="en-US" sz="3200" b="1" dirty="0"/>
-              <a:t>API Client Creation</a:t>
-            </a:r>
-            <a:endParaRPr lang="en-US" sz="3200" b="1" dirty="0"/>
+              <a:t> API Client Creation</a:t>
+            </a:r>
           </a:p>
         </p:txBody>
       </p:sp>
@@ -8108,19 +7861,19 @@
           <a:lstStyle/>
           <a:p>
             <a:r>
-              <a:rPr lang="en-US" sz="2400" b="1" dirty="0" err="1" smtClean="0"/>
+              <a:rPr lang="en-US" sz="2400" b="1" dirty="0" err="1"/>
               <a:t>Meetup.Client</a:t>
             </a:r>
             <a:endParaRPr lang="en-US" sz="2400" b="1" dirty="0"/>
           </a:p>
           <a:p>
             <a:pPr lvl="1"/>
-            <a:endParaRPr lang="en-US" sz="1600" b="1" dirty="0" smtClean="0"/>
+            <a:endParaRPr lang="en-US" sz="1600" b="1" dirty="0"/>
           </a:p>
           <a:p>
             <a:pPr lvl="1"/>
             <a:r>
-              <a:rPr lang="en-US" sz="1800" b="1" dirty="0" smtClean="0"/>
+              <a:rPr lang="en-US" sz="1800" b="1" dirty="0"/>
               <a:t>Create </a:t>
             </a:r>
             <a:r>
@@ -8139,7 +7892,7 @@
           <a:p>
             <a:pPr lvl="1"/>
             <a:r>
-              <a:rPr lang="en-US" sz="1800" b="1" dirty="0" smtClean="0"/>
+              <a:rPr lang="en-US" sz="1800" b="1" dirty="0"/>
               <a:t>Open </a:t>
             </a:r>
             <a:r>
@@ -8160,17 +7913,13 @@
           </a:p>
           <a:p>
             <a:pPr lvl="1"/>
-            <a:endParaRPr lang="en-US" sz="1800" b="1" dirty="0" smtClean="0"/>
+            <a:endParaRPr lang="en-US" sz="1800" b="1" dirty="0"/>
           </a:p>
           <a:p>
             <a:pPr lvl="1"/>
             <a:r>
-              <a:rPr lang="en-US" sz="1800" b="1" dirty="0" smtClean="0"/>
-              <a:t>Generate </a:t>
-            </a:r>
-            <a:r>
               <a:rPr lang="en-US" sz="1800" b="1" dirty="0"/>
-              <a:t>client code</a:t>
+              <a:t>Generate client code</a:t>
             </a:r>
           </a:p>
           <a:p>
@@ -8226,13 +7975,6 @@
   <p:clrMapOvr>
     <a:masterClrMapping/>
   </p:clrMapOvr>
-  <p:timing>
-    <p:tnLst>
-      <p:par>
-        <p:cTn id="1" dur="indefinite" restart="never" nodeType="tmRoot"/>
-      </p:par>
-    </p:tnLst>
-  </p:timing>
 </p:sld>
 </file>
 
@@ -8272,11 +8014,11 @@
           <a:p>
             <a:pPr lvl="0"/>
             <a:r>
-              <a:rPr lang="en-US" sz="3200" b="1" dirty="0" smtClean="0"/>
-              <a:t>02</a:t>
-            </a:r>
-            <a:r>
-              <a:rPr lang="en-US" sz="3200" b="1" dirty="0" smtClean="0">
+              <a:rPr lang="en-US" sz="3200" b="1" dirty="0"/>
+              <a:t>04</a:t>
+            </a:r>
+            <a:r>
+              <a:rPr lang="en-US" sz="3200" b="1" dirty="0">
                 <a:solidFill>
                   <a:srgbClr val="00B0F0"/>
                 </a:solidFill>
@@ -8287,7 +8029,6 @@
               <a:rPr lang="en-US" sz="3200" b="1" dirty="0"/>
               <a:t> Test Cases Creation</a:t>
             </a:r>
-            <a:endParaRPr lang="en-US" sz="3200" b="1" dirty="0"/>
           </a:p>
         </p:txBody>
       </p:sp>
@@ -8312,19 +8053,19 @@
           <a:lstStyle/>
           <a:p>
             <a:r>
-              <a:rPr lang="en-US" sz="2400" b="1" dirty="0" err="1" smtClean="0"/>
+              <a:rPr lang="en-US" sz="2400" b="1" dirty="0" err="1"/>
               <a:t>Meetup.Test</a:t>
             </a:r>
             <a:endParaRPr lang="en-US" sz="2400" b="1" dirty="0"/>
           </a:p>
           <a:p>
             <a:pPr lvl="1"/>
-            <a:endParaRPr lang="en-US" sz="1800" b="1" dirty="0" smtClean="0"/>
+            <a:endParaRPr lang="en-US" sz="1800" b="1" dirty="0"/>
           </a:p>
           <a:p>
             <a:pPr lvl="1"/>
             <a:r>
-              <a:rPr lang="en-US" sz="1800" b="1" dirty="0" smtClean="0"/>
+              <a:rPr lang="en-US" sz="1800" b="1" dirty="0"/>
               <a:t>Create </a:t>
             </a:r>
             <a:r>
@@ -8338,27 +8079,23 @@
           </a:p>
           <a:p>
             <a:pPr lvl="1"/>
-            <a:endParaRPr lang="en-US" sz="1800" b="1" dirty="0" smtClean="0"/>
+            <a:endParaRPr lang="en-US" sz="1800" b="1" dirty="0"/>
           </a:p>
           <a:p>
             <a:pPr lvl="1"/>
             <a:r>
-              <a:rPr lang="en-US" sz="1800" b="1" dirty="0" smtClean="0"/>
-              <a:t>Add </a:t>
-            </a:r>
-            <a:r>
               <a:rPr lang="en-US" sz="1800" b="1" dirty="0"/>
-              <a:t>nugget packages</a:t>
+              <a:t>Add nugget packages</a:t>
             </a:r>
           </a:p>
           <a:p>
             <a:pPr lvl="2"/>
-            <a:endParaRPr lang="en-US" sz="1050" b="1" dirty="0" smtClean="0"/>
+            <a:endParaRPr lang="en-US" sz="1050" b="1" dirty="0"/>
           </a:p>
           <a:p>
             <a:pPr lvl="2"/>
             <a:r>
-              <a:rPr lang="en-US" sz="1600" b="1" dirty="0" err="1" smtClean="0"/>
+              <a:rPr lang="en-US" sz="1600" b="1" dirty="0" err="1"/>
               <a:t>Xunit</a:t>
             </a:r>
             <a:endParaRPr lang="en-US" sz="1600" b="1" dirty="0"/>
@@ -8373,21 +8110,13 @@
           </a:p>
           <a:p>
             <a:pPr lvl="1"/>
-            <a:endParaRPr lang="en-US" sz="1800" b="1" dirty="0" smtClean="0"/>
+            <a:endParaRPr lang="en-US" sz="1800" b="1" dirty="0"/>
           </a:p>
           <a:p>
             <a:pPr lvl="1"/>
             <a:r>
-              <a:rPr lang="en-US" sz="1800" b="1" dirty="0" smtClean="0"/>
-              <a:t>Basic/Advance </a:t>
-            </a:r>
-            <a:r>
               <a:rPr lang="en-US" sz="1800" b="1" dirty="0"/>
-              <a:t>test </a:t>
-            </a:r>
-            <a:r>
-              <a:rPr lang="en-US" sz="1800" b="1" dirty="0" smtClean="0"/>
-              <a:t>cases</a:t>
+              <a:t>Basic/Advance test cases</a:t>
             </a:r>
             <a:endParaRPr lang="en-US" sz="1050" b="1" dirty="0"/>
           </a:p>
@@ -8440,13 +8169,6 @@
   <p:clrMapOvr>
     <a:masterClrMapping/>
   </p:clrMapOvr>
-  <p:timing>
-    <p:tnLst>
-      <p:par>
-        <p:cTn id="1" dur="indefinite" restart="never" nodeType="tmRoot"/>
-      </p:par>
-    </p:tnLst>
-  </p:timing>
 </p:sld>
 </file>
 
@@ -8485,11 +8207,11 @@
           <a:lstStyle/>
           <a:p>
             <a:r>
-              <a:rPr lang="en-US" sz="3200" b="1" dirty="0" smtClean="0"/>
-              <a:t>02</a:t>
-            </a:r>
-            <a:r>
-              <a:rPr lang="en-US" sz="3200" b="1" dirty="0" smtClean="0">
+              <a:rPr lang="en-US" sz="3200" b="1" dirty="0"/>
+              <a:t>05</a:t>
+            </a:r>
+            <a:r>
+              <a:rPr lang="en-US" sz="3200" b="1" dirty="0">
                 <a:solidFill>
                   <a:srgbClr val="00B0F0"/>
                 </a:solidFill>
@@ -8497,12 +8219,8 @@
               <a:t>|</a:t>
             </a:r>
             <a:r>
-              <a:rPr lang="en-US" sz="3200" b="1" dirty="0" smtClean="0"/>
-              <a:t> </a:t>
-            </a:r>
-            <a:r>
               <a:rPr lang="en-US" sz="3200" b="1" dirty="0"/>
-              <a:t>HTTP REPL</a:t>
+              <a:t> HTTP REPL</a:t>
             </a:r>
             <a:br>
               <a:rPr lang="en-US" sz="3200" b="1" dirty="0"/>
@@ -8533,12 +8251,8 @@
           <a:p>
             <a:pPr lvl="1"/>
             <a:r>
-              <a:rPr lang="en-US" sz="1600" b="1" dirty="0" smtClean="0"/>
-              <a:t>Download</a:t>
-            </a:r>
-            <a:r>
               <a:rPr lang="en-US" sz="1600" b="1" dirty="0"/>
-              <a:t>: </a:t>
+              <a:t>Download: </a:t>
             </a:r>
             <a:r>
               <a:rPr lang="en-US" sz="1600" b="1" dirty="0">
@@ -8805,13 +8519,6 @@
   <p:clrMapOvr>
     <a:masterClrMapping/>
   </p:clrMapOvr>
-  <p:timing>
-    <p:tnLst>
-      <p:par>
-        <p:cTn id="1" dur="indefinite" restart="never" nodeType="tmRoot"/>
-      </p:par>
-    </p:tnLst>
-  </p:timing>
 </p:sld>
 </file>
 
@@ -8855,7 +8562,7 @@
             <a:pPr marL="457046" lvl="1" indent="0" algn="ctr">
               <a:buNone/>
             </a:pPr>
-            <a:endParaRPr lang="en-US" dirty="0" smtClean="0"/>
+            <a:endParaRPr lang="en-US" dirty="0"/>
           </a:p>
           <a:p>
             <a:pPr marL="457046" lvl="1" indent="0" algn="ctr">
@@ -8867,7 +8574,7 @@
             <a:pPr marL="457046" lvl="1" indent="0" algn="ctr">
               <a:buNone/>
             </a:pPr>
-            <a:endParaRPr lang="en-US" dirty="0" smtClean="0"/>
+            <a:endParaRPr lang="en-US" dirty="0"/>
           </a:p>
           <a:p>
             <a:pPr marL="457046" lvl="1" indent="0" algn="ctr">
@@ -8880,19 +8587,15 @@
               <a:buNone/>
             </a:pPr>
             <a:r>
-              <a:rPr lang="en-US" dirty="0" smtClean="0"/>
-              <a:t>Thank </a:t>
-            </a:r>
-            <a:r>
-              <a:rPr lang="en-US" dirty="0" smtClean="0"/>
-              <a:t>You !!!</a:t>
+              <a:rPr lang="en-US" dirty="0"/>
+              <a:t>Thank You !!!</a:t>
             </a:r>
           </a:p>
           <a:p>
             <a:pPr marL="457046" lvl="1" indent="0" algn="ctr">
               <a:buNone/>
             </a:pPr>
-            <a:endParaRPr lang="en-US" dirty="0" smtClean="0"/>
+            <a:endParaRPr lang="en-US" dirty="0"/>
           </a:p>
         </p:txBody>
       </p:sp>
@@ -8943,13 +8646,6 @@
   <p:clrMapOvr>
     <a:masterClrMapping/>
   </p:clrMapOvr>
-  <p:timing>
-    <p:tnLst>
-      <p:par>
-        <p:cTn id="1" dur="indefinite" restart="never" nodeType="tmRoot"/>
-      </p:par>
-    </p:tnLst>
-  </p:timing>
 </p:sld>
 </file>
 
@@ -8989,10 +8685,9 @@
           <a:p>
             <a:pPr lvl="0"/>
             <a:r>
-              <a:rPr lang="en-US" dirty="0" smtClean="0"/>
+              <a:rPr lang="en-US" dirty="0"/>
               <a:t>Topics</a:t>
             </a:r>
-            <a:endParaRPr lang="en-US" dirty="0"/>
           </a:p>
         </p:txBody>
       </p:sp>
@@ -9022,8 +8717,20 @@
                 <a:tableStyleId>{5C22544A-7EE6-4342-B048-85BDC9FD1C3A}</a:tableStyleId>
               </a:tblPr>
               <a:tblGrid>
-                <a:gridCol w="5762625"/>
-                <a:gridCol w="5762625"/>
+                <a:gridCol w="5762625">
+                  <a:extLst>
+                    <a:ext uri="{9D8B030D-6E8A-4147-A177-3AD203B41FA5}">
+                      <a16:colId xmlns:a16="http://schemas.microsoft.com/office/drawing/2014/main" val="20000"/>
+                    </a:ext>
+                  </a:extLst>
+                </a:gridCol>
+                <a:gridCol w="5762625">
+                  <a:extLst>
+                    <a:ext uri="{9D8B030D-6E8A-4147-A177-3AD203B41FA5}">
+                      <a16:colId xmlns:a16="http://schemas.microsoft.com/office/drawing/2014/main" val="20001"/>
+                    </a:ext>
+                  </a:extLst>
+                </a:gridCol>
               </a:tblGrid>
               <a:tr h="767632">
                 <a:tc gridSpan="2">
@@ -9032,14 +8739,14 @@
                     <a:lstStyle/>
                     <a:p>
                       <a:r>
-                        <a:rPr lang="en-US" sz="3600" dirty="0" smtClean="0">
+                        <a:rPr lang="en-US" sz="3600" dirty="0">
                           <a:latin typeface="+mn-lt"/>
                           <a:cs typeface="+mn-cs"/>
                         </a:rPr>
                         <a:t>At</a:t>
                       </a:r>
                       <a:r>
-                        <a:rPr lang="en-US" sz="3600" baseline="0" dirty="0" smtClean="0">
+                        <a:rPr lang="en-US" sz="3600" baseline="0" dirty="0">
                           <a:latin typeface="+mn-lt"/>
                           <a:cs typeface="+mn-cs"/>
                         </a:rPr>
@@ -9063,6 +8770,11 @@
                   </a:txBody>
                   <a:tcPr/>
                 </a:tc>
+                <a:extLst>
+                  <a:ext uri="{0D108BD9-81ED-4DB2-BD59-A6C34878D82A}">
+                    <a16:rowId xmlns:a16="http://schemas.microsoft.com/office/drawing/2014/main" val="10000"/>
+                  </a:ext>
+                </a:extLst>
               </a:tr>
               <a:tr h="767632">
                 <a:tc>
@@ -9088,19 +8800,19 @@
                         <a:defRPr/>
                       </a:pPr>
                       <a:r>
-                        <a:rPr lang="en-US" sz="2400" dirty="0" smtClean="0"/>
+                        <a:rPr lang="en-US" sz="2400" dirty="0"/>
                         <a:t>01</a:t>
                       </a:r>
                       <a:r>
-                        <a:rPr lang="en-US" sz="2400" baseline="0" dirty="0" smtClean="0"/>
+                        <a:rPr lang="en-US" sz="2400" baseline="0" dirty="0"/>
                         <a:t> </a:t>
                       </a:r>
                       <a:r>
-                        <a:rPr lang="en-US" sz="2400" dirty="0" smtClean="0"/>
+                        <a:rPr lang="en-US" sz="2400" dirty="0"/>
                         <a:t>| </a:t>
                       </a:r>
                       <a:r>
-                        <a:rPr lang="en-US" sz="2400" kern="1200" baseline="0" dirty="0" err="1" smtClean="0">
+                        <a:rPr lang="en-US" sz="2400" kern="1200" baseline="0" dirty="0" err="1">
                           <a:solidFill>
                             <a:schemeClr val="dk1"/>
                           </a:solidFill>
@@ -9111,7 +8823,7 @@
                         <a:t>Asp.Net</a:t>
                       </a:r>
                       <a:r>
-                        <a:rPr lang="en-US" sz="2400" kern="1200" baseline="0" dirty="0" smtClean="0">
+                        <a:rPr lang="en-US" sz="2400" kern="1200" baseline="0" dirty="0">
                           <a:solidFill>
                             <a:schemeClr val="dk1"/>
                           </a:solidFill>
@@ -9119,27 +8831,8 @@
                           <a:ea typeface="+mn-ea"/>
                           <a:cs typeface="+mn-cs"/>
                         </a:rPr>
-                        <a:t> Core </a:t>
+                        <a:t> Core 2.2</a:t>
                       </a:r>
-                      <a:r>
-                        <a:rPr lang="en-US" sz="2400" kern="1200" baseline="0" dirty="0" smtClean="0">
-                          <a:solidFill>
-                            <a:schemeClr val="dk1"/>
-                          </a:solidFill>
-                          <a:latin typeface="+mn-lt"/>
-                          <a:ea typeface="+mn-ea"/>
-                          <a:cs typeface="+mn-cs"/>
-                        </a:rPr>
-                        <a:t>2.2</a:t>
-                      </a:r>
-                      <a:endParaRPr lang="en-US" sz="2400" kern="1200" baseline="0" dirty="0" smtClean="0">
-                        <a:solidFill>
-                          <a:schemeClr val="dk1"/>
-                        </a:solidFill>
-                        <a:latin typeface="+mn-lt"/>
-                        <a:ea typeface="+mn-ea"/>
-                        <a:cs typeface="+mn-cs"/>
-                      </a:endParaRPr>
                     </a:p>
                   </a:txBody>
                   <a:tcPr anchor="ctr"/>
@@ -9150,11 +8843,11 @@
                     <a:lstStyle/>
                     <a:p>
                       <a:r>
-                        <a:rPr lang="en-US" sz="2400" dirty="0" smtClean="0"/>
+                        <a:rPr lang="en-US" sz="2400" dirty="0"/>
                         <a:t>05 | </a:t>
                       </a:r>
                       <a:r>
-                        <a:rPr lang="en-US" sz="2400" kern="1200" baseline="0" dirty="0" smtClean="0">
+                        <a:rPr lang="en-US" sz="2400" kern="1200" baseline="0" dirty="0">
                           <a:solidFill>
                             <a:schemeClr val="dk1"/>
                           </a:solidFill>
@@ -9162,31 +8855,17 @@
                           <a:ea typeface="+mn-ea"/>
                           <a:cs typeface="+mn-cs"/>
                         </a:rPr>
-                        <a:t>Entity Core Version </a:t>
+                        <a:t>Entity Core Version 2.2</a:t>
                       </a:r>
-                      <a:r>
-                        <a:rPr lang="en-US" sz="2400" kern="1200" baseline="0" dirty="0" smtClean="0">
-                          <a:solidFill>
-                            <a:schemeClr val="dk1"/>
-                          </a:solidFill>
-                          <a:latin typeface="+mn-lt"/>
-                          <a:ea typeface="+mn-ea"/>
-                          <a:cs typeface="+mn-cs"/>
-                        </a:rPr>
-                        <a:t>2.2</a:t>
-                      </a:r>
-                      <a:endParaRPr lang="en-US" sz="2400" kern="1200" baseline="0" dirty="0">
-                        <a:solidFill>
-                          <a:schemeClr val="dk1"/>
-                        </a:solidFill>
-                        <a:latin typeface="+mn-lt"/>
-                        <a:ea typeface="+mn-ea"/>
-                        <a:cs typeface="+mn-cs"/>
-                      </a:endParaRPr>
                     </a:p>
                   </a:txBody>
                   <a:tcPr anchor="ctr"/>
                 </a:tc>
+                <a:extLst>
+                  <a:ext uri="{0D108BD9-81ED-4DB2-BD59-A6C34878D82A}">
+                    <a16:rowId xmlns:a16="http://schemas.microsoft.com/office/drawing/2014/main" val="10001"/>
+                  </a:ext>
+                </a:extLst>
               </a:tr>
               <a:tr h="767632">
                 <a:tc>
@@ -9195,11 +8874,11 @@
                     <a:lstStyle/>
                     <a:p>
                       <a:r>
-                        <a:rPr lang="en-US" sz="2400" dirty="0" smtClean="0"/>
+                        <a:rPr lang="en-US" sz="2400" dirty="0"/>
                         <a:t>02 | </a:t>
                       </a:r>
                       <a:r>
-                        <a:rPr lang="en-US" sz="2400" kern="1200" baseline="0" dirty="0" smtClean="0">
+                        <a:rPr lang="en-US" sz="2400" kern="1200" baseline="0" dirty="0">
                           <a:solidFill>
                             <a:schemeClr val="dk1"/>
                           </a:solidFill>
@@ -9207,27 +8886,8 @@
                           <a:ea typeface="+mn-ea"/>
                           <a:cs typeface="+mn-cs"/>
                         </a:rPr>
-                        <a:t>VS 2107, Version 15.9 Preview </a:t>
+                        <a:t>VS 2107, Version 15.9 Preview 4</a:t>
                       </a:r>
-                      <a:r>
-                        <a:rPr lang="en-US" sz="2400" kern="1200" baseline="0" dirty="0" smtClean="0">
-                          <a:solidFill>
-                            <a:schemeClr val="dk1"/>
-                          </a:solidFill>
-                          <a:latin typeface="+mn-lt"/>
-                          <a:ea typeface="+mn-ea"/>
-                          <a:cs typeface="+mn-cs"/>
-                        </a:rPr>
-                        <a:t>4</a:t>
-                      </a:r>
-                      <a:endParaRPr lang="en-US" sz="2400" kern="1200" baseline="0" dirty="0">
-                        <a:solidFill>
-                          <a:schemeClr val="dk1"/>
-                        </a:solidFill>
-                        <a:latin typeface="+mn-lt"/>
-                        <a:ea typeface="+mn-ea"/>
-                        <a:cs typeface="+mn-cs"/>
-                      </a:endParaRPr>
                     </a:p>
                   </a:txBody>
                   <a:tcPr anchor="ctr"/>
@@ -9238,11 +8898,11 @@
                     <a:lstStyle/>
                     <a:p>
                       <a:r>
-                        <a:rPr lang="en-US" sz="2400" dirty="0" smtClean="0"/>
+                        <a:rPr lang="en-US" sz="2400" dirty="0"/>
                         <a:t>06 | </a:t>
                       </a:r>
                       <a:r>
-                        <a:rPr lang="en-US" sz="2400" kern="1200" dirty="0" err="1" smtClean="0">
+                        <a:rPr lang="en-US" sz="2400" kern="1200" dirty="0" err="1">
                           <a:solidFill>
                             <a:schemeClr val="dk1"/>
                           </a:solidFill>
@@ -9253,7 +8913,7 @@
                         <a:t>XUnit</a:t>
                       </a:r>
                       <a:r>
-                        <a:rPr lang="en-US" sz="2400" kern="1200" dirty="0" smtClean="0">
+                        <a:rPr lang="en-US" sz="2400" kern="1200" dirty="0">
                           <a:solidFill>
                             <a:schemeClr val="dk1"/>
                           </a:solidFill>
@@ -9261,31 +8921,17 @@
                           <a:ea typeface="+mn-ea"/>
                           <a:cs typeface="+mn-cs"/>
                         </a:rPr>
-                        <a:t> </a:t>
+                        <a:t> 2.4</a:t>
                       </a:r>
-                      <a:r>
-                        <a:rPr lang="en-US" sz="2400" kern="1200" dirty="0" smtClean="0">
-                          <a:solidFill>
-                            <a:schemeClr val="dk1"/>
-                          </a:solidFill>
-                          <a:latin typeface="+mn-lt"/>
-                          <a:ea typeface="+mn-ea"/>
-                          <a:cs typeface="+mn-cs"/>
-                        </a:rPr>
-                        <a:t>2.4</a:t>
-                      </a:r>
-                      <a:endParaRPr lang="en-US" sz="2400" kern="1200" dirty="0">
-                        <a:solidFill>
-                          <a:schemeClr val="dk1"/>
-                        </a:solidFill>
-                        <a:latin typeface="+mn-lt"/>
-                        <a:ea typeface="+mn-ea"/>
-                        <a:cs typeface="+mn-cs"/>
-                      </a:endParaRPr>
                     </a:p>
                   </a:txBody>
                   <a:tcPr anchor="ctr"/>
                 </a:tc>
+                <a:extLst>
+                  <a:ext uri="{0D108BD9-81ED-4DB2-BD59-A6C34878D82A}">
+                    <a16:rowId xmlns:a16="http://schemas.microsoft.com/office/drawing/2014/main" val="10002"/>
+                  </a:ext>
+                </a:extLst>
               </a:tr>
               <a:tr h="767632">
                 <a:tc>
@@ -9311,15 +8957,15 @@
                         <a:defRPr/>
                       </a:pPr>
                       <a:r>
-                        <a:rPr lang="en-US" sz="2400" dirty="0" smtClean="0"/>
+                        <a:rPr lang="en-US" sz="2400" dirty="0"/>
                         <a:t>03</a:t>
                       </a:r>
                       <a:r>
-                        <a:rPr lang="en-US" sz="2400" baseline="0" dirty="0" smtClean="0"/>
+                        <a:rPr lang="en-US" sz="2400" baseline="0" dirty="0"/>
                         <a:t> | </a:t>
                       </a:r>
                       <a:r>
-                        <a:rPr lang="en-US" sz="2400" kern="1200" baseline="0" dirty="0" smtClean="0">
+                        <a:rPr lang="en-US" sz="2400" kern="1200" baseline="0" dirty="0">
                           <a:solidFill>
                             <a:schemeClr val="dk1"/>
                           </a:solidFill>
@@ -9327,27 +8973,8 @@
                           <a:ea typeface="+mn-ea"/>
                           <a:cs typeface="+mn-cs"/>
                         </a:rPr>
-                        <a:t>Swagger API </a:t>
+                        <a:t>Swagger API Documentation</a:t>
                       </a:r>
-                      <a:r>
-                        <a:rPr lang="en-US" sz="2400" kern="1200" baseline="0" dirty="0" smtClean="0">
-                          <a:solidFill>
-                            <a:schemeClr val="dk1"/>
-                          </a:solidFill>
-                          <a:latin typeface="+mn-lt"/>
-                          <a:ea typeface="+mn-ea"/>
-                          <a:cs typeface="+mn-cs"/>
-                        </a:rPr>
-                        <a:t>Documentation</a:t>
-                      </a:r>
-                      <a:endParaRPr lang="en-US" sz="2400" kern="1200" baseline="0" dirty="0" smtClean="0">
-                        <a:solidFill>
-                          <a:schemeClr val="dk1"/>
-                        </a:solidFill>
-                        <a:latin typeface="+mn-lt"/>
-                        <a:ea typeface="+mn-ea"/>
-                        <a:cs typeface="+mn-cs"/>
-                      </a:endParaRPr>
                     </a:p>
                   </a:txBody>
                   <a:tcPr anchor="ctr"/>
@@ -9358,11 +8985,11 @@
                     <a:lstStyle/>
                     <a:p>
                       <a:r>
-                        <a:rPr lang="en-US" sz="2400" dirty="0" smtClean="0"/>
+                        <a:rPr lang="en-US" sz="2400" dirty="0"/>
                         <a:t>07 | </a:t>
                       </a:r>
                       <a:r>
-                        <a:rPr lang="en-US" sz="2400" kern="1200" baseline="0" dirty="0" smtClean="0">
+                        <a:rPr lang="en-US" sz="2400" kern="1200" baseline="0" dirty="0">
                           <a:solidFill>
                             <a:schemeClr val="dk1"/>
                           </a:solidFill>
@@ -9373,7 +9000,7 @@
                         <a:t>API Client </a:t>
                       </a:r>
                       <a:r>
-                        <a:rPr lang="en-US" sz="2400" kern="1200" baseline="0" dirty="0" err="1" smtClean="0">
+                        <a:rPr lang="en-US" sz="2400" kern="1200" baseline="0" dirty="0" err="1">
                           <a:solidFill>
                             <a:schemeClr val="dk1"/>
                           </a:solidFill>
@@ -9395,6 +9022,11 @@
                   </a:txBody>
                   <a:tcPr anchor="ctr"/>
                 </a:tc>
+                <a:extLst>
+                  <a:ext uri="{0D108BD9-81ED-4DB2-BD59-A6C34878D82A}">
+                    <a16:rowId xmlns:a16="http://schemas.microsoft.com/office/drawing/2014/main" val="10003"/>
+                  </a:ext>
+                </a:extLst>
               </a:tr>
               <a:tr h="767632">
                 <a:tc>
@@ -9403,11 +9035,11 @@
                     <a:lstStyle/>
                     <a:p>
                       <a:r>
-                        <a:rPr lang="en-US" sz="2400" dirty="0" smtClean="0"/>
+                        <a:rPr lang="en-US" sz="2400" dirty="0"/>
                         <a:t>04 | </a:t>
                       </a:r>
                       <a:r>
-                        <a:rPr lang="en-US" sz="2400" kern="1200" baseline="0" dirty="0" smtClean="0">
+                        <a:rPr lang="en-US" sz="2400" kern="1200" baseline="0" dirty="0">
                           <a:solidFill>
                             <a:schemeClr val="dk1"/>
                           </a:solidFill>
@@ -9415,27 +9047,8 @@
                           <a:ea typeface="+mn-ea"/>
                           <a:cs typeface="+mn-cs"/>
                         </a:rPr>
-                        <a:t>Microsoft API </a:t>
+                        <a:t>Microsoft API Analyzer</a:t>
                       </a:r>
-                      <a:r>
-                        <a:rPr lang="en-US" sz="2400" kern="1200" baseline="0" dirty="0" smtClean="0">
-                          <a:solidFill>
-                            <a:schemeClr val="dk1"/>
-                          </a:solidFill>
-                          <a:latin typeface="+mn-lt"/>
-                          <a:ea typeface="+mn-ea"/>
-                          <a:cs typeface="+mn-cs"/>
-                        </a:rPr>
-                        <a:t>Analyzer</a:t>
-                      </a:r>
-                      <a:endParaRPr lang="en-US" sz="2400" kern="1200" baseline="0" dirty="0">
-                        <a:solidFill>
-                          <a:schemeClr val="dk1"/>
-                        </a:solidFill>
-                        <a:latin typeface="+mn-lt"/>
-                        <a:ea typeface="+mn-ea"/>
-                        <a:cs typeface="+mn-cs"/>
-                      </a:endParaRPr>
                     </a:p>
                   </a:txBody>
                   <a:tcPr anchor="ctr"/>
@@ -9446,7 +9059,7 @@
                     <a:lstStyle/>
                     <a:p>
                       <a:r>
-                        <a:rPr lang="en-US" sz="2400" dirty="0" smtClean="0"/>
+                        <a:rPr lang="en-US" sz="2400" dirty="0"/>
                         <a:t>08 | HTTP REPL</a:t>
                       </a:r>
                       <a:endParaRPr lang="en-US" sz="2400" dirty="0">
@@ -9457,6 +9070,11 @@
                   </a:txBody>
                   <a:tcPr anchor="ctr"/>
                 </a:tc>
+                <a:extLst>
+                  <a:ext uri="{0D108BD9-81ED-4DB2-BD59-A6C34878D82A}">
+                    <a16:rowId xmlns:a16="http://schemas.microsoft.com/office/drawing/2014/main" val="10004"/>
+                  </a:ext>
+                </a:extLst>
               </a:tr>
             </a:tbl>
           </a:graphicData>
@@ -9509,21 +9127,6 @@
   <p:clrMapOvr>
     <a:masterClrMapping/>
   </p:clrMapOvr>
-  <mc:AlternateContent xmlns:mc="http://schemas.openxmlformats.org/markup-compatibility/2006" xmlns:p14="http://schemas.microsoft.com/office/powerpoint/2010/main">
-    <mc:Choice Requires="p14">
-      <p:transition spd="slow" p14:dur="2000"/>
-    </mc:Choice>
-    <mc:Fallback xmlns="">
-      <p:transition spd="slow"/>
-    </mc:Fallback>
-  </mc:AlternateContent>
-  <p:timing>
-    <p:tnLst>
-      <p:par>
-        <p:cTn id="1" dur="indefinite" restart="never" nodeType="tmRoot"/>
-      </p:par>
-    </p:tnLst>
-  </p:timing>
 </p:sld>
 </file>
 
@@ -9563,10 +9166,9 @@
           <a:p>
             <a:pPr lvl="0"/>
             <a:r>
-              <a:rPr lang="en-US" dirty="0" smtClean="0"/>
+              <a:rPr lang="en-US" dirty="0"/>
               <a:t>Topics</a:t>
             </a:r>
-            <a:endParaRPr lang="en-US" dirty="0"/>
           </a:p>
         </p:txBody>
       </p:sp>
@@ -9596,8 +9198,20 @@
                 <a:tableStyleId>{5C22544A-7EE6-4342-B048-85BDC9FD1C3A}</a:tableStyleId>
               </a:tblPr>
               <a:tblGrid>
-                <a:gridCol w="5762625"/>
-                <a:gridCol w="5762625"/>
+                <a:gridCol w="5762625">
+                  <a:extLst>
+                    <a:ext uri="{9D8B030D-6E8A-4147-A177-3AD203B41FA5}">
+                      <a16:colId xmlns:a16="http://schemas.microsoft.com/office/drawing/2014/main" val="20000"/>
+                    </a:ext>
+                  </a:extLst>
+                </a:gridCol>
+                <a:gridCol w="5762625">
+                  <a:extLst>
+                    <a:ext uri="{9D8B030D-6E8A-4147-A177-3AD203B41FA5}">
+                      <a16:colId xmlns:a16="http://schemas.microsoft.com/office/drawing/2014/main" val="20001"/>
+                    </a:ext>
+                  </a:extLst>
+                </a:gridCol>
               </a:tblGrid>
               <a:tr h="767632">
                 <a:tc gridSpan="2">
@@ -9606,7 +9220,7 @@
                     <a:lstStyle/>
                     <a:p>
                       <a:r>
-                        <a:rPr lang="en-US" sz="3600" dirty="0" smtClean="0"/>
+                        <a:rPr lang="en-US" sz="3600" dirty="0"/>
                         <a:t>Demo Topics</a:t>
                       </a:r>
                       <a:endParaRPr lang="en-US" sz="3600" dirty="0">
@@ -9627,6 +9241,11 @@
                   </a:txBody>
                   <a:tcPr/>
                 </a:tc>
+                <a:extLst>
+                  <a:ext uri="{0D108BD9-81ED-4DB2-BD59-A6C34878D82A}">
+                    <a16:rowId xmlns:a16="http://schemas.microsoft.com/office/drawing/2014/main" val="10000"/>
+                  </a:ext>
+                </a:extLst>
               </a:tr>
               <a:tr h="767632">
                 <a:tc>
@@ -9652,18 +9271,18 @@
                         <a:defRPr/>
                       </a:pPr>
                       <a:r>
-                        <a:rPr lang="en-US" sz="2400" dirty="0" smtClean="0"/>
+                        <a:rPr lang="en-US" sz="2400" dirty="0"/>
                         <a:t>01</a:t>
                       </a:r>
                       <a:r>
-                        <a:rPr lang="en-US" sz="2400" baseline="0" dirty="0" smtClean="0"/>
+                        <a:rPr lang="en-US" sz="2400" baseline="0" dirty="0"/>
                         <a:t> </a:t>
                       </a:r>
                       <a:r>
-                        <a:rPr lang="en-US" sz="2400" dirty="0" smtClean="0"/>
+                        <a:rPr lang="en-US" sz="2400" dirty="0"/>
                         <a:t>| Database Creation</a:t>
                       </a:r>
-                      <a:endParaRPr lang="en-US" sz="2400" kern="1200" baseline="0" dirty="0" smtClean="0">
+                      <a:endParaRPr lang="en-US" sz="2400" kern="1200" baseline="0" dirty="0">
                         <a:solidFill>
                           <a:schemeClr val="dk1"/>
                         </a:solidFill>
@@ -9681,11 +9300,11 @@
                     <a:lstStyle/>
                     <a:p>
                       <a:r>
-                        <a:rPr lang="en-US" sz="2400" dirty="0" smtClean="0"/>
+                        <a:rPr lang="en-US" sz="2400" dirty="0"/>
                         <a:t>05 | Swagger API Document</a:t>
                       </a:r>
                       <a:r>
-                        <a:rPr lang="en-US" sz="2400" baseline="0" dirty="0" smtClean="0"/>
+                        <a:rPr lang="en-US" sz="2400" baseline="0" dirty="0"/>
                         <a:t> Generation</a:t>
                       </a:r>
                       <a:endParaRPr lang="en-US" sz="2400" kern="1200" baseline="0" dirty="0">
@@ -9700,6 +9319,11 @@
                   </a:txBody>
                   <a:tcPr anchor="ctr"/>
                 </a:tc>
+                <a:extLst>
+                  <a:ext uri="{0D108BD9-81ED-4DB2-BD59-A6C34878D82A}">
+                    <a16:rowId xmlns:a16="http://schemas.microsoft.com/office/drawing/2014/main" val="10001"/>
+                  </a:ext>
+                </a:extLst>
               </a:tr>
               <a:tr h="767632">
                 <a:tc>
@@ -9708,7 +9332,7 @@
                     <a:lstStyle/>
                     <a:p>
                       <a:r>
-                        <a:rPr lang="en-US" sz="2400" dirty="0" smtClean="0"/>
+                        <a:rPr lang="en-US" sz="2400" dirty="0"/>
                         <a:t>02 | Entity Model Creation</a:t>
                       </a:r>
                       <a:endParaRPr lang="en-US" sz="2400" kern="1200" baseline="0" dirty="0">
@@ -9729,15 +9353,15 @@
                     <a:lstStyle/>
                     <a:p>
                       <a:r>
-                        <a:rPr lang="en-US" sz="2400" dirty="0" smtClean="0"/>
+                        <a:rPr lang="en-US" sz="2400" dirty="0"/>
                         <a:t>06 | </a:t>
                       </a:r>
                       <a:r>
-                        <a:rPr lang="en-US" sz="2400" dirty="0" err="1" smtClean="0"/>
+                        <a:rPr lang="en-US" sz="2400" dirty="0" err="1"/>
                         <a:t>NSwag</a:t>
                       </a:r>
                       <a:r>
-                        <a:rPr lang="en-US" sz="2400" dirty="0" smtClean="0"/>
+                        <a:rPr lang="en-US" sz="2400" dirty="0"/>
                         <a:t> Client Generation</a:t>
                       </a:r>
                       <a:endParaRPr lang="en-US" sz="2400" kern="1200" dirty="0">
@@ -9752,6 +9376,11 @@
                   </a:txBody>
                   <a:tcPr anchor="ctr"/>
                 </a:tc>
+                <a:extLst>
+                  <a:ext uri="{0D108BD9-81ED-4DB2-BD59-A6C34878D82A}">
+                    <a16:rowId xmlns:a16="http://schemas.microsoft.com/office/drawing/2014/main" val="10002"/>
+                  </a:ext>
+                </a:extLst>
               </a:tr>
               <a:tr h="767632">
                 <a:tc>
@@ -9777,75 +9406,12 @@
                         <a:defRPr/>
                       </a:pPr>
                       <a:r>
-                        <a:rPr lang="en-US" sz="2400" dirty="0" smtClean="0"/>
+                        <a:rPr lang="en-US" sz="2400" dirty="0"/>
                         <a:t>03</a:t>
                       </a:r>
                       <a:r>
-                        <a:rPr lang="en-US" sz="2400" baseline="0" dirty="0" smtClean="0"/>
+                        <a:rPr lang="en-US" sz="2400" baseline="0" dirty="0"/>
                         <a:t> | Web API Development</a:t>
-                      </a:r>
-                      <a:endParaRPr lang="en-US" sz="2400" kern="1200" baseline="0" dirty="0" smtClean="0">
-                        <a:solidFill>
-                          <a:schemeClr val="dk1"/>
-                        </a:solidFill>
-                        <a:latin typeface="+mn-lt"/>
-                        <a:ea typeface="+mn-ea"/>
-                        <a:cs typeface="+mn-cs"/>
-                      </a:endParaRPr>
-                    </a:p>
-                  </a:txBody>
-                  <a:tcPr anchor="ctr"/>
-                </a:tc>
-                <a:tc>
-                  <a:txBody>
-                    <a:bodyPr/>
-                    <a:lstStyle/>
-                    <a:p>
-                      <a:r>
-                        <a:rPr lang="en-US" sz="2400" dirty="0" smtClean="0"/>
-                        <a:t>07 | </a:t>
-                      </a:r>
-                      <a:r>
-                        <a:rPr lang="en-US" sz="2400" dirty="0" err="1" smtClean="0"/>
-                        <a:t>Xunit</a:t>
-                      </a:r>
-                      <a:r>
-                        <a:rPr lang="en-US" sz="2400" dirty="0" smtClean="0"/>
-                        <a:t> Testing</a:t>
-                      </a:r>
-                      <a:endParaRPr lang="en-US" sz="2400" kern="1200" baseline="0" dirty="0">
-                        <a:solidFill>
-                          <a:schemeClr val="dk1"/>
-                        </a:solidFill>
-                        <a:latin typeface="+mn-lt"/>
-                        <a:ea typeface="+mn-ea"/>
-                        <a:cs typeface="+mn-cs"/>
-                      </a:endParaRPr>
-                    </a:p>
-                  </a:txBody>
-                  <a:tcPr anchor="ctr"/>
-                </a:tc>
-              </a:tr>
-              <a:tr h="767632">
-                <a:tc>
-                  <a:txBody>
-                    <a:bodyPr/>
-                    <a:lstStyle/>
-                    <a:p>
-                      <a:r>
-                        <a:rPr lang="en-US" sz="2400" dirty="0" smtClean="0"/>
-                        <a:t>04 | </a:t>
-                      </a:r>
-                      <a:r>
-                        <a:rPr lang="en-US" sz="2400" kern="1200" baseline="0" dirty="0" smtClean="0">
-                          <a:solidFill>
-                            <a:schemeClr val="dk1"/>
-                          </a:solidFill>
-                          <a:latin typeface="+mn-lt"/>
-                          <a:ea typeface="+mn-ea"/>
-                          <a:cs typeface="+mn-cs"/>
-                        </a:rPr>
-                        <a:t>Managing HTTP stuffs</a:t>
                       </a:r>
                       <a:endParaRPr lang="en-US" sz="2400" kern="1200" baseline="0" dirty="0">
                         <a:solidFill>
@@ -9865,15 +9431,71 @@
                     <a:lstStyle/>
                     <a:p>
                       <a:r>
-                        <a:rPr lang="en-US" sz="2400" dirty="0" smtClean="0"/>
-                        <a:t>08 | </a:t>
+                        <a:rPr lang="en-US" sz="2400" dirty="0"/>
+                        <a:t>07 | </a:t>
                       </a:r>
                       <a:r>
-                        <a:rPr lang="en-US" sz="2400" dirty="0" smtClean="0"/>
-                        <a:t>HTTP</a:t>
+                        <a:rPr lang="en-US" sz="2400" dirty="0" err="1"/>
+                        <a:t>Xunit</a:t>
                       </a:r>
                       <a:r>
-                        <a:rPr lang="en-US" sz="2400" baseline="0" dirty="0" smtClean="0"/>
+                        <a:rPr lang="en-US" sz="2400" dirty="0"/>
+                        <a:t> Testing</a:t>
+                      </a:r>
+                      <a:endParaRPr lang="en-US" sz="2400" kern="1200" baseline="0" dirty="0">
+                        <a:solidFill>
+                          <a:schemeClr val="dk1"/>
+                        </a:solidFill>
+                        <a:latin typeface="+mn-lt"/>
+                        <a:ea typeface="+mn-ea"/>
+                        <a:cs typeface="+mn-cs"/>
+                      </a:endParaRPr>
+                    </a:p>
+                  </a:txBody>
+                  <a:tcPr anchor="ctr"/>
+                </a:tc>
+                <a:extLst>
+                  <a:ext uri="{0D108BD9-81ED-4DB2-BD59-A6C34878D82A}">
+                    <a16:rowId xmlns:a16="http://schemas.microsoft.com/office/drawing/2014/main" val="10003"/>
+                  </a:ext>
+                </a:extLst>
+              </a:tr>
+              <a:tr h="767632">
+                <a:tc>
+                  <a:txBody>
+                    <a:bodyPr/>
+                    <a:lstStyle/>
+                    <a:p>
+                      <a:r>
+                        <a:rPr lang="en-US" sz="2400" dirty="0"/>
+                        <a:t>04 | </a:t>
+                      </a:r>
+                      <a:r>
+                        <a:rPr lang="en-US" sz="2400" kern="1200" baseline="0" dirty="0">
+                          <a:solidFill>
+                            <a:schemeClr val="dk1"/>
+                          </a:solidFill>
+                          <a:latin typeface="+mn-lt"/>
+                          <a:ea typeface="+mn-ea"/>
+                          <a:cs typeface="+mn-cs"/>
+                        </a:rPr>
+                        <a:t>Managing HTTP stuffs</a:t>
+                      </a:r>
+                    </a:p>
+                  </a:txBody>
+                  <a:tcPr anchor="ctr"/>
+                </a:tc>
+                <a:tc>
+                  <a:txBody>
+                    <a:bodyPr/>
+                    <a:lstStyle/>
+                    <a:p>
+                      <a:r>
+                        <a:rPr lang="en-US" sz="2400" dirty="0"/>
+                        <a:t>08 | HTTP</a:t>
+                      </a:r>
+                      <a:r>
+                        <a:rPr lang="en-US" sz="2400" baseline="0" dirty="0"/>
                         <a:t> REPL</a:t>
                       </a:r>
                       <a:endParaRPr lang="en-US" sz="2400" dirty="0">
@@ -9884,6 +9506,11 @@
                   </a:txBody>
                   <a:tcPr anchor="ctr"/>
                 </a:tc>
+                <a:extLst>
+                  <a:ext uri="{0D108BD9-81ED-4DB2-BD59-A6C34878D82A}">
+                    <a16:rowId xmlns:a16="http://schemas.microsoft.com/office/drawing/2014/main" val="10004"/>
+                  </a:ext>
+                </a:extLst>
               </a:tr>
             </a:tbl>
           </a:graphicData>
@@ -9936,21 +9563,6 @@
   <p:clrMapOvr>
     <a:masterClrMapping/>
   </p:clrMapOvr>
-  <mc:AlternateContent xmlns:mc="http://schemas.openxmlformats.org/markup-compatibility/2006" xmlns:p14="http://schemas.microsoft.com/office/powerpoint/2010/main">
-    <mc:Choice Requires="p14">
-      <p:transition spd="slow" p14:dur="2000"/>
-    </mc:Choice>
-    <mc:Fallback xmlns="">
-      <p:transition spd="slow"/>
-    </mc:Fallback>
-  </mc:AlternateContent>
-  <p:timing>
-    <p:tnLst>
-      <p:par>
-        <p:cTn id="1" dur="indefinite" restart="never" nodeType="tmRoot"/>
-      </p:par>
-    </p:tnLst>
-  </p:timing>
 </p:sld>
 </file>
 
@@ -9990,11 +9602,11 @@
           <a:p>
             <a:pPr lvl="0"/>
             <a:r>
-              <a:rPr lang="en-US" sz="3200" b="1" dirty="0" smtClean="0"/>
+              <a:rPr lang="en-US" sz="3200" b="1" dirty="0"/>
               <a:t>01</a:t>
             </a:r>
             <a:r>
-              <a:rPr lang="en-US" sz="3200" b="1" dirty="0" smtClean="0">
+              <a:rPr lang="en-US" sz="3200" b="1" dirty="0">
                 <a:solidFill>
                   <a:srgbClr val="00B0F0"/>
                 </a:solidFill>
@@ -10002,14 +9614,9 @@
               <a:t>|</a:t>
             </a:r>
             <a:r>
-              <a:rPr lang="en-US" sz="3200" b="1" dirty="0" smtClean="0"/>
-              <a:t> </a:t>
-            </a:r>
-            <a:r>
-              <a:rPr lang="en-US" sz="3200" b="1" dirty="0" smtClean="0"/>
-              <a:t>At a glance…</a:t>
-            </a:r>
-            <a:endParaRPr lang="en-US" sz="3200" b="1" dirty="0"/>
+              <a:rPr lang="en-US" sz="3200" b="1" dirty="0"/>
+              <a:t> At a glance…</a:t>
+            </a:r>
           </a:p>
         </p:txBody>
       </p:sp>
@@ -10034,7 +9641,7 @@
           <a:lstStyle/>
           <a:p>
             <a:r>
-              <a:rPr lang="en-US" sz="1600" b="1" dirty="0" smtClean="0"/>
+              <a:rPr lang="en-US" sz="1600" b="1" dirty="0"/>
               <a:t>Visual Studio 2107 Version 15.9 Preview-4</a:t>
             </a:r>
           </a:p>
@@ -10042,19 +9649,7 @@
             <a:pPr lvl="1"/>
             <a:r>
               <a:rPr lang="en-US" sz="1400" b="1" dirty="0"/>
-              <a:t>Recently </a:t>
-            </a:r>
-            <a:r>
-              <a:rPr lang="en-US" sz="1400" b="1" dirty="0" smtClean="0"/>
-              <a:t>(last week) </a:t>
-            </a:r>
-            <a:r>
-              <a:rPr lang="en-US" sz="1400" b="1" dirty="0"/>
-              <a:t>launched, not released </a:t>
-            </a:r>
-            <a:r>
-              <a:rPr lang="en-US" sz="1400" b="1" dirty="0" smtClean="0"/>
-              <a:t>publically</a:t>
+              <a:t>Recently (last week) launched, not released publically</a:t>
             </a:r>
           </a:p>
           <a:p>
@@ -10069,7 +9664,7 @@
           </a:p>
           <a:p>
             <a:r>
-              <a:rPr lang="en-US" sz="1600" b="1" dirty="0" smtClean="0"/>
+              <a:rPr lang="en-US" sz="1600" b="1" dirty="0"/>
               <a:t>ASP.NET Core 2.2</a:t>
             </a:r>
           </a:p>
@@ -10077,46 +9672,42 @@
             <a:pPr lvl="1"/>
             <a:r>
               <a:rPr lang="en-US" sz="1400" b="1" dirty="0"/>
-              <a:t>Part of </a:t>
-            </a:r>
-            <a:r>
-              <a:rPr lang="en-US" sz="1400" b="1" dirty="0" smtClean="0"/>
-              <a:t>VS 2017, Version 15.9</a:t>
+              <a:t>Part of VS 2017, Version 15.9</a:t>
             </a:r>
           </a:p>
           <a:p>
             <a:pPr lvl="1"/>
             <a:r>
-              <a:rPr lang="en-US" sz="1400" b="1" dirty="0" smtClean="0"/>
+              <a:rPr lang="en-US" sz="1400" b="1" dirty="0"/>
               <a:t>Full </a:t>
             </a:r>
             <a:r>
-              <a:rPr lang="en-US" sz="1400" b="1" dirty="0" err="1" smtClean="0"/>
+              <a:rPr lang="en-US" sz="1400" b="1" dirty="0" err="1"/>
               <a:t>docker</a:t>
             </a:r>
             <a:r>
-              <a:rPr lang="en-US" sz="1400" b="1" dirty="0" smtClean="0"/>
+              <a:rPr lang="en-US" sz="1400" b="1" dirty="0"/>
               <a:t> support</a:t>
             </a:r>
           </a:p>
           <a:p>
             <a:pPr lvl="1"/>
             <a:r>
-              <a:rPr lang="en-US" sz="1400" b="1" dirty="0" smtClean="0"/>
+              <a:rPr lang="en-US" sz="1400" b="1" dirty="0"/>
               <a:t>Complete open source</a:t>
             </a:r>
           </a:p>
           <a:p>
             <a:pPr lvl="1"/>
             <a:r>
-              <a:rPr lang="en-US" sz="1400" b="1" dirty="0" smtClean="0"/>
+              <a:rPr lang="en-US" sz="1400" b="1" dirty="0"/>
               <a:t>Fully CLI support</a:t>
             </a:r>
           </a:p>
           <a:p>
             <a:pPr lvl="1"/>
             <a:r>
-              <a:rPr lang="en-US" sz="1400" b="1" dirty="0" smtClean="0"/>
+              <a:rPr lang="en-US" sz="1400" b="1" dirty="0"/>
               <a:t>Packaged distribution</a:t>
             </a:r>
           </a:p>
@@ -10126,26 +9717,20 @@
               <a:rPr lang="en-US" sz="1400" b="1" dirty="0">
                 <a:hlinkClick r:id="rId4"/>
               </a:rPr>
-              <a:t>https://</a:t>
-            </a:r>
-            <a:r>
-              <a:rPr lang="en-US" sz="1400" b="1" dirty="0" smtClean="0">
-                <a:hlinkClick r:id="rId4"/>
-              </a:rPr>
-              <a:t>www.microsoft.com/net/download/dotnet-core/2.2</a:t>
-            </a:r>
-            <a:endParaRPr lang="en-US" sz="1400" b="1" dirty="0" smtClean="0"/>
-          </a:p>
-          <a:p>
-            <a:r>
-              <a:rPr lang="en-US" sz="1600" b="1" dirty="0" smtClean="0"/>
+              <a:t>https://www.microsoft.com/net/download/dotnet-core/2.2</a:t>
+            </a:r>
+            <a:endParaRPr lang="en-US" sz="1400" b="1" dirty="0"/>
+          </a:p>
+          <a:p>
+            <a:r>
+              <a:rPr lang="en-US" sz="1600" b="1" dirty="0"/>
               <a:t>Swagger</a:t>
             </a:r>
           </a:p>
           <a:p>
             <a:pPr lvl="1"/>
             <a:r>
-              <a:rPr lang="en-US" sz="1400" b="1" dirty="0" smtClean="0"/>
+              <a:rPr lang="en-US" sz="1400" b="1" dirty="0"/>
               <a:t>An Open Source for API Documentation and Testing</a:t>
             </a:r>
           </a:p>
@@ -10155,35 +9740,21 @@
               <a:rPr lang="en-US" sz="1400" b="1" dirty="0">
                 <a:hlinkClick r:id="rId5"/>
               </a:rPr>
-              <a:t>https://</a:t>
-            </a:r>
-            <a:r>
-              <a:rPr lang="en-US" sz="1400" b="1" dirty="0" smtClean="0">
-                <a:hlinkClick r:id="rId5"/>
-              </a:rPr>
-              <a:t>www.nuget.org/packages/Swashbuckle.AspNetCore</a:t>
-            </a:r>
-            <a:endParaRPr lang="en-US" sz="1400" b="1" dirty="0" smtClean="0"/>
-          </a:p>
-          <a:p>
-            <a:r>
-              <a:rPr lang="en-US" sz="1600" b="1" dirty="0" smtClean="0"/>
-              <a:t>Microsoft </a:t>
-            </a:r>
+              <a:t>https://www.nuget.org/packages/Swashbuckle.AspNetCore</a:t>
+            </a:r>
+            <a:endParaRPr lang="en-US" sz="1400" b="1" dirty="0"/>
+          </a:p>
+          <a:p>
             <a:r>
               <a:rPr lang="en-US" sz="1600" b="1" dirty="0"/>
-              <a:t>API Analyzer</a:t>
+              <a:t>Microsoft API Analyzer</a:t>
             </a:r>
           </a:p>
           <a:p>
             <a:pPr lvl="1"/>
             <a:r>
               <a:rPr lang="en-US" sz="1400" b="1" dirty="0"/>
-              <a:t>A new feature for managing HTTP </a:t>
-            </a:r>
-            <a:r>
-              <a:rPr lang="en-US" sz="1400" b="1" dirty="0" smtClean="0"/>
-              <a:t>stuffs</a:t>
+              <a:t>A new feature for managing HTTP stuffs</a:t>
             </a:r>
           </a:p>
           <a:p>
@@ -10192,19 +9763,13 @@
               <a:rPr lang="en-US" sz="1400" b="1" dirty="0">
                 <a:hlinkClick r:id="rId6"/>
               </a:rPr>
-              <a:t>https://</a:t>
-            </a:r>
-            <a:r>
-              <a:rPr lang="en-US" sz="1400" b="1" dirty="0" smtClean="0">
-                <a:hlinkClick r:id="rId6"/>
-              </a:rPr>
-              <a:t>www.nuget.org/packages/Microsoft.AspNetCore.Mvc.Api.Analyzers</a:t>
-            </a:r>
-            <a:endParaRPr lang="en-US" sz="1400" b="1" dirty="0" smtClean="0"/>
-          </a:p>
-          <a:p>
-            <a:r>
-              <a:rPr lang="en-US" sz="1400" b="1" kern="1200" dirty="0" smtClean="0">
+              <a:t>https://www.nuget.org/packages/Microsoft.AspNetCore.Mvc.Api.Analyzers</a:t>
+            </a:r>
+            <a:endParaRPr lang="en-US" sz="1400" b="1" dirty="0"/>
+          </a:p>
+          <a:p>
+            <a:r>
+              <a:rPr lang="en-US" sz="1400" b="1" kern="1200" dirty="0">
                 <a:solidFill>
                   <a:schemeClr val="dk1"/>
                 </a:solidFill>
@@ -10212,7 +9777,7 @@
               </a:rPr>
               <a:t>/</a:t>
             </a:r>
-            <a:endParaRPr lang="en-US" sz="1400" b="1" kern="1200" dirty="0" smtClean="0">
+            <a:endParaRPr lang="en-US" sz="1400" b="1" kern="1200" dirty="0">
               <a:solidFill>
                 <a:schemeClr val="dk1"/>
               </a:solidFill>
@@ -10222,7 +9787,7 @@
             <a:pPr marL="457046" lvl="1" indent="0">
               <a:buNone/>
             </a:pPr>
-            <a:endParaRPr lang="en-US" sz="1400" b="1" kern="1200" dirty="0" smtClean="0">
+            <a:endParaRPr lang="en-US" sz="1400" b="1" kern="1200" dirty="0">
               <a:solidFill>
                 <a:schemeClr val="dk1"/>
               </a:solidFill>
@@ -10277,13 +9842,6 @@
   <p:clrMapOvr>
     <a:masterClrMapping/>
   </p:clrMapOvr>
-  <p:timing>
-    <p:tnLst>
-      <p:par>
-        <p:cTn id="1" dur="indefinite" restart="never" nodeType="tmRoot"/>
-      </p:par>
-    </p:tnLst>
-  </p:timing>
 </p:sld>
 </file>
 
@@ -10323,11 +9881,11 @@
           <a:p>
             <a:pPr lvl="0"/>
             <a:r>
-              <a:rPr lang="en-US" sz="3200" b="1" dirty="0" smtClean="0"/>
+              <a:rPr lang="en-US" sz="3200" b="1" dirty="0"/>
               <a:t>01</a:t>
             </a:r>
             <a:r>
-              <a:rPr lang="en-US" sz="3200" b="1" dirty="0" smtClean="0">
+              <a:rPr lang="en-US" sz="3200" b="1" dirty="0">
                 <a:solidFill>
                   <a:srgbClr val="00B0F0"/>
                 </a:solidFill>
@@ -10335,10 +9893,9 @@
               <a:t>|</a:t>
             </a:r>
             <a:r>
-              <a:rPr lang="en-US" sz="3200" b="1" dirty="0" smtClean="0"/>
+              <a:rPr lang="en-US" sz="3200" b="1" dirty="0"/>
               <a:t> Talk Topics</a:t>
             </a:r>
-            <a:endParaRPr lang="en-US" sz="3200" b="1" dirty="0"/>
           </a:p>
         </p:txBody>
       </p:sp>
@@ -10389,19 +9946,19 @@
               </a:rPr>
               <a:t>https://www.nuget.org/packages/Microsoft.EntityFrameworkCore</a:t>
             </a:r>
-            <a:endParaRPr lang="en-US" sz="1600" b="1" dirty="0" smtClean="0"/>
-          </a:p>
-          <a:p>
-            <a:r>
-              <a:rPr lang="en-US" sz="1600" b="1" dirty="0" err="1" smtClean="0"/>
+            <a:endParaRPr lang="en-US" sz="1600" b="1" dirty="0"/>
+          </a:p>
+          <a:p>
+            <a:r>
+              <a:rPr lang="en-US" sz="1600" b="1" dirty="0" err="1"/>
               <a:t>Xunit</a:t>
             </a:r>
-            <a:endParaRPr lang="en-US" sz="1600" b="1" dirty="0" smtClean="0"/>
+            <a:endParaRPr lang="en-US" sz="1600" b="1" dirty="0"/>
           </a:p>
           <a:p>
             <a:pPr lvl="1"/>
             <a:r>
-              <a:rPr lang="en-US" sz="1400" b="1" kern="1200" dirty="0" smtClean="0">
+              <a:rPr lang="en-US" sz="1400" b="1" kern="1200" dirty="0">
                 <a:solidFill>
                   <a:schemeClr val="dk1"/>
                 </a:solidFill>
@@ -10418,18 +9975,9 @@
                 </a:solidFill>
                 <a:hlinkClick r:id="rId4"/>
               </a:rPr>
-              <a:t>https://www.nuget.org/packages/xunit.core</a:t>
-            </a:r>
-            <a:r>
-              <a:rPr lang="en-US" sz="1400" b="1" kern="1200" dirty="0" smtClean="0">
-                <a:solidFill>
-                  <a:schemeClr val="dk1"/>
-                </a:solidFill>
-                <a:hlinkClick r:id="rId4"/>
-              </a:rPr>
-              <a:t>/</a:t>
-            </a:r>
-            <a:endParaRPr lang="en-US" sz="1400" b="1" kern="1200" dirty="0" smtClean="0">
+              <a:t>https://www.nuget.org/packages/xunit.core/</a:t>
+            </a:r>
+            <a:endParaRPr lang="en-US" sz="1400" b="1" kern="1200" dirty="0">
               <a:solidFill>
                 <a:schemeClr val="dk1"/>
               </a:solidFill>
@@ -10437,14 +9985,14 @@
           </a:p>
           <a:p>
             <a:r>
-              <a:rPr lang="en-US" sz="1800" b="1" kern="1200" dirty="0" err="1" smtClean="0">
+              <a:rPr lang="en-US" sz="1800" b="1" kern="1200" dirty="0" err="1">
                 <a:solidFill>
                   <a:schemeClr val="dk1"/>
                 </a:solidFill>
               </a:rPr>
               <a:t>Nswag</a:t>
             </a:r>
-            <a:endParaRPr lang="en-US" sz="1800" b="1" kern="1200" dirty="0" smtClean="0">
+            <a:endParaRPr lang="en-US" sz="1800" b="1" kern="1200" dirty="0">
               <a:solidFill>
                 <a:schemeClr val="dk1"/>
               </a:solidFill>
@@ -10453,15 +10001,15 @@
           <a:p>
             <a:pPr lvl="1"/>
             <a:r>
-              <a:rPr lang="en-US" sz="1400" b="1" dirty="0" smtClean="0"/>
+              <a:rPr lang="en-US" sz="1400" b="1" dirty="0"/>
               <a:t>API Client </a:t>
             </a:r>
             <a:r>
-              <a:rPr lang="en-US" sz="1400" b="1" dirty="0" err="1" smtClean="0"/>
+              <a:rPr lang="en-US" sz="1400" b="1" dirty="0" err="1"/>
               <a:t>CodeGen</a:t>
             </a:r>
             <a:r>
-              <a:rPr lang="en-US" sz="1400" b="1" dirty="0" smtClean="0"/>
+              <a:rPr lang="en-US" sz="1400" b="1" dirty="0"/>
               <a:t> tool from API specs</a:t>
             </a:r>
           </a:p>
@@ -10471,41 +10019,35 @@
               <a:rPr lang="en-US" sz="1400" b="1" dirty="0">
                 <a:hlinkClick r:id="rId5"/>
               </a:rPr>
-              <a:t>https://www.nuget.org/packages/NSwag.Core</a:t>
-            </a:r>
-            <a:r>
-              <a:rPr lang="en-US" sz="1400" b="1" dirty="0" smtClean="0">
-                <a:hlinkClick r:id="rId5"/>
-              </a:rPr>
-              <a:t>/</a:t>
-            </a:r>
-            <a:endParaRPr lang="en-US" sz="1400" b="1" dirty="0" smtClean="0"/>
-          </a:p>
-          <a:p>
-            <a:r>
-              <a:rPr lang="en-US" sz="1600" b="1" dirty="0" smtClean="0"/>
+              <a:t>https://www.nuget.org/packages/NSwag.Core/</a:t>
+            </a:r>
+            <a:endParaRPr lang="en-US" sz="1400" b="1" dirty="0"/>
+          </a:p>
+          <a:p>
+            <a:r>
+              <a:rPr lang="en-US" sz="1600" b="1" dirty="0"/>
               <a:t>HTTP REPL</a:t>
             </a:r>
           </a:p>
           <a:p>
             <a:pPr lvl="1"/>
             <a:r>
-              <a:rPr lang="en-US" sz="1400" b="1" dirty="0" smtClean="0"/>
+              <a:rPr lang="en-US" sz="1400" b="1" dirty="0"/>
               <a:t>Microsoft new tool explore and interact with your </a:t>
             </a:r>
             <a:r>
-              <a:rPr lang="en-US" sz="1400" b="1" dirty="0" err="1" smtClean="0"/>
+              <a:rPr lang="en-US" sz="1400" b="1" dirty="0" err="1"/>
               <a:t>RESTful</a:t>
             </a:r>
             <a:r>
-              <a:rPr lang="en-US" sz="1400" b="1" dirty="0" smtClean="0"/>
+              <a:rPr lang="en-US" sz="1400" b="1" dirty="0"/>
               <a:t> services</a:t>
             </a:r>
           </a:p>
           <a:p>
             <a:pPr lvl="1"/>
             <a:r>
-              <a:rPr lang="en-US" sz="1400" b="1" dirty="0" smtClean="0"/>
+              <a:rPr lang="en-US" sz="1400" b="1" dirty="0"/>
               <a:t>Not released as nugget package yet</a:t>
             </a:r>
           </a:p>
@@ -10515,23 +10057,17 @@
               <a:rPr lang="en-US" sz="1400" b="1" dirty="0">
                 <a:hlinkClick r:id="rId6"/>
               </a:rPr>
-              <a:t>https://</a:t>
-            </a:r>
-            <a:r>
-              <a:rPr lang="en-US" sz="1400" b="1" dirty="0" smtClean="0">
-                <a:hlinkClick r:id="rId6"/>
-              </a:rPr>
-              <a:t>dotnet.myget.org/feed/dotnet-core/package/nuget/dotnet-httprepl</a:t>
-            </a:r>
-            <a:endParaRPr lang="en-US" sz="1400" b="1" dirty="0" smtClean="0"/>
+              <a:t>https://dotnet.myget.org/feed/dotnet-core/package/nuget/dotnet-httprepl</a:t>
+            </a:r>
+            <a:endParaRPr lang="en-US" sz="1400" b="1" dirty="0"/>
           </a:p>
           <a:p>
             <a:pPr lvl="1"/>
-            <a:endParaRPr lang="en-US" sz="1400" b="1" dirty="0" smtClean="0"/>
+            <a:endParaRPr lang="en-US" sz="1400" b="1" dirty="0"/>
           </a:p>
           <a:p>
             <a:pPr lvl="1"/>
-            <a:endParaRPr lang="en-US" sz="2000" b="1" dirty="0" smtClean="0"/>
+            <a:endParaRPr lang="en-US" sz="2000" b="1" dirty="0"/>
           </a:p>
           <a:p>
             <a:pPr lvl="1"/>
@@ -10586,13 +10122,6 @@
   <p:clrMapOvr>
     <a:masterClrMapping/>
   </p:clrMapOvr>
-  <p:timing>
-    <p:tnLst>
-      <p:par>
-        <p:cTn id="1" dur="indefinite" restart="never" nodeType="tmRoot"/>
-      </p:par>
-    </p:tnLst>
-  </p:timing>
 </p:sld>
 </file>
 
@@ -10632,11 +10161,11 @@
           <a:p>
             <a:pPr lvl="0"/>
             <a:r>
-              <a:rPr lang="en-US" sz="3200" b="1" dirty="0" smtClean="0"/>
+              <a:rPr lang="en-US" sz="3200" b="1" dirty="0"/>
               <a:t>02</a:t>
             </a:r>
             <a:r>
-              <a:rPr lang="en-US" sz="3200" b="1" dirty="0" smtClean="0">
+              <a:rPr lang="en-US" sz="3200" b="1" dirty="0">
                 <a:solidFill>
                   <a:srgbClr val="00B0F0"/>
                 </a:solidFill>
@@ -10644,14 +10173,9 @@
               <a:t>|</a:t>
             </a:r>
             <a:r>
-              <a:rPr lang="en-US" sz="3200" b="1" dirty="0" smtClean="0"/>
-              <a:t> Demo – Show me the </a:t>
-            </a:r>
-            <a:r>
-              <a:rPr lang="en-US" sz="3200" b="1" dirty="0" smtClean="0"/>
-              <a:t>code !!!</a:t>
-            </a:r>
-            <a:endParaRPr lang="en-US" sz="3200" b="1" dirty="0"/>
+              <a:rPr lang="en-US" sz="3200" b="1" dirty="0"/>
+              <a:t> Demo – Show me the code !!!</a:t>
+            </a:r>
           </a:p>
         </p:txBody>
       </p:sp>
@@ -10676,73 +10200,61 @@
           <a:lstStyle/>
           <a:p>
             <a:r>
-              <a:rPr lang="en-US" sz="2000" b="1" dirty="0" smtClean="0"/>
+              <a:rPr lang="en-US" sz="2000" b="1" dirty="0"/>
               <a:t>Database Creation: </a:t>
             </a:r>
             <a:r>
-              <a:rPr lang="en-US" sz="2000" b="1" dirty="0" err="1" smtClean="0"/>
+              <a:rPr lang="en-US" sz="2000" b="1" dirty="0" err="1"/>
               <a:t>Meetup.Db</a:t>
             </a:r>
-            <a:endParaRPr lang="en-US" sz="2000" b="1" dirty="0" smtClean="0"/>
+            <a:endParaRPr lang="en-US" sz="2000" b="1" dirty="0"/>
           </a:p>
           <a:p>
             <a:pPr lvl="1"/>
             <a:r>
-              <a:rPr lang="en-US" sz="1600" b="1" dirty="0" smtClean="0"/>
+              <a:rPr lang="en-US" sz="1600" b="1" dirty="0"/>
               <a:t>Create Database project</a:t>
             </a:r>
           </a:p>
           <a:p>
             <a:pPr lvl="1"/>
-            <a:endParaRPr lang="en-US" sz="1600" b="1" dirty="0" smtClean="0"/>
+            <a:endParaRPr lang="en-US" sz="1600" b="1" dirty="0"/>
           </a:p>
           <a:p>
             <a:pPr lvl="1"/>
             <a:r>
-              <a:rPr lang="en-US" sz="1600" b="1" dirty="0" smtClean="0"/>
+              <a:rPr lang="en-US" sz="1600" b="1" dirty="0"/>
               <a:t>Create </a:t>
             </a:r>
             <a:r>
-              <a:rPr lang="en-US" sz="1600" b="1" dirty="0" err="1" smtClean="0"/>
+              <a:rPr lang="en-US" sz="1600" b="1" dirty="0" err="1"/>
               <a:t>MeetupDetail</a:t>
             </a:r>
             <a:r>
-              <a:rPr lang="en-US" sz="1600" b="1" dirty="0" smtClean="0"/>
-              <a:t> </a:t>
-            </a:r>
-            <a:r>
-              <a:rPr lang="en-US" sz="1600" b="1" dirty="0" smtClean="0"/>
-              <a:t>table</a:t>
+              <a:rPr lang="en-US" sz="1600" b="1" dirty="0"/>
+              <a:t> table</a:t>
             </a:r>
           </a:p>
           <a:p>
             <a:pPr lvl="1"/>
-            <a:endParaRPr lang="en-US" sz="1600" b="1" dirty="0" smtClean="0"/>
+            <a:endParaRPr lang="en-US" sz="1600" b="1" dirty="0"/>
           </a:p>
           <a:p>
             <a:pPr lvl="1"/>
             <a:r>
-              <a:rPr lang="en-US" sz="1600" b="1" dirty="0" smtClean="0"/>
+              <a:rPr lang="en-US" sz="1600" b="1" dirty="0"/>
               <a:t>Create Publish configuration</a:t>
             </a:r>
           </a:p>
           <a:p>
             <a:pPr lvl="1"/>
-            <a:endParaRPr lang="en-US" sz="1600" b="1" dirty="0" smtClean="0"/>
+            <a:endParaRPr lang="en-US" sz="1600" b="1" dirty="0"/>
           </a:p>
           <a:p>
             <a:pPr lvl="1"/>
             <a:r>
-              <a:rPr lang="en-US" sz="1600" b="1" dirty="0" smtClean="0"/>
-              <a:t>Publish </a:t>
-            </a:r>
-            <a:r>
-              <a:rPr lang="en-US" sz="1600" b="1" dirty="0" smtClean="0"/>
-              <a:t>to create </a:t>
-            </a:r>
-            <a:r>
-              <a:rPr lang="en-US" sz="1600" b="1" dirty="0" smtClean="0"/>
-              <a:t>database</a:t>
+              <a:rPr lang="en-US" sz="1600" b="1" dirty="0"/>
+              <a:t>Publish to create database</a:t>
             </a:r>
           </a:p>
           <a:p>
@@ -10798,13 +10310,6 @@
   <p:clrMapOvr>
     <a:masterClrMapping/>
   </p:clrMapOvr>
-  <p:timing>
-    <p:tnLst>
-      <p:par>
-        <p:cTn id="1" dur="indefinite" restart="never" nodeType="tmRoot"/>
-      </p:par>
-    </p:tnLst>
-  </p:timing>
 </p:sld>
 </file>
 
@@ -10845,19 +10350,19 @@
           <a:bodyPr/>
           <a:lstStyle/>
           <a:p>
-            <a:endParaRPr lang="en-US" sz="1600" b="1" dirty="0" smtClean="0"/>
-          </a:p>
-          <a:p>
             <a:endParaRPr lang="en-US" sz="1600" b="1" dirty="0"/>
           </a:p>
           <a:p>
-            <a:endParaRPr lang="en-US" sz="1600" b="1" dirty="0" smtClean="0"/>
-          </a:p>
-          <a:p>
             <a:endParaRPr lang="en-US" sz="1600" b="1" dirty="0"/>
           </a:p>
           <a:p>
-            <a:endParaRPr lang="en-US" sz="1600" b="1" dirty="0" smtClean="0"/>
+            <a:endParaRPr lang="en-US" sz="1600" b="1" dirty="0"/>
+          </a:p>
+          <a:p>
+            <a:endParaRPr lang="en-US" sz="1600" b="1" dirty="0"/>
+          </a:p>
+          <a:p>
+            <a:endParaRPr lang="en-US" sz="1600" b="1" dirty="0"/>
           </a:p>
           <a:p>
             <a:endParaRPr lang="en-US" sz="1600" b="1" dirty="0"/>
@@ -10880,11 +10385,7 @@
             </a:r>
             <a:r>
               <a:rPr lang="en-US" sz="4000" b="1" dirty="0"/>
-              <a:t> </a:t>
-            </a:r>
-            <a:r>
-              <a:rPr lang="en-US" sz="4000" b="1" dirty="0" smtClean="0"/>
-              <a:t>Demo</a:t>
+              <a:t> Demo</a:t>
             </a:r>
           </a:p>
           <a:p>
@@ -10898,12 +10399,8 @@
               <a:buNone/>
             </a:pPr>
             <a:r>
-              <a:rPr lang="en-US" sz="4000" b="1" dirty="0" smtClean="0"/>
-              <a:t>Show </a:t>
-            </a:r>
-            <a:r>
               <a:rPr lang="en-US" sz="4000" b="1" dirty="0"/>
-              <a:t>me the code !!!</a:t>
+              <a:t>Show me the code !!!</a:t>
             </a:r>
             <a:endParaRPr lang="en-US" b="1" dirty="0"/>
           </a:p>
@@ -10959,13 +10456,6 @@
   <p:clrMapOvr>
     <a:masterClrMapping/>
   </p:clrMapOvr>
-  <p:timing>
-    <p:tnLst>
-      <p:par>
-        <p:cTn id="1" dur="indefinite" restart="never" nodeType="tmRoot"/>
-      </p:par>
-    </p:tnLst>
-  </p:timing>
 </p:sld>
 </file>
 
@@ -11004,11 +10494,11 @@
           <a:lstStyle/>
           <a:p>
             <a:r>
-              <a:rPr lang="en-US" sz="3200" b="1" dirty="0" smtClean="0"/>
+              <a:rPr lang="en-US" sz="3200" b="1" dirty="0"/>
               <a:t>01</a:t>
             </a:r>
             <a:r>
-              <a:rPr lang="en-US" sz="3200" b="1" dirty="0" smtClean="0">
+              <a:rPr lang="en-US" sz="3200" b="1" dirty="0">
                 <a:solidFill>
                   <a:srgbClr val="00B0F0"/>
                 </a:solidFill>
@@ -11016,14 +10506,9 @@
               <a:t>|</a:t>
             </a:r>
             <a:r>
-              <a:rPr lang="en-US" sz="3200" b="1" dirty="0" smtClean="0"/>
-              <a:t> </a:t>
-            </a:r>
-            <a:r>
-              <a:rPr lang="en-US" sz="3200" b="1" dirty="0" smtClean="0"/>
-              <a:t>Model Creation</a:t>
-            </a:r>
-            <a:endParaRPr lang="en-US" sz="3200" b="1" dirty="0"/>
+              <a:rPr lang="en-US" sz="3200" b="1" dirty="0"/>
+              <a:t> Model Creation</a:t>
+            </a:r>
           </a:p>
         </p:txBody>
       </p:sp>
@@ -11052,14 +10537,10 @@
               <a:rPr lang="en-US" sz="2400" b="1" dirty="0" err="1"/>
               <a:t>Meetup.Entities</a:t>
             </a:r>
-            <a:r>
-              <a:rPr lang="en-US" sz="2000" b="1" dirty="0"/>
-              <a:t/>
-            </a:r>
             <a:br>
               <a:rPr lang="en-US" sz="2000" b="1" dirty="0"/>
             </a:br>
-            <a:endParaRPr lang="en-US" sz="2000" b="1" dirty="0" smtClean="0"/>
+            <a:endParaRPr lang="en-US" sz="2000" b="1" dirty="0"/>
           </a:p>
           <a:p>
             <a:pPr lvl="1"/>
@@ -11068,7 +10549,7 @@
           <a:p>
             <a:pPr lvl="1"/>
             <a:r>
-              <a:rPr lang="en-US" sz="1600" b="1" dirty="0" smtClean="0"/>
+              <a:rPr lang="en-US" sz="1600" b="1" dirty="0"/>
               <a:t>Create </a:t>
             </a:r>
             <a:r>
@@ -11082,27 +10563,23 @@
           </a:p>
           <a:p>
             <a:pPr lvl="1"/>
-            <a:endParaRPr lang="en-US" sz="1600" b="1" dirty="0" smtClean="0"/>
+            <a:endParaRPr lang="en-US" sz="1600" b="1" dirty="0"/>
           </a:p>
           <a:p>
             <a:pPr lvl="1"/>
             <a:r>
-              <a:rPr lang="en-US" sz="1600" b="1" dirty="0" smtClean="0"/>
-              <a:t>Add </a:t>
-            </a:r>
-            <a:r>
               <a:rPr lang="en-US" sz="1600" b="1" dirty="0"/>
-              <a:t>nugget packages</a:t>
+              <a:t>Add nugget packages</a:t>
             </a:r>
           </a:p>
           <a:p>
             <a:pPr lvl="2"/>
-            <a:endParaRPr lang="en-US" sz="1000" b="1" dirty="0" smtClean="0"/>
+            <a:endParaRPr lang="en-US" sz="1000" b="1" dirty="0"/>
           </a:p>
           <a:p>
             <a:pPr lvl="2"/>
             <a:r>
-              <a:rPr lang="en-US" sz="1400" b="1" dirty="0" err="1" smtClean="0"/>
+              <a:rPr lang="en-US" sz="1400" b="1" dirty="0" err="1"/>
               <a:t>Microsoft.EntityFrameworkCore</a:t>
             </a:r>
             <a:endParaRPr lang="en-US" sz="1400" b="1" dirty="0"/>
@@ -11117,7 +10594,7 @@
           </a:p>
           <a:p>
             <a:pPr lvl="1"/>
-            <a:endParaRPr lang="en-US" sz="1600" b="1" dirty="0" smtClean="0"/>
+            <a:endParaRPr lang="en-US" sz="1600" b="1" dirty="0"/>
           </a:p>
           <a:p>
             <a:pPr lvl="1"/>
@@ -11126,16 +10603,8 @@
           <a:p>
             <a:pPr lvl="1"/>
             <a:r>
-              <a:rPr lang="en-US" sz="1600" b="1" dirty="0" smtClean="0"/>
-              <a:t>Generate </a:t>
-            </a:r>
-            <a:r>
               <a:rPr lang="en-US" sz="1600" b="1" dirty="0"/>
-              <a:t>model using scaffolding </a:t>
-            </a:r>
-            <a:r>
-              <a:rPr lang="en-US" sz="1600" b="1" dirty="0" smtClean="0"/>
-              <a:t>service</a:t>
+              <a:t>Generate model using scaffolding service</a:t>
             </a:r>
           </a:p>
           <a:p>
@@ -11244,13 +10713,6 @@
   <p:clrMapOvr>
     <a:masterClrMapping/>
   </p:clrMapOvr>
-  <p:timing>
-    <p:tnLst>
-      <p:par>
-        <p:cTn id="1" dur="indefinite" restart="never" nodeType="tmRoot"/>
-      </p:par>
-    </p:tnLst>
-  </p:timing>
 </p:sld>
 </file>
 
@@ -11289,11 +10751,11 @@
           <a:lstStyle/>
           <a:p>
             <a:r>
-              <a:rPr lang="en-US" sz="3200" b="1" dirty="0" smtClean="0"/>
+              <a:rPr lang="en-US" sz="3200" b="1" dirty="0"/>
               <a:t>02</a:t>
             </a:r>
             <a:r>
-              <a:rPr lang="en-US" sz="3200" b="1" dirty="0" smtClean="0">
+              <a:rPr lang="en-US" sz="3200" b="1" dirty="0">
                 <a:solidFill>
                   <a:srgbClr val="00B0F0"/>
                 </a:solidFill>
@@ -11301,20 +10763,8 @@
               <a:t>|</a:t>
             </a:r>
             <a:r>
-              <a:rPr lang="en-US" sz="3200" b="1" dirty="0" smtClean="0"/>
-              <a:t> </a:t>
-            </a:r>
-            <a:r>
               <a:rPr lang="en-US" sz="3200" b="1" dirty="0"/>
-              <a:t>API </a:t>
-            </a:r>
-            <a:r>
-              <a:rPr lang="en-US" sz="3200" b="1" dirty="0" smtClean="0"/>
-              <a:t>Creation</a:t>
-            </a:r>
-            <a:r>
-              <a:rPr lang="en-US" sz="3200" b="1" dirty="0"/>
-              <a:t/>
+              <a:t> API Creation</a:t>
             </a:r>
             <a:br>
               <a:rPr lang="en-US" sz="3200" b="1" dirty="0"/>
@@ -11367,7 +10817,7 @@
           <a:p>
             <a:pPr lvl="1"/>
             <a:r>
-              <a:rPr lang="en-US" sz="1800" b="1" dirty="0" smtClean="0"/>
+              <a:rPr lang="en-US" sz="1800" b="1" dirty="0"/>
               <a:t>Create </a:t>
             </a:r>
             <a:r>
@@ -11382,7 +10832,7 @@
           <a:p>
             <a:pPr lvl="1"/>
             <a:r>
-              <a:rPr lang="en-US" sz="1800" b="1" dirty="0" smtClean="0"/>
+              <a:rPr lang="en-US" sz="1800" b="1" dirty="0"/>
               <a:t>Add </a:t>
             </a:r>
             <a:r>
@@ -11397,42 +10847,30 @@
           <a:p>
             <a:pPr lvl="1"/>
             <a:r>
-              <a:rPr lang="en-US" sz="1800" b="1" dirty="0" smtClean="0"/>
-              <a:t>Run </a:t>
-            </a:r>
-            <a:r>
               <a:rPr lang="en-US" sz="1800" b="1" dirty="0"/>
-              <a:t>and invoke value controller to verify the initial structure</a:t>
+              <a:t>Run and invoke value controller to verify the initial structure</a:t>
             </a:r>
           </a:p>
           <a:p>
             <a:pPr lvl="1"/>
             <a:r>
-              <a:rPr lang="en-US" sz="1800" b="1" dirty="0" smtClean="0"/>
-              <a:t>Add </a:t>
-            </a:r>
-            <a:r>
               <a:rPr lang="en-US" sz="1800" b="1" dirty="0"/>
-              <a:t>Swagger</a:t>
+              <a:t>Add Swagger</a:t>
             </a:r>
           </a:p>
           <a:p>
             <a:pPr lvl="2"/>
-            <a:endParaRPr lang="en-US" sz="1050" b="1" dirty="0" smtClean="0"/>
+            <a:endParaRPr lang="en-US" sz="1050" b="1" dirty="0"/>
           </a:p>
           <a:p>
             <a:pPr lvl="2"/>
             <a:r>
-              <a:rPr lang="en-US" sz="1600" b="1" dirty="0" err="1" smtClean="0"/>
-              <a:t>NugEt</a:t>
-            </a:r>
-            <a:r>
-              <a:rPr lang="en-US" sz="1600" b="1" dirty="0" smtClean="0"/>
-              <a:t> </a:t>
+              <a:rPr lang="en-US" sz="1600" b="1" dirty="0" err="1"/>
+              <a:t>Nuget</a:t>
             </a:r>
             <a:r>
               <a:rPr lang="en-US" sz="1600" b="1" dirty="0"/>
-              <a:t>package: </a:t>
+              <a:t> package: </a:t>
             </a:r>
             <a:r>
               <a:rPr lang="en-US" sz="1600" b="1" dirty="0" err="1"/>
@@ -11456,32 +10894,24 @@
           </a:p>
           <a:p>
             <a:pPr lvl="1"/>
-            <a:endParaRPr lang="en-US" sz="1800" b="1" dirty="0" smtClean="0"/>
+            <a:endParaRPr lang="en-US" sz="1800" b="1" dirty="0"/>
           </a:p>
           <a:p>
             <a:pPr lvl="1"/>
             <a:r>
-              <a:rPr lang="en-US" sz="1800" b="1" dirty="0" smtClean="0"/>
-              <a:t>Test </a:t>
-            </a:r>
-            <a:r>
               <a:rPr lang="en-US" sz="1800" b="1" dirty="0"/>
-              <a:t>Get/Post with Swagger</a:t>
+              <a:t>Test Get/Post with Swagger</a:t>
             </a:r>
           </a:p>
           <a:p>
             <a:pPr lvl="1"/>
-            <a:endParaRPr lang="en-US" sz="1800" b="1" dirty="0" smtClean="0"/>
+            <a:endParaRPr lang="en-US" sz="1800" b="1" dirty="0"/>
           </a:p>
           <a:p>
             <a:pPr lvl="1"/>
             <a:r>
-              <a:rPr lang="en-US" sz="1800" b="1" dirty="0" smtClean="0"/>
-              <a:t>Add </a:t>
-            </a:r>
-            <a:r>
               <a:rPr lang="en-US" sz="1800" b="1" dirty="0"/>
-              <a:t>Analyzer</a:t>
+              <a:t>Add Analyzer</a:t>
             </a:r>
           </a:p>
           <a:p>
@@ -11502,27 +10932,14 @@
           </a:p>
           <a:p>
             <a:pPr lvl="1"/>
-            <a:endParaRPr lang="en-US" sz="1800" b="1" dirty="0" smtClean="0"/>
+            <a:endParaRPr lang="en-US" sz="1800" b="1" dirty="0"/>
           </a:p>
           <a:p>
             <a:pPr lvl="1"/>
             <a:r>
-              <a:rPr lang="en-US" sz="1800" b="1" dirty="0" smtClean="0"/>
-              <a:t>Verify </a:t>
-            </a:r>
-            <a:r>
-              <a:rPr lang="en-US" sz="1800" b="1" dirty="0" err="1"/>
-              <a:t>Anlyzer</a:t>
-            </a:r>
-            <a:r>
               <a:rPr lang="en-US" sz="1800" b="1" dirty="0"/>
-              <a:t> </a:t>
-            </a:r>
-            <a:r>
-              <a:rPr lang="en-US" sz="1800" b="1" dirty="0" err="1" smtClean="0"/>
-              <a:t>effcts</a:t>
-            </a:r>
-            <a:endParaRPr lang="en-US" sz="1800" b="1" dirty="0"/>
+              <a:t>Verify Analyzer effects</a:t>
+            </a:r>
           </a:p>
         </p:txBody>
       </p:sp>
@@ -11573,13 +10990,6 @@
   <p:clrMapOvr>
     <a:masterClrMapping/>
   </p:clrMapOvr>
-  <p:timing>
-    <p:tnLst>
-      <p:par>
-        <p:cTn id="1" dur="indefinite" restart="never" nodeType="tmRoot"/>
-      </p:par>
-    </p:tnLst>
-  </p:timing>
 </p:sld>
 </file>
 
@@ -12435,15 +11845,6 @@
 </file>
 
 <file path=customXml/item2.xml><?xml version="1.0" encoding="utf-8"?>
-<?mso-contentType ?>
-<FormTemplates xmlns="http://schemas.microsoft.com/sharepoint/v3/contenttype/forms">
-  <Display>DocumentLibraryForm</Display>
-  <Edit>DocumentLibraryForm</Edit>
-  <New>DocumentLibraryForm</New>
-</FormTemplates>
-</file>
-
-<file path=customXml/item3.xml><?xml version="1.0" encoding="utf-8"?>
 <ct:contentTypeSchema xmlns:ct="http://schemas.microsoft.com/office/2006/metadata/contentType" xmlns:ma="http://schemas.microsoft.com/office/2006/metadata/properties/metaAttributes" ct:_="" ma:_="" ma:contentTypeName="Document" ma:contentTypeID="0x0101007946DDFB0B36E2409D611D00FC3D4DB4" ma:contentTypeVersion="" ma:contentTypeDescription="Create a new document." ma:contentTypeScope="" ma:versionID="9168b737cc82d0d0c917f967c1a24543">
   <xsd:schema xmlns:xsd="http://www.w3.org/2001/XMLSchema" xmlns:xs="http://www.w3.org/2001/XMLSchema" xmlns:p="http://schemas.microsoft.com/office/2006/metadata/properties" xmlns:ns2="74AB046D-40EB-488B-ABA9-937A83031C9B" targetNamespace="http://schemas.microsoft.com/office/2006/metadata/properties" ma:root="true" ma:fieldsID="2fd630261e4128d77de5ca0610f944b8" ns2:_="">
     <xsd:import namespace="74AB046D-40EB-488B-ABA9-937A83031C9B"/>
@@ -12597,6 +11998,15 @@
 </ct:contentTypeSchema>
 </file>
 
+<file path=customXml/item3.xml><?xml version="1.0" encoding="utf-8"?>
+<?mso-contentType ?>
+<FormTemplates xmlns="http://schemas.microsoft.com/sharepoint/v3/contenttype/forms">
+  <Display>DocumentLibraryForm</Display>
+  <Edit>DocumentLibraryForm</Edit>
+  <New>DocumentLibraryForm</New>
+</FormTemplates>
+</file>
+
 <file path=customXml/itemProps1.xml><?xml version="1.0" encoding="utf-8"?>
 <ds:datastoreItem xmlns:ds="http://schemas.openxmlformats.org/officeDocument/2006/customXml" ds:itemID="{4D01FA1F-EB5F-45CF-9276-A2E0FC34F5A3}">
   <ds:schemaRefs>
@@ -12608,14 +12018,6 @@
 </file>
 
 <file path=customXml/itemProps2.xml><?xml version="1.0" encoding="utf-8"?>
-<ds:datastoreItem xmlns:ds="http://schemas.openxmlformats.org/officeDocument/2006/customXml" ds:itemID="{683A9330-F5A2-4815-B76B-50CD0A9C21FE}">
-  <ds:schemaRefs>
-    <ds:schemaRef ds:uri="http://schemas.microsoft.com/sharepoint/v3/contenttype/forms"/>
-  </ds:schemaRefs>
-</ds:datastoreItem>
-</file>
-
-<file path=customXml/itemProps3.xml><?xml version="1.0" encoding="utf-8"?>
 <ds:datastoreItem xmlns:ds="http://schemas.openxmlformats.org/officeDocument/2006/customXml" ds:itemID="{F6A58999-A8DA-42EB-B319-FAECE6F9EF8C}">
   <ds:schemaRefs>
     <ds:schemaRef ds:uri="http://schemas.microsoft.com/office/2006/metadata/contentType"/>
@@ -12631,4 +12033,12 @@
     <ds:schemaRef ds:uri="http://schemas.microsoft.com/internal/obd"/>
   </ds:schemaRefs>
 </ds:datastoreItem>
+</file>
+
+<file path=customXml/itemProps3.xml><?xml version="1.0" encoding="utf-8"?>
+<ds:datastoreItem xmlns:ds="http://schemas.openxmlformats.org/officeDocument/2006/customXml" ds:itemID="{683A9330-F5A2-4815-B76B-50CD0A9C21FE}">
+  <ds:schemaRefs>
+    <ds:schemaRef ds:uri="http://schemas.microsoft.com/sharepoint/v3/contenttype/forms"/>
+  </ds:schemaRefs>
+</ds:datastoreItem>
 </file>
--- a/End-To-End Rapid API Development With DotNet Core .pptx
+++ b/End-To-End Rapid API Development With DotNet Core .pptx
@@ -6,7 +6,7 @@
     <p:sldMasterId id="2147483677" r:id="rId5"/>
   </p:sldMasterIdLst>
   <p:notesMasterIdLst>
-    <p:notesMasterId r:id="rId19"/>
+    <p:notesMasterId r:id="rId20"/>
   </p:notesMasterIdLst>
   <p:sldIdLst>
     <p:sldId id="307" r:id="rId6"/>
@@ -17,11 +17,12 @@
     <p:sldId id="298" r:id="rId11"/>
     <p:sldId id="306" r:id="rId12"/>
     <p:sldId id="301" r:id="rId13"/>
-    <p:sldId id="302" r:id="rId14"/>
-    <p:sldId id="303" r:id="rId15"/>
-    <p:sldId id="304" r:id="rId16"/>
-    <p:sldId id="305" r:id="rId17"/>
-    <p:sldId id="296" r:id="rId18"/>
+    <p:sldId id="308" r:id="rId14"/>
+    <p:sldId id="302" r:id="rId15"/>
+    <p:sldId id="303" r:id="rId16"/>
+    <p:sldId id="304" r:id="rId17"/>
+    <p:sldId id="305" r:id="rId18"/>
+    <p:sldId id="296" r:id="rId19"/>
   </p:sldIdLst>
   <p:sldSz cx="12192000" cy="6858000"/>
   <p:notesSz cx="6858000" cy="9144000"/>
@@ -655,7 +656,7 @@
     </p:spTree>
     <p:extLst>
       <p:ext uri="{BB962C8B-B14F-4D97-AF65-F5344CB8AC3E}">
-        <p14:creationId xmlns:p14="http://schemas.microsoft.com/office/powerpoint/2010/main" val="3707657129"/>
+        <p14:creationId xmlns:p14="http://schemas.microsoft.com/office/powerpoint/2010/main" val="1013198166"/>
       </p:ext>
     </p:extLst>
   </p:cSld>
@@ -747,7 +748,7 @@
     </p:spTree>
     <p:extLst>
       <p:ext uri="{BB962C8B-B14F-4D97-AF65-F5344CB8AC3E}">
-        <p14:creationId xmlns:p14="http://schemas.microsoft.com/office/powerpoint/2010/main" val="2307465240"/>
+        <p14:creationId xmlns:p14="http://schemas.microsoft.com/office/powerpoint/2010/main" val="3707657129"/>
       </p:ext>
     </p:extLst>
   </p:cSld>
@@ -831,6 +832,98 @@
               <a:rPr lang="en-US" smtClean="0"/>
               <a:pPr/>
               <a:t>13</a:t>
+            </a:fld>
+            <a:endParaRPr lang="en-US" dirty="0"/>
+          </a:p>
+        </p:txBody>
+      </p:sp>
+    </p:spTree>
+    <p:extLst>
+      <p:ext uri="{BB962C8B-B14F-4D97-AF65-F5344CB8AC3E}">
+        <p14:creationId xmlns:p14="http://schemas.microsoft.com/office/powerpoint/2010/main" val="2307465240"/>
+      </p:ext>
+    </p:extLst>
+  </p:cSld>
+  <p:clrMapOvr>
+    <a:masterClrMapping/>
+  </p:clrMapOvr>
+</p:notes>
+</file>
+
+<file path=ppt/notesSlides/notesSlide13.xml><?xml version="1.0" encoding="utf-8"?>
+<p:notes xmlns:a="http://schemas.openxmlformats.org/drawingml/2006/main" xmlns:r="http://schemas.openxmlformats.org/officeDocument/2006/relationships" xmlns:p="http://schemas.openxmlformats.org/presentationml/2006/main">
+  <p:cSld>
+    <p:spTree>
+      <p:nvGrpSpPr>
+        <p:cNvPr id="1" name=""/>
+        <p:cNvGrpSpPr/>
+        <p:nvPr/>
+      </p:nvGrpSpPr>
+      <p:grpSpPr>
+        <a:xfrm>
+          <a:off x="0" y="0"/>
+          <a:ext cx="0" cy="0"/>
+          <a:chOff x="0" y="0"/>
+          <a:chExt cx="0" cy="0"/>
+        </a:xfrm>
+      </p:grpSpPr>
+      <p:sp>
+        <p:nvSpPr>
+          <p:cNvPr id="2" name="Slide Image Placeholder 1"/>
+          <p:cNvSpPr>
+            <a:spLocks noGrp="1" noRot="1" noChangeAspect="1"/>
+          </p:cNvSpPr>
+          <p:nvPr>
+            <p:ph type="sldImg"/>
+          </p:nvPr>
+        </p:nvSpPr>
+        <p:spPr>
+          <a:xfrm>
+            <a:off x="381000" y="685800"/>
+            <a:ext cx="6096000" cy="3429000"/>
+          </a:xfrm>
+        </p:spPr>
+      </p:sp>
+      <p:sp>
+        <p:nvSpPr>
+          <p:cNvPr id="3" name="Notes Placeholder 2"/>
+          <p:cNvSpPr>
+            <a:spLocks noGrp="1"/>
+          </p:cNvSpPr>
+          <p:nvPr>
+            <p:ph type="body" idx="1"/>
+          </p:nvPr>
+        </p:nvSpPr>
+        <p:spPr/>
+        <p:txBody>
+          <a:bodyPr>
+            <a:normAutofit/>
+          </a:bodyPr>
+          <a:lstStyle/>
+          <a:p>
+            <a:endParaRPr lang="en-CA" b="0" dirty="0"/>
+          </a:p>
+        </p:txBody>
+      </p:sp>
+      <p:sp>
+        <p:nvSpPr>
+          <p:cNvPr id="4" name="Slide Number Placeholder 3"/>
+          <p:cNvSpPr>
+            <a:spLocks noGrp="1"/>
+          </p:cNvSpPr>
+          <p:nvPr>
+            <p:ph type="sldNum" sz="quarter" idx="10"/>
+          </p:nvPr>
+        </p:nvSpPr>
+        <p:spPr/>
+        <p:txBody>
+          <a:bodyPr/>
+          <a:lstStyle/>
+          <a:p>
+            <a:fld id="{13F0F35F-DD44-4607-AEC1-49D7A4BC4066}" type="slidenum">
+              <a:rPr lang="en-US" smtClean="0"/>
+              <a:pPr/>
+              <a:t>14</a:t>
             </a:fld>
             <a:endParaRPr lang="en-US" dirty="0"/>
           </a:p>
@@ -1476,7 +1569,7 @@
     </p:spTree>
     <p:extLst>
       <p:ext uri="{BB962C8B-B14F-4D97-AF65-F5344CB8AC3E}">
-        <p14:creationId xmlns:p14="http://schemas.microsoft.com/office/powerpoint/2010/main" val="3841073768"/>
+        <p14:creationId xmlns:p14="http://schemas.microsoft.com/office/powerpoint/2010/main" val="3211294657"/>
       </p:ext>
     </p:extLst>
   </p:cSld>
@@ -1568,7 +1661,7 @@
     </p:spTree>
     <p:extLst>
       <p:ext uri="{BB962C8B-B14F-4D97-AF65-F5344CB8AC3E}">
-        <p14:creationId xmlns:p14="http://schemas.microsoft.com/office/powerpoint/2010/main" val="1013198166"/>
+        <p14:creationId xmlns:p14="http://schemas.microsoft.com/office/powerpoint/2010/main" val="3841073768"/>
       </p:ext>
     </p:extLst>
   </p:cSld>
@@ -7820,10 +7913,287 @@
           </a:bodyPr>
           <a:lstStyle/>
           <a:p>
-            <a:pPr lvl="0"/>
             <a:r>
               <a:rPr lang="en-US" sz="3200" b="1" dirty="0"/>
               <a:t>03</a:t>
+            </a:r>
+            <a:r>
+              <a:rPr lang="en-US" sz="3200" b="1" dirty="0">
+                <a:solidFill>
+                  <a:srgbClr val="00B0F0"/>
+                </a:solidFill>
+              </a:rPr>
+              <a:t>|</a:t>
+            </a:r>
+            <a:r>
+              <a:rPr lang="en-US" sz="3200" b="1" dirty="0"/>
+              <a:t> API Creation</a:t>
+            </a:r>
+            <a:br>
+              <a:rPr lang="en-US" sz="3200" b="1" dirty="0"/>
+            </a:br>
+            <a:endParaRPr lang="en-US" sz="3200" b="1" dirty="0"/>
+          </a:p>
+        </p:txBody>
+      </p:sp>
+      <p:sp>
+        <p:nvSpPr>
+          <p:cNvPr id="3" name="Content Placeholder 2"/>
+          <p:cNvSpPr>
+            <a:spLocks noGrp="1"/>
+          </p:cNvSpPr>
+          <p:nvPr>
+            <p:ph sz="quarter" idx="10"/>
+          </p:nvPr>
+        </p:nvSpPr>
+        <p:spPr>
+          <a:xfrm>
+            <a:off x="379413" y="820396"/>
+            <a:ext cx="11525250" cy="5858218"/>
+          </a:xfrm>
+        </p:spPr>
+        <p:txBody>
+          <a:bodyPr/>
+          <a:lstStyle/>
+          <a:p>
+            <a:pPr marL="342783" lvl="1" indent="-342783">
+              <a:spcBef>
+                <a:spcPts val="1400"/>
+              </a:spcBef>
+              <a:buFont typeface="Arial" pitchFamily="34" charset="0"/>
+              <a:buChar char="•"/>
+            </a:pPr>
+            <a:r>
+              <a:rPr lang="en-US" sz="2400" b="1" dirty="0" err="1"/>
+              <a:t>Meetup.Api</a:t>
+            </a:r>
+            <a:endParaRPr lang="en-US" sz="1800" b="1" dirty="0">
+              <a:solidFill>
+                <a:schemeClr val="tx1"/>
+              </a:solidFill>
+            </a:endParaRPr>
+          </a:p>
+          <a:p>
+            <a:pPr lvl="1"/>
+            <a:endParaRPr lang="en-US" sz="1800" b="1" dirty="0"/>
+          </a:p>
+          <a:p>
+            <a:pPr lvl="1"/>
+            <a:r>
+              <a:rPr lang="en-US" sz="1800" b="1" dirty="0"/>
+              <a:t>Create </a:t>
+            </a:r>
+            <a:r>
+              <a:rPr lang="en-US" sz="1800" b="1" dirty="0" err="1"/>
+              <a:t>.Net</a:t>
+            </a:r>
+            <a:r>
+              <a:rPr lang="en-US" sz="1800" b="1" dirty="0"/>
+              <a:t> Core Web API project</a:t>
+            </a:r>
+          </a:p>
+          <a:p>
+            <a:pPr lvl="1"/>
+            <a:r>
+              <a:rPr lang="en-US" sz="1800" b="1" dirty="0"/>
+              <a:t>Add </a:t>
+            </a:r>
+            <a:r>
+              <a:rPr lang="en-US" sz="1800" b="1" dirty="0" err="1"/>
+              <a:t>meetup</a:t>
+            </a:r>
+            <a:r>
+              <a:rPr lang="en-US" sz="1800" b="1" dirty="0"/>
+              <a:t> controller using Entity Framework</a:t>
+            </a:r>
+          </a:p>
+          <a:p>
+            <a:pPr lvl="1"/>
+            <a:r>
+              <a:rPr lang="en-US" sz="1800" b="1" dirty="0"/>
+              <a:t>Run and invoke value controller to verify the initial structure</a:t>
+            </a:r>
+          </a:p>
+          <a:p>
+            <a:pPr lvl="1"/>
+            <a:r>
+              <a:rPr lang="en-US" sz="1800" b="1" dirty="0"/>
+              <a:t>Add Swagger</a:t>
+            </a:r>
+          </a:p>
+          <a:p>
+            <a:pPr lvl="2"/>
+            <a:endParaRPr lang="en-US" sz="1050" b="1" dirty="0"/>
+          </a:p>
+          <a:p>
+            <a:pPr lvl="2"/>
+            <a:r>
+              <a:rPr lang="en-US" sz="1600" b="1" dirty="0" err="1"/>
+              <a:t>Nuget</a:t>
+            </a:r>
+            <a:r>
+              <a:rPr lang="en-US" sz="1600" b="1" dirty="0"/>
+              <a:t> package: </a:t>
+            </a:r>
+            <a:r>
+              <a:rPr lang="en-US" sz="1600" b="1" dirty="0" err="1"/>
+              <a:t>Swashbuckle.AspNetCore</a:t>
+            </a:r>
+            <a:endParaRPr lang="en-US" sz="1600" b="1" dirty="0"/>
+          </a:p>
+          <a:p>
+            <a:pPr lvl="2"/>
+            <a:r>
+              <a:rPr lang="en-US" sz="1600" b="1" dirty="0"/>
+              <a:t>Usage: </a:t>
+            </a:r>
+            <a:r>
+              <a:rPr lang="en-US" sz="1600" b="1" dirty="0">
+                <a:hlinkClick r:id="rId3"/>
+              </a:rPr>
+              <a:t>https://github.com/domaindrivendev/Swashbuckle.AspNetCore</a:t>
+            </a:r>
+            <a:endParaRPr lang="en-US" sz="1600" b="1" dirty="0"/>
+          </a:p>
+          <a:p>
+            <a:pPr lvl="1"/>
+            <a:endParaRPr lang="en-US" sz="1800" b="1" dirty="0"/>
+          </a:p>
+          <a:p>
+            <a:pPr lvl="1"/>
+            <a:r>
+              <a:rPr lang="en-US" sz="1800" b="1" dirty="0"/>
+              <a:t>Test Get/Post with Swagger</a:t>
+            </a:r>
+          </a:p>
+          <a:p>
+            <a:pPr lvl="1"/>
+            <a:endParaRPr lang="en-US" sz="1800" b="1" dirty="0"/>
+          </a:p>
+          <a:p>
+            <a:pPr lvl="1"/>
+            <a:r>
+              <a:rPr lang="en-US" sz="1800" b="1" dirty="0"/>
+              <a:t>Add Analyzer</a:t>
+            </a:r>
+          </a:p>
+          <a:p>
+            <a:pPr lvl="2"/>
+            <a:r>
+              <a:rPr lang="en-US" sz="1400" b="1" dirty="0" err="1"/>
+              <a:t>Nuget</a:t>
+            </a:r>
+            <a:r>
+              <a:rPr lang="en-US" sz="1400" b="1" dirty="0"/>
+              <a:t> Package: </a:t>
+            </a:r>
+            <a:r>
+              <a:rPr lang="en-US" sz="1400" b="1" dirty="0" err="1"/>
+              <a:t>Microsoft.AspNetCore.Mvc.Api.Analyzers</a:t>
+            </a:r>
+            <a:endParaRPr lang="en-US" sz="1400" b="1" dirty="0"/>
+          </a:p>
+          <a:p>
+            <a:pPr lvl="1"/>
+            <a:endParaRPr lang="en-US" sz="1800" b="1" dirty="0"/>
+          </a:p>
+          <a:p>
+            <a:pPr lvl="1"/>
+            <a:r>
+              <a:rPr lang="en-US" sz="1800" b="1" dirty="0"/>
+              <a:t>Verify Analyzer effects</a:t>
+            </a:r>
+          </a:p>
+        </p:txBody>
+      </p:sp>
+      <p:cxnSp>
+        <p:nvCxnSpPr>
+          <p:cNvPr id="4" name="Straight Connector 3"/>
+          <p:cNvCxnSpPr/>
+          <p:nvPr/>
+        </p:nvCxnSpPr>
+        <p:spPr>
+          <a:xfrm>
+            <a:off x="379413" y="717261"/>
+            <a:ext cx="11235847" cy="0"/>
+          </a:xfrm>
+          <a:prstGeom prst="line">
+            <a:avLst/>
+          </a:prstGeom>
+          <a:ln w="82550" cmpd="sng">
+            <a:solidFill>
+              <a:schemeClr val="accent5">
+                <a:lumMod val="75000"/>
+              </a:schemeClr>
+            </a:solidFill>
+          </a:ln>
+        </p:spPr>
+        <p:style>
+          <a:lnRef idx="1">
+            <a:schemeClr val="accent1"/>
+          </a:lnRef>
+          <a:fillRef idx="0">
+            <a:schemeClr val="accent1"/>
+          </a:fillRef>
+          <a:effectRef idx="0">
+            <a:schemeClr val="accent1"/>
+          </a:effectRef>
+          <a:fontRef idx="minor">
+            <a:schemeClr val="tx1"/>
+          </a:fontRef>
+        </p:style>
+      </p:cxnSp>
+    </p:spTree>
+    <p:extLst>
+      <p:ext uri="{BB962C8B-B14F-4D97-AF65-F5344CB8AC3E}">
+        <p14:creationId xmlns:p14="http://schemas.microsoft.com/office/powerpoint/2010/main" val="3890724848"/>
+      </p:ext>
+    </p:extLst>
+  </p:cSld>
+  <p:clrMapOvr>
+    <a:masterClrMapping/>
+  </p:clrMapOvr>
+</p:sld>
+</file>
+
+<file path=ppt/slides/slide11.xml><?xml version="1.0" encoding="utf-8"?>
+<p:sld xmlns:a="http://schemas.openxmlformats.org/drawingml/2006/main" xmlns:r="http://schemas.openxmlformats.org/officeDocument/2006/relationships" xmlns:p="http://schemas.openxmlformats.org/presentationml/2006/main">
+  <p:cSld>
+    <p:spTree>
+      <p:nvGrpSpPr>
+        <p:cNvPr id="1" name=""/>
+        <p:cNvGrpSpPr/>
+        <p:nvPr/>
+      </p:nvGrpSpPr>
+      <p:grpSpPr>
+        <a:xfrm>
+          <a:off x="0" y="0"/>
+          <a:ext cx="0" cy="0"/>
+          <a:chOff x="0" y="0"/>
+          <a:chExt cx="0" cy="0"/>
+        </a:xfrm>
+      </p:grpSpPr>
+      <p:sp>
+        <p:nvSpPr>
+          <p:cNvPr id="2" name="Title 1"/>
+          <p:cNvSpPr>
+            <a:spLocks noGrp="1"/>
+          </p:cNvSpPr>
+          <p:nvPr>
+            <p:ph type="title"/>
+          </p:nvPr>
+        </p:nvSpPr>
+        <p:spPr/>
+        <p:txBody>
+          <a:bodyPr>
+            <a:normAutofit/>
+          </a:bodyPr>
+          <a:lstStyle/>
+          <a:p>
+            <a:pPr lvl="0"/>
+            <a:r>
+              <a:rPr lang="en-US" sz="3200" b="1" dirty="0"/>
+              <a:t>04</a:t>
             </a:r>
             <a:r>
               <a:rPr lang="en-US" sz="3200" b="1" dirty="0">
@@ -7978,7 +8348,7 @@
 </p:sld>
 </file>
 
-<file path=ppt/slides/slide11.xml><?xml version="1.0" encoding="utf-8"?>
+<file path=ppt/slides/slide12.xml><?xml version="1.0" encoding="utf-8"?>
 <p:sld xmlns:a="http://schemas.openxmlformats.org/drawingml/2006/main" xmlns:r="http://schemas.openxmlformats.org/officeDocument/2006/relationships" xmlns:p="http://schemas.openxmlformats.org/presentationml/2006/main">
   <p:cSld>
     <p:spTree>
@@ -8015,7 +8385,7 @@
             <a:pPr lvl="0"/>
             <a:r>
               <a:rPr lang="en-US" sz="3200" b="1" dirty="0"/>
-              <a:t>04</a:t>
+              <a:t>05</a:t>
             </a:r>
             <a:r>
               <a:rPr lang="en-US" sz="3200" b="1" dirty="0">
@@ -8172,7 +8542,7 @@
 </p:sld>
 </file>
 
-<file path=ppt/slides/slide12.xml><?xml version="1.0" encoding="utf-8"?>
+<file path=ppt/slides/slide13.xml><?xml version="1.0" encoding="utf-8"?>
 <p:sld xmlns:a="http://schemas.openxmlformats.org/drawingml/2006/main" xmlns:r="http://schemas.openxmlformats.org/officeDocument/2006/relationships" xmlns:p="http://schemas.openxmlformats.org/presentationml/2006/main">
   <p:cSld>
     <p:spTree>
@@ -8208,7 +8578,7 @@
           <a:p>
             <a:r>
               <a:rPr lang="en-US" sz="3200" b="1" dirty="0"/>
-              <a:t>05</a:t>
+              <a:t>06</a:t>
             </a:r>
             <a:r>
               <a:rPr lang="en-US" sz="3200" b="1" dirty="0">
@@ -8522,7 +8892,7 @@
 </p:sld>
 </file>
 
-<file path=ppt/slides/slide13.xml><?xml version="1.0" encoding="utf-8"?>
+<file path=ppt/slides/slide14.xml><?xml version="1.0" encoding="utf-8"?>
 <p:sld xmlns:a="http://schemas.openxmlformats.org/drawingml/2006/main" xmlns:r="http://schemas.openxmlformats.org/officeDocument/2006/relationships" xmlns:p="http://schemas.openxmlformats.org/presentationml/2006/main">
   <p:cSld>
     <p:spTree>
@@ -10507,7 +10877,7 @@
             </a:r>
             <a:r>
               <a:rPr lang="en-US" sz="3200" b="1" dirty="0"/>
-              <a:t> Model Creation</a:t>
+              <a:t> Database Creation</a:t>
             </a:r>
           </a:p>
         </p:txBody>
@@ -10535,7 +10905,7 @@
             <a:pPr marL="400031" indent="-342900"/>
             <a:r>
               <a:rPr lang="en-US" sz="2400" b="1" dirty="0" err="1"/>
-              <a:t>Meetup.Entities</a:t>
+              <a:t>Meetup.Db</a:t>
             </a:r>
             <a:br>
               <a:rPr lang="en-US" sz="2000" b="1" dirty="0"/>
@@ -10558,7 +10928,7 @@
             </a:r>
             <a:r>
               <a:rPr lang="en-US" sz="1600" b="1" dirty="0"/>
-              <a:t> Standard Library project</a:t>
+              <a:t> Framework database type project</a:t>
             </a:r>
           </a:p>
           <a:p>
@@ -10569,99 +10939,110 @@
             <a:pPr lvl="1"/>
             <a:r>
               <a:rPr lang="en-US" sz="1600" b="1" dirty="0"/>
-              <a:t>Add nugget packages</a:t>
-            </a:r>
-          </a:p>
-          <a:p>
-            <a:pPr lvl="2"/>
-            <a:endParaRPr lang="en-US" sz="1000" b="1" dirty="0"/>
-          </a:p>
-          <a:p>
-            <a:pPr lvl="2"/>
-            <a:r>
-              <a:rPr lang="en-US" sz="1400" b="1" dirty="0" err="1"/>
-              <a:t>Microsoft.EntityFrameworkCore</a:t>
-            </a:r>
-            <a:endParaRPr lang="en-US" sz="1400" b="1" dirty="0"/>
-          </a:p>
-          <a:p>
-            <a:pPr lvl="2"/>
-            <a:r>
-              <a:rPr lang="en-US" sz="1400" b="1" dirty="0" err="1"/>
-              <a:t>Microsoft.EntityFrameworkCore.SqlServer</a:t>
-            </a:r>
-            <a:endParaRPr lang="en-US" sz="1400" b="1" dirty="0"/>
+              <a:t>Add </a:t>
+            </a:r>
+            <a:r>
+              <a:rPr lang="en-US" sz="1600" b="1" dirty="0" err="1"/>
+              <a:t>MeetupDetail</a:t>
+            </a:r>
+            <a:r>
+              <a:rPr lang="en-US" sz="1600" b="1" dirty="0"/>
+              <a:t> table</a:t>
+            </a:r>
           </a:p>
           <a:p>
             <a:pPr lvl="1"/>
             <a:endParaRPr lang="en-US" sz="1600" b="1" dirty="0"/>
           </a:p>
           <a:p>
+            <a:pPr marL="856960" lvl="2" indent="0">
+              <a:buNone/>
+            </a:pPr>
+            <a:r>
+              <a:rPr lang="en-HK" sz="1200" b="1" dirty="0"/>
+              <a:t>CREATE TABLE [</a:t>
+            </a:r>
+            <a:r>
+              <a:rPr lang="en-HK" sz="1200" b="1" dirty="0" err="1"/>
+              <a:t>dbo</a:t>
+            </a:r>
+            <a:r>
+              <a:rPr lang="en-HK" sz="1200" b="1" dirty="0"/>
+              <a:t>].[</a:t>
+            </a:r>
+            <a:r>
+              <a:rPr lang="en-HK" sz="1200" b="1" dirty="0" err="1"/>
+              <a:t>MeetupDetail</a:t>
+            </a:r>
+            <a:r>
+              <a:rPr lang="en-HK" sz="1200" b="1" dirty="0"/>
+              <a:t>]</a:t>
+            </a:r>
+          </a:p>
+          <a:p>
+            <a:pPr marL="856960" lvl="2" indent="0">
+              <a:buNone/>
+            </a:pPr>
+            <a:r>
+              <a:rPr lang="en-HK" sz="1200" b="1" dirty="0"/>
+              <a:t>(</a:t>
+            </a:r>
+          </a:p>
+          <a:p>
+            <a:pPr marL="856960" lvl="2" indent="0">
+              <a:buNone/>
+            </a:pPr>
+            <a:r>
+              <a:rPr lang="en-HK" sz="1200" b="1" dirty="0"/>
+              <a:t>	[Id] INT NOT NULL PRIMARY KEY,</a:t>
+            </a:r>
+          </a:p>
+          <a:p>
+            <a:pPr marL="856960" lvl="2" indent="0">
+              <a:buNone/>
+            </a:pPr>
+            <a:r>
+              <a:rPr lang="en-HK" sz="1200" b="1" dirty="0"/>
+              <a:t>	[Date] DATETIME2,</a:t>
+            </a:r>
+          </a:p>
+          <a:p>
+            <a:pPr marL="856960" lvl="2" indent="0">
+              <a:buNone/>
+            </a:pPr>
+            <a:r>
+              <a:rPr lang="en-HK" sz="1200" b="1" dirty="0"/>
+              <a:t>	[Topic] VARCHAR(500),</a:t>
+            </a:r>
+          </a:p>
+          <a:p>
+            <a:pPr marL="856960" lvl="2" indent="0">
+              <a:buNone/>
+            </a:pPr>
+            <a:r>
+              <a:rPr lang="en-HK" sz="1200" b="1" dirty="0"/>
+              <a:t>	[</a:t>
+            </a:r>
+            <a:r>
+              <a:rPr lang="en-HK" sz="1200" b="1" dirty="0" err="1"/>
+              <a:t>ParticipantsCount</a:t>
+            </a:r>
+            <a:r>
+              <a:rPr lang="en-HK" sz="1200" b="1" dirty="0"/>
+              <a:t>] INT</a:t>
+            </a:r>
+          </a:p>
+          <a:p>
+            <a:pPr marL="856960" lvl="2" indent="0">
+              <a:buNone/>
+            </a:pPr>
+            <a:r>
+              <a:rPr lang="en-HK" sz="1200" b="1" dirty="0"/>
+              <a:t>)</a:t>
+            </a:r>
+          </a:p>
+          <a:p>
             <a:pPr lvl="1"/>
-            <a:endParaRPr lang="en-US" sz="1600" b="1" dirty="0"/>
-          </a:p>
-          <a:p>
-            <a:pPr lvl="1"/>
-            <a:r>
-              <a:rPr lang="en-US" sz="1600" b="1" dirty="0"/>
-              <a:t>Generate model using scaffolding service</a:t>
-            </a:r>
-          </a:p>
-          <a:p>
-            <a:pPr lvl="1"/>
-            <a:endParaRPr lang="en-US" sz="1600" b="1" dirty="0"/>
-          </a:p>
-          <a:p>
-            <a:pPr lvl="2"/>
-            <a:r>
-              <a:rPr lang="en-US" sz="1100" b="1" dirty="0"/>
-              <a:t>Scaffold-</a:t>
-            </a:r>
-            <a:r>
-              <a:rPr lang="en-US" sz="1100" b="1" dirty="0" err="1"/>
-              <a:t>DbContext</a:t>
-            </a:r>
-            <a:r>
-              <a:rPr lang="en-US" sz="1100" b="1" dirty="0"/>
-              <a:t> "Data Source=.\</a:t>
-            </a:r>
-            <a:r>
-              <a:rPr lang="en-US" sz="1100" b="1" dirty="0" err="1"/>
-              <a:t>SQLEXPRESS;Initial</a:t>
-            </a:r>
-            <a:r>
-              <a:rPr lang="en-US" sz="1100" b="1" dirty="0"/>
-              <a:t> Catalog=</a:t>
-            </a:r>
-            <a:r>
-              <a:rPr lang="en-US" sz="1100" b="1" dirty="0" err="1"/>
-              <a:t>MeetupDb;Integrated</a:t>
-            </a:r>
-            <a:r>
-              <a:rPr lang="en-US" sz="1100" b="1" dirty="0"/>
-              <a:t> Security=SSPI;" </a:t>
-            </a:r>
-            <a:r>
-              <a:rPr lang="en-US" sz="1100" b="1" dirty="0" err="1"/>
-              <a:t>Microsoft.EntityFrameworkCore.SqlServer</a:t>
-            </a:r>
-            <a:r>
-              <a:rPr lang="en-US" sz="1100" b="1" dirty="0"/>
-              <a:t> -</a:t>
-            </a:r>
-            <a:r>
-              <a:rPr lang="en-US" sz="1100" b="1" dirty="0" err="1"/>
-              <a:t>OutputDir</a:t>
-            </a:r>
-            <a:r>
-              <a:rPr lang="en-US" sz="1100" b="1" dirty="0"/>
-              <a:t> Models –f</a:t>
-            </a:r>
-          </a:p>
-          <a:p>
-            <a:pPr marL="457046" lvl="1" indent="0">
-              <a:buNone/>
-            </a:pPr>
             <a:endParaRPr lang="en-US" sz="1600" b="1" dirty="0"/>
           </a:p>
         </p:txBody>
@@ -10764,12 +11145,8 @@
             </a:r>
             <a:r>
               <a:rPr lang="en-US" sz="3200" b="1" dirty="0"/>
-              <a:t> API Creation</a:t>
-            </a:r>
-            <a:br>
-              <a:rPr lang="en-US" sz="3200" b="1" dirty="0"/>
-            </a:br>
-            <a:endParaRPr lang="en-US" sz="3200" b="1" dirty="0"/>
+              <a:t> Model Creation</a:t>
+            </a:r>
           </a:p>
         </p:txBody>
       </p:sp>
@@ -10793,153 +11170,137 @@
           <a:bodyPr/>
           <a:lstStyle/>
           <a:p>
-            <a:pPr marL="342783" lvl="1" indent="-342783">
-              <a:spcBef>
-                <a:spcPts val="1400"/>
-              </a:spcBef>
-              <a:buFont typeface="Arial" pitchFamily="34" charset="0"/>
-              <a:buChar char="•"/>
+            <a:pPr marL="400031" indent="-342900"/>
+            <a:r>
+              <a:rPr lang="en-US" sz="2400" b="1" dirty="0" err="1"/>
+              <a:t>Meetup.Entities</a:t>
+            </a:r>
+            <a:br>
+              <a:rPr lang="en-US" sz="2000" b="1" dirty="0"/>
+            </a:br>
+            <a:endParaRPr lang="en-US" sz="2000" b="1" dirty="0"/>
+          </a:p>
+          <a:p>
+            <a:pPr lvl="1"/>
+            <a:endParaRPr lang="en-US" sz="1600" b="1" dirty="0"/>
+          </a:p>
+          <a:p>
+            <a:pPr lvl="1"/>
+            <a:r>
+              <a:rPr lang="en-US" sz="1600" b="1" dirty="0"/>
+              <a:t>Create </a:t>
+            </a:r>
+            <a:r>
+              <a:rPr lang="en-US" sz="1600" b="1" dirty="0" err="1"/>
+              <a:t>.Net</a:t>
+            </a:r>
+            <a:r>
+              <a:rPr lang="en-US" sz="1600" b="1" dirty="0"/>
+              <a:t> Standard Library project</a:t>
+            </a:r>
+          </a:p>
+          <a:p>
+            <a:pPr lvl="1"/>
+            <a:endParaRPr lang="en-US" sz="1600" b="1" dirty="0"/>
+          </a:p>
+          <a:p>
+            <a:pPr lvl="1"/>
+            <a:r>
+              <a:rPr lang="en-US" sz="1600" b="1" dirty="0"/>
+              <a:t>Add nugget packages</a:t>
+            </a:r>
+          </a:p>
+          <a:p>
+            <a:pPr lvl="2"/>
+            <a:endParaRPr lang="en-US" sz="1000" b="1" dirty="0"/>
+          </a:p>
+          <a:p>
+            <a:pPr lvl="2"/>
+            <a:r>
+              <a:rPr lang="en-US" sz="1400" b="1" dirty="0" err="1"/>
+              <a:t>Microsoft.EntityFrameworkCore</a:t>
+            </a:r>
+            <a:endParaRPr lang="en-US" sz="1400" b="1" dirty="0"/>
+          </a:p>
+          <a:p>
+            <a:pPr lvl="2"/>
+            <a:r>
+              <a:rPr lang="en-US" sz="1400" b="1" dirty="0" err="1"/>
+              <a:t>Microsoft.EntityFrameworkCore.SqlServer</a:t>
+            </a:r>
+            <a:endParaRPr lang="en-US" sz="1400" b="1" dirty="0"/>
+          </a:p>
+          <a:p>
+            <a:pPr lvl="1"/>
+            <a:endParaRPr lang="en-US" sz="1600" b="1" dirty="0"/>
+          </a:p>
+          <a:p>
+            <a:pPr lvl="1"/>
+            <a:endParaRPr lang="en-US" sz="1600" b="1" dirty="0"/>
+          </a:p>
+          <a:p>
+            <a:pPr lvl="1"/>
+            <a:r>
+              <a:rPr lang="en-US" sz="1600" b="1" dirty="0"/>
+              <a:t>Generate model using scaffolding service</a:t>
+            </a:r>
+          </a:p>
+          <a:p>
+            <a:pPr lvl="1"/>
+            <a:endParaRPr lang="en-US" sz="1600" b="1" dirty="0"/>
+          </a:p>
+          <a:p>
+            <a:pPr lvl="2"/>
+            <a:r>
+              <a:rPr lang="en-US" sz="1100" b="1" dirty="0"/>
+              <a:t>Scaffold-</a:t>
+            </a:r>
+            <a:r>
+              <a:rPr lang="en-US" sz="1100" b="1" dirty="0" err="1"/>
+              <a:t>DbContext</a:t>
+            </a:r>
+            <a:r>
+              <a:rPr lang="en-US" sz="1100" b="1" dirty="0"/>
+              <a:t> "Data Source=.\</a:t>
+            </a:r>
+            <a:r>
+              <a:rPr lang="en-US" sz="1100" b="1" dirty="0" err="1"/>
+              <a:t>SQLEXPRESS;Initial</a:t>
+            </a:r>
+            <a:r>
+              <a:rPr lang="en-US" sz="1100" b="1" dirty="0"/>
+              <a:t> Catalog=</a:t>
+            </a:r>
+            <a:r>
+              <a:rPr lang="en-US" sz="1100" b="1" dirty="0" err="1"/>
+              <a:t>MeetupDb;Integrated</a:t>
+            </a:r>
+            <a:r>
+              <a:rPr lang="en-US" sz="1100" b="1" dirty="0"/>
+              <a:t> Security=SSPI;" </a:t>
+            </a:r>
+            <a:r>
+              <a:rPr lang="en-US" sz="1100" b="1" dirty="0" err="1"/>
+              <a:t>Microsoft.EntityFrameworkCore.SqlServer</a:t>
+            </a:r>
+            <a:r>
+              <a:rPr lang="en-US" sz="1100" b="1" dirty="0"/>
+              <a:t> -</a:t>
+            </a:r>
+            <a:r>
+              <a:rPr lang="en-US" sz="1100" b="1" dirty="0" err="1"/>
+              <a:t>OutputDir</a:t>
+            </a:r>
+            <a:r>
+              <a:rPr lang="en-US" sz="1100" b="1" dirty="0"/>
+              <a:t> Models –f</a:t>
+            </a:r>
+          </a:p>
+          <a:p>
+            <a:pPr marL="457046" lvl="1" indent="0">
+              <a:buNone/>
             </a:pPr>
-            <a:r>
-              <a:rPr lang="en-US" sz="2400" b="1" dirty="0" err="1"/>
-              <a:t>Meetup.Api</a:t>
-            </a:r>
-            <a:endParaRPr lang="en-US" sz="1800" b="1" dirty="0">
-              <a:solidFill>
-                <a:schemeClr val="tx1"/>
-              </a:solidFill>
-            </a:endParaRPr>
-          </a:p>
-          <a:p>
-            <a:pPr lvl="1"/>
-            <a:endParaRPr lang="en-US" sz="1800" b="1" dirty="0"/>
-          </a:p>
-          <a:p>
-            <a:pPr lvl="1"/>
-            <a:r>
-              <a:rPr lang="en-US" sz="1800" b="1" dirty="0"/>
-              <a:t>Create </a:t>
-            </a:r>
-            <a:r>
-              <a:rPr lang="en-US" sz="1800" b="1" dirty="0" err="1"/>
-              <a:t>.Net</a:t>
-            </a:r>
-            <a:r>
-              <a:rPr lang="en-US" sz="1800" b="1" dirty="0"/>
-              <a:t> Core Web API project</a:t>
-            </a:r>
-          </a:p>
-          <a:p>
-            <a:pPr lvl="1"/>
-            <a:r>
-              <a:rPr lang="en-US" sz="1800" b="1" dirty="0"/>
-              <a:t>Add </a:t>
-            </a:r>
-            <a:r>
-              <a:rPr lang="en-US" sz="1800" b="1" dirty="0" err="1"/>
-              <a:t>meetup</a:t>
-            </a:r>
-            <a:r>
-              <a:rPr lang="en-US" sz="1800" b="1" dirty="0"/>
-              <a:t> controller using Entity Framework</a:t>
-            </a:r>
-          </a:p>
-          <a:p>
-            <a:pPr lvl="1"/>
-            <a:r>
-              <a:rPr lang="en-US" sz="1800" b="1" dirty="0"/>
-              <a:t>Run and invoke value controller to verify the initial structure</a:t>
-            </a:r>
-          </a:p>
-          <a:p>
-            <a:pPr lvl="1"/>
-            <a:r>
-              <a:rPr lang="en-US" sz="1800" b="1" dirty="0"/>
-              <a:t>Add Swagger</a:t>
-            </a:r>
-          </a:p>
-          <a:p>
-            <a:pPr lvl="2"/>
-            <a:endParaRPr lang="en-US" sz="1050" b="1" dirty="0"/>
-          </a:p>
-          <a:p>
-            <a:pPr lvl="2"/>
-            <a:r>
-              <a:rPr lang="en-US" sz="1600" b="1" dirty="0" err="1"/>
-              <a:t>Nuget</a:t>
-            </a:r>
-            <a:r>
-              <a:rPr lang="en-US" sz="1600" b="1" dirty="0"/>
-              <a:t> package: </a:t>
-            </a:r>
-            <a:r>
-              <a:rPr lang="en-US" sz="1600" b="1" dirty="0" err="1"/>
-              <a:t>Swashbuckle.AspNetCore</a:t>
-            </a:r>
             <a:endParaRPr lang="en-US" sz="1600" b="1" dirty="0"/>
-          </a:p>
-          <a:p>
-            <a:pPr lvl="2"/>
-            <a:r>
-              <a:rPr lang="en-US" sz="1600" b="1" dirty="0"/>
-              <a:t>Usage: </a:t>
-            </a:r>
-            <a:r>
-              <a:rPr lang="en-US" sz="1600" b="1" dirty="0">
-                <a:hlinkClick r:id="rId3"/>
-              </a:rPr>
-              <a:t>https://github.com/domaindrivendev/Swashbuckle.AspNetCore</a:t>
-            </a:r>
-            <a:endParaRPr lang="en-US" sz="1600" b="1" dirty="0"/>
-          </a:p>
-          <a:p>
-            <a:pPr lvl="1"/>
-            <a:endParaRPr lang="en-US" sz="1800" b="1" dirty="0"/>
-          </a:p>
-          <a:p>
-            <a:pPr lvl="1"/>
-            <a:r>
-              <a:rPr lang="en-US" sz="1800" b="1" dirty="0"/>
-              <a:t>Test Get/Post with Swagger</a:t>
-            </a:r>
-          </a:p>
-          <a:p>
-            <a:pPr lvl="1"/>
-            <a:endParaRPr lang="en-US" sz="1800" b="1" dirty="0"/>
-          </a:p>
-          <a:p>
-            <a:pPr lvl="1"/>
-            <a:r>
-              <a:rPr lang="en-US" sz="1800" b="1" dirty="0"/>
-              <a:t>Add Analyzer</a:t>
-            </a:r>
-          </a:p>
-          <a:p>
-            <a:pPr lvl="2"/>
-            <a:r>
-              <a:rPr lang="en-US" sz="1400" b="1" dirty="0" err="1"/>
-              <a:t>Nuget</a:t>
-            </a:r>
-            <a:r>
-              <a:rPr lang="en-US" sz="1400" b="1" dirty="0"/>
-              <a:t> Package: </a:t>
-            </a:r>
-            <a:r>
-              <a:rPr lang="en-US" sz="1400" b="1" dirty="0" err="1"/>
-              <a:t>Microsoft.AspNetCore.Mvc.Api.Analyzers</a:t>
-            </a:r>
-            <a:endParaRPr lang="en-US" sz="1400" b="1" dirty="0"/>
-          </a:p>
-          <a:p>
-            <a:pPr lvl="1"/>
-            <a:endParaRPr lang="en-US" sz="1800" b="1" dirty="0"/>
-          </a:p>
-          <a:p>
-            <a:pPr lvl="1"/>
-            <a:r>
-              <a:rPr lang="en-US" sz="1800" b="1" dirty="0"/>
-              <a:t>Verify Analyzer effects</a:t>
-            </a:r>
           </a:p>
         </p:txBody>
       </p:sp>
@@ -10983,7 +11344,7 @@
     </p:spTree>
     <p:extLst>
       <p:ext uri="{BB962C8B-B14F-4D97-AF65-F5344CB8AC3E}">
-        <p14:creationId xmlns:p14="http://schemas.microsoft.com/office/powerpoint/2010/main" val="3890724848"/>
+        <p14:creationId xmlns:p14="http://schemas.microsoft.com/office/powerpoint/2010/main" val="3504727087"/>
       </p:ext>
     </p:extLst>
   </p:cSld>
@@ -11845,6 +12206,15 @@
 </file>
 
 <file path=customXml/item2.xml><?xml version="1.0" encoding="utf-8"?>
+<?mso-contentType ?>
+<FormTemplates xmlns="http://schemas.microsoft.com/sharepoint/v3/contenttype/forms">
+  <Display>DocumentLibraryForm</Display>
+  <Edit>DocumentLibraryForm</Edit>
+  <New>DocumentLibraryForm</New>
+</FormTemplates>
+</file>
+
+<file path=customXml/item3.xml><?xml version="1.0" encoding="utf-8"?>
 <ct:contentTypeSchema xmlns:ct="http://schemas.microsoft.com/office/2006/metadata/contentType" xmlns:ma="http://schemas.microsoft.com/office/2006/metadata/properties/metaAttributes" ct:_="" ma:_="" ma:contentTypeName="Document" ma:contentTypeID="0x0101007946DDFB0B36E2409D611D00FC3D4DB4" ma:contentTypeVersion="" ma:contentTypeDescription="Create a new document." ma:contentTypeScope="" ma:versionID="9168b737cc82d0d0c917f967c1a24543">
   <xsd:schema xmlns:xsd="http://www.w3.org/2001/XMLSchema" xmlns:xs="http://www.w3.org/2001/XMLSchema" xmlns:p="http://schemas.microsoft.com/office/2006/metadata/properties" xmlns:ns2="74AB046D-40EB-488B-ABA9-937A83031C9B" targetNamespace="http://schemas.microsoft.com/office/2006/metadata/properties" ma:root="true" ma:fieldsID="2fd630261e4128d77de5ca0610f944b8" ns2:_="">
     <xsd:import namespace="74AB046D-40EB-488B-ABA9-937A83031C9B"/>
@@ -11998,15 +12368,6 @@
 </ct:contentTypeSchema>
 </file>
 
-<file path=customXml/item3.xml><?xml version="1.0" encoding="utf-8"?>
-<?mso-contentType ?>
-<FormTemplates xmlns="http://schemas.microsoft.com/sharepoint/v3/contenttype/forms">
-  <Display>DocumentLibraryForm</Display>
-  <Edit>DocumentLibraryForm</Edit>
-  <New>DocumentLibraryForm</New>
-</FormTemplates>
-</file>
-
 <file path=customXml/itemProps1.xml><?xml version="1.0" encoding="utf-8"?>
 <ds:datastoreItem xmlns:ds="http://schemas.openxmlformats.org/officeDocument/2006/customXml" ds:itemID="{4D01FA1F-EB5F-45CF-9276-A2E0FC34F5A3}">
   <ds:schemaRefs>
@@ -12018,6 +12379,14 @@
 </file>
 
 <file path=customXml/itemProps2.xml><?xml version="1.0" encoding="utf-8"?>
+<ds:datastoreItem xmlns:ds="http://schemas.openxmlformats.org/officeDocument/2006/customXml" ds:itemID="{683A9330-F5A2-4815-B76B-50CD0A9C21FE}">
+  <ds:schemaRefs>
+    <ds:schemaRef ds:uri="http://schemas.microsoft.com/sharepoint/v3/contenttype/forms"/>
+  </ds:schemaRefs>
+</ds:datastoreItem>
+</file>
+
+<file path=customXml/itemProps3.xml><?xml version="1.0" encoding="utf-8"?>
 <ds:datastoreItem xmlns:ds="http://schemas.openxmlformats.org/officeDocument/2006/customXml" ds:itemID="{F6A58999-A8DA-42EB-B319-FAECE6F9EF8C}">
   <ds:schemaRefs>
     <ds:schemaRef ds:uri="http://schemas.microsoft.com/office/2006/metadata/contentType"/>
@@ -12033,12 +12402,4 @@
     <ds:schemaRef ds:uri="http://schemas.microsoft.com/internal/obd"/>
   </ds:schemaRefs>
 </ds:datastoreItem>
-</file>
-
-<file path=customXml/itemProps3.xml><?xml version="1.0" encoding="utf-8"?>
-<ds:datastoreItem xmlns:ds="http://schemas.openxmlformats.org/officeDocument/2006/customXml" ds:itemID="{683A9330-F5A2-4815-B76B-50CD0A9C21FE}">
-  <ds:schemaRefs>
-    <ds:schemaRef ds:uri="http://schemas.microsoft.com/sharepoint/v3/contenttype/forms"/>
-  </ds:schemaRefs>
-</ds:datastoreItem>
 </file>